--- a/Project/Project Proposal.pptx
+++ b/Project/Project Proposal.pptx
@@ -112,6 +112,11 @@
       </a:defRPr>
     </a:lvl9pPr>
   </p:defaultTextStyle>
+  <p:extLst>
+    <p:ext uri="{EFAFB233-063F-42B5-8137-9DF3F51BA10A}">
+      <p15:sldGuideLst xmlns:p15="http://schemas.microsoft.com/office/powerpoint/2012/main"/>
+    </p:ext>
+  </p:extLst>
 </p:presentation>
 </file>
 
@@ -262,7 +267,7 @@
           <a:p>
             <a:fld id="{BDB81E68-9071-4534-B1CB-8EB02C66FA70}" type="datetimeFigureOut">
               <a:rPr lang="en-US" smtClean="0"/>
-              <a:t>2/18/2020</a:t>
+              <a:t>2/19/2020</a:t>
             </a:fld>
             <a:endParaRPr lang="en-US"/>
           </a:p>
@@ -460,7 +465,7 @@
           <a:p>
             <a:fld id="{BDB81E68-9071-4534-B1CB-8EB02C66FA70}" type="datetimeFigureOut">
               <a:rPr lang="en-US" smtClean="0"/>
-              <a:t>2/18/2020</a:t>
+              <a:t>2/19/2020</a:t>
             </a:fld>
             <a:endParaRPr lang="en-US"/>
           </a:p>
@@ -668,7 +673,7 @@
           <a:p>
             <a:fld id="{BDB81E68-9071-4534-B1CB-8EB02C66FA70}" type="datetimeFigureOut">
               <a:rPr lang="en-US" smtClean="0"/>
-              <a:t>2/18/2020</a:t>
+              <a:t>2/19/2020</a:t>
             </a:fld>
             <a:endParaRPr lang="en-US"/>
           </a:p>
@@ -866,7 +871,7 @@
           <a:p>
             <a:fld id="{BDB81E68-9071-4534-B1CB-8EB02C66FA70}" type="datetimeFigureOut">
               <a:rPr lang="en-US" smtClean="0"/>
-              <a:t>2/18/2020</a:t>
+              <a:t>2/19/2020</a:t>
             </a:fld>
             <a:endParaRPr lang="en-US"/>
           </a:p>
@@ -1141,7 +1146,7 @@
           <a:p>
             <a:fld id="{BDB81E68-9071-4534-B1CB-8EB02C66FA70}" type="datetimeFigureOut">
               <a:rPr lang="en-US" smtClean="0"/>
-              <a:t>2/18/2020</a:t>
+              <a:t>2/19/2020</a:t>
             </a:fld>
             <a:endParaRPr lang="en-US"/>
           </a:p>
@@ -1406,7 +1411,7 @@
           <a:p>
             <a:fld id="{BDB81E68-9071-4534-B1CB-8EB02C66FA70}" type="datetimeFigureOut">
               <a:rPr lang="en-US" smtClean="0"/>
-              <a:t>2/18/2020</a:t>
+              <a:t>2/19/2020</a:t>
             </a:fld>
             <a:endParaRPr lang="en-US"/>
           </a:p>
@@ -1818,7 +1823,7 @@
           <a:p>
             <a:fld id="{BDB81E68-9071-4534-B1CB-8EB02C66FA70}" type="datetimeFigureOut">
               <a:rPr lang="en-US" smtClean="0"/>
-              <a:t>2/18/2020</a:t>
+              <a:t>2/19/2020</a:t>
             </a:fld>
             <a:endParaRPr lang="en-US"/>
           </a:p>
@@ -1959,7 +1964,7 @@
           <a:p>
             <a:fld id="{BDB81E68-9071-4534-B1CB-8EB02C66FA70}" type="datetimeFigureOut">
               <a:rPr lang="en-US" smtClean="0"/>
-              <a:t>2/18/2020</a:t>
+              <a:t>2/19/2020</a:t>
             </a:fld>
             <a:endParaRPr lang="en-US"/>
           </a:p>
@@ -2072,7 +2077,7 @@
           <a:p>
             <a:fld id="{BDB81E68-9071-4534-B1CB-8EB02C66FA70}" type="datetimeFigureOut">
               <a:rPr lang="en-US" smtClean="0"/>
-              <a:t>2/18/2020</a:t>
+              <a:t>2/19/2020</a:t>
             </a:fld>
             <a:endParaRPr lang="en-US"/>
           </a:p>
@@ -2383,7 +2388,7 @@
           <a:p>
             <a:fld id="{BDB81E68-9071-4534-B1CB-8EB02C66FA70}" type="datetimeFigureOut">
               <a:rPr lang="en-US" smtClean="0"/>
-              <a:t>2/18/2020</a:t>
+              <a:t>2/19/2020</a:t>
             </a:fld>
             <a:endParaRPr lang="en-US"/>
           </a:p>
@@ -2671,7 +2676,7 @@
           <a:p>
             <a:fld id="{BDB81E68-9071-4534-B1CB-8EB02C66FA70}" type="datetimeFigureOut">
               <a:rPr lang="en-US" smtClean="0"/>
-              <a:t>2/18/2020</a:t>
+              <a:t>2/19/2020</a:t>
             </a:fld>
             <a:endParaRPr lang="en-US"/>
           </a:p>
@@ -2912,7 +2917,7 @@
           <a:p>
             <a:fld id="{BDB81E68-9071-4534-B1CB-8EB02C66FA70}" type="datetimeFigureOut">
               <a:rPr lang="en-US" smtClean="0"/>
-              <a:t>2/18/2020</a:t>
+              <a:t>2/19/2020</a:t>
             </a:fld>
             <a:endParaRPr lang="en-US"/>
           </a:p>
@@ -3449,7 +3454,7 @@
           <a:p>
             <a:r>
               <a:rPr lang="en-US" dirty="0"/>
-              <a:t>Introduction</a:t>
+              <a:t>Introduction (RL)</a:t>
             </a:r>
           </a:p>
         </p:txBody>
@@ -3477,7 +3482,13 @@
           <a:p>
             <a:r>
               <a:rPr lang="en-US" dirty="0"/>
-              <a:t>Why study this topic?</a:t>
+              <a:t>We are interested in the factors that effect GDP per employee (productivity by employee) in both emerging and developing countries.</a:t>
+            </a:r>
+          </a:p>
+          <a:p>
+            <a:r>
+              <a:rPr lang="en-US" dirty="0"/>
+              <a:t>We both have an interest in economics. We thought this would be a fun dataset to work on.</a:t>
             </a:r>
           </a:p>
         </p:txBody>
@@ -3535,7 +3546,7 @@
           <a:p>
             <a:r>
               <a:rPr lang="en-US" dirty="0"/>
-              <a:t>Introduction</a:t>
+              <a:t>Introduction (RL)</a:t>
             </a:r>
           </a:p>
         </p:txBody>
@@ -3563,7 +3574,7 @@
           <a:p>
             <a:r>
               <a:rPr lang="en-US" dirty="0"/>
-              <a:t>What to achieve?</a:t>
+              <a:t>We want to find meaningful factors that effect employee productivity (GDP per employee).</a:t>
             </a:r>
           </a:p>
         </p:txBody>
@@ -3644,13 +3655,42 @@
         </p:nvSpPr>
         <p:spPr/>
         <p:txBody>
-          <a:bodyPr/>
+          <a:bodyPr>
+            <a:normAutofit/>
+          </a:bodyPr>
           <a:lstStyle/>
           <a:p>
             <a:r>
               <a:rPr lang="en-US" dirty="0"/>
-              <a:t>Discuss the study Hypothesis or questions</a:t>
-            </a:r>
+              <a:t>We believe access to electricity will positively effect employee productivity.</a:t>
+            </a:r>
+          </a:p>
+          <a:p>
+            <a:r>
+              <a:rPr lang="en-US" dirty="0"/>
+              <a:t>We believe internet usage will positively effect employee productivity.</a:t>
+            </a:r>
+          </a:p>
+          <a:p>
+            <a:r>
+              <a:rPr lang="en-US" dirty="0"/>
+              <a:t>We believe communication usage will positively effect employee productivity.</a:t>
+            </a:r>
+          </a:p>
+          <a:p>
+            <a:r>
+              <a:rPr lang="en-US" dirty="0"/>
+              <a:t>We are curious about the effects of different industry trends on employee productivity.</a:t>
+            </a:r>
+          </a:p>
+          <a:p>
+            <a:r>
+              <a:rPr lang="en-US" dirty="0"/>
+              <a:t>We are curious about the effects of employment type trends on employee productivity.</a:t>
+            </a:r>
+          </a:p>
+          <a:p>
+            <a:endParaRPr lang="en-US" dirty="0"/>
           </a:p>
         </p:txBody>
       </p:sp>
@@ -3707,7 +3747,7 @@
           <a:p>
             <a:r>
               <a:rPr lang="en-US" dirty="0"/>
-              <a:t>Data Sources</a:t>
+              <a:t>Data Sources (DV)</a:t>
             </a:r>
           </a:p>
         </p:txBody>
@@ -3730,12 +3770,39 @@
         </p:nvSpPr>
         <p:spPr/>
         <p:txBody>
-          <a:bodyPr/>
+          <a:bodyPr>
+            <a:normAutofit fontScale="47500" lnSpcReduction="20000"/>
+          </a:bodyPr>
           <a:lstStyle/>
           <a:p>
             <a:r>
               <a:rPr lang="en-US" dirty="0"/>
-              <a:t>List</a:t>
+              <a:t>World Bank Data (</a:t>
+            </a:r>
+            <a:r>
+              <a:rPr lang="en-US" dirty="0">
+                <a:hlinkClick r:id="rId2"/>
+              </a:rPr>
+              <a:t>https://databank.worldbank.org/source/jobs</a:t>
+            </a:r>
+            <a:r>
+              <a:rPr lang="en-US" dirty="0"/>
+              <a:t>)</a:t>
+            </a:r>
+          </a:p>
+          <a:p>
+            <a:endParaRPr lang="en-US" dirty="0"/>
+          </a:p>
+          <a:p>
+            <a:r>
+              <a:rPr lang="en-US" dirty="0"/>
+              <a:t>20 different countries (10 developing, 10 developed)</a:t>
+            </a:r>
+          </a:p>
+          <a:p>
+            <a:r>
+              <a:rPr lang="en-US" dirty="0"/>
+              <a:t>15 year time frame (2000 – 2014)</a:t>
             </a:r>
           </a:p>
           <a:p>
@@ -3747,7 +3814,103 @@
           <a:p>
             <a:r>
               <a:rPr lang="en-US" dirty="0"/>
-              <a:t>Cases/Records</a:t>
+              <a:t>Access to electricity </a:t>
+            </a:r>
+          </a:p>
+          <a:p>
+            <a:r>
+              <a:rPr lang="en-US" dirty="0"/>
+              <a:t>Individuals using the internet</a:t>
+            </a:r>
+          </a:p>
+          <a:p>
+            <a:r>
+              <a:rPr lang="en-US" dirty="0"/>
+              <a:t>Communication </a:t>
+            </a:r>
+          </a:p>
+          <a:p>
+            <a:pPr lvl="1"/>
+            <a:r>
+              <a:rPr lang="en-US" dirty="0"/>
+              <a:t>Mobile Cellular Subscriptions</a:t>
+            </a:r>
+          </a:p>
+          <a:p>
+            <a:pPr lvl="1"/>
+            <a:r>
+              <a:rPr lang="en-US" dirty="0"/>
+              <a:t>Telephone Lines per 100 people</a:t>
+            </a:r>
+          </a:p>
+          <a:p>
+            <a:r>
+              <a:rPr lang="en-US" dirty="0"/>
+              <a:t>Type of Industry </a:t>
+            </a:r>
+          </a:p>
+          <a:p>
+            <a:pPr lvl="1"/>
+            <a:r>
+              <a:rPr lang="en-US" dirty="0" err="1"/>
+              <a:t>employemnt</a:t>
+            </a:r>
+            <a:r>
+              <a:rPr lang="en-US" dirty="0"/>
+              <a:t> in </a:t>
+            </a:r>
+            <a:r>
+              <a:rPr lang="en-US" dirty="0" err="1"/>
+              <a:t>agrigulture</a:t>
+            </a:r>
+            <a:endParaRPr lang="en-US" dirty="0"/>
+          </a:p>
+          <a:p>
+            <a:pPr lvl="1"/>
+            <a:r>
+              <a:rPr lang="en-US" dirty="0" err="1"/>
+              <a:t>employemnt</a:t>
+            </a:r>
+            <a:r>
+              <a:rPr lang="en-US" dirty="0"/>
+              <a:t> in in industry</a:t>
+            </a:r>
+          </a:p>
+          <a:p>
+            <a:pPr lvl="1"/>
+            <a:r>
+              <a:rPr lang="en-US" dirty="0" err="1"/>
+              <a:t>employemnt</a:t>
+            </a:r>
+            <a:r>
+              <a:rPr lang="en-US" dirty="0"/>
+              <a:t> in in service</a:t>
+            </a:r>
+          </a:p>
+          <a:p>
+            <a:r>
+              <a:rPr lang="en-US" dirty="0"/>
+              <a:t>type of employment</a:t>
+            </a:r>
+          </a:p>
+          <a:p>
+            <a:pPr lvl="1"/>
+            <a:r>
+              <a:rPr lang="en-US" dirty="0"/>
+              <a:t>Wage and Salaried Workers</a:t>
+            </a:r>
+          </a:p>
+          <a:p>
+            <a:pPr lvl="1"/>
+            <a:r>
+              <a:rPr lang="en-US" dirty="0"/>
+              <a:t>self-employed total %</a:t>
+            </a:r>
+          </a:p>
+          <a:p>
+            <a:r>
+              <a:rPr lang="en-US" dirty="0"/>
+              <a:t>300 Cases total</a:t>
             </a:r>
           </a:p>
         </p:txBody>
@@ -3805,7 +3968,7 @@
           <a:p>
             <a:r>
               <a:rPr lang="en-US" dirty="0"/>
-              <a:t>Data Preparation</a:t>
+              <a:t>Data Preparation (RL)</a:t>
             </a:r>
           </a:p>
         </p:txBody>
@@ -3833,8 +3996,23 @@
           <a:p>
             <a:r>
               <a:rPr lang="en-US" dirty="0"/>
-              <a:t>Issues related to dataset and how to resolve.</a:t>
-            </a:r>
+              <a:t>Selecting correct data from data set</a:t>
+            </a:r>
+          </a:p>
+          <a:p>
+            <a:r>
+              <a:rPr lang="en-US" dirty="0"/>
+              <a:t>World Bank provides data in a reversed format for easy analysis, so we will have to reformat the data using Python.</a:t>
+            </a:r>
+          </a:p>
+          <a:p>
+            <a:r>
+              <a:rPr lang="en-US" dirty="0"/>
+              <a:t>There are missing values that will need filled/estimated using Python.</a:t>
+            </a:r>
+          </a:p>
+          <a:p>
+            <a:endParaRPr lang="en-US" dirty="0"/>
           </a:p>
         </p:txBody>
       </p:sp>
@@ -3891,7 +4069,7 @@
           <a:p>
             <a:r>
               <a:rPr lang="en-US" dirty="0"/>
-              <a:t>Visual Analysis</a:t>
+              <a:t>Visual Analysis (DV)</a:t>
             </a:r>
           </a:p>
         </p:txBody>
@@ -3917,7 +4095,28 @@
           <a:bodyPr/>
           <a:lstStyle/>
           <a:p>
-            <a:endParaRPr lang="en-US"/>
+            <a:r>
+              <a:rPr lang="en-US" dirty="0"/>
+              <a:t>Map Chart</a:t>
+            </a:r>
+          </a:p>
+          <a:p>
+            <a:r>
+              <a:rPr lang="en-US" dirty="0"/>
+              <a:t>Line Chart</a:t>
+            </a:r>
+          </a:p>
+          <a:p>
+            <a:r>
+              <a:rPr lang="en-US" dirty="0"/>
+              <a:t>Bar Chart</a:t>
+            </a:r>
+          </a:p>
+          <a:p>
+            <a:r>
+              <a:rPr lang="en-US" dirty="0"/>
+              <a:t>Tables</a:t>
+            </a:r>
           </a:p>
         </p:txBody>
       </p:sp>
@@ -3972,6 +4171,7 @@
           <a:bodyPr/>
           <a:lstStyle/>
           <a:p>
+            <a:pPr algn="ctr"/>
             <a:r>
               <a:rPr lang="en-US" dirty="0"/>
               <a:t>Timeline</a:t>

--- a/Project/Project Proposal.pptx
+++ b/Project/Project Proposal.pptx
@@ -3320,6 +3320,17 @@
 <file path=ppt/slides/slide1.xml><?xml version="1.0" encoding="utf-8"?>
 <p:sld xmlns:a="http://schemas.openxmlformats.org/drawingml/2006/main" xmlns:r="http://schemas.openxmlformats.org/officeDocument/2006/relationships" xmlns:p="http://schemas.openxmlformats.org/presentationml/2006/main">
   <p:cSld>
+    <p:bg>
+      <p:bgPr>
+        <a:solidFill>
+          <a:schemeClr val="accent1">
+            <a:lumMod val="20000"/>
+            <a:lumOff val="80000"/>
+          </a:schemeClr>
+        </a:solidFill>
+        <a:effectLst/>
+      </p:bgPr>
+    </p:bg>
     <p:spTree>
       <p:nvGrpSpPr>
         <p:cNvPr id="1" name=""/>
@@ -3417,6 +3428,17 @@
 <file path=ppt/slides/slide2.xml><?xml version="1.0" encoding="utf-8"?>
 <p:sld xmlns:a="http://schemas.openxmlformats.org/drawingml/2006/main" xmlns:r="http://schemas.openxmlformats.org/officeDocument/2006/relationships" xmlns:p="http://schemas.openxmlformats.org/presentationml/2006/main">
   <p:cSld>
+    <p:bg>
+      <p:bgPr>
+        <a:solidFill>
+          <a:schemeClr val="accent1">
+            <a:lumMod val="20000"/>
+            <a:lumOff val="80000"/>
+          </a:schemeClr>
+        </a:solidFill>
+        <a:effectLst/>
+      </p:bgPr>
+    </p:bg>
     <p:spTree>
       <p:nvGrpSpPr>
         <p:cNvPr id="1" name=""/>
@@ -3509,6 +3531,17 @@
 <file path=ppt/slides/slide3.xml><?xml version="1.0" encoding="utf-8"?>
 <p:sld xmlns:a="http://schemas.openxmlformats.org/drawingml/2006/main" xmlns:r="http://schemas.openxmlformats.org/officeDocument/2006/relationships" xmlns:p="http://schemas.openxmlformats.org/presentationml/2006/main">
   <p:cSld>
+    <p:bg>
+      <p:bgPr>
+        <a:solidFill>
+          <a:schemeClr val="accent1">
+            <a:lumMod val="20000"/>
+            <a:lumOff val="80000"/>
+          </a:schemeClr>
+        </a:solidFill>
+        <a:effectLst/>
+      </p:bgPr>
+    </p:bg>
     <p:spTree>
       <p:nvGrpSpPr>
         <p:cNvPr id="1" name=""/>
@@ -3595,6 +3628,17 @@
 <file path=ppt/slides/slide4.xml><?xml version="1.0" encoding="utf-8"?>
 <p:sld xmlns:a="http://schemas.openxmlformats.org/drawingml/2006/main" xmlns:r="http://schemas.openxmlformats.org/officeDocument/2006/relationships" xmlns:p="http://schemas.openxmlformats.org/presentationml/2006/main">
   <p:cSld>
+    <p:bg>
+      <p:bgPr>
+        <a:solidFill>
+          <a:schemeClr val="accent1">
+            <a:lumMod val="20000"/>
+            <a:lumOff val="80000"/>
+          </a:schemeClr>
+        </a:solidFill>
+        <a:effectLst/>
+      </p:bgPr>
+    </p:bg>
     <p:spTree>
       <p:nvGrpSpPr>
         <p:cNvPr id="1" name=""/>
@@ -3632,7 +3676,7 @@
           <a:p>
             <a:r>
               <a:rPr lang="en-US" dirty="0"/>
-              <a:t>The Questions</a:t>
+              <a:t>Hypothesis and Questions</a:t>
             </a:r>
           </a:p>
         </p:txBody>
@@ -3661,32 +3705,56 @@
           <a:lstStyle/>
           <a:p>
             <a:r>
-              <a:rPr lang="en-US" dirty="0"/>
+              <a:rPr lang="en-US" sz="2200" dirty="0"/>
               <a:t>We believe access to electricity will positively effect employee productivity.</a:t>
             </a:r>
           </a:p>
           <a:p>
-            <a:r>
-              <a:rPr lang="en-US" dirty="0"/>
+            <a:pPr marL="0" indent="0">
+              <a:buNone/>
+            </a:pPr>
+            <a:endParaRPr lang="en-US" sz="2200" dirty="0"/>
+          </a:p>
+          <a:p>
+            <a:r>
+              <a:rPr lang="en-US" sz="2200" dirty="0"/>
               <a:t>We believe internet usage will positively effect employee productivity.</a:t>
             </a:r>
           </a:p>
           <a:p>
-            <a:r>
-              <a:rPr lang="en-US" dirty="0"/>
+            <a:pPr marL="0" indent="0">
+              <a:buNone/>
+            </a:pPr>
+            <a:endParaRPr lang="en-US" sz="2200" dirty="0"/>
+          </a:p>
+          <a:p>
+            <a:r>
+              <a:rPr lang="en-US" sz="2200" dirty="0"/>
               <a:t>We believe communication usage will positively effect employee productivity.</a:t>
             </a:r>
           </a:p>
           <a:p>
-            <a:r>
-              <a:rPr lang="en-US" dirty="0"/>
-              <a:t>We are curious about the effects of different industry trends on employee productivity.</a:t>
-            </a:r>
-          </a:p>
-          <a:p>
-            <a:r>
-              <a:rPr lang="en-US" dirty="0"/>
-              <a:t>We are curious about the effects of employment type trends on employee productivity.</a:t>
+            <a:pPr marL="0" indent="0">
+              <a:buNone/>
+            </a:pPr>
+            <a:endParaRPr lang="en-US" sz="2200" dirty="0"/>
+          </a:p>
+          <a:p>
+            <a:r>
+              <a:rPr lang="en-US" sz="2200" dirty="0"/>
+              <a:t>What are the effects of different industry trends on employee productivity?</a:t>
+            </a:r>
+          </a:p>
+          <a:p>
+            <a:pPr marL="0" indent="0">
+              <a:buNone/>
+            </a:pPr>
+            <a:endParaRPr lang="en-US" sz="2200" dirty="0"/>
+          </a:p>
+          <a:p>
+            <a:r>
+              <a:rPr lang="en-US" sz="2200" dirty="0"/>
+              <a:t>What are the effects of employment type trends on employee productivity?</a:t>
             </a:r>
           </a:p>
           <a:p>
@@ -3704,12 +3772,298 @@
   <p:clrMapOvr>
     <a:masterClrMapping/>
   </p:clrMapOvr>
+  <p:timing>
+    <p:tnLst>
+      <p:par>
+        <p:cTn id="1" dur="indefinite" restart="never" nodeType="tmRoot">
+          <p:childTnLst>
+            <p:seq concurrent="1" nextAc="seek">
+              <p:cTn id="2" dur="indefinite" nodeType="mainSeq">
+                <p:childTnLst>
+                  <p:par>
+                    <p:cTn id="3" fill="hold">
+                      <p:stCondLst>
+                        <p:cond delay="indefinite"/>
+                      </p:stCondLst>
+                      <p:childTnLst>
+                        <p:par>
+                          <p:cTn id="4" fill="hold">
+                            <p:stCondLst>
+                              <p:cond delay="0"/>
+                            </p:stCondLst>
+                            <p:childTnLst>
+                              <p:par>
+                                <p:cTn id="5" presetID="1" presetClass="entr" presetSubtype="0" fill="hold" nodeType="clickEffect">
+                                  <p:stCondLst>
+                                    <p:cond delay="0"/>
+                                  </p:stCondLst>
+                                  <p:childTnLst>
+                                    <p:set>
+                                      <p:cBhvr>
+                                        <p:cTn id="6" dur="1" fill="hold">
+                                          <p:stCondLst>
+                                            <p:cond delay="0"/>
+                                          </p:stCondLst>
+                                        </p:cTn>
+                                        <p:tgtEl>
+                                          <p:spTgt spid="3">
+                                            <p:txEl>
+                                              <p:pRg st="0" end="0"/>
+                                            </p:txEl>
+                                          </p:spTgt>
+                                        </p:tgtEl>
+                                        <p:attrNameLst>
+                                          <p:attrName>style.visibility</p:attrName>
+                                        </p:attrNameLst>
+                                      </p:cBhvr>
+                                      <p:to>
+                                        <p:strVal val="visible"/>
+                                      </p:to>
+                                    </p:set>
+                                  </p:childTnLst>
+                                </p:cTn>
+                              </p:par>
+                            </p:childTnLst>
+                          </p:cTn>
+                        </p:par>
+                      </p:childTnLst>
+                    </p:cTn>
+                  </p:par>
+                  <p:par>
+                    <p:cTn id="7" fill="hold">
+                      <p:stCondLst>
+                        <p:cond delay="indefinite"/>
+                      </p:stCondLst>
+                      <p:childTnLst>
+                        <p:par>
+                          <p:cTn id="8" fill="hold">
+                            <p:stCondLst>
+                              <p:cond delay="0"/>
+                            </p:stCondLst>
+                            <p:childTnLst>
+                              <p:par>
+                                <p:cTn id="9" presetID="1" presetClass="entr" presetSubtype="0" fill="hold" nodeType="clickEffect">
+                                  <p:stCondLst>
+                                    <p:cond delay="0"/>
+                                  </p:stCondLst>
+                                  <p:childTnLst>
+                                    <p:set>
+                                      <p:cBhvr>
+                                        <p:cTn id="10" dur="1" fill="hold">
+                                          <p:stCondLst>
+                                            <p:cond delay="0"/>
+                                          </p:stCondLst>
+                                        </p:cTn>
+                                        <p:tgtEl>
+                                          <p:spTgt spid="3">
+                                            <p:txEl>
+                                              <p:pRg st="2" end="2"/>
+                                            </p:txEl>
+                                          </p:spTgt>
+                                        </p:tgtEl>
+                                        <p:attrNameLst>
+                                          <p:attrName>style.visibility</p:attrName>
+                                        </p:attrNameLst>
+                                      </p:cBhvr>
+                                      <p:to>
+                                        <p:strVal val="visible"/>
+                                      </p:to>
+                                    </p:set>
+                                  </p:childTnLst>
+                                </p:cTn>
+                              </p:par>
+                            </p:childTnLst>
+                          </p:cTn>
+                        </p:par>
+                      </p:childTnLst>
+                    </p:cTn>
+                  </p:par>
+                  <p:par>
+                    <p:cTn id="11" fill="hold">
+                      <p:stCondLst>
+                        <p:cond delay="indefinite"/>
+                      </p:stCondLst>
+                      <p:childTnLst>
+                        <p:par>
+                          <p:cTn id="12" fill="hold">
+                            <p:stCondLst>
+                              <p:cond delay="0"/>
+                            </p:stCondLst>
+                            <p:childTnLst>
+                              <p:par>
+                                <p:cTn id="13" presetID="1" presetClass="entr" presetSubtype="0" fill="hold" nodeType="clickEffect">
+                                  <p:stCondLst>
+                                    <p:cond delay="0"/>
+                                  </p:stCondLst>
+                                  <p:childTnLst>
+                                    <p:set>
+                                      <p:cBhvr>
+                                        <p:cTn id="14" dur="1" fill="hold">
+                                          <p:stCondLst>
+                                            <p:cond delay="0"/>
+                                          </p:stCondLst>
+                                        </p:cTn>
+                                        <p:tgtEl>
+                                          <p:spTgt spid="3">
+                                            <p:txEl>
+                                              <p:pRg st="4" end="4"/>
+                                            </p:txEl>
+                                          </p:spTgt>
+                                        </p:tgtEl>
+                                        <p:attrNameLst>
+                                          <p:attrName>style.visibility</p:attrName>
+                                        </p:attrNameLst>
+                                      </p:cBhvr>
+                                      <p:to>
+                                        <p:strVal val="visible"/>
+                                      </p:to>
+                                    </p:set>
+                                  </p:childTnLst>
+                                </p:cTn>
+                              </p:par>
+                            </p:childTnLst>
+                          </p:cTn>
+                        </p:par>
+                      </p:childTnLst>
+                    </p:cTn>
+                  </p:par>
+                  <p:par>
+                    <p:cTn id="15" fill="hold">
+                      <p:stCondLst>
+                        <p:cond delay="indefinite"/>
+                      </p:stCondLst>
+                      <p:childTnLst>
+                        <p:par>
+                          <p:cTn id="16" fill="hold">
+                            <p:stCondLst>
+                              <p:cond delay="0"/>
+                            </p:stCondLst>
+                            <p:childTnLst>
+                              <p:par>
+                                <p:cTn id="17" presetID="1" presetClass="entr" presetSubtype="0" fill="hold" nodeType="clickEffect">
+                                  <p:stCondLst>
+                                    <p:cond delay="0"/>
+                                  </p:stCondLst>
+                                  <p:childTnLst>
+                                    <p:set>
+                                      <p:cBhvr>
+                                        <p:cTn id="18" dur="1" fill="hold">
+                                          <p:stCondLst>
+                                            <p:cond delay="0"/>
+                                          </p:stCondLst>
+                                        </p:cTn>
+                                        <p:tgtEl>
+                                          <p:spTgt spid="3">
+                                            <p:txEl>
+                                              <p:pRg st="6" end="6"/>
+                                            </p:txEl>
+                                          </p:spTgt>
+                                        </p:tgtEl>
+                                        <p:attrNameLst>
+                                          <p:attrName>style.visibility</p:attrName>
+                                        </p:attrNameLst>
+                                      </p:cBhvr>
+                                      <p:to>
+                                        <p:strVal val="visible"/>
+                                      </p:to>
+                                    </p:set>
+                                  </p:childTnLst>
+                                </p:cTn>
+                              </p:par>
+                            </p:childTnLst>
+                          </p:cTn>
+                        </p:par>
+                      </p:childTnLst>
+                    </p:cTn>
+                  </p:par>
+                  <p:par>
+                    <p:cTn id="19" fill="hold">
+                      <p:stCondLst>
+                        <p:cond delay="indefinite"/>
+                      </p:stCondLst>
+                      <p:childTnLst>
+                        <p:par>
+                          <p:cTn id="20" fill="hold">
+                            <p:stCondLst>
+                              <p:cond delay="0"/>
+                            </p:stCondLst>
+                            <p:childTnLst>
+                              <p:par>
+                                <p:cTn id="21" presetID="1" presetClass="entr" presetSubtype="0" fill="hold" nodeType="clickEffect">
+                                  <p:stCondLst>
+                                    <p:cond delay="0"/>
+                                  </p:stCondLst>
+                                  <p:childTnLst>
+                                    <p:set>
+                                      <p:cBhvr>
+                                        <p:cTn id="22" dur="1" fill="hold">
+                                          <p:stCondLst>
+                                            <p:cond delay="0"/>
+                                          </p:stCondLst>
+                                        </p:cTn>
+                                        <p:tgtEl>
+                                          <p:spTgt spid="3">
+                                            <p:txEl>
+                                              <p:pRg st="8" end="8"/>
+                                            </p:txEl>
+                                          </p:spTgt>
+                                        </p:tgtEl>
+                                        <p:attrNameLst>
+                                          <p:attrName>style.visibility</p:attrName>
+                                        </p:attrNameLst>
+                                      </p:cBhvr>
+                                      <p:to>
+                                        <p:strVal val="visible"/>
+                                      </p:to>
+                                    </p:set>
+                                  </p:childTnLst>
+                                </p:cTn>
+                              </p:par>
+                            </p:childTnLst>
+                          </p:cTn>
+                        </p:par>
+                      </p:childTnLst>
+                    </p:cTn>
+                  </p:par>
+                </p:childTnLst>
+              </p:cTn>
+              <p:prevCondLst>
+                <p:cond evt="onPrev" delay="0">
+                  <p:tgtEl>
+                    <p:sldTgt/>
+                  </p:tgtEl>
+                </p:cond>
+              </p:prevCondLst>
+              <p:nextCondLst>
+                <p:cond evt="onNext" delay="0">
+                  <p:tgtEl>
+                    <p:sldTgt/>
+                  </p:tgtEl>
+                </p:cond>
+              </p:nextCondLst>
+            </p:seq>
+          </p:childTnLst>
+        </p:cTn>
+      </p:par>
+    </p:tnLst>
+  </p:timing>
 </p:sld>
 </file>
 
 <file path=ppt/slides/slide5.xml><?xml version="1.0" encoding="utf-8"?>
 <p:sld xmlns:a="http://schemas.openxmlformats.org/drawingml/2006/main" xmlns:r="http://schemas.openxmlformats.org/officeDocument/2006/relationships" xmlns:p="http://schemas.openxmlformats.org/presentationml/2006/main">
   <p:cSld>
+    <p:bg>
+      <p:bgPr>
+        <a:solidFill>
+          <a:schemeClr val="accent1">
+            <a:lumMod val="20000"/>
+            <a:lumOff val="80000"/>
+          </a:schemeClr>
+        </a:solidFill>
+        <a:effectLst/>
+      </p:bgPr>
+    </p:bg>
     <p:spTree>
       <p:nvGrpSpPr>
         <p:cNvPr id="1" name=""/>
@@ -3740,11 +4094,17 @@
             <p:ph type="title"/>
           </p:nvPr>
         </p:nvSpPr>
-        <p:spPr/>
-        <p:txBody>
-          <a:bodyPr/>
-          <a:lstStyle/>
-          <a:p>
+        <p:spPr>
+          <a:xfrm>
+            <a:off x="838200" y="361921"/>
+            <a:ext cx="10515600" cy="1325563"/>
+          </a:xfrm>
+        </p:spPr>
+        <p:txBody>
+          <a:bodyPr/>
+          <a:lstStyle/>
+          <a:p>
+            <a:pPr algn="ctr"/>
             <a:r>
               <a:rPr lang="en-US" dirty="0"/>
               <a:t>Data Sources (DV)</a:t>
@@ -3768,153 +4128,110 @@
             <p:ph idx="1"/>
           </p:nvPr>
         </p:nvSpPr>
-        <p:spPr/>
+        <p:spPr>
+          <a:xfrm>
+            <a:off x="489066" y="1825625"/>
+            <a:ext cx="7025640" cy="4351338"/>
+          </a:xfrm>
+        </p:spPr>
         <p:txBody>
           <a:bodyPr>
-            <a:normAutofit fontScale="47500" lnSpcReduction="20000"/>
+            <a:normAutofit lnSpcReduction="10000"/>
           </a:bodyPr>
           <a:lstStyle/>
           <a:p>
             <a:r>
-              <a:rPr lang="en-US" dirty="0"/>
+              <a:rPr lang="en-US" sz="1800" dirty="0"/>
+              <a:t>20 different countries (10 developing, 10 developed)</a:t>
+            </a:r>
+          </a:p>
+          <a:p>
+            <a:r>
+              <a:rPr lang="en-US" sz="1800" dirty="0"/>
+              <a:t>15 year time frame (2000 – 2014)</a:t>
+            </a:r>
+          </a:p>
+          <a:p>
+            <a:r>
+              <a:rPr lang="en-US" sz="1800" dirty="0"/>
+              <a:t>300 Cases total</a:t>
+            </a:r>
+          </a:p>
+          <a:p>
+            <a:endParaRPr lang="en-US" sz="1800" dirty="0"/>
+          </a:p>
+          <a:p>
+            <a:endParaRPr lang="en-US" sz="1800" dirty="0"/>
+          </a:p>
+          <a:p>
+            <a:endParaRPr lang="en-US" sz="1800" dirty="0"/>
+          </a:p>
+          <a:p>
+            <a:endParaRPr lang="en-US" sz="1800" dirty="0"/>
+          </a:p>
+          <a:p>
+            <a:endParaRPr lang="en-US" sz="1800" dirty="0"/>
+          </a:p>
+          <a:p>
+            <a:endParaRPr lang="en-US" sz="1800" dirty="0"/>
+          </a:p>
+          <a:p>
+            <a:endParaRPr lang="en-US" sz="1800" dirty="0"/>
+          </a:p>
+          <a:p>
+            <a:endParaRPr lang="en-US" sz="1800" dirty="0"/>
+          </a:p>
+          <a:p>
+            <a:pPr marL="0" indent="0">
+              <a:buNone/>
+            </a:pPr>
+            <a:r>
+              <a:rPr lang="en-US" sz="1800" dirty="0"/>
               <a:t>World Bank Data (</a:t>
             </a:r>
             <a:r>
-              <a:rPr lang="en-US" dirty="0">
+              <a:rPr lang="en-US" sz="1800" dirty="0">
                 <a:hlinkClick r:id="rId2"/>
               </a:rPr>
               <a:t>https://databank.worldbank.org/source/jobs</a:t>
             </a:r>
             <a:r>
-              <a:rPr lang="en-US" dirty="0"/>
+              <a:rPr lang="en-US" sz="1800" dirty="0"/>
               <a:t>)</a:t>
             </a:r>
           </a:p>
-          <a:p>
-            <a:endParaRPr lang="en-US" dirty="0"/>
-          </a:p>
-          <a:p>
-            <a:r>
-              <a:rPr lang="en-US" dirty="0"/>
-              <a:t>20 different countries (10 developing, 10 developed)</a:t>
-            </a:r>
-          </a:p>
-          <a:p>
-            <a:r>
-              <a:rPr lang="en-US" dirty="0"/>
-              <a:t>15 year time frame (2000 – 2014)</a:t>
-            </a:r>
-          </a:p>
-          <a:p>
-            <a:r>
-              <a:rPr lang="en-US" dirty="0"/>
-              <a:t>Attributes</a:t>
-            </a:r>
-          </a:p>
-          <a:p>
-            <a:r>
-              <a:rPr lang="en-US" dirty="0"/>
-              <a:t>Access to electricity </a:t>
-            </a:r>
-          </a:p>
-          <a:p>
-            <a:r>
-              <a:rPr lang="en-US" dirty="0"/>
-              <a:t>Individuals using the internet</a:t>
-            </a:r>
-          </a:p>
-          <a:p>
-            <a:r>
-              <a:rPr lang="en-US" dirty="0"/>
-              <a:t>Communication </a:t>
-            </a:r>
-          </a:p>
-          <a:p>
-            <a:pPr lvl="1"/>
-            <a:r>
-              <a:rPr lang="en-US" dirty="0"/>
-              <a:t>Mobile Cellular Subscriptions</a:t>
-            </a:r>
-          </a:p>
-          <a:p>
-            <a:pPr lvl="1"/>
-            <a:r>
-              <a:rPr lang="en-US" dirty="0"/>
-              <a:t>Telephone Lines per 100 people</a:t>
-            </a:r>
-          </a:p>
-          <a:p>
-            <a:r>
-              <a:rPr lang="en-US" dirty="0"/>
-              <a:t>Type of Industry </a:t>
-            </a:r>
-          </a:p>
-          <a:p>
-            <a:pPr lvl="1"/>
-            <a:r>
-              <a:rPr lang="en-US" dirty="0" err="1"/>
-              <a:t>employemnt</a:t>
-            </a:r>
-            <a:r>
-              <a:rPr lang="en-US" dirty="0"/>
-              <a:t> in </a:t>
-            </a:r>
-            <a:r>
-              <a:rPr lang="en-US" dirty="0" err="1"/>
-              <a:t>agrigulture</a:t>
-            </a:r>
-            <a:endParaRPr lang="en-US" dirty="0"/>
-          </a:p>
-          <a:p>
-            <a:pPr lvl="1"/>
-            <a:r>
-              <a:rPr lang="en-US" dirty="0" err="1"/>
-              <a:t>employemnt</a:t>
-            </a:r>
-            <a:r>
-              <a:rPr lang="en-US" dirty="0"/>
-              <a:t> in in industry</a:t>
-            </a:r>
-          </a:p>
-          <a:p>
-            <a:pPr lvl="1"/>
-            <a:r>
-              <a:rPr lang="en-US" dirty="0" err="1"/>
-              <a:t>employemnt</a:t>
-            </a:r>
-            <a:r>
-              <a:rPr lang="en-US" dirty="0"/>
-              <a:t> in in service</a:t>
-            </a:r>
-          </a:p>
-          <a:p>
-            <a:r>
-              <a:rPr lang="en-US" dirty="0"/>
-              <a:t>type of employment</a:t>
-            </a:r>
-          </a:p>
-          <a:p>
-            <a:pPr lvl="1"/>
-            <a:r>
-              <a:rPr lang="en-US" dirty="0"/>
-              <a:t>Wage and Salaried Workers</a:t>
-            </a:r>
-          </a:p>
-          <a:p>
-            <a:pPr lvl="1"/>
-            <a:r>
-              <a:rPr lang="en-US" dirty="0"/>
-              <a:t>self-employed total %</a:t>
-            </a:r>
-          </a:p>
-          <a:p>
-            <a:r>
-              <a:rPr lang="en-US" dirty="0"/>
-              <a:t>300 Cases total</a:t>
-            </a:r>
-          </a:p>
-        </p:txBody>
-      </p:sp>
+        </p:txBody>
+      </p:sp>
+      <p:pic>
+        <p:nvPicPr>
+          <p:cNvPr id="5" name="Picture 4">
+            <a:extLst>
+              <a:ext uri="{FF2B5EF4-FFF2-40B4-BE49-F238E27FC236}">
+                <a16:creationId xmlns:a16="http://schemas.microsoft.com/office/drawing/2014/main" id="{68CD3EF0-5170-4A44-8614-772B7DB70125}"/>
+              </a:ext>
+            </a:extLst>
+          </p:cNvPr>
+          <p:cNvPicPr>
+            <a:picLocks noChangeAspect="1"/>
+          </p:cNvPicPr>
+          <p:nvPr/>
+        </p:nvPicPr>
+        <p:blipFill>
+          <a:blip r:embed="rId3"/>
+          <a:stretch>
+            <a:fillRect/>
+          </a:stretch>
+        </p:blipFill>
+        <p:spPr>
+          <a:xfrm>
+            <a:off x="5852159" y="1825625"/>
+            <a:ext cx="6155885" cy="3344891"/>
+          </a:xfrm>
+          <a:prstGeom prst="rect">
+            <a:avLst/>
+          </a:prstGeom>
+        </p:spPr>
+      </p:pic>
     </p:spTree>
     <p:extLst>
       <p:ext uri="{BB962C8B-B14F-4D97-AF65-F5344CB8AC3E}">
@@ -3925,12 +4242,559 @@
   <p:clrMapOvr>
     <a:masterClrMapping/>
   </p:clrMapOvr>
+  <p:timing>
+    <p:tnLst>
+      <p:par>
+        <p:cTn id="1" dur="indefinite" restart="never" nodeType="tmRoot">
+          <p:childTnLst>
+            <p:seq concurrent="1" nextAc="seek">
+              <p:cTn id="2" dur="indefinite" nodeType="mainSeq">
+                <p:childTnLst>
+                  <p:par>
+                    <p:cTn id="3" fill="hold">
+                      <p:stCondLst>
+                        <p:cond delay="indefinite"/>
+                      </p:stCondLst>
+                      <p:childTnLst>
+                        <p:par>
+                          <p:cTn id="4" fill="hold">
+                            <p:stCondLst>
+                              <p:cond delay="0"/>
+                            </p:stCondLst>
+                            <p:childTnLst>
+                              <p:par>
+                                <p:cTn id="5" presetID="2" presetClass="entr" presetSubtype="4" fill="hold" grpId="0" nodeType="clickEffect">
+                                  <p:stCondLst>
+                                    <p:cond delay="0"/>
+                                  </p:stCondLst>
+                                  <p:childTnLst>
+                                    <p:set>
+                                      <p:cBhvr>
+                                        <p:cTn id="6" dur="1" fill="hold">
+                                          <p:stCondLst>
+                                            <p:cond delay="0"/>
+                                          </p:stCondLst>
+                                        </p:cTn>
+                                        <p:tgtEl>
+                                          <p:spTgt spid="3">
+                                            <p:txEl>
+                                              <p:pRg st="0" end="0"/>
+                                            </p:txEl>
+                                          </p:spTgt>
+                                        </p:tgtEl>
+                                        <p:attrNameLst>
+                                          <p:attrName>style.visibility</p:attrName>
+                                        </p:attrNameLst>
+                                      </p:cBhvr>
+                                      <p:to>
+                                        <p:strVal val="visible"/>
+                                      </p:to>
+                                    </p:set>
+                                    <p:anim calcmode="lin" valueType="num">
+                                      <p:cBhvr additive="base">
+                                        <p:cTn id="7" dur="500" fill="hold"/>
+                                        <p:tgtEl>
+                                          <p:spTgt spid="3">
+                                            <p:txEl>
+                                              <p:pRg st="0" end="0"/>
+                                            </p:txEl>
+                                          </p:spTgt>
+                                        </p:tgtEl>
+                                        <p:attrNameLst>
+                                          <p:attrName>ppt_x</p:attrName>
+                                        </p:attrNameLst>
+                                      </p:cBhvr>
+                                      <p:tavLst>
+                                        <p:tav tm="0">
+                                          <p:val>
+                                            <p:strVal val="#ppt_x"/>
+                                          </p:val>
+                                        </p:tav>
+                                        <p:tav tm="100000">
+                                          <p:val>
+                                            <p:strVal val="#ppt_x"/>
+                                          </p:val>
+                                        </p:tav>
+                                      </p:tavLst>
+                                    </p:anim>
+                                    <p:anim calcmode="lin" valueType="num">
+                                      <p:cBhvr additive="base">
+                                        <p:cTn id="8" dur="500" fill="hold"/>
+                                        <p:tgtEl>
+                                          <p:spTgt spid="3">
+                                            <p:txEl>
+                                              <p:pRg st="0" end="0"/>
+                                            </p:txEl>
+                                          </p:spTgt>
+                                        </p:tgtEl>
+                                        <p:attrNameLst>
+                                          <p:attrName>ppt_y</p:attrName>
+                                        </p:attrNameLst>
+                                      </p:cBhvr>
+                                      <p:tavLst>
+                                        <p:tav tm="0">
+                                          <p:val>
+                                            <p:strVal val="1+#ppt_h/2"/>
+                                          </p:val>
+                                        </p:tav>
+                                        <p:tav tm="100000">
+                                          <p:val>
+                                            <p:strVal val="#ppt_y"/>
+                                          </p:val>
+                                        </p:tav>
+                                      </p:tavLst>
+                                    </p:anim>
+                                  </p:childTnLst>
+                                </p:cTn>
+                              </p:par>
+                            </p:childTnLst>
+                          </p:cTn>
+                        </p:par>
+                      </p:childTnLst>
+                    </p:cTn>
+                  </p:par>
+                  <p:par>
+                    <p:cTn id="9" fill="hold">
+                      <p:stCondLst>
+                        <p:cond delay="indefinite"/>
+                      </p:stCondLst>
+                      <p:childTnLst>
+                        <p:par>
+                          <p:cTn id="10" fill="hold">
+                            <p:stCondLst>
+                              <p:cond delay="0"/>
+                            </p:stCondLst>
+                            <p:childTnLst>
+                              <p:par>
+                                <p:cTn id="11" presetID="2" presetClass="entr" presetSubtype="4" fill="hold" grpId="0" nodeType="clickEffect">
+                                  <p:stCondLst>
+                                    <p:cond delay="0"/>
+                                  </p:stCondLst>
+                                  <p:childTnLst>
+                                    <p:set>
+                                      <p:cBhvr>
+                                        <p:cTn id="12" dur="1" fill="hold">
+                                          <p:stCondLst>
+                                            <p:cond delay="0"/>
+                                          </p:stCondLst>
+                                        </p:cTn>
+                                        <p:tgtEl>
+                                          <p:spTgt spid="3">
+                                            <p:txEl>
+                                              <p:pRg st="1" end="1"/>
+                                            </p:txEl>
+                                          </p:spTgt>
+                                        </p:tgtEl>
+                                        <p:attrNameLst>
+                                          <p:attrName>style.visibility</p:attrName>
+                                        </p:attrNameLst>
+                                      </p:cBhvr>
+                                      <p:to>
+                                        <p:strVal val="visible"/>
+                                      </p:to>
+                                    </p:set>
+                                    <p:anim calcmode="lin" valueType="num">
+                                      <p:cBhvr additive="base">
+                                        <p:cTn id="13" dur="500" fill="hold"/>
+                                        <p:tgtEl>
+                                          <p:spTgt spid="3">
+                                            <p:txEl>
+                                              <p:pRg st="1" end="1"/>
+                                            </p:txEl>
+                                          </p:spTgt>
+                                        </p:tgtEl>
+                                        <p:attrNameLst>
+                                          <p:attrName>ppt_x</p:attrName>
+                                        </p:attrNameLst>
+                                      </p:cBhvr>
+                                      <p:tavLst>
+                                        <p:tav tm="0">
+                                          <p:val>
+                                            <p:strVal val="#ppt_x"/>
+                                          </p:val>
+                                        </p:tav>
+                                        <p:tav tm="100000">
+                                          <p:val>
+                                            <p:strVal val="#ppt_x"/>
+                                          </p:val>
+                                        </p:tav>
+                                      </p:tavLst>
+                                    </p:anim>
+                                    <p:anim calcmode="lin" valueType="num">
+                                      <p:cBhvr additive="base">
+                                        <p:cTn id="14" dur="500" fill="hold"/>
+                                        <p:tgtEl>
+                                          <p:spTgt spid="3">
+                                            <p:txEl>
+                                              <p:pRg st="1" end="1"/>
+                                            </p:txEl>
+                                          </p:spTgt>
+                                        </p:tgtEl>
+                                        <p:attrNameLst>
+                                          <p:attrName>ppt_y</p:attrName>
+                                        </p:attrNameLst>
+                                      </p:cBhvr>
+                                      <p:tavLst>
+                                        <p:tav tm="0">
+                                          <p:val>
+                                            <p:strVal val="1+#ppt_h/2"/>
+                                          </p:val>
+                                        </p:tav>
+                                        <p:tav tm="100000">
+                                          <p:val>
+                                            <p:strVal val="#ppt_y"/>
+                                          </p:val>
+                                        </p:tav>
+                                      </p:tavLst>
+                                    </p:anim>
+                                  </p:childTnLst>
+                                </p:cTn>
+                              </p:par>
+                            </p:childTnLst>
+                          </p:cTn>
+                        </p:par>
+                      </p:childTnLst>
+                    </p:cTn>
+                  </p:par>
+                  <p:par>
+                    <p:cTn id="15" fill="hold">
+                      <p:stCondLst>
+                        <p:cond delay="indefinite"/>
+                      </p:stCondLst>
+                      <p:childTnLst>
+                        <p:par>
+                          <p:cTn id="16" fill="hold">
+                            <p:stCondLst>
+                              <p:cond delay="0"/>
+                            </p:stCondLst>
+                            <p:childTnLst>
+                              <p:par>
+                                <p:cTn id="17" presetID="2" presetClass="entr" presetSubtype="4" fill="hold" grpId="0" nodeType="clickEffect">
+                                  <p:stCondLst>
+                                    <p:cond delay="0"/>
+                                  </p:stCondLst>
+                                  <p:childTnLst>
+                                    <p:set>
+                                      <p:cBhvr>
+                                        <p:cTn id="18" dur="1" fill="hold">
+                                          <p:stCondLst>
+                                            <p:cond delay="0"/>
+                                          </p:stCondLst>
+                                        </p:cTn>
+                                        <p:tgtEl>
+                                          <p:spTgt spid="3">
+                                            <p:txEl>
+                                              <p:pRg st="2" end="2"/>
+                                            </p:txEl>
+                                          </p:spTgt>
+                                        </p:tgtEl>
+                                        <p:attrNameLst>
+                                          <p:attrName>style.visibility</p:attrName>
+                                        </p:attrNameLst>
+                                      </p:cBhvr>
+                                      <p:to>
+                                        <p:strVal val="visible"/>
+                                      </p:to>
+                                    </p:set>
+                                    <p:anim calcmode="lin" valueType="num">
+                                      <p:cBhvr additive="base">
+                                        <p:cTn id="19" dur="500" fill="hold"/>
+                                        <p:tgtEl>
+                                          <p:spTgt spid="3">
+                                            <p:txEl>
+                                              <p:pRg st="2" end="2"/>
+                                            </p:txEl>
+                                          </p:spTgt>
+                                        </p:tgtEl>
+                                        <p:attrNameLst>
+                                          <p:attrName>ppt_x</p:attrName>
+                                        </p:attrNameLst>
+                                      </p:cBhvr>
+                                      <p:tavLst>
+                                        <p:tav tm="0">
+                                          <p:val>
+                                            <p:strVal val="#ppt_x"/>
+                                          </p:val>
+                                        </p:tav>
+                                        <p:tav tm="100000">
+                                          <p:val>
+                                            <p:strVal val="#ppt_x"/>
+                                          </p:val>
+                                        </p:tav>
+                                      </p:tavLst>
+                                    </p:anim>
+                                    <p:anim calcmode="lin" valueType="num">
+                                      <p:cBhvr additive="base">
+                                        <p:cTn id="20" dur="500" fill="hold"/>
+                                        <p:tgtEl>
+                                          <p:spTgt spid="3">
+                                            <p:txEl>
+                                              <p:pRg st="2" end="2"/>
+                                            </p:txEl>
+                                          </p:spTgt>
+                                        </p:tgtEl>
+                                        <p:attrNameLst>
+                                          <p:attrName>ppt_y</p:attrName>
+                                        </p:attrNameLst>
+                                      </p:cBhvr>
+                                      <p:tavLst>
+                                        <p:tav tm="0">
+                                          <p:val>
+                                            <p:strVal val="1+#ppt_h/2"/>
+                                          </p:val>
+                                        </p:tav>
+                                        <p:tav tm="100000">
+                                          <p:val>
+                                            <p:strVal val="#ppt_y"/>
+                                          </p:val>
+                                        </p:tav>
+                                      </p:tavLst>
+                                    </p:anim>
+                                  </p:childTnLst>
+                                </p:cTn>
+                              </p:par>
+                            </p:childTnLst>
+                          </p:cTn>
+                        </p:par>
+                      </p:childTnLst>
+                    </p:cTn>
+                  </p:par>
+                  <p:par>
+                    <p:cTn id="21" fill="hold">
+                      <p:stCondLst>
+                        <p:cond delay="indefinite"/>
+                      </p:stCondLst>
+                      <p:childTnLst>
+                        <p:par>
+                          <p:cTn id="22" fill="hold">
+                            <p:stCondLst>
+                              <p:cond delay="0"/>
+                            </p:stCondLst>
+                            <p:childTnLst>
+                              <p:par>
+                                <p:cTn id="23" presetID="2" presetClass="entr" presetSubtype="4" fill="hold" grpId="0" nodeType="clickEffect">
+                                  <p:stCondLst>
+                                    <p:cond delay="0"/>
+                                  </p:stCondLst>
+                                  <p:childTnLst>
+                                    <p:set>
+                                      <p:cBhvr>
+                                        <p:cTn id="24" dur="1" fill="hold">
+                                          <p:stCondLst>
+                                            <p:cond delay="0"/>
+                                          </p:stCondLst>
+                                        </p:cTn>
+                                        <p:tgtEl>
+                                          <p:spTgt spid="3">
+                                            <p:txEl>
+                                              <p:pRg st="11" end="11"/>
+                                            </p:txEl>
+                                          </p:spTgt>
+                                        </p:tgtEl>
+                                        <p:attrNameLst>
+                                          <p:attrName>style.visibility</p:attrName>
+                                        </p:attrNameLst>
+                                      </p:cBhvr>
+                                      <p:to>
+                                        <p:strVal val="visible"/>
+                                      </p:to>
+                                    </p:set>
+                                    <p:anim calcmode="lin" valueType="num">
+                                      <p:cBhvr additive="base">
+                                        <p:cTn id="25" dur="500" fill="hold"/>
+                                        <p:tgtEl>
+                                          <p:spTgt spid="3">
+                                            <p:txEl>
+                                              <p:pRg st="11" end="11"/>
+                                            </p:txEl>
+                                          </p:spTgt>
+                                        </p:tgtEl>
+                                        <p:attrNameLst>
+                                          <p:attrName>ppt_x</p:attrName>
+                                        </p:attrNameLst>
+                                      </p:cBhvr>
+                                      <p:tavLst>
+                                        <p:tav tm="0">
+                                          <p:val>
+                                            <p:strVal val="#ppt_x"/>
+                                          </p:val>
+                                        </p:tav>
+                                        <p:tav tm="100000">
+                                          <p:val>
+                                            <p:strVal val="#ppt_x"/>
+                                          </p:val>
+                                        </p:tav>
+                                      </p:tavLst>
+                                    </p:anim>
+                                    <p:anim calcmode="lin" valueType="num">
+                                      <p:cBhvr additive="base">
+                                        <p:cTn id="26" dur="500" fill="hold"/>
+                                        <p:tgtEl>
+                                          <p:spTgt spid="3">
+                                            <p:txEl>
+                                              <p:pRg st="11" end="11"/>
+                                            </p:txEl>
+                                          </p:spTgt>
+                                        </p:tgtEl>
+                                        <p:attrNameLst>
+                                          <p:attrName>ppt_y</p:attrName>
+                                        </p:attrNameLst>
+                                      </p:cBhvr>
+                                      <p:tavLst>
+                                        <p:tav tm="0">
+                                          <p:val>
+                                            <p:strVal val="1+#ppt_h/2"/>
+                                          </p:val>
+                                        </p:tav>
+                                        <p:tav tm="100000">
+                                          <p:val>
+                                            <p:strVal val="#ppt_y"/>
+                                          </p:val>
+                                        </p:tav>
+                                      </p:tavLst>
+                                    </p:anim>
+                                  </p:childTnLst>
+                                </p:cTn>
+                              </p:par>
+                            </p:childTnLst>
+                          </p:cTn>
+                        </p:par>
+                      </p:childTnLst>
+                    </p:cTn>
+                  </p:par>
+                  <p:par>
+                    <p:cTn id="27" fill="hold">
+                      <p:stCondLst>
+                        <p:cond delay="indefinite"/>
+                      </p:stCondLst>
+                      <p:childTnLst>
+                        <p:par>
+                          <p:cTn id="28" fill="hold">
+                            <p:stCondLst>
+                              <p:cond delay="0"/>
+                            </p:stCondLst>
+                            <p:childTnLst>
+                              <p:par>
+                                <p:cTn id="29" presetID="2" presetClass="entr" presetSubtype="4" fill="hold" nodeType="clickEffect">
+                                  <p:stCondLst>
+                                    <p:cond delay="0"/>
+                                  </p:stCondLst>
+                                  <p:childTnLst>
+                                    <p:set>
+                                      <p:cBhvr>
+                                        <p:cTn id="30" dur="1" fill="hold">
+                                          <p:stCondLst>
+                                            <p:cond delay="0"/>
+                                          </p:stCondLst>
+                                        </p:cTn>
+                                        <p:tgtEl>
+                                          <p:spTgt spid="5"/>
+                                        </p:tgtEl>
+                                        <p:attrNameLst>
+                                          <p:attrName>style.visibility</p:attrName>
+                                        </p:attrNameLst>
+                                      </p:cBhvr>
+                                      <p:to>
+                                        <p:strVal val="visible"/>
+                                      </p:to>
+                                    </p:set>
+                                    <p:anim calcmode="lin" valueType="num">
+                                      <p:cBhvr additive="base">
+                                        <p:cTn id="31" dur="500" fill="hold"/>
+                                        <p:tgtEl>
+                                          <p:spTgt spid="5"/>
+                                        </p:tgtEl>
+                                        <p:attrNameLst>
+                                          <p:attrName>ppt_x</p:attrName>
+                                        </p:attrNameLst>
+                                      </p:cBhvr>
+                                      <p:tavLst>
+                                        <p:tav tm="0">
+                                          <p:val>
+                                            <p:strVal val="#ppt_x"/>
+                                          </p:val>
+                                        </p:tav>
+                                        <p:tav tm="100000">
+                                          <p:val>
+                                            <p:strVal val="#ppt_x"/>
+                                          </p:val>
+                                        </p:tav>
+                                      </p:tavLst>
+                                    </p:anim>
+                                    <p:anim calcmode="lin" valueType="num">
+                                      <p:cBhvr additive="base">
+                                        <p:cTn id="32" dur="500" fill="hold"/>
+                                        <p:tgtEl>
+                                          <p:spTgt spid="5"/>
+                                        </p:tgtEl>
+                                        <p:attrNameLst>
+                                          <p:attrName>ppt_y</p:attrName>
+                                        </p:attrNameLst>
+                                      </p:cBhvr>
+                                      <p:tavLst>
+                                        <p:tav tm="0">
+                                          <p:val>
+                                            <p:strVal val="1+#ppt_h/2"/>
+                                          </p:val>
+                                        </p:tav>
+                                        <p:tav tm="100000">
+                                          <p:val>
+                                            <p:strVal val="#ppt_y"/>
+                                          </p:val>
+                                        </p:tav>
+                                      </p:tavLst>
+                                    </p:anim>
+                                  </p:childTnLst>
+                                </p:cTn>
+                              </p:par>
+                            </p:childTnLst>
+                          </p:cTn>
+                        </p:par>
+                      </p:childTnLst>
+                    </p:cTn>
+                  </p:par>
+                </p:childTnLst>
+              </p:cTn>
+              <p:prevCondLst>
+                <p:cond evt="onPrev" delay="0">
+                  <p:tgtEl>
+                    <p:sldTgt/>
+                  </p:tgtEl>
+                </p:cond>
+              </p:prevCondLst>
+              <p:nextCondLst>
+                <p:cond evt="onNext" delay="0">
+                  <p:tgtEl>
+                    <p:sldTgt/>
+                  </p:tgtEl>
+                </p:cond>
+              </p:nextCondLst>
+            </p:seq>
+          </p:childTnLst>
+        </p:cTn>
+      </p:par>
+    </p:tnLst>
+    <p:bldLst>
+      <p:bldP spid="3" grpId="0" build="p"/>
+    </p:bldLst>
+  </p:timing>
 </p:sld>
 </file>
 
 <file path=ppt/slides/slide6.xml><?xml version="1.0" encoding="utf-8"?>
 <p:sld xmlns:a="http://schemas.openxmlformats.org/drawingml/2006/main" xmlns:r="http://schemas.openxmlformats.org/officeDocument/2006/relationships" xmlns:p="http://schemas.openxmlformats.org/presentationml/2006/main">
   <p:cSld>
+    <p:bg>
+      <p:bgPr>
+        <a:solidFill>
+          <a:schemeClr val="accent1">
+            <a:lumMod val="20000"/>
+            <a:lumOff val="80000"/>
+          </a:schemeClr>
+        </a:solidFill>
+        <a:effectLst/>
+      </p:bgPr>
+    </p:bg>
     <p:spTree>
       <p:nvGrpSpPr>
         <p:cNvPr id="1" name=""/>
@@ -4032,6 +4896,17 @@
 <file path=ppt/slides/slide7.xml><?xml version="1.0" encoding="utf-8"?>
 <p:sld xmlns:a="http://schemas.openxmlformats.org/drawingml/2006/main" xmlns:r="http://schemas.openxmlformats.org/officeDocument/2006/relationships" xmlns:p="http://schemas.openxmlformats.org/presentationml/2006/main">
   <p:cSld>
+    <p:bg>
+      <p:bgPr>
+        <a:solidFill>
+          <a:schemeClr val="accent1">
+            <a:lumMod val="20000"/>
+            <a:lumOff val="80000"/>
+          </a:schemeClr>
+        </a:solidFill>
+        <a:effectLst/>
+      </p:bgPr>
+    </p:bg>
     <p:spTree>
       <p:nvGrpSpPr>
         <p:cNvPr id="1" name=""/>
@@ -4136,6 +5011,17 @@
 <file path=ppt/slides/slide8.xml><?xml version="1.0" encoding="utf-8"?>
 <p:sld xmlns:a="http://schemas.openxmlformats.org/drawingml/2006/main" xmlns:r="http://schemas.openxmlformats.org/officeDocument/2006/relationships" xmlns:p="http://schemas.openxmlformats.org/presentationml/2006/main">
   <p:cSld>
+    <p:bg>
+      <p:bgPr>
+        <a:solidFill>
+          <a:schemeClr val="accent1">
+            <a:lumMod val="20000"/>
+            <a:lumOff val="80000"/>
+          </a:schemeClr>
+        </a:solidFill>
+        <a:effectLst/>
+      </p:bgPr>
+    </p:bg>
     <p:spTree>
       <p:nvGrpSpPr>
         <p:cNvPr id="1" name=""/>
@@ -4166,7 +5052,9 @@
             <p:ph type="title"/>
           </p:nvPr>
         </p:nvSpPr>
-        <p:spPr/>
+        <p:spPr>
+          <a:noFill/>
+        </p:spPr>
         <p:txBody>
           <a:bodyPr/>
           <a:lstStyle/>
@@ -4174,7 +5062,7 @@
             <a:pPr algn="ctr"/>
             <a:r>
               <a:rPr lang="en-US" dirty="0"/>
-              <a:t>Timeline</a:t>
+              <a:t>Tentative Schedule</a:t>
             </a:r>
           </a:p>
         </p:txBody>
@@ -4194,7 +5082,7 @@
           <p:nvPr>
             <p:extLst>
               <p:ext uri="{D42A27DB-BD31-4B8C-83A1-F6EECF244321}">
-                <p14:modId xmlns:p14="http://schemas.microsoft.com/office/powerpoint/2010/main" val="2094404852"/>
+                <p14:modId xmlns:p14="http://schemas.microsoft.com/office/powerpoint/2010/main" val="3928834974"/>
               </p:ext>
             </p:extLst>
           </p:nvPr>
@@ -4340,7 +5228,7 @@
                     <a:bodyPr/>
                     <a:lstStyle/>
                     <a:p>
-                      <a:pPr algn="r"/>
+                      <a:pPr algn="ctr"/>
                       <a:r>
                         <a:rPr lang="en-US" dirty="0"/>
                         <a:t>Download Data</a:t>
@@ -4449,7 +5337,7 @@
                     <a:bodyPr/>
                     <a:lstStyle/>
                     <a:p>
-                      <a:pPr algn="r"/>
+                      <a:pPr algn="ctr"/>
                       <a:r>
                         <a:rPr lang="en-US" dirty="0"/>
                         <a:t>Prepare Data</a:t>
@@ -4558,7 +5446,7 @@
                     <a:bodyPr/>
                     <a:lstStyle/>
                     <a:p>
-                      <a:pPr algn="r"/>
+                      <a:pPr algn="ctr"/>
                       <a:r>
                         <a:rPr lang="en-US" dirty="0"/>
                         <a:t>Explore and Learn Data</a:t>
@@ -4667,7 +5555,7 @@
                     <a:bodyPr/>
                     <a:lstStyle/>
                     <a:p>
-                      <a:pPr algn="r"/>
+                      <a:pPr algn="ctr"/>
                       <a:r>
                         <a:rPr lang="en-US" dirty="0"/>
                         <a:t>Visual Analysis</a:t>
@@ -4776,7 +5664,7 @@
                     <a:bodyPr/>
                     <a:lstStyle/>
                     <a:p>
-                      <a:pPr algn="r"/>
+                      <a:pPr algn="ctr"/>
                       <a:r>
                         <a:rPr lang="en-US" dirty="0"/>
                         <a:t>Final Project Due</a:t>
@@ -4899,6 +5787,17 @@
 <file path=ppt/slides/slide9.xml><?xml version="1.0" encoding="utf-8"?>
 <p:sld xmlns:a="http://schemas.openxmlformats.org/drawingml/2006/main" xmlns:r="http://schemas.openxmlformats.org/officeDocument/2006/relationships" xmlns:p="http://schemas.openxmlformats.org/presentationml/2006/main">
   <p:cSld>
+    <p:bg>
+      <p:bgPr>
+        <a:solidFill>
+          <a:schemeClr val="accent1">
+            <a:lumMod val="20000"/>
+            <a:lumOff val="80000"/>
+          </a:schemeClr>
+        </a:solidFill>
+        <a:effectLst/>
+      </p:bgPr>
+    </p:bg>
     <p:spTree>
       <p:nvGrpSpPr>
         <p:cNvPr id="1" name=""/>
@@ -4958,7 +5857,7 @@
 <file path=ppt/theme/theme1.xml><?xml version="1.0" encoding="utf-8"?>
 <a:theme xmlns:a="http://schemas.openxmlformats.org/drawingml/2006/main" name="Office Theme">
   <a:themeElements>
-    <a:clrScheme name="Office">
+    <a:clrScheme name="Office 2007-2010">
       <a:dk1>
         <a:sysClr val="windowText" lastClr="000000"/>
       </a:dk1>
@@ -4966,34 +5865,34 @@
         <a:sysClr val="window" lastClr="FFFFFF"/>
       </a:lt1>
       <a:dk2>
-        <a:srgbClr val="44546A"/>
+        <a:srgbClr val="1F497D"/>
       </a:dk2>
       <a:lt2>
-        <a:srgbClr val="E7E6E6"/>
+        <a:srgbClr val="EEECE1"/>
       </a:lt2>
       <a:accent1>
-        <a:srgbClr val="4472C4"/>
+        <a:srgbClr val="4F81BD"/>
       </a:accent1>
       <a:accent2>
-        <a:srgbClr val="ED7D31"/>
+        <a:srgbClr val="C0504D"/>
       </a:accent2>
       <a:accent3>
-        <a:srgbClr val="A5A5A5"/>
+        <a:srgbClr val="9BBB59"/>
       </a:accent3>
       <a:accent4>
-        <a:srgbClr val="FFC000"/>
+        <a:srgbClr val="8064A2"/>
       </a:accent4>
       <a:accent5>
-        <a:srgbClr val="5B9BD5"/>
+        <a:srgbClr val="4BACC6"/>
       </a:accent5>
       <a:accent6>
-        <a:srgbClr val="70AD47"/>
+        <a:srgbClr val="F79646"/>
       </a:accent6>
       <a:hlink>
-        <a:srgbClr val="0563C1"/>
+        <a:srgbClr val="0000FF"/>
       </a:hlink>
       <a:folHlink>
-        <a:srgbClr val="954F72"/>
+        <a:srgbClr val="800080"/>
       </a:folHlink>
     </a:clrScheme>
     <a:fontScheme name="Office">

--- a/Project/Project Proposal.pptx
+++ b/Project/Project Proposal.pptx
@@ -8,12 +8,13 @@
     <p:sldId id="256" r:id="rId2"/>
     <p:sldId id="257" r:id="rId3"/>
     <p:sldId id="258" r:id="rId4"/>
-    <p:sldId id="259" r:id="rId5"/>
-    <p:sldId id="260" r:id="rId6"/>
-    <p:sldId id="261" r:id="rId7"/>
-    <p:sldId id="262" r:id="rId8"/>
-    <p:sldId id="263" r:id="rId9"/>
-    <p:sldId id="264" r:id="rId10"/>
+    <p:sldId id="265" r:id="rId5"/>
+    <p:sldId id="259" r:id="rId6"/>
+    <p:sldId id="260" r:id="rId7"/>
+    <p:sldId id="261" r:id="rId8"/>
+    <p:sldId id="262" r:id="rId9"/>
+    <p:sldId id="263" r:id="rId10"/>
+    <p:sldId id="264" r:id="rId11"/>
   </p:sldIdLst>
   <p:sldSz cx="12192000" cy="6858000"/>
   <p:notesSz cx="6858000" cy="9144000"/>
@@ -267,7 +268,7 @@
           <a:p>
             <a:fld id="{BDB81E68-9071-4534-B1CB-8EB02C66FA70}" type="datetimeFigureOut">
               <a:rPr lang="en-US" smtClean="0"/>
-              <a:t>2/19/2020</a:t>
+              <a:t>2/26/2020</a:t>
             </a:fld>
             <a:endParaRPr lang="en-US"/>
           </a:p>
@@ -465,7 +466,7 @@
           <a:p>
             <a:fld id="{BDB81E68-9071-4534-B1CB-8EB02C66FA70}" type="datetimeFigureOut">
               <a:rPr lang="en-US" smtClean="0"/>
-              <a:t>2/19/2020</a:t>
+              <a:t>2/26/2020</a:t>
             </a:fld>
             <a:endParaRPr lang="en-US"/>
           </a:p>
@@ -673,7 +674,7 @@
           <a:p>
             <a:fld id="{BDB81E68-9071-4534-B1CB-8EB02C66FA70}" type="datetimeFigureOut">
               <a:rPr lang="en-US" smtClean="0"/>
-              <a:t>2/19/2020</a:t>
+              <a:t>2/26/2020</a:t>
             </a:fld>
             <a:endParaRPr lang="en-US"/>
           </a:p>
@@ -871,7 +872,7 @@
           <a:p>
             <a:fld id="{BDB81E68-9071-4534-B1CB-8EB02C66FA70}" type="datetimeFigureOut">
               <a:rPr lang="en-US" smtClean="0"/>
-              <a:t>2/19/2020</a:t>
+              <a:t>2/26/2020</a:t>
             </a:fld>
             <a:endParaRPr lang="en-US"/>
           </a:p>
@@ -1146,7 +1147,7 @@
           <a:p>
             <a:fld id="{BDB81E68-9071-4534-B1CB-8EB02C66FA70}" type="datetimeFigureOut">
               <a:rPr lang="en-US" smtClean="0"/>
-              <a:t>2/19/2020</a:t>
+              <a:t>2/26/2020</a:t>
             </a:fld>
             <a:endParaRPr lang="en-US"/>
           </a:p>
@@ -1411,7 +1412,7 @@
           <a:p>
             <a:fld id="{BDB81E68-9071-4534-B1CB-8EB02C66FA70}" type="datetimeFigureOut">
               <a:rPr lang="en-US" smtClean="0"/>
-              <a:t>2/19/2020</a:t>
+              <a:t>2/26/2020</a:t>
             </a:fld>
             <a:endParaRPr lang="en-US"/>
           </a:p>
@@ -1823,7 +1824,7 @@
           <a:p>
             <a:fld id="{BDB81E68-9071-4534-B1CB-8EB02C66FA70}" type="datetimeFigureOut">
               <a:rPr lang="en-US" smtClean="0"/>
-              <a:t>2/19/2020</a:t>
+              <a:t>2/26/2020</a:t>
             </a:fld>
             <a:endParaRPr lang="en-US"/>
           </a:p>
@@ -1964,7 +1965,7 @@
           <a:p>
             <a:fld id="{BDB81E68-9071-4534-B1CB-8EB02C66FA70}" type="datetimeFigureOut">
               <a:rPr lang="en-US" smtClean="0"/>
-              <a:t>2/19/2020</a:t>
+              <a:t>2/26/2020</a:t>
             </a:fld>
             <a:endParaRPr lang="en-US"/>
           </a:p>
@@ -2077,7 +2078,7 @@
           <a:p>
             <a:fld id="{BDB81E68-9071-4534-B1CB-8EB02C66FA70}" type="datetimeFigureOut">
               <a:rPr lang="en-US" smtClean="0"/>
-              <a:t>2/19/2020</a:t>
+              <a:t>2/26/2020</a:t>
             </a:fld>
             <a:endParaRPr lang="en-US"/>
           </a:p>
@@ -2388,7 +2389,7 @@
           <a:p>
             <a:fld id="{BDB81E68-9071-4534-B1CB-8EB02C66FA70}" type="datetimeFigureOut">
               <a:rPr lang="en-US" smtClean="0"/>
-              <a:t>2/19/2020</a:t>
+              <a:t>2/26/2020</a:t>
             </a:fld>
             <a:endParaRPr lang="en-US"/>
           </a:p>
@@ -2676,7 +2677,7 @@
           <a:p>
             <a:fld id="{BDB81E68-9071-4534-B1CB-8EB02C66FA70}" type="datetimeFigureOut">
               <a:rPr lang="en-US" smtClean="0"/>
-              <a:t>2/19/2020</a:t>
+              <a:t>2/26/2020</a:t>
             </a:fld>
             <a:endParaRPr lang="en-US"/>
           </a:p>
@@ -2917,7 +2918,7 @@
           <a:p>
             <a:fld id="{BDB81E68-9071-4534-B1CB-8EB02C66FA70}" type="datetimeFigureOut">
               <a:rPr lang="en-US" smtClean="0"/>
-              <a:t>2/19/2020</a:t>
+              <a:t>2/26/2020</a:t>
             </a:fld>
             <a:endParaRPr lang="en-US"/>
           </a:p>
@@ -3425,6 +3426,76 @@
 </p:sld>
 </file>
 
+<file path=ppt/slides/slide10.xml><?xml version="1.0" encoding="utf-8"?>
+<p:sld xmlns:a="http://schemas.openxmlformats.org/drawingml/2006/main" xmlns:r="http://schemas.openxmlformats.org/officeDocument/2006/relationships" xmlns:p="http://schemas.openxmlformats.org/presentationml/2006/main">
+  <p:cSld>
+    <p:bg>
+      <p:bgPr>
+        <a:solidFill>
+          <a:schemeClr val="accent1">
+            <a:lumMod val="20000"/>
+            <a:lumOff val="80000"/>
+          </a:schemeClr>
+        </a:solidFill>
+        <a:effectLst/>
+      </p:bgPr>
+    </p:bg>
+    <p:spTree>
+      <p:nvGrpSpPr>
+        <p:cNvPr id="1" name=""/>
+        <p:cNvGrpSpPr/>
+        <p:nvPr/>
+      </p:nvGrpSpPr>
+      <p:grpSpPr>
+        <a:xfrm>
+          <a:off x="0" y="0"/>
+          <a:ext cx="0" cy="0"/>
+          <a:chOff x="0" y="0"/>
+          <a:chExt cx="0" cy="0"/>
+        </a:xfrm>
+      </p:grpSpPr>
+      <p:sp>
+        <p:nvSpPr>
+          <p:cNvPr id="6" name="Title 5">
+            <a:extLst>
+              <a:ext uri="{FF2B5EF4-FFF2-40B4-BE49-F238E27FC236}">
+                <a16:creationId xmlns:a16="http://schemas.microsoft.com/office/drawing/2014/main" id="{3FE5BFE9-216A-4B5E-BD06-812754633B7E}"/>
+              </a:ext>
+            </a:extLst>
+          </p:cNvPr>
+          <p:cNvSpPr>
+            <a:spLocks noGrp="1"/>
+          </p:cNvSpPr>
+          <p:nvPr>
+            <p:ph type="title"/>
+          </p:nvPr>
+        </p:nvSpPr>
+        <p:spPr/>
+        <p:txBody>
+          <a:bodyPr/>
+          <a:lstStyle/>
+          <a:p>
+            <a:pPr algn="ctr"/>
+            <a:r>
+              <a:rPr lang="en-US" dirty="0"/>
+              <a:t>Thank You!</a:t>
+            </a:r>
+          </a:p>
+        </p:txBody>
+      </p:sp>
+    </p:spTree>
+    <p:extLst>
+      <p:ext uri="{BB962C8B-B14F-4D97-AF65-F5344CB8AC3E}">
+        <p14:creationId xmlns:p14="http://schemas.microsoft.com/office/powerpoint/2010/main" val="2723783663"/>
+      </p:ext>
+    </p:extLst>
+  </p:cSld>
+  <p:clrMapOvr>
+    <a:masterClrMapping/>
+  </p:clrMapOvr>
+</p:sld>
+</file>
+
 <file path=ppt/slides/slide2.xml><?xml version="1.0" encoding="utf-8"?>
 <p:sld xmlns:a="http://schemas.openxmlformats.org/drawingml/2006/main" xmlns:r="http://schemas.openxmlformats.org/officeDocument/2006/relationships" xmlns:p="http://schemas.openxmlformats.org/presentationml/2006/main">
   <p:cSld>
@@ -3607,7 +3678,7 @@
           <a:p>
             <a:r>
               <a:rPr lang="en-US" dirty="0"/>
-              <a:t>We want to find meaningful factors that effect employee productivity (GDP per employee).</a:t>
+              <a:t>We want to find meaningful factors that effect employee productivity (GDP per employee) across countries.</a:t>
             </a:r>
           </a:p>
         </p:txBody>
@@ -3628,17 +3699,6 @@
 <file path=ppt/slides/slide4.xml><?xml version="1.0" encoding="utf-8"?>
 <p:sld xmlns:a="http://schemas.openxmlformats.org/drawingml/2006/main" xmlns:r="http://schemas.openxmlformats.org/officeDocument/2006/relationships" xmlns:p="http://schemas.openxmlformats.org/presentationml/2006/main">
   <p:cSld>
-    <p:bg>
-      <p:bgPr>
-        <a:solidFill>
-          <a:schemeClr val="accent1">
-            <a:lumMod val="20000"/>
-            <a:lumOff val="80000"/>
-          </a:schemeClr>
-        </a:solidFill>
-        <a:effectLst/>
-      </p:bgPr>
-    </p:bg>
     <p:spTree>
       <p:nvGrpSpPr>
         <p:cNvPr id="1" name=""/>
@@ -3653,119 +3713,536 @@
           <a:chExt cx="0" cy="0"/>
         </a:xfrm>
       </p:grpSpPr>
-      <p:sp>
-        <p:nvSpPr>
-          <p:cNvPr id="2" name="Title 1">
-            <a:extLst>
-              <a:ext uri="{FF2B5EF4-FFF2-40B4-BE49-F238E27FC236}">
-                <a16:creationId xmlns:a16="http://schemas.microsoft.com/office/drawing/2014/main" id="{35DDFD46-5DA4-4BDF-890B-90D74685E15C}"/>
-              </a:ext>
-            </a:extLst>
-          </p:cNvPr>
-          <p:cNvSpPr>
-            <a:spLocks noGrp="1"/>
-          </p:cNvSpPr>
-          <p:nvPr>
-            <p:ph type="title"/>
-          </p:nvPr>
-        </p:nvSpPr>
-        <p:spPr/>
-        <p:txBody>
-          <a:bodyPr/>
-          <a:lstStyle/>
-          <a:p>
-            <a:r>
-              <a:rPr lang="en-US" dirty="0"/>
-              <a:t>Hypothesis and Questions</a:t>
-            </a:r>
-          </a:p>
-        </p:txBody>
-      </p:sp>
-      <p:sp>
-        <p:nvSpPr>
-          <p:cNvPr id="3" name="Content Placeholder 2">
-            <a:extLst>
-              <a:ext uri="{FF2B5EF4-FFF2-40B4-BE49-F238E27FC236}">
-                <a16:creationId xmlns:a16="http://schemas.microsoft.com/office/drawing/2014/main" id="{A36FDB6E-93A5-4CD5-A08A-1E83BFA435E5}"/>
-              </a:ext>
-            </a:extLst>
-          </p:cNvPr>
-          <p:cNvSpPr>
-            <a:spLocks noGrp="1"/>
-          </p:cNvSpPr>
+      <p:pic>
+        <p:nvPicPr>
+          <p:cNvPr id="4" name="Content Placeholder 3">
+            <a:extLst>
+              <a:ext uri="{FF2B5EF4-FFF2-40B4-BE49-F238E27FC236}">
+                <a16:creationId xmlns:a16="http://schemas.microsoft.com/office/drawing/2014/main" id="{1D2ED242-10FD-4A2F-B986-7A7DB2A439C2}"/>
+              </a:ext>
+            </a:extLst>
+          </p:cNvPr>
+          <p:cNvPicPr>
+            <a:picLocks noGrp="1" noChangeAspect="1"/>
+          </p:cNvPicPr>
           <p:nvPr>
             <p:ph idx="1"/>
           </p:nvPr>
-        </p:nvSpPr>
-        <p:spPr/>
-        <p:txBody>
-          <a:bodyPr>
-            <a:normAutofit/>
-          </a:bodyPr>
-          <a:lstStyle/>
-          <a:p>
-            <a:r>
-              <a:rPr lang="en-US" sz="2200" dirty="0"/>
-              <a:t>We believe access to electricity will positively effect employee productivity.</a:t>
-            </a:r>
-          </a:p>
-          <a:p>
-            <a:pPr marL="0" indent="0">
-              <a:buNone/>
-            </a:pPr>
-            <a:endParaRPr lang="en-US" sz="2200" dirty="0"/>
-          </a:p>
-          <a:p>
-            <a:r>
-              <a:rPr lang="en-US" sz="2200" dirty="0"/>
-              <a:t>We believe internet usage will positively effect employee productivity.</a:t>
-            </a:r>
-          </a:p>
-          <a:p>
-            <a:pPr marL="0" indent="0">
-              <a:buNone/>
-            </a:pPr>
-            <a:endParaRPr lang="en-US" sz="2200" dirty="0"/>
-          </a:p>
-          <a:p>
-            <a:r>
-              <a:rPr lang="en-US" sz="2200" dirty="0"/>
-              <a:t>We believe communication usage will positively effect employee productivity.</a:t>
-            </a:r>
-          </a:p>
-          <a:p>
-            <a:pPr marL="0" indent="0">
-              <a:buNone/>
-            </a:pPr>
-            <a:endParaRPr lang="en-US" sz="2200" dirty="0"/>
-          </a:p>
-          <a:p>
-            <a:r>
-              <a:rPr lang="en-US" sz="2200" dirty="0"/>
-              <a:t>What are the effects of different industry trends on employee productivity?</a:t>
-            </a:r>
-          </a:p>
-          <a:p>
-            <a:pPr marL="0" indent="0">
-              <a:buNone/>
-            </a:pPr>
-            <a:endParaRPr lang="en-US" sz="2200" dirty="0"/>
-          </a:p>
-          <a:p>
-            <a:r>
-              <a:rPr lang="en-US" sz="2200" dirty="0"/>
-              <a:t>What are the effects of employment type trends on employee productivity?</a:t>
-            </a:r>
-          </a:p>
-          <a:p>
-            <a:endParaRPr lang="en-US" dirty="0"/>
-          </a:p>
-        </p:txBody>
-      </p:sp>
+        </p:nvPicPr>
+        <p:blipFill rotWithShape="1">
+          <a:blip r:embed="rId2"/>
+          <a:srcRect l="2525" t="4606" r="2283" b="6652"/>
+          <a:stretch/>
+        </p:blipFill>
+        <p:spPr>
+          <a:xfrm>
+            <a:off x="3408630" y="2136913"/>
+            <a:ext cx="5227982" cy="2584174"/>
+          </a:xfrm>
+          <a:prstGeom prst="rect">
+            <a:avLst/>
+          </a:prstGeom>
+        </p:spPr>
+      </p:pic>
+      <p:pic>
+        <p:nvPicPr>
+          <p:cNvPr id="5" name="Picture 4">
+            <a:extLst>
+              <a:ext uri="{FF2B5EF4-FFF2-40B4-BE49-F238E27FC236}">
+                <a16:creationId xmlns:a16="http://schemas.microsoft.com/office/drawing/2014/main" id="{F876D170-BF23-474B-A998-03E46831DDC9}"/>
+              </a:ext>
+            </a:extLst>
+          </p:cNvPr>
+          <p:cNvPicPr>
+            <a:picLocks noChangeAspect="1"/>
+          </p:cNvPicPr>
+          <p:nvPr/>
+        </p:nvPicPr>
+        <p:blipFill>
+          <a:blip r:embed="rId3"/>
+          <a:stretch>
+            <a:fillRect/>
+          </a:stretch>
+        </p:blipFill>
+        <p:spPr>
+          <a:xfrm>
+            <a:off x="10264146" y="377420"/>
+            <a:ext cx="1410911" cy="1906825"/>
+          </a:xfrm>
+          <a:prstGeom prst="rect">
+            <a:avLst/>
+          </a:prstGeom>
+        </p:spPr>
+      </p:pic>
+      <p:pic>
+        <p:nvPicPr>
+          <p:cNvPr id="6" name="Picture 5">
+            <a:extLst>
+              <a:ext uri="{FF2B5EF4-FFF2-40B4-BE49-F238E27FC236}">
+                <a16:creationId xmlns:a16="http://schemas.microsoft.com/office/drawing/2014/main" id="{8C309C9F-951B-454B-94DD-3865F934F585}"/>
+              </a:ext>
+            </a:extLst>
+          </p:cNvPr>
+          <p:cNvPicPr>
+            <a:picLocks noChangeAspect="1"/>
+          </p:cNvPicPr>
+          <p:nvPr/>
+        </p:nvPicPr>
+        <p:blipFill>
+          <a:blip r:embed="rId4"/>
+          <a:stretch>
+            <a:fillRect/>
+          </a:stretch>
+        </p:blipFill>
+        <p:spPr>
+          <a:xfrm>
+            <a:off x="734322" y="3455715"/>
+            <a:ext cx="1247742" cy="1908312"/>
+          </a:xfrm>
+          <a:prstGeom prst="rect">
+            <a:avLst/>
+          </a:prstGeom>
+        </p:spPr>
+      </p:pic>
+      <p:pic>
+        <p:nvPicPr>
+          <p:cNvPr id="7" name="Picture 6">
+            <a:extLst>
+              <a:ext uri="{FF2B5EF4-FFF2-40B4-BE49-F238E27FC236}">
+                <a16:creationId xmlns:a16="http://schemas.microsoft.com/office/drawing/2014/main" id="{CEDB847F-CAED-4661-AD38-3D2A78BE0E2F}"/>
+              </a:ext>
+            </a:extLst>
+          </p:cNvPr>
+          <p:cNvPicPr>
+            <a:picLocks noChangeAspect="1"/>
+          </p:cNvPicPr>
+          <p:nvPr/>
+        </p:nvPicPr>
+        <p:blipFill>
+          <a:blip r:embed="rId5"/>
+          <a:stretch>
+            <a:fillRect/>
+          </a:stretch>
+        </p:blipFill>
+        <p:spPr>
+          <a:xfrm>
+            <a:off x="3016238" y="5155306"/>
+            <a:ext cx="2045588" cy="1426255"/>
+          </a:xfrm>
+          <a:prstGeom prst="rect">
+            <a:avLst/>
+          </a:prstGeom>
+        </p:spPr>
+      </p:pic>
+      <p:pic>
+        <p:nvPicPr>
+          <p:cNvPr id="8" name="Picture 7">
+            <a:extLst>
+              <a:ext uri="{FF2B5EF4-FFF2-40B4-BE49-F238E27FC236}">
+                <a16:creationId xmlns:a16="http://schemas.microsoft.com/office/drawing/2014/main" id="{87653F76-542A-4CB8-ACD4-130C0E5851CA}"/>
+              </a:ext>
+            </a:extLst>
+          </p:cNvPr>
+          <p:cNvPicPr>
+            <a:picLocks noChangeAspect="1"/>
+          </p:cNvPicPr>
+          <p:nvPr/>
+        </p:nvPicPr>
+        <p:blipFill>
+          <a:blip r:embed="rId6"/>
+          <a:stretch>
+            <a:fillRect/>
+          </a:stretch>
+        </p:blipFill>
+        <p:spPr>
+          <a:xfrm>
+            <a:off x="7428670" y="5100917"/>
+            <a:ext cx="1973451" cy="1620078"/>
+          </a:xfrm>
+          <a:prstGeom prst="rect">
+            <a:avLst/>
+          </a:prstGeom>
+        </p:spPr>
+      </p:pic>
+      <p:pic>
+        <p:nvPicPr>
+          <p:cNvPr id="9" name="Picture 8">
+            <a:extLst>
+              <a:ext uri="{FF2B5EF4-FFF2-40B4-BE49-F238E27FC236}">
+                <a16:creationId xmlns:a16="http://schemas.microsoft.com/office/drawing/2014/main" id="{4CD677AD-E36A-486E-85EE-845706959FF9}"/>
+              </a:ext>
+            </a:extLst>
+          </p:cNvPr>
+          <p:cNvPicPr>
+            <a:picLocks noChangeAspect="1"/>
+          </p:cNvPicPr>
+          <p:nvPr/>
+        </p:nvPicPr>
+        <p:blipFill>
+          <a:blip r:embed="rId7"/>
+          <a:stretch>
+            <a:fillRect/>
+          </a:stretch>
+        </p:blipFill>
+        <p:spPr>
+          <a:xfrm>
+            <a:off x="775360" y="276439"/>
+            <a:ext cx="2245829" cy="1721803"/>
+          </a:xfrm>
+          <a:prstGeom prst="rect">
+            <a:avLst/>
+          </a:prstGeom>
+        </p:spPr>
+      </p:pic>
+      <p:pic>
+        <p:nvPicPr>
+          <p:cNvPr id="10" name="Picture 9">
+            <a:extLst>
+              <a:ext uri="{FF2B5EF4-FFF2-40B4-BE49-F238E27FC236}">
+                <a16:creationId xmlns:a16="http://schemas.microsoft.com/office/drawing/2014/main" id="{5473DFF5-C4B7-4B8B-945B-1238434FBFAF}"/>
+              </a:ext>
+            </a:extLst>
+          </p:cNvPr>
+          <p:cNvPicPr>
+            <a:picLocks noChangeAspect="1"/>
+          </p:cNvPicPr>
+          <p:nvPr/>
+        </p:nvPicPr>
+        <p:blipFill>
+          <a:blip r:embed="rId8"/>
+          <a:stretch>
+            <a:fillRect/>
+          </a:stretch>
+        </p:blipFill>
+        <p:spPr>
+          <a:xfrm>
+            <a:off x="6390783" y="139148"/>
+            <a:ext cx="2245829" cy="1617935"/>
+          </a:xfrm>
+          <a:prstGeom prst="rect">
+            <a:avLst/>
+          </a:prstGeom>
+        </p:spPr>
+      </p:pic>
+      <p:cxnSp>
+        <p:nvCxnSpPr>
+          <p:cNvPr id="12" name="Straight Arrow Connector 11">
+            <a:extLst>
+              <a:ext uri="{FF2B5EF4-FFF2-40B4-BE49-F238E27FC236}">
+                <a16:creationId xmlns:a16="http://schemas.microsoft.com/office/drawing/2014/main" id="{2D83F6CD-CB53-41C3-B7A0-F5351186C2E0}"/>
+              </a:ext>
+            </a:extLst>
+          </p:cNvPr>
+          <p:cNvCxnSpPr/>
+          <p:nvPr/>
+        </p:nvCxnSpPr>
+        <p:spPr>
+          <a:xfrm>
+            <a:off x="3021189" y="1461052"/>
+            <a:ext cx="527081" cy="675861"/>
+          </a:xfrm>
+          <a:prstGeom prst="straightConnector1">
+            <a:avLst/>
+          </a:prstGeom>
+          <a:ln>
+            <a:tailEnd type="triangle"/>
+          </a:ln>
+        </p:spPr>
+        <p:style>
+          <a:lnRef idx="1">
+            <a:schemeClr val="accent1"/>
+          </a:lnRef>
+          <a:fillRef idx="0">
+            <a:schemeClr val="accent1"/>
+          </a:fillRef>
+          <a:effectRef idx="0">
+            <a:schemeClr val="accent1"/>
+          </a:effectRef>
+          <a:fontRef idx="minor">
+            <a:schemeClr val="tx1"/>
+          </a:fontRef>
+        </p:style>
+      </p:cxnSp>
+      <p:cxnSp>
+        <p:nvCxnSpPr>
+          <p:cNvPr id="13" name="Straight Arrow Connector 12">
+            <a:extLst>
+              <a:ext uri="{FF2B5EF4-FFF2-40B4-BE49-F238E27FC236}">
+                <a16:creationId xmlns:a16="http://schemas.microsoft.com/office/drawing/2014/main" id="{3D76C36A-D7E0-4082-A947-3F79C60EA01E}"/>
+              </a:ext>
+            </a:extLst>
+          </p:cNvPr>
+          <p:cNvCxnSpPr>
+            <a:cxnSpLocks/>
+          </p:cNvCxnSpPr>
+          <p:nvPr/>
+        </p:nvCxnSpPr>
+        <p:spPr>
+          <a:xfrm flipV="1">
+            <a:off x="2220830" y="4417321"/>
+            <a:ext cx="1063899" cy="254070"/>
+          </a:xfrm>
+          <a:prstGeom prst="straightConnector1">
+            <a:avLst/>
+          </a:prstGeom>
+          <a:ln>
+            <a:tailEnd type="triangle"/>
+          </a:ln>
+        </p:spPr>
+        <p:style>
+          <a:lnRef idx="1">
+            <a:schemeClr val="accent1"/>
+          </a:lnRef>
+          <a:fillRef idx="0">
+            <a:schemeClr val="accent1"/>
+          </a:fillRef>
+          <a:effectRef idx="0">
+            <a:schemeClr val="accent1"/>
+          </a:effectRef>
+          <a:fontRef idx="minor">
+            <a:schemeClr val="tx1"/>
+          </a:fontRef>
+        </p:style>
+      </p:cxnSp>
+      <p:cxnSp>
+        <p:nvCxnSpPr>
+          <p:cNvPr id="15" name="Straight Arrow Connector 14">
+            <a:extLst>
+              <a:ext uri="{FF2B5EF4-FFF2-40B4-BE49-F238E27FC236}">
+                <a16:creationId xmlns:a16="http://schemas.microsoft.com/office/drawing/2014/main" id="{A9D2223C-983E-4BA3-9B43-BE6313ECA44E}"/>
+              </a:ext>
+            </a:extLst>
+          </p:cNvPr>
+          <p:cNvCxnSpPr>
+            <a:cxnSpLocks/>
+          </p:cNvCxnSpPr>
+          <p:nvPr/>
+        </p:nvCxnSpPr>
+        <p:spPr>
+          <a:xfrm flipV="1">
+            <a:off x="4880113" y="4708663"/>
+            <a:ext cx="494488" cy="688285"/>
+          </a:xfrm>
+          <a:prstGeom prst="straightConnector1">
+            <a:avLst/>
+          </a:prstGeom>
+          <a:ln>
+            <a:tailEnd type="triangle"/>
+          </a:ln>
+        </p:spPr>
+        <p:style>
+          <a:lnRef idx="1">
+            <a:schemeClr val="accent1"/>
+          </a:lnRef>
+          <a:fillRef idx="0">
+            <a:schemeClr val="accent1"/>
+          </a:fillRef>
+          <a:effectRef idx="0">
+            <a:schemeClr val="accent1"/>
+          </a:effectRef>
+          <a:fontRef idx="minor">
+            <a:schemeClr val="tx1"/>
+          </a:fontRef>
+        </p:style>
+      </p:cxnSp>
+      <p:cxnSp>
+        <p:nvCxnSpPr>
+          <p:cNvPr id="17" name="Straight Arrow Connector 16">
+            <a:extLst>
+              <a:ext uri="{FF2B5EF4-FFF2-40B4-BE49-F238E27FC236}">
+                <a16:creationId xmlns:a16="http://schemas.microsoft.com/office/drawing/2014/main" id="{5AB144F9-8235-489D-9CED-1F6A7DAED3D8}"/>
+              </a:ext>
+            </a:extLst>
+          </p:cNvPr>
+          <p:cNvCxnSpPr>
+            <a:cxnSpLocks/>
+          </p:cNvCxnSpPr>
+          <p:nvPr/>
+        </p:nvCxnSpPr>
+        <p:spPr>
+          <a:xfrm flipH="1" flipV="1">
+            <a:off x="7007087" y="4799048"/>
+            <a:ext cx="220080" cy="860668"/>
+          </a:xfrm>
+          <a:prstGeom prst="straightConnector1">
+            <a:avLst/>
+          </a:prstGeom>
+          <a:ln>
+            <a:tailEnd type="triangle"/>
+          </a:ln>
+        </p:spPr>
+        <p:style>
+          <a:lnRef idx="1">
+            <a:schemeClr val="accent1"/>
+          </a:lnRef>
+          <a:fillRef idx="0">
+            <a:schemeClr val="accent1"/>
+          </a:fillRef>
+          <a:effectRef idx="0">
+            <a:schemeClr val="accent1"/>
+          </a:effectRef>
+          <a:fontRef idx="minor">
+            <a:schemeClr val="tx1"/>
+          </a:fontRef>
+        </p:style>
+      </p:cxnSp>
+      <p:cxnSp>
+        <p:nvCxnSpPr>
+          <p:cNvPr id="19" name="Straight Arrow Connector 18">
+            <a:extLst>
+              <a:ext uri="{FF2B5EF4-FFF2-40B4-BE49-F238E27FC236}">
+                <a16:creationId xmlns:a16="http://schemas.microsoft.com/office/drawing/2014/main" id="{78F04387-2101-496E-85C4-296D2FEFB6D7}"/>
+              </a:ext>
+            </a:extLst>
+          </p:cNvPr>
+          <p:cNvCxnSpPr>
+            <a:cxnSpLocks/>
+          </p:cNvCxnSpPr>
+          <p:nvPr/>
+        </p:nvCxnSpPr>
+        <p:spPr>
+          <a:xfrm flipH="1">
+            <a:off x="8636612" y="1904614"/>
+            <a:ext cx="1763005" cy="667409"/>
+          </a:xfrm>
+          <a:prstGeom prst="straightConnector1">
+            <a:avLst/>
+          </a:prstGeom>
+          <a:ln>
+            <a:tailEnd type="triangle"/>
+          </a:ln>
+        </p:spPr>
+        <p:style>
+          <a:lnRef idx="1">
+            <a:schemeClr val="accent1"/>
+          </a:lnRef>
+          <a:fillRef idx="0">
+            <a:schemeClr val="accent1"/>
+          </a:fillRef>
+          <a:effectRef idx="0">
+            <a:schemeClr val="accent1"/>
+          </a:effectRef>
+          <a:fontRef idx="minor">
+            <a:schemeClr val="tx1"/>
+          </a:fontRef>
+        </p:style>
+      </p:cxnSp>
+      <p:cxnSp>
+        <p:nvCxnSpPr>
+          <p:cNvPr id="21" name="Straight Arrow Connector 20">
+            <a:extLst>
+              <a:ext uri="{FF2B5EF4-FFF2-40B4-BE49-F238E27FC236}">
+                <a16:creationId xmlns:a16="http://schemas.microsoft.com/office/drawing/2014/main" id="{8EF3DB78-58B8-4CA0-A5BA-55195E975D73}"/>
+              </a:ext>
+            </a:extLst>
+          </p:cNvPr>
+          <p:cNvCxnSpPr>
+            <a:cxnSpLocks/>
+          </p:cNvCxnSpPr>
+          <p:nvPr/>
+        </p:nvCxnSpPr>
+        <p:spPr>
+          <a:xfrm flipH="1">
+            <a:off x="6510130" y="1330833"/>
+            <a:ext cx="208650" cy="602854"/>
+          </a:xfrm>
+          <a:prstGeom prst="straightConnector1">
+            <a:avLst/>
+          </a:prstGeom>
+          <a:ln>
+            <a:tailEnd type="triangle"/>
+          </a:ln>
+        </p:spPr>
+        <p:style>
+          <a:lnRef idx="1">
+            <a:schemeClr val="accent1"/>
+          </a:lnRef>
+          <a:fillRef idx="0">
+            <a:schemeClr val="accent1"/>
+          </a:fillRef>
+          <a:effectRef idx="0">
+            <a:schemeClr val="accent1"/>
+          </a:effectRef>
+          <a:fontRef idx="minor">
+            <a:schemeClr val="tx1"/>
+          </a:fontRef>
+        </p:style>
+      </p:cxnSp>
+      <p:pic>
+        <p:nvPicPr>
+          <p:cNvPr id="24" name="Picture 23">
+            <a:extLst>
+              <a:ext uri="{FF2B5EF4-FFF2-40B4-BE49-F238E27FC236}">
+                <a16:creationId xmlns:a16="http://schemas.microsoft.com/office/drawing/2014/main" id="{55526A4B-B45F-434D-B2E8-F38AC277D2B0}"/>
+              </a:ext>
+            </a:extLst>
+          </p:cNvPr>
+          <p:cNvPicPr>
+            <a:picLocks noChangeAspect="1"/>
+          </p:cNvPicPr>
+          <p:nvPr/>
+        </p:nvPicPr>
+        <p:blipFill>
+          <a:blip r:embed="rId9"/>
+          <a:stretch>
+            <a:fillRect/>
+          </a:stretch>
+        </p:blipFill>
+        <p:spPr>
+          <a:xfrm>
+            <a:off x="10264146" y="3474451"/>
+            <a:ext cx="1667708" cy="1922497"/>
+          </a:xfrm>
+          <a:prstGeom prst="rect">
+            <a:avLst/>
+          </a:prstGeom>
+        </p:spPr>
+      </p:pic>
+      <p:cxnSp>
+        <p:nvCxnSpPr>
+          <p:cNvPr id="30" name="Straight Arrow Connector 29">
+            <a:extLst>
+              <a:ext uri="{FF2B5EF4-FFF2-40B4-BE49-F238E27FC236}">
+                <a16:creationId xmlns:a16="http://schemas.microsoft.com/office/drawing/2014/main" id="{E4DB61C7-F3AF-4766-AD88-69268C026AFC}"/>
+              </a:ext>
+            </a:extLst>
+          </p:cNvPr>
+          <p:cNvCxnSpPr>
+            <a:cxnSpLocks/>
+          </p:cNvCxnSpPr>
+          <p:nvPr/>
+        </p:nvCxnSpPr>
+        <p:spPr>
+          <a:xfrm flipH="1" flipV="1">
+            <a:off x="8760514" y="3619262"/>
+            <a:ext cx="1639103" cy="666716"/>
+          </a:xfrm>
+          <a:prstGeom prst="straightConnector1">
+            <a:avLst/>
+          </a:prstGeom>
+          <a:ln>
+            <a:tailEnd type="triangle"/>
+          </a:ln>
+        </p:spPr>
+        <p:style>
+          <a:lnRef idx="1">
+            <a:schemeClr val="accent1"/>
+          </a:lnRef>
+          <a:fillRef idx="0">
+            <a:schemeClr val="accent1"/>
+          </a:fillRef>
+          <a:effectRef idx="0">
+            <a:schemeClr val="accent1"/>
+          </a:effectRef>
+          <a:fontRef idx="minor">
+            <a:schemeClr val="tx1"/>
+          </a:fontRef>
+        </p:style>
+      </p:cxnSp>
     </p:spTree>
     <p:extLst>
       <p:ext uri="{BB962C8B-B14F-4D97-AF65-F5344CB8AC3E}">
-        <p14:creationId xmlns:p14="http://schemas.microsoft.com/office/powerpoint/2010/main" val="252595854"/>
+        <p14:creationId xmlns:p14="http://schemas.microsoft.com/office/powerpoint/2010/main" val="1940992010"/>
       </p:ext>
     </p:extLst>
   </p:cSld>
@@ -3793,7 +4270,7 @@
                             </p:stCondLst>
                             <p:childTnLst>
                               <p:par>
-                                <p:cTn id="5" presetID="1" presetClass="entr" presetSubtype="0" fill="hold" nodeType="clickEffect">
+                                <p:cTn id="5" presetID="42" presetClass="entr" presetSubtype="0" fill="hold" nodeType="clickEffect">
                                   <p:stCondLst>
                                     <p:cond delay="0"/>
                                   </p:stCondLst>
@@ -3806,11 +4283,7 @@
                                           </p:stCondLst>
                                         </p:cTn>
                                         <p:tgtEl>
-                                          <p:spTgt spid="3">
-                                            <p:txEl>
-                                              <p:pRg st="0" end="0"/>
-                                            </p:txEl>
-                                          </p:spTgt>
+                                          <p:spTgt spid="5"/>
                                         </p:tgtEl>
                                         <p:attrNameLst>
                                           <p:attrName>style.visibility</p:attrName>
@@ -3820,46 +4293,78 @@
                                         <p:strVal val="visible"/>
                                       </p:to>
                                     </p:set>
+                                    <p:animEffect transition="in" filter="fade">
+                                      <p:cBhvr>
+                                        <p:cTn id="7" dur="1000"/>
+                                        <p:tgtEl>
+                                          <p:spTgt spid="5"/>
+                                        </p:tgtEl>
+                                      </p:cBhvr>
+                                    </p:animEffect>
+                                    <p:anim calcmode="lin" valueType="num">
+                                      <p:cBhvr>
+                                        <p:cTn id="8" dur="1000" fill="hold"/>
+                                        <p:tgtEl>
+                                          <p:spTgt spid="5"/>
+                                        </p:tgtEl>
+                                        <p:attrNameLst>
+                                          <p:attrName>ppt_x</p:attrName>
+                                        </p:attrNameLst>
+                                      </p:cBhvr>
+                                      <p:tavLst>
+                                        <p:tav tm="0">
+                                          <p:val>
+                                            <p:strVal val="#ppt_x"/>
+                                          </p:val>
+                                        </p:tav>
+                                        <p:tav tm="100000">
+                                          <p:val>
+                                            <p:strVal val="#ppt_x"/>
+                                          </p:val>
+                                        </p:tav>
+                                      </p:tavLst>
+                                    </p:anim>
+                                    <p:anim calcmode="lin" valueType="num">
+                                      <p:cBhvr>
+                                        <p:cTn id="9" dur="1000" fill="hold"/>
+                                        <p:tgtEl>
+                                          <p:spTgt spid="5"/>
+                                        </p:tgtEl>
+                                        <p:attrNameLst>
+                                          <p:attrName>ppt_y</p:attrName>
+                                        </p:attrNameLst>
+                                      </p:cBhvr>
+                                      <p:tavLst>
+                                        <p:tav tm="0">
+                                          <p:val>
+                                            <p:strVal val="#ppt_y+.1"/>
+                                          </p:val>
+                                        </p:tav>
+                                        <p:tav tm="100000">
+                                          <p:val>
+                                            <p:strVal val="#ppt_y"/>
+                                          </p:val>
+                                        </p:tav>
+                                      </p:tavLst>
+                                    </p:anim>
                                   </p:childTnLst>
                                 </p:cTn>
                               </p:par>
-                            </p:childTnLst>
-                          </p:cTn>
-                        </p:par>
-                      </p:childTnLst>
-                    </p:cTn>
-                  </p:par>
-                  <p:par>
-                    <p:cTn id="7" fill="hold">
-                      <p:stCondLst>
-                        <p:cond delay="indefinite"/>
-                      </p:stCondLst>
-                      <p:childTnLst>
-                        <p:par>
-                          <p:cTn id="8" fill="hold">
-                            <p:stCondLst>
-                              <p:cond delay="0"/>
-                            </p:stCondLst>
-                            <p:childTnLst>
                               <p:par>
-                                <p:cTn id="9" presetID="1" presetClass="entr" presetSubtype="0" fill="hold" nodeType="clickEffect">
+                                <p:cTn id="10" presetID="42" presetClass="entr" presetSubtype="0" fill="hold" nodeType="withEffect">
                                   <p:stCondLst>
                                     <p:cond delay="0"/>
                                   </p:stCondLst>
                                   <p:childTnLst>
                                     <p:set>
                                       <p:cBhvr>
-                                        <p:cTn id="10" dur="1" fill="hold">
+                                        <p:cTn id="11" dur="1" fill="hold">
                                           <p:stCondLst>
                                             <p:cond delay="0"/>
                                           </p:stCondLst>
                                         </p:cTn>
                                         <p:tgtEl>
-                                          <p:spTgt spid="3">
-                                            <p:txEl>
-                                              <p:pRg st="2" end="2"/>
-                                            </p:txEl>
-                                          </p:spTgt>
+                                          <p:spTgt spid="19"/>
                                         </p:tgtEl>
                                         <p:attrNameLst>
                                           <p:attrName>style.visibility</p:attrName>
@@ -3869,55 +4374,60 @@
                                         <p:strVal val="visible"/>
                                       </p:to>
                                     </p:set>
-                                  </p:childTnLst>
-                                </p:cTn>
-                              </p:par>
-                            </p:childTnLst>
-                          </p:cTn>
-                        </p:par>
-                      </p:childTnLst>
-                    </p:cTn>
-                  </p:par>
-                  <p:par>
-                    <p:cTn id="11" fill="hold">
-                      <p:stCondLst>
-                        <p:cond delay="indefinite"/>
-                      </p:stCondLst>
-                      <p:childTnLst>
-                        <p:par>
-                          <p:cTn id="12" fill="hold">
-                            <p:stCondLst>
-                              <p:cond delay="0"/>
-                            </p:stCondLst>
-                            <p:childTnLst>
-                              <p:par>
-                                <p:cTn id="13" presetID="1" presetClass="entr" presetSubtype="0" fill="hold" nodeType="clickEffect">
-                                  <p:stCondLst>
-                                    <p:cond delay="0"/>
-                                  </p:stCondLst>
-                                  <p:childTnLst>
-                                    <p:set>
+                                    <p:animEffect transition="in" filter="fade">
                                       <p:cBhvr>
-                                        <p:cTn id="14" dur="1" fill="hold">
-                                          <p:stCondLst>
-                                            <p:cond delay="0"/>
-                                          </p:stCondLst>
-                                        </p:cTn>
+                                        <p:cTn id="12" dur="1000"/>
                                         <p:tgtEl>
-                                          <p:spTgt spid="3">
-                                            <p:txEl>
-                                              <p:pRg st="4" end="4"/>
-                                            </p:txEl>
-                                          </p:spTgt>
+                                          <p:spTgt spid="19"/>
+                                        </p:tgtEl>
+                                      </p:cBhvr>
+                                    </p:animEffect>
+                                    <p:anim calcmode="lin" valueType="num">
+                                      <p:cBhvr>
+                                        <p:cTn id="13" dur="1000" fill="hold"/>
+                                        <p:tgtEl>
+                                          <p:spTgt spid="19"/>
                                         </p:tgtEl>
                                         <p:attrNameLst>
-                                          <p:attrName>style.visibility</p:attrName>
+                                          <p:attrName>ppt_x</p:attrName>
                                         </p:attrNameLst>
                                       </p:cBhvr>
-                                      <p:to>
-                                        <p:strVal val="visible"/>
-                                      </p:to>
-                                    </p:set>
+                                      <p:tavLst>
+                                        <p:tav tm="0">
+                                          <p:val>
+                                            <p:strVal val="#ppt_x"/>
+                                          </p:val>
+                                        </p:tav>
+                                        <p:tav tm="100000">
+                                          <p:val>
+                                            <p:strVal val="#ppt_x"/>
+                                          </p:val>
+                                        </p:tav>
+                                      </p:tavLst>
+                                    </p:anim>
+                                    <p:anim calcmode="lin" valueType="num">
+                                      <p:cBhvr>
+                                        <p:cTn id="14" dur="1000" fill="hold"/>
+                                        <p:tgtEl>
+                                          <p:spTgt spid="19"/>
+                                        </p:tgtEl>
+                                        <p:attrNameLst>
+                                          <p:attrName>ppt_y</p:attrName>
+                                        </p:attrNameLst>
+                                      </p:cBhvr>
+                                      <p:tavLst>
+                                        <p:tav tm="0">
+                                          <p:val>
+                                            <p:strVal val="#ppt_y+.1"/>
+                                          </p:val>
+                                        </p:tav>
+                                        <p:tav tm="100000">
+                                          <p:val>
+                                            <p:strVal val="#ppt_y"/>
+                                          </p:val>
+                                        </p:tav>
+                                      </p:tavLst>
+                                    </p:anim>
                                   </p:childTnLst>
                                 </p:cTn>
                               </p:par>
@@ -3940,7 +4450,7 @@
                             </p:stCondLst>
                             <p:childTnLst>
                               <p:par>
-                                <p:cTn id="17" presetID="1" presetClass="entr" presetSubtype="0" fill="hold" nodeType="clickEffect">
+                                <p:cTn id="17" presetID="42" presetClass="entr" presetSubtype="0" fill="hold" nodeType="clickEffect">
                                   <p:stCondLst>
                                     <p:cond delay="0"/>
                                   </p:stCondLst>
@@ -3953,11 +4463,7 @@
                                           </p:stCondLst>
                                         </p:cTn>
                                         <p:tgtEl>
-                                          <p:spTgt spid="3">
-                                            <p:txEl>
-                                              <p:pRg st="6" end="6"/>
-                                            </p:txEl>
-                                          </p:spTgt>
+                                          <p:spTgt spid="21"/>
                                         </p:tgtEl>
                                         <p:attrNameLst>
                                           <p:attrName>style.visibility</p:attrName>
@@ -3967,6 +4473,60 @@
                                         <p:strVal val="visible"/>
                                       </p:to>
                                     </p:set>
+                                    <p:animEffect transition="in" filter="fade">
+                                      <p:cBhvr>
+                                        <p:cTn id="19" dur="1000"/>
+                                        <p:tgtEl>
+                                          <p:spTgt spid="21"/>
+                                        </p:tgtEl>
+                                      </p:cBhvr>
+                                    </p:animEffect>
+                                    <p:anim calcmode="lin" valueType="num">
+                                      <p:cBhvr>
+                                        <p:cTn id="20" dur="1000" fill="hold"/>
+                                        <p:tgtEl>
+                                          <p:spTgt spid="21"/>
+                                        </p:tgtEl>
+                                        <p:attrNameLst>
+                                          <p:attrName>ppt_x</p:attrName>
+                                        </p:attrNameLst>
+                                      </p:cBhvr>
+                                      <p:tavLst>
+                                        <p:tav tm="0">
+                                          <p:val>
+                                            <p:strVal val="#ppt_x"/>
+                                          </p:val>
+                                        </p:tav>
+                                        <p:tav tm="100000">
+                                          <p:val>
+                                            <p:strVal val="#ppt_x"/>
+                                          </p:val>
+                                        </p:tav>
+                                      </p:tavLst>
+                                    </p:anim>
+                                    <p:anim calcmode="lin" valueType="num">
+                                      <p:cBhvr>
+                                        <p:cTn id="21" dur="1000" fill="hold"/>
+                                        <p:tgtEl>
+                                          <p:spTgt spid="21"/>
+                                        </p:tgtEl>
+                                        <p:attrNameLst>
+                                          <p:attrName>ppt_y</p:attrName>
+                                        </p:attrNameLst>
+                                      </p:cBhvr>
+                                      <p:tavLst>
+                                        <p:tav tm="0">
+                                          <p:val>
+                                            <p:strVal val="#ppt_y+.1"/>
+                                          </p:val>
+                                        </p:tav>
+                                        <p:tav tm="100000">
+                                          <p:val>
+                                            <p:strVal val="#ppt_y"/>
+                                          </p:val>
+                                        </p:tav>
+                                      </p:tavLst>
+                                    </p:anim>
                                   </p:childTnLst>
                                 </p:cTn>
                               </p:par>
@@ -3977,36 +4537,32 @@
                     </p:cTn>
                   </p:par>
                   <p:par>
-                    <p:cTn id="19" fill="hold">
+                    <p:cTn id="22" fill="hold">
                       <p:stCondLst>
                         <p:cond delay="indefinite"/>
                       </p:stCondLst>
                       <p:childTnLst>
                         <p:par>
-                          <p:cTn id="20" fill="hold">
+                          <p:cTn id="23" fill="hold">
                             <p:stCondLst>
                               <p:cond delay="0"/>
                             </p:stCondLst>
                             <p:childTnLst>
                               <p:par>
-                                <p:cTn id="21" presetID="1" presetClass="entr" presetSubtype="0" fill="hold" nodeType="clickEffect">
+                                <p:cTn id="24" presetID="42" presetClass="entr" presetSubtype="0" fill="hold" nodeType="clickEffect">
                                   <p:stCondLst>
                                     <p:cond delay="0"/>
                                   </p:stCondLst>
                                   <p:childTnLst>
                                     <p:set>
                                       <p:cBhvr>
-                                        <p:cTn id="22" dur="1" fill="hold">
+                                        <p:cTn id="25" dur="1" fill="hold">
                                           <p:stCondLst>
                                             <p:cond delay="0"/>
                                           </p:stCondLst>
                                         </p:cTn>
                                         <p:tgtEl>
-                                          <p:spTgt spid="3">
-                                            <p:txEl>
-                                              <p:pRg st="8" end="8"/>
-                                            </p:txEl>
-                                          </p:spTgt>
+                                          <p:spTgt spid="9"/>
                                         </p:tgtEl>
                                         <p:attrNameLst>
                                           <p:attrName>style.visibility</p:attrName>
@@ -4016,6 +4572,780 @@
                                         <p:strVal val="visible"/>
                                       </p:to>
                                     </p:set>
+                                    <p:animEffect transition="in" filter="fade">
+                                      <p:cBhvr>
+                                        <p:cTn id="26" dur="1000"/>
+                                        <p:tgtEl>
+                                          <p:spTgt spid="9"/>
+                                        </p:tgtEl>
+                                      </p:cBhvr>
+                                    </p:animEffect>
+                                    <p:anim calcmode="lin" valueType="num">
+                                      <p:cBhvr>
+                                        <p:cTn id="27" dur="1000" fill="hold"/>
+                                        <p:tgtEl>
+                                          <p:spTgt spid="9"/>
+                                        </p:tgtEl>
+                                        <p:attrNameLst>
+                                          <p:attrName>ppt_x</p:attrName>
+                                        </p:attrNameLst>
+                                      </p:cBhvr>
+                                      <p:tavLst>
+                                        <p:tav tm="0">
+                                          <p:val>
+                                            <p:strVal val="#ppt_x"/>
+                                          </p:val>
+                                        </p:tav>
+                                        <p:tav tm="100000">
+                                          <p:val>
+                                            <p:strVal val="#ppt_x"/>
+                                          </p:val>
+                                        </p:tav>
+                                      </p:tavLst>
+                                    </p:anim>
+                                    <p:anim calcmode="lin" valueType="num">
+                                      <p:cBhvr>
+                                        <p:cTn id="28" dur="1000" fill="hold"/>
+                                        <p:tgtEl>
+                                          <p:spTgt spid="9"/>
+                                        </p:tgtEl>
+                                        <p:attrNameLst>
+                                          <p:attrName>ppt_y</p:attrName>
+                                        </p:attrNameLst>
+                                      </p:cBhvr>
+                                      <p:tavLst>
+                                        <p:tav tm="0">
+                                          <p:val>
+                                            <p:strVal val="#ppt_y+.1"/>
+                                          </p:val>
+                                        </p:tav>
+                                        <p:tav tm="100000">
+                                          <p:val>
+                                            <p:strVal val="#ppt_y"/>
+                                          </p:val>
+                                        </p:tav>
+                                      </p:tavLst>
+                                    </p:anim>
+                                  </p:childTnLst>
+                                </p:cTn>
+                              </p:par>
+                              <p:par>
+                                <p:cTn id="29" presetID="42" presetClass="entr" presetSubtype="0" fill="hold" nodeType="withEffect">
+                                  <p:stCondLst>
+                                    <p:cond delay="0"/>
+                                  </p:stCondLst>
+                                  <p:childTnLst>
+                                    <p:set>
+                                      <p:cBhvr>
+                                        <p:cTn id="30" dur="1" fill="hold">
+                                          <p:stCondLst>
+                                            <p:cond delay="0"/>
+                                          </p:stCondLst>
+                                        </p:cTn>
+                                        <p:tgtEl>
+                                          <p:spTgt spid="12"/>
+                                        </p:tgtEl>
+                                        <p:attrNameLst>
+                                          <p:attrName>style.visibility</p:attrName>
+                                        </p:attrNameLst>
+                                      </p:cBhvr>
+                                      <p:to>
+                                        <p:strVal val="visible"/>
+                                      </p:to>
+                                    </p:set>
+                                    <p:animEffect transition="in" filter="fade">
+                                      <p:cBhvr>
+                                        <p:cTn id="31" dur="1000"/>
+                                        <p:tgtEl>
+                                          <p:spTgt spid="12"/>
+                                        </p:tgtEl>
+                                      </p:cBhvr>
+                                    </p:animEffect>
+                                    <p:anim calcmode="lin" valueType="num">
+                                      <p:cBhvr>
+                                        <p:cTn id="32" dur="1000" fill="hold"/>
+                                        <p:tgtEl>
+                                          <p:spTgt spid="12"/>
+                                        </p:tgtEl>
+                                        <p:attrNameLst>
+                                          <p:attrName>ppt_x</p:attrName>
+                                        </p:attrNameLst>
+                                      </p:cBhvr>
+                                      <p:tavLst>
+                                        <p:tav tm="0">
+                                          <p:val>
+                                            <p:strVal val="#ppt_x"/>
+                                          </p:val>
+                                        </p:tav>
+                                        <p:tav tm="100000">
+                                          <p:val>
+                                            <p:strVal val="#ppt_x"/>
+                                          </p:val>
+                                        </p:tav>
+                                      </p:tavLst>
+                                    </p:anim>
+                                    <p:anim calcmode="lin" valueType="num">
+                                      <p:cBhvr>
+                                        <p:cTn id="33" dur="1000" fill="hold"/>
+                                        <p:tgtEl>
+                                          <p:spTgt spid="12"/>
+                                        </p:tgtEl>
+                                        <p:attrNameLst>
+                                          <p:attrName>ppt_y</p:attrName>
+                                        </p:attrNameLst>
+                                      </p:cBhvr>
+                                      <p:tavLst>
+                                        <p:tav tm="0">
+                                          <p:val>
+                                            <p:strVal val="#ppt_y+.1"/>
+                                          </p:val>
+                                        </p:tav>
+                                        <p:tav tm="100000">
+                                          <p:val>
+                                            <p:strVal val="#ppt_y"/>
+                                          </p:val>
+                                        </p:tav>
+                                      </p:tavLst>
+                                    </p:anim>
+                                  </p:childTnLst>
+                                </p:cTn>
+                              </p:par>
+                            </p:childTnLst>
+                          </p:cTn>
+                        </p:par>
+                      </p:childTnLst>
+                    </p:cTn>
+                  </p:par>
+                  <p:par>
+                    <p:cTn id="34" fill="hold">
+                      <p:stCondLst>
+                        <p:cond delay="indefinite"/>
+                      </p:stCondLst>
+                      <p:childTnLst>
+                        <p:par>
+                          <p:cTn id="35" fill="hold">
+                            <p:stCondLst>
+                              <p:cond delay="0"/>
+                            </p:stCondLst>
+                            <p:childTnLst>
+                              <p:par>
+                                <p:cTn id="36" presetID="42" presetClass="entr" presetSubtype="0" fill="hold" nodeType="clickEffect">
+                                  <p:stCondLst>
+                                    <p:cond delay="0"/>
+                                  </p:stCondLst>
+                                  <p:childTnLst>
+                                    <p:set>
+                                      <p:cBhvr>
+                                        <p:cTn id="37" dur="1" fill="hold">
+                                          <p:stCondLst>
+                                            <p:cond delay="0"/>
+                                          </p:stCondLst>
+                                        </p:cTn>
+                                        <p:tgtEl>
+                                          <p:spTgt spid="6"/>
+                                        </p:tgtEl>
+                                        <p:attrNameLst>
+                                          <p:attrName>style.visibility</p:attrName>
+                                        </p:attrNameLst>
+                                      </p:cBhvr>
+                                      <p:to>
+                                        <p:strVal val="visible"/>
+                                      </p:to>
+                                    </p:set>
+                                    <p:animEffect transition="in" filter="fade">
+                                      <p:cBhvr>
+                                        <p:cTn id="38" dur="1000"/>
+                                        <p:tgtEl>
+                                          <p:spTgt spid="6"/>
+                                        </p:tgtEl>
+                                      </p:cBhvr>
+                                    </p:animEffect>
+                                    <p:anim calcmode="lin" valueType="num">
+                                      <p:cBhvr>
+                                        <p:cTn id="39" dur="1000" fill="hold"/>
+                                        <p:tgtEl>
+                                          <p:spTgt spid="6"/>
+                                        </p:tgtEl>
+                                        <p:attrNameLst>
+                                          <p:attrName>ppt_x</p:attrName>
+                                        </p:attrNameLst>
+                                      </p:cBhvr>
+                                      <p:tavLst>
+                                        <p:tav tm="0">
+                                          <p:val>
+                                            <p:strVal val="#ppt_x"/>
+                                          </p:val>
+                                        </p:tav>
+                                        <p:tav tm="100000">
+                                          <p:val>
+                                            <p:strVal val="#ppt_x"/>
+                                          </p:val>
+                                        </p:tav>
+                                      </p:tavLst>
+                                    </p:anim>
+                                    <p:anim calcmode="lin" valueType="num">
+                                      <p:cBhvr>
+                                        <p:cTn id="40" dur="1000" fill="hold"/>
+                                        <p:tgtEl>
+                                          <p:spTgt spid="6"/>
+                                        </p:tgtEl>
+                                        <p:attrNameLst>
+                                          <p:attrName>ppt_y</p:attrName>
+                                        </p:attrNameLst>
+                                      </p:cBhvr>
+                                      <p:tavLst>
+                                        <p:tav tm="0">
+                                          <p:val>
+                                            <p:strVal val="#ppt_y+.1"/>
+                                          </p:val>
+                                        </p:tav>
+                                        <p:tav tm="100000">
+                                          <p:val>
+                                            <p:strVal val="#ppt_y"/>
+                                          </p:val>
+                                        </p:tav>
+                                      </p:tavLst>
+                                    </p:anim>
+                                  </p:childTnLst>
+                                </p:cTn>
+                              </p:par>
+                              <p:par>
+                                <p:cTn id="41" presetID="42" presetClass="entr" presetSubtype="0" fill="hold" nodeType="withEffect">
+                                  <p:stCondLst>
+                                    <p:cond delay="0"/>
+                                  </p:stCondLst>
+                                  <p:childTnLst>
+                                    <p:set>
+                                      <p:cBhvr>
+                                        <p:cTn id="42" dur="1" fill="hold">
+                                          <p:stCondLst>
+                                            <p:cond delay="0"/>
+                                          </p:stCondLst>
+                                        </p:cTn>
+                                        <p:tgtEl>
+                                          <p:spTgt spid="13"/>
+                                        </p:tgtEl>
+                                        <p:attrNameLst>
+                                          <p:attrName>style.visibility</p:attrName>
+                                        </p:attrNameLst>
+                                      </p:cBhvr>
+                                      <p:to>
+                                        <p:strVal val="visible"/>
+                                      </p:to>
+                                    </p:set>
+                                    <p:animEffect transition="in" filter="fade">
+                                      <p:cBhvr>
+                                        <p:cTn id="43" dur="1000"/>
+                                        <p:tgtEl>
+                                          <p:spTgt spid="13"/>
+                                        </p:tgtEl>
+                                      </p:cBhvr>
+                                    </p:animEffect>
+                                    <p:anim calcmode="lin" valueType="num">
+                                      <p:cBhvr>
+                                        <p:cTn id="44" dur="1000" fill="hold"/>
+                                        <p:tgtEl>
+                                          <p:spTgt spid="13"/>
+                                        </p:tgtEl>
+                                        <p:attrNameLst>
+                                          <p:attrName>ppt_x</p:attrName>
+                                        </p:attrNameLst>
+                                      </p:cBhvr>
+                                      <p:tavLst>
+                                        <p:tav tm="0">
+                                          <p:val>
+                                            <p:strVal val="#ppt_x"/>
+                                          </p:val>
+                                        </p:tav>
+                                        <p:tav tm="100000">
+                                          <p:val>
+                                            <p:strVal val="#ppt_x"/>
+                                          </p:val>
+                                        </p:tav>
+                                      </p:tavLst>
+                                    </p:anim>
+                                    <p:anim calcmode="lin" valueType="num">
+                                      <p:cBhvr>
+                                        <p:cTn id="45" dur="1000" fill="hold"/>
+                                        <p:tgtEl>
+                                          <p:spTgt spid="13"/>
+                                        </p:tgtEl>
+                                        <p:attrNameLst>
+                                          <p:attrName>ppt_y</p:attrName>
+                                        </p:attrNameLst>
+                                      </p:cBhvr>
+                                      <p:tavLst>
+                                        <p:tav tm="0">
+                                          <p:val>
+                                            <p:strVal val="#ppt_y+.1"/>
+                                          </p:val>
+                                        </p:tav>
+                                        <p:tav tm="100000">
+                                          <p:val>
+                                            <p:strVal val="#ppt_y"/>
+                                          </p:val>
+                                        </p:tav>
+                                      </p:tavLst>
+                                    </p:anim>
+                                  </p:childTnLst>
+                                </p:cTn>
+                              </p:par>
+                            </p:childTnLst>
+                          </p:cTn>
+                        </p:par>
+                      </p:childTnLst>
+                    </p:cTn>
+                  </p:par>
+                  <p:par>
+                    <p:cTn id="46" fill="hold">
+                      <p:stCondLst>
+                        <p:cond delay="indefinite"/>
+                      </p:stCondLst>
+                      <p:childTnLst>
+                        <p:par>
+                          <p:cTn id="47" fill="hold">
+                            <p:stCondLst>
+                              <p:cond delay="0"/>
+                            </p:stCondLst>
+                            <p:childTnLst>
+                              <p:par>
+                                <p:cTn id="48" presetID="42" presetClass="entr" presetSubtype="0" fill="hold" nodeType="clickEffect">
+                                  <p:stCondLst>
+                                    <p:cond delay="0"/>
+                                  </p:stCondLst>
+                                  <p:childTnLst>
+                                    <p:set>
+                                      <p:cBhvr>
+                                        <p:cTn id="49" dur="1" fill="hold">
+                                          <p:stCondLst>
+                                            <p:cond delay="0"/>
+                                          </p:stCondLst>
+                                        </p:cTn>
+                                        <p:tgtEl>
+                                          <p:spTgt spid="7"/>
+                                        </p:tgtEl>
+                                        <p:attrNameLst>
+                                          <p:attrName>style.visibility</p:attrName>
+                                        </p:attrNameLst>
+                                      </p:cBhvr>
+                                      <p:to>
+                                        <p:strVal val="visible"/>
+                                      </p:to>
+                                    </p:set>
+                                    <p:animEffect transition="in" filter="fade">
+                                      <p:cBhvr>
+                                        <p:cTn id="50" dur="1000"/>
+                                        <p:tgtEl>
+                                          <p:spTgt spid="7"/>
+                                        </p:tgtEl>
+                                      </p:cBhvr>
+                                    </p:animEffect>
+                                    <p:anim calcmode="lin" valueType="num">
+                                      <p:cBhvr>
+                                        <p:cTn id="51" dur="1000" fill="hold"/>
+                                        <p:tgtEl>
+                                          <p:spTgt spid="7"/>
+                                        </p:tgtEl>
+                                        <p:attrNameLst>
+                                          <p:attrName>ppt_x</p:attrName>
+                                        </p:attrNameLst>
+                                      </p:cBhvr>
+                                      <p:tavLst>
+                                        <p:tav tm="0">
+                                          <p:val>
+                                            <p:strVal val="#ppt_x"/>
+                                          </p:val>
+                                        </p:tav>
+                                        <p:tav tm="100000">
+                                          <p:val>
+                                            <p:strVal val="#ppt_x"/>
+                                          </p:val>
+                                        </p:tav>
+                                      </p:tavLst>
+                                    </p:anim>
+                                    <p:anim calcmode="lin" valueType="num">
+                                      <p:cBhvr>
+                                        <p:cTn id="52" dur="1000" fill="hold"/>
+                                        <p:tgtEl>
+                                          <p:spTgt spid="7"/>
+                                        </p:tgtEl>
+                                        <p:attrNameLst>
+                                          <p:attrName>ppt_y</p:attrName>
+                                        </p:attrNameLst>
+                                      </p:cBhvr>
+                                      <p:tavLst>
+                                        <p:tav tm="0">
+                                          <p:val>
+                                            <p:strVal val="#ppt_y+.1"/>
+                                          </p:val>
+                                        </p:tav>
+                                        <p:tav tm="100000">
+                                          <p:val>
+                                            <p:strVal val="#ppt_y"/>
+                                          </p:val>
+                                        </p:tav>
+                                      </p:tavLst>
+                                    </p:anim>
+                                  </p:childTnLst>
+                                </p:cTn>
+                              </p:par>
+                              <p:par>
+                                <p:cTn id="53" presetID="42" presetClass="entr" presetSubtype="0" fill="hold" nodeType="withEffect">
+                                  <p:stCondLst>
+                                    <p:cond delay="0"/>
+                                  </p:stCondLst>
+                                  <p:childTnLst>
+                                    <p:set>
+                                      <p:cBhvr>
+                                        <p:cTn id="54" dur="1" fill="hold">
+                                          <p:stCondLst>
+                                            <p:cond delay="0"/>
+                                          </p:stCondLst>
+                                        </p:cTn>
+                                        <p:tgtEl>
+                                          <p:spTgt spid="15"/>
+                                        </p:tgtEl>
+                                        <p:attrNameLst>
+                                          <p:attrName>style.visibility</p:attrName>
+                                        </p:attrNameLst>
+                                      </p:cBhvr>
+                                      <p:to>
+                                        <p:strVal val="visible"/>
+                                      </p:to>
+                                    </p:set>
+                                    <p:animEffect transition="in" filter="fade">
+                                      <p:cBhvr>
+                                        <p:cTn id="55" dur="1000"/>
+                                        <p:tgtEl>
+                                          <p:spTgt spid="15"/>
+                                        </p:tgtEl>
+                                      </p:cBhvr>
+                                    </p:animEffect>
+                                    <p:anim calcmode="lin" valueType="num">
+                                      <p:cBhvr>
+                                        <p:cTn id="56" dur="1000" fill="hold"/>
+                                        <p:tgtEl>
+                                          <p:spTgt spid="15"/>
+                                        </p:tgtEl>
+                                        <p:attrNameLst>
+                                          <p:attrName>ppt_x</p:attrName>
+                                        </p:attrNameLst>
+                                      </p:cBhvr>
+                                      <p:tavLst>
+                                        <p:tav tm="0">
+                                          <p:val>
+                                            <p:strVal val="#ppt_x"/>
+                                          </p:val>
+                                        </p:tav>
+                                        <p:tav tm="100000">
+                                          <p:val>
+                                            <p:strVal val="#ppt_x"/>
+                                          </p:val>
+                                        </p:tav>
+                                      </p:tavLst>
+                                    </p:anim>
+                                    <p:anim calcmode="lin" valueType="num">
+                                      <p:cBhvr>
+                                        <p:cTn id="57" dur="1000" fill="hold"/>
+                                        <p:tgtEl>
+                                          <p:spTgt spid="15"/>
+                                        </p:tgtEl>
+                                        <p:attrNameLst>
+                                          <p:attrName>ppt_y</p:attrName>
+                                        </p:attrNameLst>
+                                      </p:cBhvr>
+                                      <p:tavLst>
+                                        <p:tav tm="0">
+                                          <p:val>
+                                            <p:strVal val="#ppt_y+.1"/>
+                                          </p:val>
+                                        </p:tav>
+                                        <p:tav tm="100000">
+                                          <p:val>
+                                            <p:strVal val="#ppt_y"/>
+                                          </p:val>
+                                        </p:tav>
+                                      </p:tavLst>
+                                    </p:anim>
+                                  </p:childTnLst>
+                                </p:cTn>
+                              </p:par>
+                            </p:childTnLst>
+                          </p:cTn>
+                        </p:par>
+                      </p:childTnLst>
+                    </p:cTn>
+                  </p:par>
+                  <p:par>
+                    <p:cTn id="58" fill="hold">
+                      <p:stCondLst>
+                        <p:cond delay="indefinite"/>
+                      </p:stCondLst>
+                      <p:childTnLst>
+                        <p:par>
+                          <p:cTn id="59" fill="hold">
+                            <p:stCondLst>
+                              <p:cond delay="0"/>
+                            </p:stCondLst>
+                            <p:childTnLst>
+                              <p:par>
+                                <p:cTn id="60" presetID="42" presetClass="entr" presetSubtype="0" fill="hold" nodeType="clickEffect">
+                                  <p:stCondLst>
+                                    <p:cond delay="0"/>
+                                  </p:stCondLst>
+                                  <p:childTnLst>
+                                    <p:set>
+                                      <p:cBhvr>
+                                        <p:cTn id="61" dur="1" fill="hold">
+                                          <p:stCondLst>
+                                            <p:cond delay="0"/>
+                                          </p:stCondLst>
+                                        </p:cTn>
+                                        <p:tgtEl>
+                                          <p:spTgt spid="17"/>
+                                        </p:tgtEl>
+                                        <p:attrNameLst>
+                                          <p:attrName>style.visibility</p:attrName>
+                                        </p:attrNameLst>
+                                      </p:cBhvr>
+                                      <p:to>
+                                        <p:strVal val="visible"/>
+                                      </p:to>
+                                    </p:set>
+                                    <p:animEffect transition="in" filter="fade">
+                                      <p:cBhvr>
+                                        <p:cTn id="62" dur="1000"/>
+                                        <p:tgtEl>
+                                          <p:spTgt spid="17"/>
+                                        </p:tgtEl>
+                                      </p:cBhvr>
+                                    </p:animEffect>
+                                    <p:anim calcmode="lin" valueType="num">
+                                      <p:cBhvr>
+                                        <p:cTn id="63" dur="1000" fill="hold"/>
+                                        <p:tgtEl>
+                                          <p:spTgt spid="17"/>
+                                        </p:tgtEl>
+                                        <p:attrNameLst>
+                                          <p:attrName>ppt_x</p:attrName>
+                                        </p:attrNameLst>
+                                      </p:cBhvr>
+                                      <p:tavLst>
+                                        <p:tav tm="0">
+                                          <p:val>
+                                            <p:strVal val="#ppt_x"/>
+                                          </p:val>
+                                        </p:tav>
+                                        <p:tav tm="100000">
+                                          <p:val>
+                                            <p:strVal val="#ppt_x"/>
+                                          </p:val>
+                                        </p:tav>
+                                      </p:tavLst>
+                                    </p:anim>
+                                    <p:anim calcmode="lin" valueType="num">
+                                      <p:cBhvr>
+                                        <p:cTn id="64" dur="1000" fill="hold"/>
+                                        <p:tgtEl>
+                                          <p:spTgt spid="17"/>
+                                        </p:tgtEl>
+                                        <p:attrNameLst>
+                                          <p:attrName>ppt_y</p:attrName>
+                                        </p:attrNameLst>
+                                      </p:cBhvr>
+                                      <p:tavLst>
+                                        <p:tav tm="0">
+                                          <p:val>
+                                            <p:strVal val="#ppt_y+.1"/>
+                                          </p:val>
+                                        </p:tav>
+                                        <p:tav tm="100000">
+                                          <p:val>
+                                            <p:strVal val="#ppt_y"/>
+                                          </p:val>
+                                        </p:tav>
+                                      </p:tavLst>
+                                    </p:anim>
+                                  </p:childTnLst>
+                                </p:cTn>
+                              </p:par>
+                            </p:childTnLst>
+                          </p:cTn>
+                        </p:par>
+                      </p:childTnLst>
+                    </p:cTn>
+                  </p:par>
+                  <p:par>
+                    <p:cTn id="65" fill="hold">
+                      <p:stCondLst>
+                        <p:cond delay="indefinite"/>
+                      </p:stCondLst>
+                      <p:childTnLst>
+                        <p:par>
+                          <p:cTn id="66" fill="hold">
+                            <p:stCondLst>
+                              <p:cond delay="0"/>
+                            </p:stCondLst>
+                            <p:childTnLst>
+                              <p:par>
+                                <p:cTn id="67" presetID="42" presetClass="entr" presetSubtype="0" fill="hold" nodeType="clickEffect">
+                                  <p:stCondLst>
+                                    <p:cond delay="0"/>
+                                  </p:stCondLst>
+                                  <p:childTnLst>
+                                    <p:set>
+                                      <p:cBhvr>
+                                        <p:cTn id="68" dur="1" fill="hold">
+                                          <p:stCondLst>
+                                            <p:cond delay="0"/>
+                                          </p:stCondLst>
+                                        </p:cTn>
+                                        <p:tgtEl>
+                                          <p:spTgt spid="24"/>
+                                        </p:tgtEl>
+                                        <p:attrNameLst>
+                                          <p:attrName>style.visibility</p:attrName>
+                                        </p:attrNameLst>
+                                      </p:cBhvr>
+                                      <p:to>
+                                        <p:strVal val="visible"/>
+                                      </p:to>
+                                    </p:set>
+                                    <p:animEffect transition="in" filter="fade">
+                                      <p:cBhvr>
+                                        <p:cTn id="69" dur="1000"/>
+                                        <p:tgtEl>
+                                          <p:spTgt spid="24"/>
+                                        </p:tgtEl>
+                                      </p:cBhvr>
+                                    </p:animEffect>
+                                    <p:anim calcmode="lin" valueType="num">
+                                      <p:cBhvr>
+                                        <p:cTn id="70" dur="1000" fill="hold"/>
+                                        <p:tgtEl>
+                                          <p:spTgt spid="24"/>
+                                        </p:tgtEl>
+                                        <p:attrNameLst>
+                                          <p:attrName>ppt_x</p:attrName>
+                                        </p:attrNameLst>
+                                      </p:cBhvr>
+                                      <p:tavLst>
+                                        <p:tav tm="0">
+                                          <p:val>
+                                            <p:strVal val="#ppt_x"/>
+                                          </p:val>
+                                        </p:tav>
+                                        <p:tav tm="100000">
+                                          <p:val>
+                                            <p:strVal val="#ppt_x"/>
+                                          </p:val>
+                                        </p:tav>
+                                      </p:tavLst>
+                                    </p:anim>
+                                    <p:anim calcmode="lin" valueType="num">
+                                      <p:cBhvr>
+                                        <p:cTn id="71" dur="1000" fill="hold"/>
+                                        <p:tgtEl>
+                                          <p:spTgt spid="24"/>
+                                        </p:tgtEl>
+                                        <p:attrNameLst>
+                                          <p:attrName>ppt_y</p:attrName>
+                                        </p:attrNameLst>
+                                      </p:cBhvr>
+                                      <p:tavLst>
+                                        <p:tav tm="0">
+                                          <p:val>
+                                            <p:strVal val="#ppt_y+.1"/>
+                                          </p:val>
+                                        </p:tav>
+                                        <p:tav tm="100000">
+                                          <p:val>
+                                            <p:strVal val="#ppt_y"/>
+                                          </p:val>
+                                        </p:tav>
+                                      </p:tavLst>
+                                    </p:anim>
+                                  </p:childTnLst>
+                                </p:cTn>
+                              </p:par>
+                              <p:par>
+                                <p:cTn id="72" presetID="42" presetClass="entr" presetSubtype="0" fill="hold" nodeType="withEffect">
+                                  <p:stCondLst>
+                                    <p:cond delay="0"/>
+                                  </p:stCondLst>
+                                  <p:childTnLst>
+                                    <p:set>
+                                      <p:cBhvr>
+                                        <p:cTn id="73" dur="1" fill="hold">
+                                          <p:stCondLst>
+                                            <p:cond delay="0"/>
+                                          </p:stCondLst>
+                                        </p:cTn>
+                                        <p:tgtEl>
+                                          <p:spTgt spid="30"/>
+                                        </p:tgtEl>
+                                        <p:attrNameLst>
+                                          <p:attrName>style.visibility</p:attrName>
+                                        </p:attrNameLst>
+                                      </p:cBhvr>
+                                      <p:to>
+                                        <p:strVal val="visible"/>
+                                      </p:to>
+                                    </p:set>
+                                    <p:animEffect transition="in" filter="fade">
+                                      <p:cBhvr>
+                                        <p:cTn id="74" dur="1000"/>
+                                        <p:tgtEl>
+                                          <p:spTgt spid="30"/>
+                                        </p:tgtEl>
+                                      </p:cBhvr>
+                                    </p:animEffect>
+                                    <p:anim calcmode="lin" valueType="num">
+                                      <p:cBhvr>
+                                        <p:cTn id="75" dur="1000" fill="hold"/>
+                                        <p:tgtEl>
+                                          <p:spTgt spid="30"/>
+                                        </p:tgtEl>
+                                        <p:attrNameLst>
+                                          <p:attrName>ppt_x</p:attrName>
+                                        </p:attrNameLst>
+                                      </p:cBhvr>
+                                      <p:tavLst>
+                                        <p:tav tm="0">
+                                          <p:val>
+                                            <p:strVal val="#ppt_x"/>
+                                          </p:val>
+                                        </p:tav>
+                                        <p:tav tm="100000">
+                                          <p:val>
+                                            <p:strVal val="#ppt_x"/>
+                                          </p:val>
+                                        </p:tav>
+                                      </p:tavLst>
+                                    </p:anim>
+                                    <p:anim calcmode="lin" valueType="num">
+                                      <p:cBhvr>
+                                        <p:cTn id="76" dur="1000" fill="hold"/>
+                                        <p:tgtEl>
+                                          <p:spTgt spid="30"/>
+                                        </p:tgtEl>
+                                        <p:attrNameLst>
+                                          <p:attrName>ppt_y</p:attrName>
+                                        </p:attrNameLst>
+                                      </p:cBhvr>
+                                      <p:tavLst>
+                                        <p:tav tm="0">
+                                          <p:val>
+                                            <p:strVal val="#ppt_y+.1"/>
+                                          </p:val>
+                                        </p:tav>
+                                        <p:tav tm="100000">
+                                          <p:val>
+                                            <p:strVal val="#ppt_y"/>
+                                          </p:val>
+                                        </p:tav>
+                                      </p:tavLst>
+                                    </p:anim>
                                   </p:childTnLst>
                                 </p:cTn>
                               </p:par>
@@ -4083,6 +5413,382 @@
           <p:cNvPr id="2" name="Title 1">
             <a:extLst>
               <a:ext uri="{FF2B5EF4-FFF2-40B4-BE49-F238E27FC236}">
+                <a16:creationId xmlns:a16="http://schemas.microsoft.com/office/drawing/2014/main" id="{35DDFD46-5DA4-4BDF-890B-90D74685E15C}"/>
+              </a:ext>
+            </a:extLst>
+          </p:cNvPr>
+          <p:cNvSpPr>
+            <a:spLocks noGrp="1"/>
+          </p:cNvSpPr>
+          <p:nvPr>
+            <p:ph type="title"/>
+          </p:nvPr>
+        </p:nvSpPr>
+        <p:spPr/>
+        <p:txBody>
+          <a:bodyPr/>
+          <a:lstStyle/>
+          <a:p>
+            <a:r>
+              <a:rPr lang="en-US" dirty="0"/>
+              <a:t>Hypothesis and Questions</a:t>
+            </a:r>
+          </a:p>
+        </p:txBody>
+      </p:sp>
+      <p:sp>
+        <p:nvSpPr>
+          <p:cNvPr id="3" name="Content Placeholder 2">
+            <a:extLst>
+              <a:ext uri="{FF2B5EF4-FFF2-40B4-BE49-F238E27FC236}">
+                <a16:creationId xmlns:a16="http://schemas.microsoft.com/office/drawing/2014/main" id="{A36FDB6E-93A5-4CD5-A08A-1E83BFA435E5}"/>
+              </a:ext>
+            </a:extLst>
+          </p:cNvPr>
+          <p:cNvSpPr>
+            <a:spLocks noGrp="1"/>
+          </p:cNvSpPr>
+          <p:nvPr>
+            <p:ph idx="1"/>
+          </p:nvPr>
+        </p:nvSpPr>
+        <p:spPr/>
+        <p:txBody>
+          <a:bodyPr>
+            <a:normAutofit/>
+          </a:bodyPr>
+          <a:lstStyle/>
+          <a:p>
+            <a:r>
+              <a:rPr lang="en-US" sz="2200" dirty="0"/>
+              <a:t>We believe access to electricity will positively effect employee productivity.</a:t>
+            </a:r>
+          </a:p>
+          <a:p>
+            <a:pPr marL="0" indent="0">
+              <a:buNone/>
+            </a:pPr>
+            <a:endParaRPr lang="en-US" sz="2200" dirty="0"/>
+          </a:p>
+          <a:p>
+            <a:r>
+              <a:rPr lang="en-US" sz="2200" dirty="0"/>
+              <a:t>We believe internet usage will positively effect employee productivity.</a:t>
+            </a:r>
+          </a:p>
+          <a:p>
+            <a:pPr marL="0" indent="0">
+              <a:buNone/>
+            </a:pPr>
+            <a:endParaRPr lang="en-US" sz="2200" dirty="0"/>
+          </a:p>
+          <a:p>
+            <a:r>
+              <a:rPr lang="en-US" sz="2200" dirty="0"/>
+              <a:t>We believe communication usage will positively effect employee productivity.</a:t>
+            </a:r>
+          </a:p>
+          <a:p>
+            <a:pPr marL="0" indent="0">
+              <a:buNone/>
+            </a:pPr>
+            <a:endParaRPr lang="en-US" sz="2200" dirty="0"/>
+          </a:p>
+          <a:p>
+            <a:r>
+              <a:rPr lang="en-US" sz="2200" dirty="0"/>
+              <a:t>What are the effects of different industry trends on employee productivity?</a:t>
+            </a:r>
+          </a:p>
+          <a:p>
+            <a:pPr marL="0" indent="0">
+              <a:buNone/>
+            </a:pPr>
+            <a:endParaRPr lang="en-US" sz="2200" dirty="0"/>
+          </a:p>
+          <a:p>
+            <a:r>
+              <a:rPr lang="en-US" sz="2200" dirty="0"/>
+              <a:t>What are the effects of employment type trends on employee productivity?</a:t>
+            </a:r>
+          </a:p>
+          <a:p>
+            <a:endParaRPr lang="en-US" dirty="0"/>
+          </a:p>
+        </p:txBody>
+      </p:sp>
+    </p:spTree>
+    <p:extLst>
+      <p:ext uri="{BB962C8B-B14F-4D97-AF65-F5344CB8AC3E}">
+        <p14:creationId xmlns:p14="http://schemas.microsoft.com/office/powerpoint/2010/main" val="252595854"/>
+      </p:ext>
+    </p:extLst>
+  </p:cSld>
+  <p:clrMapOvr>
+    <a:masterClrMapping/>
+  </p:clrMapOvr>
+  <p:timing>
+    <p:tnLst>
+      <p:par>
+        <p:cTn id="1" dur="indefinite" restart="never" nodeType="tmRoot">
+          <p:childTnLst>
+            <p:seq concurrent="1" nextAc="seek">
+              <p:cTn id="2" dur="indefinite" nodeType="mainSeq">
+                <p:childTnLst>
+                  <p:par>
+                    <p:cTn id="3" fill="hold">
+                      <p:stCondLst>
+                        <p:cond delay="indefinite"/>
+                      </p:stCondLst>
+                      <p:childTnLst>
+                        <p:par>
+                          <p:cTn id="4" fill="hold">
+                            <p:stCondLst>
+                              <p:cond delay="0"/>
+                            </p:stCondLst>
+                            <p:childTnLst>
+                              <p:par>
+                                <p:cTn id="5" presetID="1" presetClass="entr" presetSubtype="0" fill="hold" nodeType="clickEffect">
+                                  <p:stCondLst>
+                                    <p:cond delay="0"/>
+                                  </p:stCondLst>
+                                  <p:childTnLst>
+                                    <p:set>
+                                      <p:cBhvr>
+                                        <p:cTn id="6" dur="1" fill="hold">
+                                          <p:stCondLst>
+                                            <p:cond delay="0"/>
+                                          </p:stCondLst>
+                                        </p:cTn>
+                                        <p:tgtEl>
+                                          <p:spTgt spid="3">
+                                            <p:txEl>
+                                              <p:pRg st="2" end="2"/>
+                                            </p:txEl>
+                                          </p:spTgt>
+                                        </p:tgtEl>
+                                        <p:attrNameLst>
+                                          <p:attrName>style.visibility</p:attrName>
+                                        </p:attrNameLst>
+                                      </p:cBhvr>
+                                      <p:to>
+                                        <p:strVal val="visible"/>
+                                      </p:to>
+                                    </p:set>
+                                  </p:childTnLst>
+                                </p:cTn>
+                              </p:par>
+                            </p:childTnLst>
+                          </p:cTn>
+                        </p:par>
+                      </p:childTnLst>
+                    </p:cTn>
+                  </p:par>
+                  <p:par>
+                    <p:cTn id="7" fill="hold">
+                      <p:stCondLst>
+                        <p:cond delay="indefinite"/>
+                      </p:stCondLst>
+                      <p:childTnLst>
+                        <p:par>
+                          <p:cTn id="8" fill="hold">
+                            <p:stCondLst>
+                              <p:cond delay="0"/>
+                            </p:stCondLst>
+                            <p:childTnLst>
+                              <p:par>
+                                <p:cTn id="9" presetID="1" presetClass="entr" presetSubtype="0" fill="hold" nodeType="clickEffect">
+                                  <p:stCondLst>
+                                    <p:cond delay="0"/>
+                                  </p:stCondLst>
+                                  <p:childTnLst>
+                                    <p:set>
+                                      <p:cBhvr>
+                                        <p:cTn id="10" dur="1" fill="hold">
+                                          <p:stCondLst>
+                                            <p:cond delay="0"/>
+                                          </p:stCondLst>
+                                        </p:cTn>
+                                        <p:tgtEl>
+                                          <p:spTgt spid="3">
+                                            <p:txEl>
+                                              <p:pRg st="4" end="4"/>
+                                            </p:txEl>
+                                          </p:spTgt>
+                                        </p:tgtEl>
+                                        <p:attrNameLst>
+                                          <p:attrName>style.visibility</p:attrName>
+                                        </p:attrNameLst>
+                                      </p:cBhvr>
+                                      <p:to>
+                                        <p:strVal val="visible"/>
+                                      </p:to>
+                                    </p:set>
+                                  </p:childTnLst>
+                                </p:cTn>
+                              </p:par>
+                            </p:childTnLst>
+                          </p:cTn>
+                        </p:par>
+                      </p:childTnLst>
+                    </p:cTn>
+                  </p:par>
+                  <p:par>
+                    <p:cTn id="11" fill="hold">
+                      <p:stCondLst>
+                        <p:cond delay="indefinite"/>
+                      </p:stCondLst>
+                      <p:childTnLst>
+                        <p:par>
+                          <p:cTn id="12" fill="hold">
+                            <p:stCondLst>
+                              <p:cond delay="0"/>
+                            </p:stCondLst>
+                            <p:childTnLst>
+                              <p:par>
+                                <p:cTn id="13" presetID="1" presetClass="entr" presetSubtype="0" fill="hold" nodeType="clickEffect">
+                                  <p:stCondLst>
+                                    <p:cond delay="0"/>
+                                  </p:stCondLst>
+                                  <p:childTnLst>
+                                    <p:set>
+                                      <p:cBhvr>
+                                        <p:cTn id="14" dur="1" fill="hold">
+                                          <p:stCondLst>
+                                            <p:cond delay="0"/>
+                                          </p:stCondLst>
+                                        </p:cTn>
+                                        <p:tgtEl>
+                                          <p:spTgt spid="3">
+                                            <p:txEl>
+                                              <p:pRg st="6" end="6"/>
+                                            </p:txEl>
+                                          </p:spTgt>
+                                        </p:tgtEl>
+                                        <p:attrNameLst>
+                                          <p:attrName>style.visibility</p:attrName>
+                                        </p:attrNameLst>
+                                      </p:cBhvr>
+                                      <p:to>
+                                        <p:strVal val="visible"/>
+                                      </p:to>
+                                    </p:set>
+                                  </p:childTnLst>
+                                </p:cTn>
+                              </p:par>
+                            </p:childTnLst>
+                          </p:cTn>
+                        </p:par>
+                      </p:childTnLst>
+                    </p:cTn>
+                  </p:par>
+                  <p:par>
+                    <p:cTn id="15" fill="hold">
+                      <p:stCondLst>
+                        <p:cond delay="indefinite"/>
+                      </p:stCondLst>
+                      <p:childTnLst>
+                        <p:par>
+                          <p:cTn id="16" fill="hold">
+                            <p:stCondLst>
+                              <p:cond delay="0"/>
+                            </p:stCondLst>
+                            <p:childTnLst>
+                              <p:par>
+                                <p:cTn id="17" presetID="1" presetClass="entr" presetSubtype="0" fill="hold" nodeType="clickEffect">
+                                  <p:stCondLst>
+                                    <p:cond delay="0"/>
+                                  </p:stCondLst>
+                                  <p:childTnLst>
+                                    <p:set>
+                                      <p:cBhvr>
+                                        <p:cTn id="18" dur="1" fill="hold">
+                                          <p:stCondLst>
+                                            <p:cond delay="0"/>
+                                          </p:stCondLst>
+                                        </p:cTn>
+                                        <p:tgtEl>
+                                          <p:spTgt spid="3">
+                                            <p:txEl>
+                                              <p:pRg st="8" end="8"/>
+                                            </p:txEl>
+                                          </p:spTgt>
+                                        </p:tgtEl>
+                                        <p:attrNameLst>
+                                          <p:attrName>style.visibility</p:attrName>
+                                        </p:attrNameLst>
+                                      </p:cBhvr>
+                                      <p:to>
+                                        <p:strVal val="visible"/>
+                                      </p:to>
+                                    </p:set>
+                                  </p:childTnLst>
+                                </p:cTn>
+                              </p:par>
+                            </p:childTnLst>
+                          </p:cTn>
+                        </p:par>
+                      </p:childTnLst>
+                    </p:cTn>
+                  </p:par>
+                </p:childTnLst>
+              </p:cTn>
+              <p:prevCondLst>
+                <p:cond evt="onPrev" delay="0">
+                  <p:tgtEl>
+                    <p:sldTgt/>
+                  </p:tgtEl>
+                </p:cond>
+              </p:prevCondLst>
+              <p:nextCondLst>
+                <p:cond evt="onNext" delay="0">
+                  <p:tgtEl>
+                    <p:sldTgt/>
+                  </p:tgtEl>
+                </p:cond>
+              </p:nextCondLst>
+            </p:seq>
+          </p:childTnLst>
+        </p:cTn>
+      </p:par>
+    </p:tnLst>
+  </p:timing>
+</p:sld>
+</file>
+
+<file path=ppt/slides/slide6.xml><?xml version="1.0" encoding="utf-8"?>
+<p:sld xmlns:a="http://schemas.openxmlformats.org/drawingml/2006/main" xmlns:r="http://schemas.openxmlformats.org/officeDocument/2006/relationships" xmlns:p="http://schemas.openxmlformats.org/presentationml/2006/main">
+  <p:cSld>
+    <p:bg>
+      <p:bgPr>
+        <a:solidFill>
+          <a:schemeClr val="accent1">
+            <a:lumMod val="20000"/>
+            <a:lumOff val="80000"/>
+          </a:schemeClr>
+        </a:solidFill>
+        <a:effectLst/>
+      </p:bgPr>
+    </p:bg>
+    <p:spTree>
+      <p:nvGrpSpPr>
+        <p:cNvPr id="1" name=""/>
+        <p:cNvGrpSpPr/>
+        <p:nvPr/>
+      </p:nvGrpSpPr>
+      <p:grpSpPr>
+        <a:xfrm>
+          <a:off x="0" y="0"/>
+          <a:ext cx="0" cy="0"/>
+          <a:chOff x="0" y="0"/>
+          <a:chExt cx="0" cy="0"/>
+        </a:xfrm>
+      </p:grpSpPr>
+      <p:sp>
+        <p:nvSpPr>
+          <p:cNvPr id="2" name="Title 1">
+            <a:extLst>
+              <a:ext uri="{FF2B5EF4-FFF2-40B4-BE49-F238E27FC236}">
                 <a16:creationId xmlns:a16="http://schemas.microsoft.com/office/drawing/2014/main" id="{261C70CE-1AB8-4DF1-BB99-59EDC6F07A58}"/>
               </a:ext>
             </a:extLst>
@@ -4104,10 +5810,9 @@
           <a:bodyPr/>
           <a:lstStyle/>
           <a:p>
-            <a:pPr algn="ctr"/>
             <a:r>
               <a:rPr lang="en-US" dirty="0"/>
-              <a:t>Data Sources (DV)</a:t>
+              <a:t>Data</a:t>
             </a:r>
           </a:p>
         </p:txBody>
@@ -4136,7 +5841,7 @@
         </p:spPr>
         <p:txBody>
           <a:bodyPr>
-            <a:normAutofit lnSpcReduction="10000"/>
+            <a:normAutofit/>
           </a:bodyPr>
           <a:lstStyle/>
           <a:p>
@@ -4181,33 +5886,53 @@
           <a:p>
             <a:endParaRPr lang="en-US" sz="1800" dirty="0"/>
           </a:p>
-          <a:p>
-            <a:pPr marL="0" indent="0">
-              <a:buNone/>
-            </a:pPr>
-            <a:r>
-              <a:rPr lang="en-US" sz="1800" dirty="0"/>
-              <a:t>World Bank Data (</a:t>
-            </a:r>
-            <a:r>
-              <a:rPr lang="en-US" sz="1800" dirty="0">
+        </p:txBody>
+      </p:sp>
+      <p:sp>
+        <p:nvSpPr>
+          <p:cNvPr id="4" name="TextBox 3">
+            <a:extLst>
+              <a:ext uri="{FF2B5EF4-FFF2-40B4-BE49-F238E27FC236}">
+                <a16:creationId xmlns:a16="http://schemas.microsoft.com/office/drawing/2014/main" id="{F99F9CF5-34E2-474F-8784-8D3837959EBF}"/>
+              </a:ext>
+            </a:extLst>
+          </p:cNvPr>
+          <p:cNvSpPr txBox="1"/>
+          <p:nvPr/>
+        </p:nvSpPr>
+        <p:spPr>
+          <a:xfrm>
+            <a:off x="7514706" y="1056596"/>
+            <a:ext cx="4388189" cy="369332"/>
+          </a:xfrm>
+          <a:prstGeom prst="rect">
+            <a:avLst/>
+          </a:prstGeom>
+          <a:noFill/>
+        </p:spPr>
+        <p:txBody>
+          <a:bodyPr wrap="none" rtlCol="0">
+            <a:spAutoFit/>
+          </a:bodyPr>
+          <a:lstStyle/>
+          <a:p>
+            <a:r>
+              <a:rPr lang="en-US" dirty="0">
                 <a:hlinkClick r:id="rId2"/>
               </a:rPr>
               <a:t>https://databank.worldbank.org/source/jobs</a:t>
             </a:r>
-            <a:r>
-              <a:rPr lang="en-US" sz="1800" dirty="0"/>
-              <a:t>)</a:t>
-            </a:r>
+            <a:endParaRPr lang="en-US" dirty="0"/>
           </a:p>
         </p:txBody>
       </p:sp>
       <p:pic>
         <p:nvPicPr>
-          <p:cNvPr id="5" name="Picture 4">
-            <a:extLst>
-              <a:ext uri="{FF2B5EF4-FFF2-40B4-BE49-F238E27FC236}">
-                <a16:creationId xmlns:a16="http://schemas.microsoft.com/office/drawing/2014/main" id="{68CD3EF0-5170-4A44-8614-772B7DB70125}"/>
+          <p:cNvPr id="6" name="Picture 5">
+            <a:hlinkClick r:id="rId2"/>
+            <a:extLst>
+              <a:ext uri="{FF2B5EF4-FFF2-40B4-BE49-F238E27FC236}">
+                <a16:creationId xmlns:a16="http://schemas.microsoft.com/office/drawing/2014/main" id="{B19B68CA-2AF8-4E65-9257-E993230DB4EE}"/>
               </a:ext>
             </a:extLst>
           </p:cNvPr>
@@ -4224,8 +5949,38 @@
         </p:blipFill>
         <p:spPr>
           <a:xfrm>
-            <a:off x="5852159" y="1825625"/>
-            <a:ext cx="6155885" cy="3344891"/>
+            <a:off x="7514707" y="223780"/>
+            <a:ext cx="4388188" cy="793608"/>
+          </a:xfrm>
+          <a:prstGeom prst="rect">
+            <a:avLst/>
+          </a:prstGeom>
+        </p:spPr>
+      </p:pic>
+      <p:pic>
+        <p:nvPicPr>
+          <p:cNvPr id="8" name="Picture 7">
+            <a:extLst>
+              <a:ext uri="{FF2B5EF4-FFF2-40B4-BE49-F238E27FC236}">
+                <a16:creationId xmlns:a16="http://schemas.microsoft.com/office/drawing/2014/main" id="{7A1FDFA5-CB6A-4CAF-898D-B65F13A17132}"/>
+              </a:ext>
+            </a:extLst>
+          </p:cNvPr>
+          <p:cNvPicPr>
+            <a:picLocks noChangeAspect="1"/>
+          </p:cNvPicPr>
+          <p:nvPr/>
+        </p:nvPicPr>
+        <p:blipFill>
+          <a:blip r:embed="rId4"/>
+          <a:stretch>
+            <a:fillRect/>
+          </a:stretch>
+        </p:blipFill>
+        <p:spPr>
+          <a:xfrm>
+            <a:off x="838200" y="2963348"/>
+            <a:ext cx="7701548" cy="3806849"/>
           </a:xfrm>
           <a:prstGeom prst="rect">
             <a:avLst/>
@@ -4278,7 +6033,7 @@
                                         <p:tgtEl>
                                           <p:spTgt spid="3">
                                             <p:txEl>
-                                              <p:pRg st="0" end="0"/>
+                                              <p:pRg st="1" end="1"/>
                                             </p:txEl>
                                           </p:spTgt>
                                         </p:tgtEl>
@@ -4296,7 +6051,7 @@
                                         <p:tgtEl>
                                           <p:spTgt spid="3">
                                             <p:txEl>
-                                              <p:pRg st="0" end="0"/>
+                                              <p:pRg st="1" end="1"/>
                                             </p:txEl>
                                           </p:spTgt>
                                         </p:tgtEl>
@@ -4323,7 +6078,7 @@
                                         <p:tgtEl>
                                           <p:spTgt spid="3">
                                             <p:txEl>
-                                              <p:pRg st="0" end="0"/>
+                                              <p:pRg st="1" end="1"/>
                                             </p:txEl>
                                           </p:spTgt>
                                         </p:tgtEl>
@@ -4381,7 +6136,7 @@
                                         <p:tgtEl>
                                           <p:spTgt spid="3">
                                             <p:txEl>
-                                              <p:pRg st="1" end="1"/>
+                                              <p:pRg st="2" end="2"/>
                                             </p:txEl>
                                           </p:spTgt>
                                         </p:tgtEl>
@@ -4399,7 +6154,7 @@
                                         <p:tgtEl>
                                           <p:spTgt spid="3">
                                             <p:txEl>
-                                              <p:pRg st="1" end="1"/>
+                                              <p:pRg st="2" end="2"/>
                                             </p:txEl>
                                           </p:spTgt>
                                         </p:tgtEl>
@@ -4426,7 +6181,7 @@
                                         <p:tgtEl>
                                           <p:spTgt spid="3">
                                             <p:txEl>
-                                              <p:pRg st="1" end="1"/>
+                                              <p:pRg st="2" end="2"/>
                                             </p:txEl>
                                           </p:spTgt>
                                         </p:tgtEl>
@@ -4469,7 +6224,7 @@
                             </p:stCondLst>
                             <p:childTnLst>
                               <p:par>
-                                <p:cTn id="17" presetID="2" presetClass="entr" presetSubtype="4" fill="hold" grpId="0" nodeType="clickEffect">
+                                <p:cTn id="17" presetID="2" presetClass="entr" presetSubtype="4" fill="hold" nodeType="clickEffect">
                                   <p:stCondLst>
                                     <p:cond delay="0"/>
                                   </p:stCondLst>
@@ -4482,11 +6237,7 @@
                                           </p:stCondLst>
                                         </p:cTn>
                                         <p:tgtEl>
-                                          <p:spTgt spid="3">
-                                            <p:txEl>
-                                              <p:pRg st="2" end="2"/>
-                                            </p:txEl>
-                                          </p:spTgt>
+                                          <p:spTgt spid="8"/>
                                         </p:tgtEl>
                                         <p:attrNameLst>
                                           <p:attrName>style.visibility</p:attrName>
@@ -4500,11 +6251,7 @@
                                       <p:cBhvr additive="base">
                                         <p:cTn id="19" dur="500" fill="hold"/>
                                         <p:tgtEl>
-                                          <p:spTgt spid="3">
-                                            <p:txEl>
-                                              <p:pRg st="2" end="2"/>
-                                            </p:txEl>
-                                          </p:spTgt>
+                                          <p:spTgt spid="8"/>
                                         </p:tgtEl>
                                         <p:attrNameLst>
                                           <p:attrName>ppt_x</p:attrName>
@@ -4527,11 +6274,7 @@
                                       <p:cBhvr additive="base">
                                         <p:cTn id="20" dur="500" fill="hold"/>
                                         <p:tgtEl>
-                                          <p:spTgt spid="3">
-                                            <p:txEl>
-                                              <p:pRg st="2" end="2"/>
-                                            </p:txEl>
-                                          </p:spTgt>
+                                          <p:spTgt spid="8"/>
                                         </p:tgtEl>
                                         <p:attrNameLst>
                                           <p:attrName>ppt_y</p:attrName>
@@ -4572,7 +6315,7 @@
                             </p:stCondLst>
                             <p:childTnLst>
                               <p:par>
-                                <p:cTn id="23" presetID="2" presetClass="entr" presetSubtype="4" fill="hold" grpId="0" nodeType="clickEffect">
+                                <p:cTn id="23" presetID="10" presetClass="entr" presetSubtype="0" fill="hold" grpId="0" nodeType="clickEffect">
                                   <p:stCondLst>
                                     <p:cond delay="0"/>
                                   </p:stCondLst>
@@ -4585,11 +6328,7 @@
                                           </p:stCondLst>
                                         </p:cTn>
                                         <p:tgtEl>
-                                          <p:spTgt spid="3">
-                                            <p:txEl>
-                                              <p:pRg st="11" end="11"/>
-                                            </p:txEl>
-                                          </p:spTgt>
+                                          <p:spTgt spid="4"/>
                                         </p:tgtEl>
                                         <p:attrNameLst>
                                           <p:attrName>style.visibility</p:attrName>
@@ -4599,96 +6338,32 @@
                                         <p:strVal val="visible"/>
                                       </p:to>
                                     </p:set>
-                                    <p:anim calcmode="lin" valueType="num">
-                                      <p:cBhvr additive="base">
-                                        <p:cTn id="25" dur="500" fill="hold"/>
+                                    <p:animEffect transition="in" filter="fade">
+                                      <p:cBhvr>
+                                        <p:cTn id="25" dur="500"/>
                                         <p:tgtEl>
-                                          <p:spTgt spid="3">
-                                            <p:txEl>
-                                              <p:pRg st="11" end="11"/>
-                                            </p:txEl>
-                                          </p:spTgt>
+                                          <p:spTgt spid="4"/>
                                         </p:tgtEl>
-                                        <p:attrNameLst>
-                                          <p:attrName>ppt_x</p:attrName>
-                                        </p:attrNameLst>
                                       </p:cBhvr>
-                                      <p:tavLst>
-                                        <p:tav tm="0">
-                                          <p:val>
-                                            <p:strVal val="#ppt_x"/>
-                                          </p:val>
-                                        </p:tav>
-                                        <p:tav tm="100000">
-                                          <p:val>
-                                            <p:strVal val="#ppt_x"/>
-                                          </p:val>
-                                        </p:tav>
-                                      </p:tavLst>
-                                    </p:anim>
-                                    <p:anim calcmode="lin" valueType="num">
-                                      <p:cBhvr additive="base">
-                                        <p:cTn id="26" dur="500" fill="hold"/>
-                                        <p:tgtEl>
-                                          <p:spTgt spid="3">
-                                            <p:txEl>
-                                              <p:pRg st="11" end="11"/>
-                                            </p:txEl>
-                                          </p:spTgt>
-                                        </p:tgtEl>
-                                        <p:attrNameLst>
-                                          <p:attrName>ppt_y</p:attrName>
-                                        </p:attrNameLst>
-                                      </p:cBhvr>
-                                      <p:tavLst>
-                                        <p:tav tm="0">
-                                          <p:val>
-                                            <p:strVal val="1+#ppt_h/2"/>
-                                          </p:val>
-                                        </p:tav>
-                                        <p:tav tm="100000">
-                                          <p:val>
-                                            <p:strVal val="#ppt_y"/>
-                                          </p:val>
-                                        </p:tav>
-                                      </p:tavLst>
-                                    </p:anim>
+                                    </p:animEffect>
                                   </p:childTnLst>
                                 </p:cTn>
                               </p:par>
-                            </p:childTnLst>
-                          </p:cTn>
-                        </p:par>
-                      </p:childTnLst>
-                    </p:cTn>
-                  </p:par>
-                  <p:par>
-                    <p:cTn id="27" fill="hold">
-                      <p:stCondLst>
-                        <p:cond delay="indefinite"/>
-                      </p:stCondLst>
-                      <p:childTnLst>
-                        <p:par>
-                          <p:cTn id="28" fill="hold">
-                            <p:stCondLst>
-                              <p:cond delay="0"/>
-                            </p:stCondLst>
-                            <p:childTnLst>
                               <p:par>
-                                <p:cTn id="29" presetID="2" presetClass="entr" presetSubtype="4" fill="hold" nodeType="clickEffect">
+                                <p:cTn id="26" presetID="10" presetClass="entr" presetSubtype="0" fill="hold" nodeType="withEffect">
                                   <p:stCondLst>
                                     <p:cond delay="0"/>
                                   </p:stCondLst>
                                   <p:childTnLst>
                                     <p:set>
                                       <p:cBhvr>
-                                        <p:cTn id="30" dur="1" fill="hold">
+                                        <p:cTn id="27" dur="1" fill="hold">
                                           <p:stCondLst>
                                             <p:cond delay="0"/>
                                           </p:stCondLst>
                                         </p:cTn>
                                         <p:tgtEl>
-                                          <p:spTgt spid="5"/>
+                                          <p:spTgt spid="6"/>
                                         </p:tgtEl>
                                         <p:attrNameLst>
                                           <p:attrName>style.visibility</p:attrName>
@@ -4698,52 +6373,14 @@
                                         <p:strVal val="visible"/>
                                       </p:to>
                                     </p:set>
-                                    <p:anim calcmode="lin" valueType="num">
-                                      <p:cBhvr additive="base">
-                                        <p:cTn id="31" dur="500" fill="hold"/>
+                                    <p:animEffect transition="in" filter="fade">
+                                      <p:cBhvr>
+                                        <p:cTn id="28" dur="500"/>
                                         <p:tgtEl>
-                                          <p:spTgt spid="5"/>
+                                          <p:spTgt spid="6"/>
                                         </p:tgtEl>
-                                        <p:attrNameLst>
-                                          <p:attrName>ppt_x</p:attrName>
-                                        </p:attrNameLst>
                                       </p:cBhvr>
-                                      <p:tavLst>
-                                        <p:tav tm="0">
-                                          <p:val>
-                                            <p:strVal val="#ppt_x"/>
-                                          </p:val>
-                                        </p:tav>
-                                        <p:tav tm="100000">
-                                          <p:val>
-                                            <p:strVal val="#ppt_x"/>
-                                          </p:val>
-                                        </p:tav>
-                                      </p:tavLst>
-                                    </p:anim>
-                                    <p:anim calcmode="lin" valueType="num">
-                                      <p:cBhvr additive="base">
-                                        <p:cTn id="32" dur="500" fill="hold"/>
-                                        <p:tgtEl>
-                                          <p:spTgt spid="5"/>
-                                        </p:tgtEl>
-                                        <p:attrNameLst>
-                                          <p:attrName>ppt_y</p:attrName>
-                                        </p:attrNameLst>
-                                      </p:cBhvr>
-                                      <p:tavLst>
-                                        <p:tav tm="0">
-                                          <p:val>
-                                            <p:strVal val="1+#ppt_h/2"/>
-                                          </p:val>
-                                        </p:tav>
-                                        <p:tav tm="100000">
-                                          <p:val>
-                                            <p:strVal val="#ppt_y"/>
-                                          </p:val>
-                                        </p:tav>
-                                      </p:tavLst>
-                                    </p:anim>
+                                    </p:animEffect>
                                   </p:childTnLst>
                                 </p:cTn>
                               </p:par>
@@ -4775,121 +6412,10 @@
       </p:par>
     </p:tnLst>
     <p:bldLst>
-      <p:bldP spid="3" grpId="0" build="p"/>
+      <p:bldP spid="3" grpId="0" uiExpand="1" build="p"/>
+      <p:bldP spid="4" grpId="0"/>
     </p:bldLst>
   </p:timing>
-</p:sld>
-</file>
-
-<file path=ppt/slides/slide6.xml><?xml version="1.0" encoding="utf-8"?>
-<p:sld xmlns:a="http://schemas.openxmlformats.org/drawingml/2006/main" xmlns:r="http://schemas.openxmlformats.org/officeDocument/2006/relationships" xmlns:p="http://schemas.openxmlformats.org/presentationml/2006/main">
-  <p:cSld>
-    <p:bg>
-      <p:bgPr>
-        <a:solidFill>
-          <a:schemeClr val="accent1">
-            <a:lumMod val="20000"/>
-            <a:lumOff val="80000"/>
-          </a:schemeClr>
-        </a:solidFill>
-        <a:effectLst/>
-      </p:bgPr>
-    </p:bg>
-    <p:spTree>
-      <p:nvGrpSpPr>
-        <p:cNvPr id="1" name=""/>
-        <p:cNvGrpSpPr/>
-        <p:nvPr/>
-      </p:nvGrpSpPr>
-      <p:grpSpPr>
-        <a:xfrm>
-          <a:off x="0" y="0"/>
-          <a:ext cx="0" cy="0"/>
-          <a:chOff x="0" y="0"/>
-          <a:chExt cx="0" cy="0"/>
-        </a:xfrm>
-      </p:grpSpPr>
-      <p:sp>
-        <p:nvSpPr>
-          <p:cNvPr id="2" name="Title 1">
-            <a:extLst>
-              <a:ext uri="{FF2B5EF4-FFF2-40B4-BE49-F238E27FC236}">
-                <a16:creationId xmlns:a16="http://schemas.microsoft.com/office/drawing/2014/main" id="{1EC1D579-CA72-4A7C-B0EA-12BEC8B00D3C}"/>
-              </a:ext>
-            </a:extLst>
-          </p:cNvPr>
-          <p:cNvSpPr>
-            <a:spLocks noGrp="1"/>
-          </p:cNvSpPr>
-          <p:nvPr>
-            <p:ph type="title"/>
-          </p:nvPr>
-        </p:nvSpPr>
-        <p:spPr/>
-        <p:txBody>
-          <a:bodyPr/>
-          <a:lstStyle/>
-          <a:p>
-            <a:r>
-              <a:rPr lang="en-US" dirty="0"/>
-              <a:t>Data Preparation (RL)</a:t>
-            </a:r>
-          </a:p>
-        </p:txBody>
-      </p:sp>
-      <p:sp>
-        <p:nvSpPr>
-          <p:cNvPr id="3" name="Content Placeholder 2">
-            <a:extLst>
-              <a:ext uri="{FF2B5EF4-FFF2-40B4-BE49-F238E27FC236}">
-                <a16:creationId xmlns:a16="http://schemas.microsoft.com/office/drawing/2014/main" id="{45E9BD75-F254-4107-8137-51CA5EC7B3EC}"/>
-              </a:ext>
-            </a:extLst>
-          </p:cNvPr>
-          <p:cNvSpPr>
-            <a:spLocks noGrp="1"/>
-          </p:cNvSpPr>
-          <p:nvPr>
-            <p:ph idx="1"/>
-          </p:nvPr>
-        </p:nvSpPr>
-        <p:spPr/>
-        <p:txBody>
-          <a:bodyPr/>
-          <a:lstStyle/>
-          <a:p>
-            <a:r>
-              <a:rPr lang="en-US" dirty="0"/>
-              <a:t>Selecting correct data from data set</a:t>
-            </a:r>
-          </a:p>
-          <a:p>
-            <a:r>
-              <a:rPr lang="en-US" dirty="0"/>
-              <a:t>World Bank provides data in a reversed format for easy analysis, so we will have to reformat the data using Python.</a:t>
-            </a:r>
-          </a:p>
-          <a:p>
-            <a:r>
-              <a:rPr lang="en-US" dirty="0"/>
-              <a:t>There are missing values that will need filled/estimated using Python.</a:t>
-            </a:r>
-          </a:p>
-          <a:p>
-            <a:endParaRPr lang="en-US" dirty="0"/>
-          </a:p>
-        </p:txBody>
-      </p:sp>
-    </p:spTree>
-    <p:extLst>
-      <p:ext uri="{BB962C8B-B14F-4D97-AF65-F5344CB8AC3E}">
-        <p14:creationId xmlns:p14="http://schemas.microsoft.com/office/powerpoint/2010/main" val="629741342"/>
-      </p:ext>
-    </p:extLst>
-  </p:cSld>
-  <p:clrMapOvr>
-    <a:masterClrMapping/>
-  </p:clrMapOvr>
 </p:sld>
 </file>
 
@@ -4926,7 +6452,7 @@
           <p:cNvPr id="2" name="Title 1">
             <a:extLst>
               <a:ext uri="{FF2B5EF4-FFF2-40B4-BE49-F238E27FC236}">
-                <a16:creationId xmlns:a16="http://schemas.microsoft.com/office/drawing/2014/main" id="{55C8B139-E60E-4004-98E5-8B5A5802AF20}"/>
+                <a16:creationId xmlns:a16="http://schemas.microsoft.com/office/drawing/2014/main" id="{1EC1D579-CA72-4A7C-B0EA-12BEC8B00D3C}"/>
               </a:ext>
             </a:extLst>
           </p:cNvPr>
@@ -4944,7 +6470,7 @@
           <a:p>
             <a:r>
               <a:rPr lang="en-US" dirty="0"/>
-              <a:t>Visual Analysis (DV)</a:t>
+              <a:t>Data Preparation (RL)</a:t>
             </a:r>
           </a:p>
         </p:txBody>
@@ -4954,7 +6480,7 @@
           <p:cNvPr id="3" name="Content Placeholder 2">
             <a:extLst>
               <a:ext uri="{FF2B5EF4-FFF2-40B4-BE49-F238E27FC236}">
-                <a16:creationId xmlns:a16="http://schemas.microsoft.com/office/drawing/2014/main" id="{20A495BB-F33A-4181-83DC-B006178381DA}"/>
+                <a16:creationId xmlns:a16="http://schemas.microsoft.com/office/drawing/2014/main" id="{45E9BD75-F254-4107-8137-51CA5EC7B3EC}"/>
               </a:ext>
             </a:extLst>
           </p:cNvPr>
@@ -4972,29 +6498,248 @@
           <a:p>
             <a:r>
               <a:rPr lang="en-US" dirty="0"/>
-              <a:t>Map Chart</a:t>
+              <a:t>Selecting correct data from data set</a:t>
             </a:r>
           </a:p>
           <a:p>
             <a:r>
               <a:rPr lang="en-US" dirty="0"/>
-              <a:t>Line Chart</a:t>
+              <a:t>World Bank provides data in a reversed format for easy analysis, so we will have to reformat the data using Python.</a:t>
             </a:r>
           </a:p>
           <a:p>
             <a:r>
               <a:rPr lang="en-US" dirty="0"/>
-              <a:t>Bar Chart</a:t>
-            </a:r>
-          </a:p>
-          <a:p>
-            <a:r>
-              <a:rPr lang="en-US" dirty="0"/>
-              <a:t>Tables</a:t>
-            </a:r>
+              <a:t>There are missing values that will need filled/estimated using Python.</a:t>
+            </a:r>
+          </a:p>
+          <a:p>
+            <a:endParaRPr lang="en-US" dirty="0"/>
           </a:p>
         </p:txBody>
       </p:sp>
+    </p:spTree>
+    <p:extLst>
+      <p:ext uri="{BB962C8B-B14F-4D97-AF65-F5344CB8AC3E}">
+        <p14:creationId xmlns:p14="http://schemas.microsoft.com/office/powerpoint/2010/main" val="629741342"/>
+      </p:ext>
+    </p:extLst>
+  </p:cSld>
+  <p:clrMapOvr>
+    <a:masterClrMapping/>
+  </p:clrMapOvr>
+</p:sld>
+</file>
+
+<file path=ppt/slides/slide8.xml><?xml version="1.0" encoding="utf-8"?>
+<p:sld xmlns:a="http://schemas.openxmlformats.org/drawingml/2006/main" xmlns:r="http://schemas.openxmlformats.org/officeDocument/2006/relationships" xmlns:p="http://schemas.openxmlformats.org/presentationml/2006/main">
+  <p:cSld>
+    <p:bg>
+      <p:bgPr>
+        <a:solidFill>
+          <a:schemeClr val="accent1">
+            <a:lumMod val="20000"/>
+            <a:lumOff val="80000"/>
+          </a:schemeClr>
+        </a:solidFill>
+        <a:effectLst/>
+      </p:bgPr>
+    </p:bg>
+    <p:spTree>
+      <p:nvGrpSpPr>
+        <p:cNvPr id="1" name=""/>
+        <p:cNvGrpSpPr/>
+        <p:nvPr/>
+      </p:nvGrpSpPr>
+      <p:grpSpPr>
+        <a:xfrm>
+          <a:off x="0" y="0"/>
+          <a:ext cx="0" cy="0"/>
+          <a:chOff x="0" y="0"/>
+          <a:chExt cx="0" cy="0"/>
+        </a:xfrm>
+      </p:grpSpPr>
+      <p:sp>
+        <p:nvSpPr>
+          <p:cNvPr id="2" name="Title 1">
+            <a:extLst>
+              <a:ext uri="{FF2B5EF4-FFF2-40B4-BE49-F238E27FC236}">
+                <a16:creationId xmlns:a16="http://schemas.microsoft.com/office/drawing/2014/main" id="{55C8B139-E60E-4004-98E5-8B5A5802AF20}"/>
+              </a:ext>
+            </a:extLst>
+          </p:cNvPr>
+          <p:cNvSpPr>
+            <a:spLocks noGrp="1"/>
+          </p:cNvSpPr>
+          <p:nvPr>
+            <p:ph type="title"/>
+          </p:nvPr>
+        </p:nvSpPr>
+        <p:spPr>
+          <a:xfrm>
+            <a:off x="838200" y="86506"/>
+            <a:ext cx="10515600" cy="1325563"/>
+          </a:xfrm>
+        </p:spPr>
+        <p:txBody>
+          <a:bodyPr/>
+          <a:lstStyle/>
+          <a:p>
+            <a:r>
+              <a:rPr lang="en-US" dirty="0"/>
+              <a:t>Visual Analysis</a:t>
+            </a:r>
+          </a:p>
+        </p:txBody>
+      </p:sp>
+      <p:pic>
+        <p:nvPicPr>
+          <p:cNvPr id="4" name="Picture 3">
+            <a:extLst>
+              <a:ext uri="{FF2B5EF4-FFF2-40B4-BE49-F238E27FC236}">
+                <a16:creationId xmlns:a16="http://schemas.microsoft.com/office/drawing/2014/main" id="{643B2589-25AF-4BAC-8D47-3830FFE36877}"/>
+              </a:ext>
+            </a:extLst>
+          </p:cNvPr>
+          <p:cNvPicPr>
+            <a:picLocks noChangeAspect="1"/>
+          </p:cNvPicPr>
+          <p:nvPr/>
+        </p:nvPicPr>
+        <p:blipFill rotWithShape="1">
+          <a:blip r:embed="rId2"/>
+          <a:srcRect l="1927" t="1" r="5033" b="1556"/>
+          <a:stretch/>
+        </p:blipFill>
+        <p:spPr>
+          <a:xfrm>
+            <a:off x="612327" y="1144562"/>
+            <a:ext cx="4941717" cy="2903865"/>
+          </a:xfrm>
+          <a:prstGeom prst="rect">
+            <a:avLst/>
+          </a:prstGeom>
+        </p:spPr>
+      </p:pic>
+      <p:pic>
+        <p:nvPicPr>
+          <p:cNvPr id="5" name="Picture 4">
+            <a:extLst>
+              <a:ext uri="{FF2B5EF4-FFF2-40B4-BE49-F238E27FC236}">
+                <a16:creationId xmlns:a16="http://schemas.microsoft.com/office/drawing/2014/main" id="{AD5DC938-0EF4-45C5-8AD5-25110DE5F78B}"/>
+              </a:ext>
+            </a:extLst>
+          </p:cNvPr>
+          <p:cNvPicPr>
+            <a:picLocks noChangeAspect="1"/>
+          </p:cNvPicPr>
+          <p:nvPr/>
+        </p:nvPicPr>
+        <p:blipFill>
+          <a:blip r:embed="rId3"/>
+          <a:stretch>
+            <a:fillRect/>
+          </a:stretch>
+        </p:blipFill>
+        <p:spPr>
+          <a:xfrm>
+            <a:off x="1631509" y="4261582"/>
+            <a:ext cx="4642035" cy="2431753"/>
+          </a:xfrm>
+          <a:prstGeom prst="rect">
+            <a:avLst/>
+          </a:prstGeom>
+        </p:spPr>
+      </p:pic>
+      <p:pic>
+        <p:nvPicPr>
+          <p:cNvPr id="6" name="Picture 5">
+            <a:extLst>
+              <a:ext uri="{FF2B5EF4-FFF2-40B4-BE49-F238E27FC236}">
+                <a16:creationId xmlns:a16="http://schemas.microsoft.com/office/drawing/2014/main" id="{285AE5AC-6923-4DE8-A016-14AEC1A1DD9D}"/>
+              </a:ext>
+            </a:extLst>
+          </p:cNvPr>
+          <p:cNvPicPr>
+            <a:picLocks noChangeAspect="1"/>
+          </p:cNvPicPr>
+          <p:nvPr/>
+        </p:nvPicPr>
+        <p:blipFill>
+          <a:blip r:embed="rId4"/>
+          <a:stretch>
+            <a:fillRect/>
+          </a:stretch>
+        </p:blipFill>
+        <p:spPr>
+          <a:xfrm>
+            <a:off x="6993044" y="3789470"/>
+            <a:ext cx="4661234" cy="2903865"/>
+          </a:xfrm>
+          <a:prstGeom prst="rect">
+            <a:avLst/>
+          </a:prstGeom>
+        </p:spPr>
+      </p:pic>
+      <p:pic>
+        <p:nvPicPr>
+          <p:cNvPr id="7" name="Picture 6">
+            <a:extLst>
+              <a:ext uri="{FF2B5EF4-FFF2-40B4-BE49-F238E27FC236}">
+                <a16:creationId xmlns:a16="http://schemas.microsoft.com/office/drawing/2014/main" id="{42BAEAFB-66D8-48E3-B994-800C097E5A88}"/>
+              </a:ext>
+            </a:extLst>
+          </p:cNvPr>
+          <p:cNvPicPr>
+            <a:picLocks noChangeAspect="1"/>
+          </p:cNvPicPr>
+          <p:nvPr/>
+        </p:nvPicPr>
+        <p:blipFill>
+          <a:blip r:embed="rId5"/>
+          <a:stretch>
+            <a:fillRect/>
+          </a:stretch>
+        </p:blipFill>
+        <p:spPr>
+          <a:xfrm>
+            <a:off x="6037194" y="181314"/>
+            <a:ext cx="3583884" cy="3476286"/>
+          </a:xfrm>
+          <a:prstGeom prst="rect">
+            <a:avLst/>
+          </a:prstGeom>
+        </p:spPr>
+      </p:pic>
+      <p:pic>
+        <p:nvPicPr>
+          <p:cNvPr id="8" name="Picture 7">
+            <a:extLst>
+              <a:ext uri="{FF2B5EF4-FFF2-40B4-BE49-F238E27FC236}">
+                <a16:creationId xmlns:a16="http://schemas.microsoft.com/office/drawing/2014/main" id="{84724751-14E8-4B1C-874D-A993DC7D11AC}"/>
+              </a:ext>
+            </a:extLst>
+          </p:cNvPr>
+          <p:cNvPicPr>
+            <a:picLocks noChangeAspect="1"/>
+          </p:cNvPicPr>
+          <p:nvPr/>
+        </p:nvPicPr>
+        <p:blipFill rotWithShape="1">
+          <a:blip r:embed="rId6"/>
+          <a:srcRect l="30558" t="25208"/>
+          <a:stretch/>
+        </p:blipFill>
+        <p:spPr>
+          <a:xfrm>
+            <a:off x="10104228" y="1277656"/>
+            <a:ext cx="1538346" cy="1559169"/>
+          </a:xfrm>
+          <a:prstGeom prst="rect">
+            <a:avLst/>
+          </a:prstGeom>
+        </p:spPr>
+      </p:pic>
     </p:spTree>
     <p:extLst>
       <p:ext uri="{BB962C8B-B14F-4D97-AF65-F5344CB8AC3E}">
@@ -5005,10 +6750,252 @@
   <p:clrMapOvr>
     <a:masterClrMapping/>
   </p:clrMapOvr>
+  <p:timing>
+    <p:tnLst>
+      <p:par>
+        <p:cTn id="1" dur="indefinite" restart="never" nodeType="tmRoot">
+          <p:childTnLst>
+            <p:seq concurrent="1" nextAc="seek">
+              <p:cTn id="2" dur="indefinite" nodeType="mainSeq">
+                <p:childTnLst>
+                  <p:par>
+                    <p:cTn id="3" fill="hold">
+                      <p:stCondLst>
+                        <p:cond delay="indefinite"/>
+                      </p:stCondLst>
+                      <p:childTnLst>
+                        <p:par>
+                          <p:cTn id="4" fill="hold">
+                            <p:stCondLst>
+                              <p:cond delay="0"/>
+                            </p:stCondLst>
+                            <p:childTnLst>
+                              <p:par>
+                                <p:cTn id="5" presetID="10" presetClass="entr" presetSubtype="0" fill="hold" nodeType="clickEffect">
+                                  <p:stCondLst>
+                                    <p:cond delay="0"/>
+                                  </p:stCondLst>
+                                  <p:childTnLst>
+                                    <p:set>
+                                      <p:cBhvr>
+                                        <p:cTn id="6" dur="1" fill="hold">
+                                          <p:stCondLst>
+                                            <p:cond delay="0"/>
+                                          </p:stCondLst>
+                                        </p:cTn>
+                                        <p:tgtEl>
+                                          <p:spTgt spid="7"/>
+                                        </p:tgtEl>
+                                        <p:attrNameLst>
+                                          <p:attrName>style.visibility</p:attrName>
+                                        </p:attrNameLst>
+                                      </p:cBhvr>
+                                      <p:to>
+                                        <p:strVal val="visible"/>
+                                      </p:to>
+                                    </p:set>
+                                    <p:animEffect transition="in" filter="fade">
+                                      <p:cBhvr>
+                                        <p:cTn id="7" dur="500"/>
+                                        <p:tgtEl>
+                                          <p:spTgt spid="7"/>
+                                        </p:tgtEl>
+                                      </p:cBhvr>
+                                    </p:animEffect>
+                                  </p:childTnLst>
+                                </p:cTn>
+                              </p:par>
+                            </p:childTnLst>
+                          </p:cTn>
+                        </p:par>
+                      </p:childTnLst>
+                    </p:cTn>
+                  </p:par>
+                  <p:par>
+                    <p:cTn id="8" fill="hold">
+                      <p:stCondLst>
+                        <p:cond delay="indefinite"/>
+                      </p:stCondLst>
+                      <p:childTnLst>
+                        <p:par>
+                          <p:cTn id="9" fill="hold">
+                            <p:stCondLst>
+                              <p:cond delay="0"/>
+                            </p:stCondLst>
+                            <p:childTnLst>
+                              <p:par>
+                                <p:cTn id="10" presetID="10" presetClass="entr" presetSubtype="0" fill="hold" nodeType="clickEffect">
+                                  <p:stCondLst>
+                                    <p:cond delay="0"/>
+                                  </p:stCondLst>
+                                  <p:childTnLst>
+                                    <p:set>
+                                      <p:cBhvr>
+                                        <p:cTn id="11" dur="1" fill="hold">
+                                          <p:stCondLst>
+                                            <p:cond delay="0"/>
+                                          </p:stCondLst>
+                                        </p:cTn>
+                                        <p:tgtEl>
+                                          <p:spTgt spid="5"/>
+                                        </p:tgtEl>
+                                        <p:attrNameLst>
+                                          <p:attrName>style.visibility</p:attrName>
+                                        </p:attrNameLst>
+                                      </p:cBhvr>
+                                      <p:to>
+                                        <p:strVal val="visible"/>
+                                      </p:to>
+                                    </p:set>
+                                    <p:animEffect transition="in" filter="fade">
+                                      <p:cBhvr>
+                                        <p:cTn id="12" dur="500"/>
+                                        <p:tgtEl>
+                                          <p:spTgt spid="5"/>
+                                        </p:tgtEl>
+                                      </p:cBhvr>
+                                    </p:animEffect>
+                                  </p:childTnLst>
+                                </p:cTn>
+                              </p:par>
+                            </p:childTnLst>
+                          </p:cTn>
+                        </p:par>
+                      </p:childTnLst>
+                    </p:cTn>
+                  </p:par>
+                  <p:par>
+                    <p:cTn id="13" fill="hold">
+                      <p:stCondLst>
+                        <p:cond delay="indefinite"/>
+                      </p:stCondLst>
+                      <p:childTnLst>
+                        <p:par>
+                          <p:cTn id="14" fill="hold">
+                            <p:stCondLst>
+                              <p:cond delay="0"/>
+                            </p:stCondLst>
+                            <p:childTnLst>
+                              <p:par>
+                                <p:cTn id="15" presetID="10" presetClass="entr" presetSubtype="0" fill="hold" nodeType="clickEffect">
+                                  <p:stCondLst>
+                                    <p:cond delay="0"/>
+                                  </p:stCondLst>
+                                  <p:childTnLst>
+                                    <p:set>
+                                      <p:cBhvr>
+                                        <p:cTn id="16" dur="1" fill="hold">
+                                          <p:stCondLst>
+                                            <p:cond delay="0"/>
+                                          </p:stCondLst>
+                                        </p:cTn>
+                                        <p:tgtEl>
+                                          <p:spTgt spid="6"/>
+                                        </p:tgtEl>
+                                        <p:attrNameLst>
+                                          <p:attrName>style.visibility</p:attrName>
+                                        </p:attrNameLst>
+                                      </p:cBhvr>
+                                      <p:to>
+                                        <p:strVal val="visible"/>
+                                      </p:to>
+                                    </p:set>
+                                    <p:animEffect transition="in" filter="fade">
+                                      <p:cBhvr>
+                                        <p:cTn id="17" dur="500"/>
+                                        <p:tgtEl>
+                                          <p:spTgt spid="6"/>
+                                        </p:tgtEl>
+                                      </p:cBhvr>
+                                    </p:animEffect>
+                                  </p:childTnLst>
+                                </p:cTn>
+                              </p:par>
+                            </p:childTnLst>
+                          </p:cTn>
+                        </p:par>
+                      </p:childTnLst>
+                    </p:cTn>
+                  </p:par>
+                  <p:par>
+                    <p:cTn id="18" fill="hold">
+                      <p:stCondLst>
+                        <p:cond delay="indefinite"/>
+                      </p:stCondLst>
+                      <p:childTnLst>
+                        <p:par>
+                          <p:cTn id="19" fill="hold">
+                            <p:stCondLst>
+                              <p:cond delay="0"/>
+                            </p:stCondLst>
+                            <p:childTnLst>
+                              <p:par>
+                                <p:cTn id="20" presetID="10" presetClass="entr" presetSubtype="0" fill="hold" nodeType="clickEffect">
+                                  <p:stCondLst>
+                                    <p:cond delay="0"/>
+                                  </p:stCondLst>
+                                  <p:childTnLst>
+                                    <p:set>
+                                      <p:cBhvr>
+                                        <p:cTn id="21" dur="1" fill="hold">
+                                          <p:stCondLst>
+                                            <p:cond delay="0"/>
+                                          </p:stCondLst>
+                                        </p:cTn>
+                                        <p:tgtEl>
+                                          <p:spTgt spid="8"/>
+                                        </p:tgtEl>
+                                        <p:attrNameLst>
+                                          <p:attrName>style.visibility</p:attrName>
+                                        </p:attrNameLst>
+                                      </p:cBhvr>
+                                      <p:to>
+                                        <p:strVal val="visible"/>
+                                      </p:to>
+                                    </p:set>
+                                    <p:animEffect transition="in" filter="fade">
+                                      <p:cBhvr>
+                                        <p:cTn id="22" dur="500"/>
+                                        <p:tgtEl>
+                                          <p:spTgt spid="8"/>
+                                        </p:tgtEl>
+                                      </p:cBhvr>
+                                    </p:animEffect>
+                                  </p:childTnLst>
+                                </p:cTn>
+                              </p:par>
+                            </p:childTnLst>
+                          </p:cTn>
+                        </p:par>
+                      </p:childTnLst>
+                    </p:cTn>
+                  </p:par>
+                </p:childTnLst>
+              </p:cTn>
+              <p:prevCondLst>
+                <p:cond evt="onPrev" delay="0">
+                  <p:tgtEl>
+                    <p:sldTgt/>
+                  </p:tgtEl>
+                </p:cond>
+              </p:prevCondLst>
+              <p:nextCondLst>
+                <p:cond evt="onNext" delay="0">
+                  <p:tgtEl>
+                    <p:sldTgt/>
+                  </p:tgtEl>
+                </p:cond>
+              </p:nextCondLst>
+            </p:seq>
+          </p:childTnLst>
+        </p:cTn>
+      </p:par>
+    </p:tnLst>
+  </p:timing>
 </p:sld>
 </file>
 
-<file path=ppt/slides/slide8.xml><?xml version="1.0" encoding="utf-8"?>
+<file path=ppt/slides/slide9.xml><?xml version="1.0" encoding="utf-8"?>
 <p:sld xmlns:a="http://schemas.openxmlformats.org/drawingml/2006/main" xmlns:r="http://schemas.openxmlformats.org/officeDocument/2006/relationships" xmlns:p="http://schemas.openxmlformats.org/presentationml/2006/main">
   <p:cSld>
     <p:bg>
@@ -5784,76 +7771,6 @@
 </p:sld>
 </file>
 
-<file path=ppt/slides/slide9.xml><?xml version="1.0" encoding="utf-8"?>
-<p:sld xmlns:a="http://schemas.openxmlformats.org/drawingml/2006/main" xmlns:r="http://schemas.openxmlformats.org/officeDocument/2006/relationships" xmlns:p="http://schemas.openxmlformats.org/presentationml/2006/main">
-  <p:cSld>
-    <p:bg>
-      <p:bgPr>
-        <a:solidFill>
-          <a:schemeClr val="accent1">
-            <a:lumMod val="20000"/>
-            <a:lumOff val="80000"/>
-          </a:schemeClr>
-        </a:solidFill>
-        <a:effectLst/>
-      </p:bgPr>
-    </p:bg>
-    <p:spTree>
-      <p:nvGrpSpPr>
-        <p:cNvPr id="1" name=""/>
-        <p:cNvGrpSpPr/>
-        <p:nvPr/>
-      </p:nvGrpSpPr>
-      <p:grpSpPr>
-        <a:xfrm>
-          <a:off x="0" y="0"/>
-          <a:ext cx="0" cy="0"/>
-          <a:chOff x="0" y="0"/>
-          <a:chExt cx="0" cy="0"/>
-        </a:xfrm>
-      </p:grpSpPr>
-      <p:sp>
-        <p:nvSpPr>
-          <p:cNvPr id="6" name="Title 5">
-            <a:extLst>
-              <a:ext uri="{FF2B5EF4-FFF2-40B4-BE49-F238E27FC236}">
-                <a16:creationId xmlns:a16="http://schemas.microsoft.com/office/drawing/2014/main" id="{3FE5BFE9-216A-4B5E-BD06-812754633B7E}"/>
-              </a:ext>
-            </a:extLst>
-          </p:cNvPr>
-          <p:cNvSpPr>
-            <a:spLocks noGrp="1"/>
-          </p:cNvSpPr>
-          <p:nvPr>
-            <p:ph type="title"/>
-          </p:nvPr>
-        </p:nvSpPr>
-        <p:spPr/>
-        <p:txBody>
-          <a:bodyPr/>
-          <a:lstStyle/>
-          <a:p>
-            <a:pPr algn="ctr"/>
-            <a:r>
-              <a:rPr lang="en-US" dirty="0"/>
-              <a:t>Thank You!</a:t>
-            </a:r>
-          </a:p>
-        </p:txBody>
-      </p:sp>
-    </p:spTree>
-    <p:extLst>
-      <p:ext uri="{BB962C8B-B14F-4D97-AF65-F5344CB8AC3E}">
-        <p14:creationId xmlns:p14="http://schemas.microsoft.com/office/powerpoint/2010/main" val="2723783663"/>
-      </p:ext>
-    </p:extLst>
-  </p:cSld>
-  <p:clrMapOvr>
-    <a:masterClrMapping/>
-  </p:clrMapOvr>
-</p:sld>
-</file>
-
 <file path=ppt/theme/theme1.xml><?xml version="1.0" encoding="utf-8"?>
 <a:theme xmlns:a="http://schemas.openxmlformats.org/drawingml/2006/main" name="Office Theme">
   <a:themeElements>

--- a/Project/Project Proposal.pptx
+++ b/Project/Project Proposal.pptx
@@ -11,10 +11,11 @@
     <p:sldId id="265" r:id="rId5"/>
     <p:sldId id="259" r:id="rId6"/>
     <p:sldId id="260" r:id="rId7"/>
-    <p:sldId id="261" r:id="rId8"/>
-    <p:sldId id="262" r:id="rId9"/>
-    <p:sldId id="263" r:id="rId10"/>
-    <p:sldId id="264" r:id="rId11"/>
+    <p:sldId id="266" r:id="rId8"/>
+    <p:sldId id="267" r:id="rId9"/>
+    <p:sldId id="262" r:id="rId10"/>
+    <p:sldId id="263" r:id="rId11"/>
+    <p:sldId id="264" r:id="rId12"/>
   </p:sldIdLst>
   <p:sldSz cx="12192000" cy="6858000"/>
   <p:notesSz cx="6858000" cy="9144000"/>
@@ -3427,3575 +3428,6 @@
 </file>
 
 <file path=ppt/slides/slide10.xml><?xml version="1.0" encoding="utf-8"?>
-<p:sld xmlns:a="http://schemas.openxmlformats.org/drawingml/2006/main" xmlns:r="http://schemas.openxmlformats.org/officeDocument/2006/relationships" xmlns:p="http://schemas.openxmlformats.org/presentationml/2006/main">
-  <p:cSld>
-    <p:bg>
-      <p:bgPr>
-        <a:solidFill>
-          <a:schemeClr val="accent1">
-            <a:lumMod val="20000"/>
-            <a:lumOff val="80000"/>
-          </a:schemeClr>
-        </a:solidFill>
-        <a:effectLst/>
-      </p:bgPr>
-    </p:bg>
-    <p:spTree>
-      <p:nvGrpSpPr>
-        <p:cNvPr id="1" name=""/>
-        <p:cNvGrpSpPr/>
-        <p:nvPr/>
-      </p:nvGrpSpPr>
-      <p:grpSpPr>
-        <a:xfrm>
-          <a:off x="0" y="0"/>
-          <a:ext cx="0" cy="0"/>
-          <a:chOff x="0" y="0"/>
-          <a:chExt cx="0" cy="0"/>
-        </a:xfrm>
-      </p:grpSpPr>
-      <p:sp>
-        <p:nvSpPr>
-          <p:cNvPr id="6" name="Title 5">
-            <a:extLst>
-              <a:ext uri="{FF2B5EF4-FFF2-40B4-BE49-F238E27FC236}">
-                <a16:creationId xmlns:a16="http://schemas.microsoft.com/office/drawing/2014/main" id="{3FE5BFE9-216A-4B5E-BD06-812754633B7E}"/>
-              </a:ext>
-            </a:extLst>
-          </p:cNvPr>
-          <p:cNvSpPr>
-            <a:spLocks noGrp="1"/>
-          </p:cNvSpPr>
-          <p:nvPr>
-            <p:ph type="title"/>
-          </p:nvPr>
-        </p:nvSpPr>
-        <p:spPr/>
-        <p:txBody>
-          <a:bodyPr/>
-          <a:lstStyle/>
-          <a:p>
-            <a:pPr algn="ctr"/>
-            <a:r>
-              <a:rPr lang="en-US" dirty="0"/>
-              <a:t>Thank You!</a:t>
-            </a:r>
-          </a:p>
-        </p:txBody>
-      </p:sp>
-    </p:spTree>
-    <p:extLst>
-      <p:ext uri="{BB962C8B-B14F-4D97-AF65-F5344CB8AC3E}">
-        <p14:creationId xmlns:p14="http://schemas.microsoft.com/office/powerpoint/2010/main" val="2723783663"/>
-      </p:ext>
-    </p:extLst>
-  </p:cSld>
-  <p:clrMapOvr>
-    <a:masterClrMapping/>
-  </p:clrMapOvr>
-</p:sld>
-</file>
-
-<file path=ppt/slides/slide2.xml><?xml version="1.0" encoding="utf-8"?>
-<p:sld xmlns:a="http://schemas.openxmlformats.org/drawingml/2006/main" xmlns:r="http://schemas.openxmlformats.org/officeDocument/2006/relationships" xmlns:p="http://schemas.openxmlformats.org/presentationml/2006/main">
-  <p:cSld>
-    <p:bg>
-      <p:bgPr>
-        <a:solidFill>
-          <a:schemeClr val="accent1">
-            <a:lumMod val="20000"/>
-            <a:lumOff val="80000"/>
-          </a:schemeClr>
-        </a:solidFill>
-        <a:effectLst/>
-      </p:bgPr>
-    </p:bg>
-    <p:spTree>
-      <p:nvGrpSpPr>
-        <p:cNvPr id="1" name=""/>
-        <p:cNvGrpSpPr/>
-        <p:nvPr/>
-      </p:nvGrpSpPr>
-      <p:grpSpPr>
-        <a:xfrm>
-          <a:off x="0" y="0"/>
-          <a:ext cx="0" cy="0"/>
-          <a:chOff x="0" y="0"/>
-          <a:chExt cx="0" cy="0"/>
-        </a:xfrm>
-      </p:grpSpPr>
-      <p:sp>
-        <p:nvSpPr>
-          <p:cNvPr id="2" name="Title 1">
-            <a:extLst>
-              <a:ext uri="{FF2B5EF4-FFF2-40B4-BE49-F238E27FC236}">
-                <a16:creationId xmlns:a16="http://schemas.microsoft.com/office/drawing/2014/main" id="{C9C6F9F8-4364-47A6-994D-0F1771690D95}"/>
-              </a:ext>
-            </a:extLst>
-          </p:cNvPr>
-          <p:cNvSpPr>
-            <a:spLocks noGrp="1"/>
-          </p:cNvSpPr>
-          <p:nvPr>
-            <p:ph type="title"/>
-          </p:nvPr>
-        </p:nvSpPr>
-        <p:spPr/>
-        <p:txBody>
-          <a:bodyPr/>
-          <a:lstStyle/>
-          <a:p>
-            <a:r>
-              <a:rPr lang="en-US" dirty="0"/>
-              <a:t>Introduction (RL)</a:t>
-            </a:r>
-          </a:p>
-        </p:txBody>
-      </p:sp>
-      <p:sp>
-        <p:nvSpPr>
-          <p:cNvPr id="3" name="Content Placeholder 2">
-            <a:extLst>
-              <a:ext uri="{FF2B5EF4-FFF2-40B4-BE49-F238E27FC236}">
-                <a16:creationId xmlns:a16="http://schemas.microsoft.com/office/drawing/2014/main" id="{0BEA2165-29D3-4EC1-BB7C-A56D98D9439C}"/>
-              </a:ext>
-            </a:extLst>
-          </p:cNvPr>
-          <p:cNvSpPr>
-            <a:spLocks noGrp="1"/>
-          </p:cNvSpPr>
-          <p:nvPr>
-            <p:ph idx="1"/>
-          </p:nvPr>
-        </p:nvSpPr>
-        <p:spPr/>
-        <p:txBody>
-          <a:bodyPr/>
-          <a:lstStyle/>
-          <a:p>
-            <a:r>
-              <a:rPr lang="en-US" dirty="0"/>
-              <a:t>We are interested in the factors that effect GDP per employee (productivity by employee) in both emerging and developing countries.</a:t>
-            </a:r>
-          </a:p>
-          <a:p>
-            <a:r>
-              <a:rPr lang="en-US" dirty="0"/>
-              <a:t>We both have an interest in economics. We thought this would be a fun dataset to work on.</a:t>
-            </a:r>
-          </a:p>
-        </p:txBody>
-      </p:sp>
-    </p:spTree>
-    <p:extLst>
-      <p:ext uri="{BB962C8B-B14F-4D97-AF65-F5344CB8AC3E}">
-        <p14:creationId xmlns:p14="http://schemas.microsoft.com/office/powerpoint/2010/main" val="1473613553"/>
-      </p:ext>
-    </p:extLst>
-  </p:cSld>
-  <p:clrMapOvr>
-    <a:masterClrMapping/>
-  </p:clrMapOvr>
-</p:sld>
-</file>
-
-<file path=ppt/slides/slide3.xml><?xml version="1.0" encoding="utf-8"?>
-<p:sld xmlns:a="http://schemas.openxmlformats.org/drawingml/2006/main" xmlns:r="http://schemas.openxmlformats.org/officeDocument/2006/relationships" xmlns:p="http://schemas.openxmlformats.org/presentationml/2006/main">
-  <p:cSld>
-    <p:bg>
-      <p:bgPr>
-        <a:solidFill>
-          <a:schemeClr val="accent1">
-            <a:lumMod val="20000"/>
-            <a:lumOff val="80000"/>
-          </a:schemeClr>
-        </a:solidFill>
-        <a:effectLst/>
-      </p:bgPr>
-    </p:bg>
-    <p:spTree>
-      <p:nvGrpSpPr>
-        <p:cNvPr id="1" name=""/>
-        <p:cNvGrpSpPr/>
-        <p:nvPr/>
-      </p:nvGrpSpPr>
-      <p:grpSpPr>
-        <a:xfrm>
-          <a:off x="0" y="0"/>
-          <a:ext cx="0" cy="0"/>
-          <a:chOff x="0" y="0"/>
-          <a:chExt cx="0" cy="0"/>
-        </a:xfrm>
-      </p:grpSpPr>
-      <p:sp>
-        <p:nvSpPr>
-          <p:cNvPr id="2" name="Title 1">
-            <a:extLst>
-              <a:ext uri="{FF2B5EF4-FFF2-40B4-BE49-F238E27FC236}">
-                <a16:creationId xmlns:a16="http://schemas.microsoft.com/office/drawing/2014/main" id="{C9C6F9F8-4364-47A6-994D-0F1771690D95}"/>
-              </a:ext>
-            </a:extLst>
-          </p:cNvPr>
-          <p:cNvSpPr>
-            <a:spLocks noGrp="1"/>
-          </p:cNvSpPr>
-          <p:nvPr>
-            <p:ph type="title"/>
-          </p:nvPr>
-        </p:nvSpPr>
-        <p:spPr/>
-        <p:txBody>
-          <a:bodyPr/>
-          <a:lstStyle/>
-          <a:p>
-            <a:r>
-              <a:rPr lang="en-US" dirty="0"/>
-              <a:t>Introduction (RL)</a:t>
-            </a:r>
-          </a:p>
-        </p:txBody>
-      </p:sp>
-      <p:sp>
-        <p:nvSpPr>
-          <p:cNvPr id="3" name="Content Placeholder 2">
-            <a:extLst>
-              <a:ext uri="{FF2B5EF4-FFF2-40B4-BE49-F238E27FC236}">
-                <a16:creationId xmlns:a16="http://schemas.microsoft.com/office/drawing/2014/main" id="{0BEA2165-29D3-4EC1-BB7C-A56D98D9439C}"/>
-              </a:ext>
-            </a:extLst>
-          </p:cNvPr>
-          <p:cNvSpPr>
-            <a:spLocks noGrp="1"/>
-          </p:cNvSpPr>
-          <p:nvPr>
-            <p:ph idx="1"/>
-          </p:nvPr>
-        </p:nvSpPr>
-        <p:spPr/>
-        <p:txBody>
-          <a:bodyPr/>
-          <a:lstStyle/>
-          <a:p>
-            <a:r>
-              <a:rPr lang="en-US" dirty="0"/>
-              <a:t>We want to find meaningful factors that effect employee productivity (GDP per employee) across countries.</a:t>
-            </a:r>
-          </a:p>
-        </p:txBody>
-      </p:sp>
-    </p:spTree>
-    <p:extLst>
-      <p:ext uri="{BB962C8B-B14F-4D97-AF65-F5344CB8AC3E}">
-        <p14:creationId xmlns:p14="http://schemas.microsoft.com/office/powerpoint/2010/main" val="4054092005"/>
-      </p:ext>
-    </p:extLst>
-  </p:cSld>
-  <p:clrMapOvr>
-    <a:masterClrMapping/>
-  </p:clrMapOvr>
-</p:sld>
-</file>
-
-<file path=ppt/slides/slide4.xml><?xml version="1.0" encoding="utf-8"?>
-<p:sld xmlns:a="http://schemas.openxmlformats.org/drawingml/2006/main" xmlns:r="http://schemas.openxmlformats.org/officeDocument/2006/relationships" xmlns:p="http://schemas.openxmlformats.org/presentationml/2006/main">
-  <p:cSld>
-    <p:spTree>
-      <p:nvGrpSpPr>
-        <p:cNvPr id="1" name=""/>
-        <p:cNvGrpSpPr/>
-        <p:nvPr/>
-      </p:nvGrpSpPr>
-      <p:grpSpPr>
-        <a:xfrm>
-          <a:off x="0" y="0"/>
-          <a:ext cx="0" cy="0"/>
-          <a:chOff x="0" y="0"/>
-          <a:chExt cx="0" cy="0"/>
-        </a:xfrm>
-      </p:grpSpPr>
-      <p:pic>
-        <p:nvPicPr>
-          <p:cNvPr id="4" name="Content Placeholder 3">
-            <a:extLst>
-              <a:ext uri="{FF2B5EF4-FFF2-40B4-BE49-F238E27FC236}">
-                <a16:creationId xmlns:a16="http://schemas.microsoft.com/office/drawing/2014/main" id="{1D2ED242-10FD-4A2F-B986-7A7DB2A439C2}"/>
-              </a:ext>
-            </a:extLst>
-          </p:cNvPr>
-          <p:cNvPicPr>
-            <a:picLocks noGrp="1" noChangeAspect="1"/>
-          </p:cNvPicPr>
-          <p:nvPr>
-            <p:ph idx="1"/>
-          </p:nvPr>
-        </p:nvPicPr>
-        <p:blipFill rotWithShape="1">
-          <a:blip r:embed="rId2"/>
-          <a:srcRect l="2525" t="4606" r="2283" b="6652"/>
-          <a:stretch/>
-        </p:blipFill>
-        <p:spPr>
-          <a:xfrm>
-            <a:off x="3408630" y="2136913"/>
-            <a:ext cx="5227982" cy="2584174"/>
-          </a:xfrm>
-          <a:prstGeom prst="rect">
-            <a:avLst/>
-          </a:prstGeom>
-        </p:spPr>
-      </p:pic>
-      <p:pic>
-        <p:nvPicPr>
-          <p:cNvPr id="5" name="Picture 4">
-            <a:extLst>
-              <a:ext uri="{FF2B5EF4-FFF2-40B4-BE49-F238E27FC236}">
-                <a16:creationId xmlns:a16="http://schemas.microsoft.com/office/drawing/2014/main" id="{F876D170-BF23-474B-A998-03E46831DDC9}"/>
-              </a:ext>
-            </a:extLst>
-          </p:cNvPr>
-          <p:cNvPicPr>
-            <a:picLocks noChangeAspect="1"/>
-          </p:cNvPicPr>
-          <p:nvPr/>
-        </p:nvPicPr>
-        <p:blipFill>
-          <a:blip r:embed="rId3"/>
-          <a:stretch>
-            <a:fillRect/>
-          </a:stretch>
-        </p:blipFill>
-        <p:spPr>
-          <a:xfrm>
-            <a:off x="10264146" y="377420"/>
-            <a:ext cx="1410911" cy="1906825"/>
-          </a:xfrm>
-          <a:prstGeom prst="rect">
-            <a:avLst/>
-          </a:prstGeom>
-        </p:spPr>
-      </p:pic>
-      <p:pic>
-        <p:nvPicPr>
-          <p:cNvPr id="6" name="Picture 5">
-            <a:extLst>
-              <a:ext uri="{FF2B5EF4-FFF2-40B4-BE49-F238E27FC236}">
-                <a16:creationId xmlns:a16="http://schemas.microsoft.com/office/drawing/2014/main" id="{8C309C9F-951B-454B-94DD-3865F934F585}"/>
-              </a:ext>
-            </a:extLst>
-          </p:cNvPr>
-          <p:cNvPicPr>
-            <a:picLocks noChangeAspect="1"/>
-          </p:cNvPicPr>
-          <p:nvPr/>
-        </p:nvPicPr>
-        <p:blipFill>
-          <a:blip r:embed="rId4"/>
-          <a:stretch>
-            <a:fillRect/>
-          </a:stretch>
-        </p:blipFill>
-        <p:spPr>
-          <a:xfrm>
-            <a:off x="734322" y="3455715"/>
-            <a:ext cx="1247742" cy="1908312"/>
-          </a:xfrm>
-          <a:prstGeom prst="rect">
-            <a:avLst/>
-          </a:prstGeom>
-        </p:spPr>
-      </p:pic>
-      <p:pic>
-        <p:nvPicPr>
-          <p:cNvPr id="7" name="Picture 6">
-            <a:extLst>
-              <a:ext uri="{FF2B5EF4-FFF2-40B4-BE49-F238E27FC236}">
-                <a16:creationId xmlns:a16="http://schemas.microsoft.com/office/drawing/2014/main" id="{CEDB847F-CAED-4661-AD38-3D2A78BE0E2F}"/>
-              </a:ext>
-            </a:extLst>
-          </p:cNvPr>
-          <p:cNvPicPr>
-            <a:picLocks noChangeAspect="1"/>
-          </p:cNvPicPr>
-          <p:nvPr/>
-        </p:nvPicPr>
-        <p:blipFill>
-          <a:blip r:embed="rId5"/>
-          <a:stretch>
-            <a:fillRect/>
-          </a:stretch>
-        </p:blipFill>
-        <p:spPr>
-          <a:xfrm>
-            <a:off x="3016238" y="5155306"/>
-            <a:ext cx="2045588" cy="1426255"/>
-          </a:xfrm>
-          <a:prstGeom prst="rect">
-            <a:avLst/>
-          </a:prstGeom>
-        </p:spPr>
-      </p:pic>
-      <p:pic>
-        <p:nvPicPr>
-          <p:cNvPr id="8" name="Picture 7">
-            <a:extLst>
-              <a:ext uri="{FF2B5EF4-FFF2-40B4-BE49-F238E27FC236}">
-                <a16:creationId xmlns:a16="http://schemas.microsoft.com/office/drawing/2014/main" id="{87653F76-542A-4CB8-ACD4-130C0E5851CA}"/>
-              </a:ext>
-            </a:extLst>
-          </p:cNvPr>
-          <p:cNvPicPr>
-            <a:picLocks noChangeAspect="1"/>
-          </p:cNvPicPr>
-          <p:nvPr/>
-        </p:nvPicPr>
-        <p:blipFill>
-          <a:blip r:embed="rId6"/>
-          <a:stretch>
-            <a:fillRect/>
-          </a:stretch>
-        </p:blipFill>
-        <p:spPr>
-          <a:xfrm>
-            <a:off x="7428670" y="5100917"/>
-            <a:ext cx="1973451" cy="1620078"/>
-          </a:xfrm>
-          <a:prstGeom prst="rect">
-            <a:avLst/>
-          </a:prstGeom>
-        </p:spPr>
-      </p:pic>
-      <p:pic>
-        <p:nvPicPr>
-          <p:cNvPr id="9" name="Picture 8">
-            <a:extLst>
-              <a:ext uri="{FF2B5EF4-FFF2-40B4-BE49-F238E27FC236}">
-                <a16:creationId xmlns:a16="http://schemas.microsoft.com/office/drawing/2014/main" id="{4CD677AD-E36A-486E-85EE-845706959FF9}"/>
-              </a:ext>
-            </a:extLst>
-          </p:cNvPr>
-          <p:cNvPicPr>
-            <a:picLocks noChangeAspect="1"/>
-          </p:cNvPicPr>
-          <p:nvPr/>
-        </p:nvPicPr>
-        <p:blipFill>
-          <a:blip r:embed="rId7"/>
-          <a:stretch>
-            <a:fillRect/>
-          </a:stretch>
-        </p:blipFill>
-        <p:spPr>
-          <a:xfrm>
-            <a:off x="775360" y="276439"/>
-            <a:ext cx="2245829" cy="1721803"/>
-          </a:xfrm>
-          <a:prstGeom prst="rect">
-            <a:avLst/>
-          </a:prstGeom>
-        </p:spPr>
-      </p:pic>
-      <p:pic>
-        <p:nvPicPr>
-          <p:cNvPr id="10" name="Picture 9">
-            <a:extLst>
-              <a:ext uri="{FF2B5EF4-FFF2-40B4-BE49-F238E27FC236}">
-                <a16:creationId xmlns:a16="http://schemas.microsoft.com/office/drawing/2014/main" id="{5473DFF5-C4B7-4B8B-945B-1238434FBFAF}"/>
-              </a:ext>
-            </a:extLst>
-          </p:cNvPr>
-          <p:cNvPicPr>
-            <a:picLocks noChangeAspect="1"/>
-          </p:cNvPicPr>
-          <p:nvPr/>
-        </p:nvPicPr>
-        <p:blipFill>
-          <a:blip r:embed="rId8"/>
-          <a:stretch>
-            <a:fillRect/>
-          </a:stretch>
-        </p:blipFill>
-        <p:spPr>
-          <a:xfrm>
-            <a:off x="6390783" y="139148"/>
-            <a:ext cx="2245829" cy="1617935"/>
-          </a:xfrm>
-          <a:prstGeom prst="rect">
-            <a:avLst/>
-          </a:prstGeom>
-        </p:spPr>
-      </p:pic>
-      <p:cxnSp>
-        <p:nvCxnSpPr>
-          <p:cNvPr id="12" name="Straight Arrow Connector 11">
-            <a:extLst>
-              <a:ext uri="{FF2B5EF4-FFF2-40B4-BE49-F238E27FC236}">
-                <a16:creationId xmlns:a16="http://schemas.microsoft.com/office/drawing/2014/main" id="{2D83F6CD-CB53-41C3-B7A0-F5351186C2E0}"/>
-              </a:ext>
-            </a:extLst>
-          </p:cNvPr>
-          <p:cNvCxnSpPr/>
-          <p:nvPr/>
-        </p:nvCxnSpPr>
-        <p:spPr>
-          <a:xfrm>
-            <a:off x="3021189" y="1461052"/>
-            <a:ext cx="527081" cy="675861"/>
-          </a:xfrm>
-          <a:prstGeom prst="straightConnector1">
-            <a:avLst/>
-          </a:prstGeom>
-          <a:ln>
-            <a:tailEnd type="triangle"/>
-          </a:ln>
-        </p:spPr>
-        <p:style>
-          <a:lnRef idx="1">
-            <a:schemeClr val="accent1"/>
-          </a:lnRef>
-          <a:fillRef idx="0">
-            <a:schemeClr val="accent1"/>
-          </a:fillRef>
-          <a:effectRef idx="0">
-            <a:schemeClr val="accent1"/>
-          </a:effectRef>
-          <a:fontRef idx="minor">
-            <a:schemeClr val="tx1"/>
-          </a:fontRef>
-        </p:style>
-      </p:cxnSp>
-      <p:cxnSp>
-        <p:nvCxnSpPr>
-          <p:cNvPr id="13" name="Straight Arrow Connector 12">
-            <a:extLst>
-              <a:ext uri="{FF2B5EF4-FFF2-40B4-BE49-F238E27FC236}">
-                <a16:creationId xmlns:a16="http://schemas.microsoft.com/office/drawing/2014/main" id="{3D76C36A-D7E0-4082-A947-3F79C60EA01E}"/>
-              </a:ext>
-            </a:extLst>
-          </p:cNvPr>
-          <p:cNvCxnSpPr>
-            <a:cxnSpLocks/>
-          </p:cNvCxnSpPr>
-          <p:nvPr/>
-        </p:nvCxnSpPr>
-        <p:spPr>
-          <a:xfrm flipV="1">
-            <a:off x="2220830" y="4417321"/>
-            <a:ext cx="1063899" cy="254070"/>
-          </a:xfrm>
-          <a:prstGeom prst="straightConnector1">
-            <a:avLst/>
-          </a:prstGeom>
-          <a:ln>
-            <a:tailEnd type="triangle"/>
-          </a:ln>
-        </p:spPr>
-        <p:style>
-          <a:lnRef idx="1">
-            <a:schemeClr val="accent1"/>
-          </a:lnRef>
-          <a:fillRef idx="0">
-            <a:schemeClr val="accent1"/>
-          </a:fillRef>
-          <a:effectRef idx="0">
-            <a:schemeClr val="accent1"/>
-          </a:effectRef>
-          <a:fontRef idx="minor">
-            <a:schemeClr val="tx1"/>
-          </a:fontRef>
-        </p:style>
-      </p:cxnSp>
-      <p:cxnSp>
-        <p:nvCxnSpPr>
-          <p:cNvPr id="15" name="Straight Arrow Connector 14">
-            <a:extLst>
-              <a:ext uri="{FF2B5EF4-FFF2-40B4-BE49-F238E27FC236}">
-                <a16:creationId xmlns:a16="http://schemas.microsoft.com/office/drawing/2014/main" id="{A9D2223C-983E-4BA3-9B43-BE6313ECA44E}"/>
-              </a:ext>
-            </a:extLst>
-          </p:cNvPr>
-          <p:cNvCxnSpPr>
-            <a:cxnSpLocks/>
-          </p:cNvCxnSpPr>
-          <p:nvPr/>
-        </p:nvCxnSpPr>
-        <p:spPr>
-          <a:xfrm flipV="1">
-            <a:off x="4880113" y="4708663"/>
-            <a:ext cx="494488" cy="688285"/>
-          </a:xfrm>
-          <a:prstGeom prst="straightConnector1">
-            <a:avLst/>
-          </a:prstGeom>
-          <a:ln>
-            <a:tailEnd type="triangle"/>
-          </a:ln>
-        </p:spPr>
-        <p:style>
-          <a:lnRef idx="1">
-            <a:schemeClr val="accent1"/>
-          </a:lnRef>
-          <a:fillRef idx="0">
-            <a:schemeClr val="accent1"/>
-          </a:fillRef>
-          <a:effectRef idx="0">
-            <a:schemeClr val="accent1"/>
-          </a:effectRef>
-          <a:fontRef idx="minor">
-            <a:schemeClr val="tx1"/>
-          </a:fontRef>
-        </p:style>
-      </p:cxnSp>
-      <p:cxnSp>
-        <p:nvCxnSpPr>
-          <p:cNvPr id="17" name="Straight Arrow Connector 16">
-            <a:extLst>
-              <a:ext uri="{FF2B5EF4-FFF2-40B4-BE49-F238E27FC236}">
-                <a16:creationId xmlns:a16="http://schemas.microsoft.com/office/drawing/2014/main" id="{5AB144F9-8235-489D-9CED-1F6A7DAED3D8}"/>
-              </a:ext>
-            </a:extLst>
-          </p:cNvPr>
-          <p:cNvCxnSpPr>
-            <a:cxnSpLocks/>
-          </p:cNvCxnSpPr>
-          <p:nvPr/>
-        </p:nvCxnSpPr>
-        <p:spPr>
-          <a:xfrm flipH="1" flipV="1">
-            <a:off x="7007087" y="4799048"/>
-            <a:ext cx="220080" cy="860668"/>
-          </a:xfrm>
-          <a:prstGeom prst="straightConnector1">
-            <a:avLst/>
-          </a:prstGeom>
-          <a:ln>
-            <a:tailEnd type="triangle"/>
-          </a:ln>
-        </p:spPr>
-        <p:style>
-          <a:lnRef idx="1">
-            <a:schemeClr val="accent1"/>
-          </a:lnRef>
-          <a:fillRef idx="0">
-            <a:schemeClr val="accent1"/>
-          </a:fillRef>
-          <a:effectRef idx="0">
-            <a:schemeClr val="accent1"/>
-          </a:effectRef>
-          <a:fontRef idx="minor">
-            <a:schemeClr val="tx1"/>
-          </a:fontRef>
-        </p:style>
-      </p:cxnSp>
-      <p:cxnSp>
-        <p:nvCxnSpPr>
-          <p:cNvPr id="19" name="Straight Arrow Connector 18">
-            <a:extLst>
-              <a:ext uri="{FF2B5EF4-FFF2-40B4-BE49-F238E27FC236}">
-                <a16:creationId xmlns:a16="http://schemas.microsoft.com/office/drawing/2014/main" id="{78F04387-2101-496E-85C4-296D2FEFB6D7}"/>
-              </a:ext>
-            </a:extLst>
-          </p:cNvPr>
-          <p:cNvCxnSpPr>
-            <a:cxnSpLocks/>
-          </p:cNvCxnSpPr>
-          <p:nvPr/>
-        </p:nvCxnSpPr>
-        <p:spPr>
-          <a:xfrm flipH="1">
-            <a:off x="8636612" y="1904614"/>
-            <a:ext cx="1763005" cy="667409"/>
-          </a:xfrm>
-          <a:prstGeom prst="straightConnector1">
-            <a:avLst/>
-          </a:prstGeom>
-          <a:ln>
-            <a:tailEnd type="triangle"/>
-          </a:ln>
-        </p:spPr>
-        <p:style>
-          <a:lnRef idx="1">
-            <a:schemeClr val="accent1"/>
-          </a:lnRef>
-          <a:fillRef idx="0">
-            <a:schemeClr val="accent1"/>
-          </a:fillRef>
-          <a:effectRef idx="0">
-            <a:schemeClr val="accent1"/>
-          </a:effectRef>
-          <a:fontRef idx="minor">
-            <a:schemeClr val="tx1"/>
-          </a:fontRef>
-        </p:style>
-      </p:cxnSp>
-      <p:cxnSp>
-        <p:nvCxnSpPr>
-          <p:cNvPr id="21" name="Straight Arrow Connector 20">
-            <a:extLst>
-              <a:ext uri="{FF2B5EF4-FFF2-40B4-BE49-F238E27FC236}">
-                <a16:creationId xmlns:a16="http://schemas.microsoft.com/office/drawing/2014/main" id="{8EF3DB78-58B8-4CA0-A5BA-55195E975D73}"/>
-              </a:ext>
-            </a:extLst>
-          </p:cNvPr>
-          <p:cNvCxnSpPr>
-            <a:cxnSpLocks/>
-          </p:cNvCxnSpPr>
-          <p:nvPr/>
-        </p:nvCxnSpPr>
-        <p:spPr>
-          <a:xfrm flipH="1">
-            <a:off x="6510130" y="1330833"/>
-            <a:ext cx="208650" cy="602854"/>
-          </a:xfrm>
-          <a:prstGeom prst="straightConnector1">
-            <a:avLst/>
-          </a:prstGeom>
-          <a:ln>
-            <a:tailEnd type="triangle"/>
-          </a:ln>
-        </p:spPr>
-        <p:style>
-          <a:lnRef idx="1">
-            <a:schemeClr val="accent1"/>
-          </a:lnRef>
-          <a:fillRef idx="0">
-            <a:schemeClr val="accent1"/>
-          </a:fillRef>
-          <a:effectRef idx="0">
-            <a:schemeClr val="accent1"/>
-          </a:effectRef>
-          <a:fontRef idx="minor">
-            <a:schemeClr val="tx1"/>
-          </a:fontRef>
-        </p:style>
-      </p:cxnSp>
-      <p:pic>
-        <p:nvPicPr>
-          <p:cNvPr id="24" name="Picture 23">
-            <a:extLst>
-              <a:ext uri="{FF2B5EF4-FFF2-40B4-BE49-F238E27FC236}">
-                <a16:creationId xmlns:a16="http://schemas.microsoft.com/office/drawing/2014/main" id="{55526A4B-B45F-434D-B2E8-F38AC277D2B0}"/>
-              </a:ext>
-            </a:extLst>
-          </p:cNvPr>
-          <p:cNvPicPr>
-            <a:picLocks noChangeAspect="1"/>
-          </p:cNvPicPr>
-          <p:nvPr/>
-        </p:nvPicPr>
-        <p:blipFill>
-          <a:blip r:embed="rId9"/>
-          <a:stretch>
-            <a:fillRect/>
-          </a:stretch>
-        </p:blipFill>
-        <p:spPr>
-          <a:xfrm>
-            <a:off x="10264146" y="3474451"/>
-            <a:ext cx="1667708" cy="1922497"/>
-          </a:xfrm>
-          <a:prstGeom prst="rect">
-            <a:avLst/>
-          </a:prstGeom>
-        </p:spPr>
-      </p:pic>
-      <p:cxnSp>
-        <p:nvCxnSpPr>
-          <p:cNvPr id="30" name="Straight Arrow Connector 29">
-            <a:extLst>
-              <a:ext uri="{FF2B5EF4-FFF2-40B4-BE49-F238E27FC236}">
-                <a16:creationId xmlns:a16="http://schemas.microsoft.com/office/drawing/2014/main" id="{E4DB61C7-F3AF-4766-AD88-69268C026AFC}"/>
-              </a:ext>
-            </a:extLst>
-          </p:cNvPr>
-          <p:cNvCxnSpPr>
-            <a:cxnSpLocks/>
-          </p:cNvCxnSpPr>
-          <p:nvPr/>
-        </p:nvCxnSpPr>
-        <p:spPr>
-          <a:xfrm flipH="1" flipV="1">
-            <a:off x="8760514" y="3619262"/>
-            <a:ext cx="1639103" cy="666716"/>
-          </a:xfrm>
-          <a:prstGeom prst="straightConnector1">
-            <a:avLst/>
-          </a:prstGeom>
-          <a:ln>
-            <a:tailEnd type="triangle"/>
-          </a:ln>
-        </p:spPr>
-        <p:style>
-          <a:lnRef idx="1">
-            <a:schemeClr val="accent1"/>
-          </a:lnRef>
-          <a:fillRef idx="0">
-            <a:schemeClr val="accent1"/>
-          </a:fillRef>
-          <a:effectRef idx="0">
-            <a:schemeClr val="accent1"/>
-          </a:effectRef>
-          <a:fontRef idx="minor">
-            <a:schemeClr val="tx1"/>
-          </a:fontRef>
-        </p:style>
-      </p:cxnSp>
-    </p:spTree>
-    <p:extLst>
-      <p:ext uri="{BB962C8B-B14F-4D97-AF65-F5344CB8AC3E}">
-        <p14:creationId xmlns:p14="http://schemas.microsoft.com/office/powerpoint/2010/main" val="1940992010"/>
-      </p:ext>
-    </p:extLst>
-  </p:cSld>
-  <p:clrMapOvr>
-    <a:masterClrMapping/>
-  </p:clrMapOvr>
-  <p:timing>
-    <p:tnLst>
-      <p:par>
-        <p:cTn id="1" dur="indefinite" restart="never" nodeType="tmRoot">
-          <p:childTnLst>
-            <p:seq concurrent="1" nextAc="seek">
-              <p:cTn id="2" dur="indefinite" nodeType="mainSeq">
-                <p:childTnLst>
-                  <p:par>
-                    <p:cTn id="3" fill="hold">
-                      <p:stCondLst>
-                        <p:cond delay="indefinite"/>
-                      </p:stCondLst>
-                      <p:childTnLst>
-                        <p:par>
-                          <p:cTn id="4" fill="hold">
-                            <p:stCondLst>
-                              <p:cond delay="0"/>
-                            </p:stCondLst>
-                            <p:childTnLst>
-                              <p:par>
-                                <p:cTn id="5" presetID="42" presetClass="entr" presetSubtype="0" fill="hold" nodeType="clickEffect">
-                                  <p:stCondLst>
-                                    <p:cond delay="0"/>
-                                  </p:stCondLst>
-                                  <p:childTnLst>
-                                    <p:set>
-                                      <p:cBhvr>
-                                        <p:cTn id="6" dur="1" fill="hold">
-                                          <p:stCondLst>
-                                            <p:cond delay="0"/>
-                                          </p:stCondLst>
-                                        </p:cTn>
-                                        <p:tgtEl>
-                                          <p:spTgt spid="5"/>
-                                        </p:tgtEl>
-                                        <p:attrNameLst>
-                                          <p:attrName>style.visibility</p:attrName>
-                                        </p:attrNameLst>
-                                      </p:cBhvr>
-                                      <p:to>
-                                        <p:strVal val="visible"/>
-                                      </p:to>
-                                    </p:set>
-                                    <p:animEffect transition="in" filter="fade">
-                                      <p:cBhvr>
-                                        <p:cTn id="7" dur="1000"/>
-                                        <p:tgtEl>
-                                          <p:spTgt spid="5"/>
-                                        </p:tgtEl>
-                                      </p:cBhvr>
-                                    </p:animEffect>
-                                    <p:anim calcmode="lin" valueType="num">
-                                      <p:cBhvr>
-                                        <p:cTn id="8" dur="1000" fill="hold"/>
-                                        <p:tgtEl>
-                                          <p:spTgt spid="5"/>
-                                        </p:tgtEl>
-                                        <p:attrNameLst>
-                                          <p:attrName>ppt_x</p:attrName>
-                                        </p:attrNameLst>
-                                      </p:cBhvr>
-                                      <p:tavLst>
-                                        <p:tav tm="0">
-                                          <p:val>
-                                            <p:strVal val="#ppt_x"/>
-                                          </p:val>
-                                        </p:tav>
-                                        <p:tav tm="100000">
-                                          <p:val>
-                                            <p:strVal val="#ppt_x"/>
-                                          </p:val>
-                                        </p:tav>
-                                      </p:tavLst>
-                                    </p:anim>
-                                    <p:anim calcmode="lin" valueType="num">
-                                      <p:cBhvr>
-                                        <p:cTn id="9" dur="1000" fill="hold"/>
-                                        <p:tgtEl>
-                                          <p:spTgt spid="5"/>
-                                        </p:tgtEl>
-                                        <p:attrNameLst>
-                                          <p:attrName>ppt_y</p:attrName>
-                                        </p:attrNameLst>
-                                      </p:cBhvr>
-                                      <p:tavLst>
-                                        <p:tav tm="0">
-                                          <p:val>
-                                            <p:strVal val="#ppt_y+.1"/>
-                                          </p:val>
-                                        </p:tav>
-                                        <p:tav tm="100000">
-                                          <p:val>
-                                            <p:strVal val="#ppt_y"/>
-                                          </p:val>
-                                        </p:tav>
-                                      </p:tavLst>
-                                    </p:anim>
-                                  </p:childTnLst>
-                                </p:cTn>
-                              </p:par>
-                              <p:par>
-                                <p:cTn id="10" presetID="42" presetClass="entr" presetSubtype="0" fill="hold" nodeType="withEffect">
-                                  <p:stCondLst>
-                                    <p:cond delay="0"/>
-                                  </p:stCondLst>
-                                  <p:childTnLst>
-                                    <p:set>
-                                      <p:cBhvr>
-                                        <p:cTn id="11" dur="1" fill="hold">
-                                          <p:stCondLst>
-                                            <p:cond delay="0"/>
-                                          </p:stCondLst>
-                                        </p:cTn>
-                                        <p:tgtEl>
-                                          <p:spTgt spid="19"/>
-                                        </p:tgtEl>
-                                        <p:attrNameLst>
-                                          <p:attrName>style.visibility</p:attrName>
-                                        </p:attrNameLst>
-                                      </p:cBhvr>
-                                      <p:to>
-                                        <p:strVal val="visible"/>
-                                      </p:to>
-                                    </p:set>
-                                    <p:animEffect transition="in" filter="fade">
-                                      <p:cBhvr>
-                                        <p:cTn id="12" dur="1000"/>
-                                        <p:tgtEl>
-                                          <p:spTgt spid="19"/>
-                                        </p:tgtEl>
-                                      </p:cBhvr>
-                                    </p:animEffect>
-                                    <p:anim calcmode="lin" valueType="num">
-                                      <p:cBhvr>
-                                        <p:cTn id="13" dur="1000" fill="hold"/>
-                                        <p:tgtEl>
-                                          <p:spTgt spid="19"/>
-                                        </p:tgtEl>
-                                        <p:attrNameLst>
-                                          <p:attrName>ppt_x</p:attrName>
-                                        </p:attrNameLst>
-                                      </p:cBhvr>
-                                      <p:tavLst>
-                                        <p:tav tm="0">
-                                          <p:val>
-                                            <p:strVal val="#ppt_x"/>
-                                          </p:val>
-                                        </p:tav>
-                                        <p:tav tm="100000">
-                                          <p:val>
-                                            <p:strVal val="#ppt_x"/>
-                                          </p:val>
-                                        </p:tav>
-                                      </p:tavLst>
-                                    </p:anim>
-                                    <p:anim calcmode="lin" valueType="num">
-                                      <p:cBhvr>
-                                        <p:cTn id="14" dur="1000" fill="hold"/>
-                                        <p:tgtEl>
-                                          <p:spTgt spid="19"/>
-                                        </p:tgtEl>
-                                        <p:attrNameLst>
-                                          <p:attrName>ppt_y</p:attrName>
-                                        </p:attrNameLst>
-                                      </p:cBhvr>
-                                      <p:tavLst>
-                                        <p:tav tm="0">
-                                          <p:val>
-                                            <p:strVal val="#ppt_y+.1"/>
-                                          </p:val>
-                                        </p:tav>
-                                        <p:tav tm="100000">
-                                          <p:val>
-                                            <p:strVal val="#ppt_y"/>
-                                          </p:val>
-                                        </p:tav>
-                                      </p:tavLst>
-                                    </p:anim>
-                                  </p:childTnLst>
-                                </p:cTn>
-                              </p:par>
-                            </p:childTnLst>
-                          </p:cTn>
-                        </p:par>
-                      </p:childTnLst>
-                    </p:cTn>
-                  </p:par>
-                  <p:par>
-                    <p:cTn id="15" fill="hold">
-                      <p:stCondLst>
-                        <p:cond delay="indefinite"/>
-                      </p:stCondLst>
-                      <p:childTnLst>
-                        <p:par>
-                          <p:cTn id="16" fill="hold">
-                            <p:stCondLst>
-                              <p:cond delay="0"/>
-                            </p:stCondLst>
-                            <p:childTnLst>
-                              <p:par>
-                                <p:cTn id="17" presetID="42" presetClass="entr" presetSubtype="0" fill="hold" nodeType="clickEffect">
-                                  <p:stCondLst>
-                                    <p:cond delay="0"/>
-                                  </p:stCondLst>
-                                  <p:childTnLst>
-                                    <p:set>
-                                      <p:cBhvr>
-                                        <p:cTn id="18" dur="1" fill="hold">
-                                          <p:stCondLst>
-                                            <p:cond delay="0"/>
-                                          </p:stCondLst>
-                                        </p:cTn>
-                                        <p:tgtEl>
-                                          <p:spTgt spid="21"/>
-                                        </p:tgtEl>
-                                        <p:attrNameLst>
-                                          <p:attrName>style.visibility</p:attrName>
-                                        </p:attrNameLst>
-                                      </p:cBhvr>
-                                      <p:to>
-                                        <p:strVal val="visible"/>
-                                      </p:to>
-                                    </p:set>
-                                    <p:animEffect transition="in" filter="fade">
-                                      <p:cBhvr>
-                                        <p:cTn id="19" dur="1000"/>
-                                        <p:tgtEl>
-                                          <p:spTgt spid="21"/>
-                                        </p:tgtEl>
-                                      </p:cBhvr>
-                                    </p:animEffect>
-                                    <p:anim calcmode="lin" valueType="num">
-                                      <p:cBhvr>
-                                        <p:cTn id="20" dur="1000" fill="hold"/>
-                                        <p:tgtEl>
-                                          <p:spTgt spid="21"/>
-                                        </p:tgtEl>
-                                        <p:attrNameLst>
-                                          <p:attrName>ppt_x</p:attrName>
-                                        </p:attrNameLst>
-                                      </p:cBhvr>
-                                      <p:tavLst>
-                                        <p:tav tm="0">
-                                          <p:val>
-                                            <p:strVal val="#ppt_x"/>
-                                          </p:val>
-                                        </p:tav>
-                                        <p:tav tm="100000">
-                                          <p:val>
-                                            <p:strVal val="#ppt_x"/>
-                                          </p:val>
-                                        </p:tav>
-                                      </p:tavLst>
-                                    </p:anim>
-                                    <p:anim calcmode="lin" valueType="num">
-                                      <p:cBhvr>
-                                        <p:cTn id="21" dur="1000" fill="hold"/>
-                                        <p:tgtEl>
-                                          <p:spTgt spid="21"/>
-                                        </p:tgtEl>
-                                        <p:attrNameLst>
-                                          <p:attrName>ppt_y</p:attrName>
-                                        </p:attrNameLst>
-                                      </p:cBhvr>
-                                      <p:tavLst>
-                                        <p:tav tm="0">
-                                          <p:val>
-                                            <p:strVal val="#ppt_y+.1"/>
-                                          </p:val>
-                                        </p:tav>
-                                        <p:tav tm="100000">
-                                          <p:val>
-                                            <p:strVal val="#ppt_y"/>
-                                          </p:val>
-                                        </p:tav>
-                                      </p:tavLst>
-                                    </p:anim>
-                                  </p:childTnLst>
-                                </p:cTn>
-                              </p:par>
-                            </p:childTnLst>
-                          </p:cTn>
-                        </p:par>
-                      </p:childTnLst>
-                    </p:cTn>
-                  </p:par>
-                  <p:par>
-                    <p:cTn id="22" fill="hold">
-                      <p:stCondLst>
-                        <p:cond delay="indefinite"/>
-                      </p:stCondLst>
-                      <p:childTnLst>
-                        <p:par>
-                          <p:cTn id="23" fill="hold">
-                            <p:stCondLst>
-                              <p:cond delay="0"/>
-                            </p:stCondLst>
-                            <p:childTnLst>
-                              <p:par>
-                                <p:cTn id="24" presetID="42" presetClass="entr" presetSubtype="0" fill="hold" nodeType="clickEffect">
-                                  <p:stCondLst>
-                                    <p:cond delay="0"/>
-                                  </p:stCondLst>
-                                  <p:childTnLst>
-                                    <p:set>
-                                      <p:cBhvr>
-                                        <p:cTn id="25" dur="1" fill="hold">
-                                          <p:stCondLst>
-                                            <p:cond delay="0"/>
-                                          </p:stCondLst>
-                                        </p:cTn>
-                                        <p:tgtEl>
-                                          <p:spTgt spid="9"/>
-                                        </p:tgtEl>
-                                        <p:attrNameLst>
-                                          <p:attrName>style.visibility</p:attrName>
-                                        </p:attrNameLst>
-                                      </p:cBhvr>
-                                      <p:to>
-                                        <p:strVal val="visible"/>
-                                      </p:to>
-                                    </p:set>
-                                    <p:animEffect transition="in" filter="fade">
-                                      <p:cBhvr>
-                                        <p:cTn id="26" dur="1000"/>
-                                        <p:tgtEl>
-                                          <p:spTgt spid="9"/>
-                                        </p:tgtEl>
-                                      </p:cBhvr>
-                                    </p:animEffect>
-                                    <p:anim calcmode="lin" valueType="num">
-                                      <p:cBhvr>
-                                        <p:cTn id="27" dur="1000" fill="hold"/>
-                                        <p:tgtEl>
-                                          <p:spTgt spid="9"/>
-                                        </p:tgtEl>
-                                        <p:attrNameLst>
-                                          <p:attrName>ppt_x</p:attrName>
-                                        </p:attrNameLst>
-                                      </p:cBhvr>
-                                      <p:tavLst>
-                                        <p:tav tm="0">
-                                          <p:val>
-                                            <p:strVal val="#ppt_x"/>
-                                          </p:val>
-                                        </p:tav>
-                                        <p:tav tm="100000">
-                                          <p:val>
-                                            <p:strVal val="#ppt_x"/>
-                                          </p:val>
-                                        </p:tav>
-                                      </p:tavLst>
-                                    </p:anim>
-                                    <p:anim calcmode="lin" valueType="num">
-                                      <p:cBhvr>
-                                        <p:cTn id="28" dur="1000" fill="hold"/>
-                                        <p:tgtEl>
-                                          <p:spTgt spid="9"/>
-                                        </p:tgtEl>
-                                        <p:attrNameLst>
-                                          <p:attrName>ppt_y</p:attrName>
-                                        </p:attrNameLst>
-                                      </p:cBhvr>
-                                      <p:tavLst>
-                                        <p:tav tm="0">
-                                          <p:val>
-                                            <p:strVal val="#ppt_y+.1"/>
-                                          </p:val>
-                                        </p:tav>
-                                        <p:tav tm="100000">
-                                          <p:val>
-                                            <p:strVal val="#ppt_y"/>
-                                          </p:val>
-                                        </p:tav>
-                                      </p:tavLst>
-                                    </p:anim>
-                                  </p:childTnLst>
-                                </p:cTn>
-                              </p:par>
-                              <p:par>
-                                <p:cTn id="29" presetID="42" presetClass="entr" presetSubtype="0" fill="hold" nodeType="withEffect">
-                                  <p:stCondLst>
-                                    <p:cond delay="0"/>
-                                  </p:stCondLst>
-                                  <p:childTnLst>
-                                    <p:set>
-                                      <p:cBhvr>
-                                        <p:cTn id="30" dur="1" fill="hold">
-                                          <p:stCondLst>
-                                            <p:cond delay="0"/>
-                                          </p:stCondLst>
-                                        </p:cTn>
-                                        <p:tgtEl>
-                                          <p:spTgt spid="12"/>
-                                        </p:tgtEl>
-                                        <p:attrNameLst>
-                                          <p:attrName>style.visibility</p:attrName>
-                                        </p:attrNameLst>
-                                      </p:cBhvr>
-                                      <p:to>
-                                        <p:strVal val="visible"/>
-                                      </p:to>
-                                    </p:set>
-                                    <p:animEffect transition="in" filter="fade">
-                                      <p:cBhvr>
-                                        <p:cTn id="31" dur="1000"/>
-                                        <p:tgtEl>
-                                          <p:spTgt spid="12"/>
-                                        </p:tgtEl>
-                                      </p:cBhvr>
-                                    </p:animEffect>
-                                    <p:anim calcmode="lin" valueType="num">
-                                      <p:cBhvr>
-                                        <p:cTn id="32" dur="1000" fill="hold"/>
-                                        <p:tgtEl>
-                                          <p:spTgt spid="12"/>
-                                        </p:tgtEl>
-                                        <p:attrNameLst>
-                                          <p:attrName>ppt_x</p:attrName>
-                                        </p:attrNameLst>
-                                      </p:cBhvr>
-                                      <p:tavLst>
-                                        <p:tav tm="0">
-                                          <p:val>
-                                            <p:strVal val="#ppt_x"/>
-                                          </p:val>
-                                        </p:tav>
-                                        <p:tav tm="100000">
-                                          <p:val>
-                                            <p:strVal val="#ppt_x"/>
-                                          </p:val>
-                                        </p:tav>
-                                      </p:tavLst>
-                                    </p:anim>
-                                    <p:anim calcmode="lin" valueType="num">
-                                      <p:cBhvr>
-                                        <p:cTn id="33" dur="1000" fill="hold"/>
-                                        <p:tgtEl>
-                                          <p:spTgt spid="12"/>
-                                        </p:tgtEl>
-                                        <p:attrNameLst>
-                                          <p:attrName>ppt_y</p:attrName>
-                                        </p:attrNameLst>
-                                      </p:cBhvr>
-                                      <p:tavLst>
-                                        <p:tav tm="0">
-                                          <p:val>
-                                            <p:strVal val="#ppt_y+.1"/>
-                                          </p:val>
-                                        </p:tav>
-                                        <p:tav tm="100000">
-                                          <p:val>
-                                            <p:strVal val="#ppt_y"/>
-                                          </p:val>
-                                        </p:tav>
-                                      </p:tavLst>
-                                    </p:anim>
-                                  </p:childTnLst>
-                                </p:cTn>
-                              </p:par>
-                            </p:childTnLst>
-                          </p:cTn>
-                        </p:par>
-                      </p:childTnLst>
-                    </p:cTn>
-                  </p:par>
-                  <p:par>
-                    <p:cTn id="34" fill="hold">
-                      <p:stCondLst>
-                        <p:cond delay="indefinite"/>
-                      </p:stCondLst>
-                      <p:childTnLst>
-                        <p:par>
-                          <p:cTn id="35" fill="hold">
-                            <p:stCondLst>
-                              <p:cond delay="0"/>
-                            </p:stCondLst>
-                            <p:childTnLst>
-                              <p:par>
-                                <p:cTn id="36" presetID="42" presetClass="entr" presetSubtype="0" fill="hold" nodeType="clickEffect">
-                                  <p:stCondLst>
-                                    <p:cond delay="0"/>
-                                  </p:stCondLst>
-                                  <p:childTnLst>
-                                    <p:set>
-                                      <p:cBhvr>
-                                        <p:cTn id="37" dur="1" fill="hold">
-                                          <p:stCondLst>
-                                            <p:cond delay="0"/>
-                                          </p:stCondLst>
-                                        </p:cTn>
-                                        <p:tgtEl>
-                                          <p:spTgt spid="6"/>
-                                        </p:tgtEl>
-                                        <p:attrNameLst>
-                                          <p:attrName>style.visibility</p:attrName>
-                                        </p:attrNameLst>
-                                      </p:cBhvr>
-                                      <p:to>
-                                        <p:strVal val="visible"/>
-                                      </p:to>
-                                    </p:set>
-                                    <p:animEffect transition="in" filter="fade">
-                                      <p:cBhvr>
-                                        <p:cTn id="38" dur="1000"/>
-                                        <p:tgtEl>
-                                          <p:spTgt spid="6"/>
-                                        </p:tgtEl>
-                                      </p:cBhvr>
-                                    </p:animEffect>
-                                    <p:anim calcmode="lin" valueType="num">
-                                      <p:cBhvr>
-                                        <p:cTn id="39" dur="1000" fill="hold"/>
-                                        <p:tgtEl>
-                                          <p:spTgt spid="6"/>
-                                        </p:tgtEl>
-                                        <p:attrNameLst>
-                                          <p:attrName>ppt_x</p:attrName>
-                                        </p:attrNameLst>
-                                      </p:cBhvr>
-                                      <p:tavLst>
-                                        <p:tav tm="0">
-                                          <p:val>
-                                            <p:strVal val="#ppt_x"/>
-                                          </p:val>
-                                        </p:tav>
-                                        <p:tav tm="100000">
-                                          <p:val>
-                                            <p:strVal val="#ppt_x"/>
-                                          </p:val>
-                                        </p:tav>
-                                      </p:tavLst>
-                                    </p:anim>
-                                    <p:anim calcmode="lin" valueType="num">
-                                      <p:cBhvr>
-                                        <p:cTn id="40" dur="1000" fill="hold"/>
-                                        <p:tgtEl>
-                                          <p:spTgt spid="6"/>
-                                        </p:tgtEl>
-                                        <p:attrNameLst>
-                                          <p:attrName>ppt_y</p:attrName>
-                                        </p:attrNameLst>
-                                      </p:cBhvr>
-                                      <p:tavLst>
-                                        <p:tav tm="0">
-                                          <p:val>
-                                            <p:strVal val="#ppt_y+.1"/>
-                                          </p:val>
-                                        </p:tav>
-                                        <p:tav tm="100000">
-                                          <p:val>
-                                            <p:strVal val="#ppt_y"/>
-                                          </p:val>
-                                        </p:tav>
-                                      </p:tavLst>
-                                    </p:anim>
-                                  </p:childTnLst>
-                                </p:cTn>
-                              </p:par>
-                              <p:par>
-                                <p:cTn id="41" presetID="42" presetClass="entr" presetSubtype="0" fill="hold" nodeType="withEffect">
-                                  <p:stCondLst>
-                                    <p:cond delay="0"/>
-                                  </p:stCondLst>
-                                  <p:childTnLst>
-                                    <p:set>
-                                      <p:cBhvr>
-                                        <p:cTn id="42" dur="1" fill="hold">
-                                          <p:stCondLst>
-                                            <p:cond delay="0"/>
-                                          </p:stCondLst>
-                                        </p:cTn>
-                                        <p:tgtEl>
-                                          <p:spTgt spid="13"/>
-                                        </p:tgtEl>
-                                        <p:attrNameLst>
-                                          <p:attrName>style.visibility</p:attrName>
-                                        </p:attrNameLst>
-                                      </p:cBhvr>
-                                      <p:to>
-                                        <p:strVal val="visible"/>
-                                      </p:to>
-                                    </p:set>
-                                    <p:animEffect transition="in" filter="fade">
-                                      <p:cBhvr>
-                                        <p:cTn id="43" dur="1000"/>
-                                        <p:tgtEl>
-                                          <p:spTgt spid="13"/>
-                                        </p:tgtEl>
-                                      </p:cBhvr>
-                                    </p:animEffect>
-                                    <p:anim calcmode="lin" valueType="num">
-                                      <p:cBhvr>
-                                        <p:cTn id="44" dur="1000" fill="hold"/>
-                                        <p:tgtEl>
-                                          <p:spTgt spid="13"/>
-                                        </p:tgtEl>
-                                        <p:attrNameLst>
-                                          <p:attrName>ppt_x</p:attrName>
-                                        </p:attrNameLst>
-                                      </p:cBhvr>
-                                      <p:tavLst>
-                                        <p:tav tm="0">
-                                          <p:val>
-                                            <p:strVal val="#ppt_x"/>
-                                          </p:val>
-                                        </p:tav>
-                                        <p:tav tm="100000">
-                                          <p:val>
-                                            <p:strVal val="#ppt_x"/>
-                                          </p:val>
-                                        </p:tav>
-                                      </p:tavLst>
-                                    </p:anim>
-                                    <p:anim calcmode="lin" valueType="num">
-                                      <p:cBhvr>
-                                        <p:cTn id="45" dur="1000" fill="hold"/>
-                                        <p:tgtEl>
-                                          <p:spTgt spid="13"/>
-                                        </p:tgtEl>
-                                        <p:attrNameLst>
-                                          <p:attrName>ppt_y</p:attrName>
-                                        </p:attrNameLst>
-                                      </p:cBhvr>
-                                      <p:tavLst>
-                                        <p:tav tm="0">
-                                          <p:val>
-                                            <p:strVal val="#ppt_y+.1"/>
-                                          </p:val>
-                                        </p:tav>
-                                        <p:tav tm="100000">
-                                          <p:val>
-                                            <p:strVal val="#ppt_y"/>
-                                          </p:val>
-                                        </p:tav>
-                                      </p:tavLst>
-                                    </p:anim>
-                                  </p:childTnLst>
-                                </p:cTn>
-                              </p:par>
-                            </p:childTnLst>
-                          </p:cTn>
-                        </p:par>
-                      </p:childTnLst>
-                    </p:cTn>
-                  </p:par>
-                  <p:par>
-                    <p:cTn id="46" fill="hold">
-                      <p:stCondLst>
-                        <p:cond delay="indefinite"/>
-                      </p:stCondLst>
-                      <p:childTnLst>
-                        <p:par>
-                          <p:cTn id="47" fill="hold">
-                            <p:stCondLst>
-                              <p:cond delay="0"/>
-                            </p:stCondLst>
-                            <p:childTnLst>
-                              <p:par>
-                                <p:cTn id="48" presetID="42" presetClass="entr" presetSubtype="0" fill="hold" nodeType="clickEffect">
-                                  <p:stCondLst>
-                                    <p:cond delay="0"/>
-                                  </p:stCondLst>
-                                  <p:childTnLst>
-                                    <p:set>
-                                      <p:cBhvr>
-                                        <p:cTn id="49" dur="1" fill="hold">
-                                          <p:stCondLst>
-                                            <p:cond delay="0"/>
-                                          </p:stCondLst>
-                                        </p:cTn>
-                                        <p:tgtEl>
-                                          <p:spTgt spid="7"/>
-                                        </p:tgtEl>
-                                        <p:attrNameLst>
-                                          <p:attrName>style.visibility</p:attrName>
-                                        </p:attrNameLst>
-                                      </p:cBhvr>
-                                      <p:to>
-                                        <p:strVal val="visible"/>
-                                      </p:to>
-                                    </p:set>
-                                    <p:animEffect transition="in" filter="fade">
-                                      <p:cBhvr>
-                                        <p:cTn id="50" dur="1000"/>
-                                        <p:tgtEl>
-                                          <p:spTgt spid="7"/>
-                                        </p:tgtEl>
-                                      </p:cBhvr>
-                                    </p:animEffect>
-                                    <p:anim calcmode="lin" valueType="num">
-                                      <p:cBhvr>
-                                        <p:cTn id="51" dur="1000" fill="hold"/>
-                                        <p:tgtEl>
-                                          <p:spTgt spid="7"/>
-                                        </p:tgtEl>
-                                        <p:attrNameLst>
-                                          <p:attrName>ppt_x</p:attrName>
-                                        </p:attrNameLst>
-                                      </p:cBhvr>
-                                      <p:tavLst>
-                                        <p:tav tm="0">
-                                          <p:val>
-                                            <p:strVal val="#ppt_x"/>
-                                          </p:val>
-                                        </p:tav>
-                                        <p:tav tm="100000">
-                                          <p:val>
-                                            <p:strVal val="#ppt_x"/>
-                                          </p:val>
-                                        </p:tav>
-                                      </p:tavLst>
-                                    </p:anim>
-                                    <p:anim calcmode="lin" valueType="num">
-                                      <p:cBhvr>
-                                        <p:cTn id="52" dur="1000" fill="hold"/>
-                                        <p:tgtEl>
-                                          <p:spTgt spid="7"/>
-                                        </p:tgtEl>
-                                        <p:attrNameLst>
-                                          <p:attrName>ppt_y</p:attrName>
-                                        </p:attrNameLst>
-                                      </p:cBhvr>
-                                      <p:tavLst>
-                                        <p:tav tm="0">
-                                          <p:val>
-                                            <p:strVal val="#ppt_y+.1"/>
-                                          </p:val>
-                                        </p:tav>
-                                        <p:tav tm="100000">
-                                          <p:val>
-                                            <p:strVal val="#ppt_y"/>
-                                          </p:val>
-                                        </p:tav>
-                                      </p:tavLst>
-                                    </p:anim>
-                                  </p:childTnLst>
-                                </p:cTn>
-                              </p:par>
-                              <p:par>
-                                <p:cTn id="53" presetID="42" presetClass="entr" presetSubtype="0" fill="hold" nodeType="withEffect">
-                                  <p:stCondLst>
-                                    <p:cond delay="0"/>
-                                  </p:stCondLst>
-                                  <p:childTnLst>
-                                    <p:set>
-                                      <p:cBhvr>
-                                        <p:cTn id="54" dur="1" fill="hold">
-                                          <p:stCondLst>
-                                            <p:cond delay="0"/>
-                                          </p:stCondLst>
-                                        </p:cTn>
-                                        <p:tgtEl>
-                                          <p:spTgt spid="15"/>
-                                        </p:tgtEl>
-                                        <p:attrNameLst>
-                                          <p:attrName>style.visibility</p:attrName>
-                                        </p:attrNameLst>
-                                      </p:cBhvr>
-                                      <p:to>
-                                        <p:strVal val="visible"/>
-                                      </p:to>
-                                    </p:set>
-                                    <p:animEffect transition="in" filter="fade">
-                                      <p:cBhvr>
-                                        <p:cTn id="55" dur="1000"/>
-                                        <p:tgtEl>
-                                          <p:spTgt spid="15"/>
-                                        </p:tgtEl>
-                                      </p:cBhvr>
-                                    </p:animEffect>
-                                    <p:anim calcmode="lin" valueType="num">
-                                      <p:cBhvr>
-                                        <p:cTn id="56" dur="1000" fill="hold"/>
-                                        <p:tgtEl>
-                                          <p:spTgt spid="15"/>
-                                        </p:tgtEl>
-                                        <p:attrNameLst>
-                                          <p:attrName>ppt_x</p:attrName>
-                                        </p:attrNameLst>
-                                      </p:cBhvr>
-                                      <p:tavLst>
-                                        <p:tav tm="0">
-                                          <p:val>
-                                            <p:strVal val="#ppt_x"/>
-                                          </p:val>
-                                        </p:tav>
-                                        <p:tav tm="100000">
-                                          <p:val>
-                                            <p:strVal val="#ppt_x"/>
-                                          </p:val>
-                                        </p:tav>
-                                      </p:tavLst>
-                                    </p:anim>
-                                    <p:anim calcmode="lin" valueType="num">
-                                      <p:cBhvr>
-                                        <p:cTn id="57" dur="1000" fill="hold"/>
-                                        <p:tgtEl>
-                                          <p:spTgt spid="15"/>
-                                        </p:tgtEl>
-                                        <p:attrNameLst>
-                                          <p:attrName>ppt_y</p:attrName>
-                                        </p:attrNameLst>
-                                      </p:cBhvr>
-                                      <p:tavLst>
-                                        <p:tav tm="0">
-                                          <p:val>
-                                            <p:strVal val="#ppt_y+.1"/>
-                                          </p:val>
-                                        </p:tav>
-                                        <p:tav tm="100000">
-                                          <p:val>
-                                            <p:strVal val="#ppt_y"/>
-                                          </p:val>
-                                        </p:tav>
-                                      </p:tavLst>
-                                    </p:anim>
-                                  </p:childTnLst>
-                                </p:cTn>
-                              </p:par>
-                            </p:childTnLst>
-                          </p:cTn>
-                        </p:par>
-                      </p:childTnLst>
-                    </p:cTn>
-                  </p:par>
-                  <p:par>
-                    <p:cTn id="58" fill="hold">
-                      <p:stCondLst>
-                        <p:cond delay="indefinite"/>
-                      </p:stCondLst>
-                      <p:childTnLst>
-                        <p:par>
-                          <p:cTn id="59" fill="hold">
-                            <p:stCondLst>
-                              <p:cond delay="0"/>
-                            </p:stCondLst>
-                            <p:childTnLst>
-                              <p:par>
-                                <p:cTn id="60" presetID="42" presetClass="entr" presetSubtype="0" fill="hold" nodeType="clickEffect">
-                                  <p:stCondLst>
-                                    <p:cond delay="0"/>
-                                  </p:stCondLst>
-                                  <p:childTnLst>
-                                    <p:set>
-                                      <p:cBhvr>
-                                        <p:cTn id="61" dur="1" fill="hold">
-                                          <p:stCondLst>
-                                            <p:cond delay="0"/>
-                                          </p:stCondLst>
-                                        </p:cTn>
-                                        <p:tgtEl>
-                                          <p:spTgt spid="17"/>
-                                        </p:tgtEl>
-                                        <p:attrNameLst>
-                                          <p:attrName>style.visibility</p:attrName>
-                                        </p:attrNameLst>
-                                      </p:cBhvr>
-                                      <p:to>
-                                        <p:strVal val="visible"/>
-                                      </p:to>
-                                    </p:set>
-                                    <p:animEffect transition="in" filter="fade">
-                                      <p:cBhvr>
-                                        <p:cTn id="62" dur="1000"/>
-                                        <p:tgtEl>
-                                          <p:spTgt spid="17"/>
-                                        </p:tgtEl>
-                                      </p:cBhvr>
-                                    </p:animEffect>
-                                    <p:anim calcmode="lin" valueType="num">
-                                      <p:cBhvr>
-                                        <p:cTn id="63" dur="1000" fill="hold"/>
-                                        <p:tgtEl>
-                                          <p:spTgt spid="17"/>
-                                        </p:tgtEl>
-                                        <p:attrNameLst>
-                                          <p:attrName>ppt_x</p:attrName>
-                                        </p:attrNameLst>
-                                      </p:cBhvr>
-                                      <p:tavLst>
-                                        <p:tav tm="0">
-                                          <p:val>
-                                            <p:strVal val="#ppt_x"/>
-                                          </p:val>
-                                        </p:tav>
-                                        <p:tav tm="100000">
-                                          <p:val>
-                                            <p:strVal val="#ppt_x"/>
-                                          </p:val>
-                                        </p:tav>
-                                      </p:tavLst>
-                                    </p:anim>
-                                    <p:anim calcmode="lin" valueType="num">
-                                      <p:cBhvr>
-                                        <p:cTn id="64" dur="1000" fill="hold"/>
-                                        <p:tgtEl>
-                                          <p:spTgt spid="17"/>
-                                        </p:tgtEl>
-                                        <p:attrNameLst>
-                                          <p:attrName>ppt_y</p:attrName>
-                                        </p:attrNameLst>
-                                      </p:cBhvr>
-                                      <p:tavLst>
-                                        <p:tav tm="0">
-                                          <p:val>
-                                            <p:strVal val="#ppt_y+.1"/>
-                                          </p:val>
-                                        </p:tav>
-                                        <p:tav tm="100000">
-                                          <p:val>
-                                            <p:strVal val="#ppt_y"/>
-                                          </p:val>
-                                        </p:tav>
-                                      </p:tavLst>
-                                    </p:anim>
-                                  </p:childTnLst>
-                                </p:cTn>
-                              </p:par>
-                            </p:childTnLst>
-                          </p:cTn>
-                        </p:par>
-                      </p:childTnLst>
-                    </p:cTn>
-                  </p:par>
-                  <p:par>
-                    <p:cTn id="65" fill="hold">
-                      <p:stCondLst>
-                        <p:cond delay="indefinite"/>
-                      </p:stCondLst>
-                      <p:childTnLst>
-                        <p:par>
-                          <p:cTn id="66" fill="hold">
-                            <p:stCondLst>
-                              <p:cond delay="0"/>
-                            </p:stCondLst>
-                            <p:childTnLst>
-                              <p:par>
-                                <p:cTn id="67" presetID="42" presetClass="entr" presetSubtype="0" fill="hold" nodeType="clickEffect">
-                                  <p:stCondLst>
-                                    <p:cond delay="0"/>
-                                  </p:stCondLst>
-                                  <p:childTnLst>
-                                    <p:set>
-                                      <p:cBhvr>
-                                        <p:cTn id="68" dur="1" fill="hold">
-                                          <p:stCondLst>
-                                            <p:cond delay="0"/>
-                                          </p:stCondLst>
-                                        </p:cTn>
-                                        <p:tgtEl>
-                                          <p:spTgt spid="24"/>
-                                        </p:tgtEl>
-                                        <p:attrNameLst>
-                                          <p:attrName>style.visibility</p:attrName>
-                                        </p:attrNameLst>
-                                      </p:cBhvr>
-                                      <p:to>
-                                        <p:strVal val="visible"/>
-                                      </p:to>
-                                    </p:set>
-                                    <p:animEffect transition="in" filter="fade">
-                                      <p:cBhvr>
-                                        <p:cTn id="69" dur="1000"/>
-                                        <p:tgtEl>
-                                          <p:spTgt spid="24"/>
-                                        </p:tgtEl>
-                                      </p:cBhvr>
-                                    </p:animEffect>
-                                    <p:anim calcmode="lin" valueType="num">
-                                      <p:cBhvr>
-                                        <p:cTn id="70" dur="1000" fill="hold"/>
-                                        <p:tgtEl>
-                                          <p:spTgt spid="24"/>
-                                        </p:tgtEl>
-                                        <p:attrNameLst>
-                                          <p:attrName>ppt_x</p:attrName>
-                                        </p:attrNameLst>
-                                      </p:cBhvr>
-                                      <p:tavLst>
-                                        <p:tav tm="0">
-                                          <p:val>
-                                            <p:strVal val="#ppt_x"/>
-                                          </p:val>
-                                        </p:tav>
-                                        <p:tav tm="100000">
-                                          <p:val>
-                                            <p:strVal val="#ppt_x"/>
-                                          </p:val>
-                                        </p:tav>
-                                      </p:tavLst>
-                                    </p:anim>
-                                    <p:anim calcmode="lin" valueType="num">
-                                      <p:cBhvr>
-                                        <p:cTn id="71" dur="1000" fill="hold"/>
-                                        <p:tgtEl>
-                                          <p:spTgt spid="24"/>
-                                        </p:tgtEl>
-                                        <p:attrNameLst>
-                                          <p:attrName>ppt_y</p:attrName>
-                                        </p:attrNameLst>
-                                      </p:cBhvr>
-                                      <p:tavLst>
-                                        <p:tav tm="0">
-                                          <p:val>
-                                            <p:strVal val="#ppt_y+.1"/>
-                                          </p:val>
-                                        </p:tav>
-                                        <p:tav tm="100000">
-                                          <p:val>
-                                            <p:strVal val="#ppt_y"/>
-                                          </p:val>
-                                        </p:tav>
-                                      </p:tavLst>
-                                    </p:anim>
-                                  </p:childTnLst>
-                                </p:cTn>
-                              </p:par>
-                              <p:par>
-                                <p:cTn id="72" presetID="42" presetClass="entr" presetSubtype="0" fill="hold" nodeType="withEffect">
-                                  <p:stCondLst>
-                                    <p:cond delay="0"/>
-                                  </p:stCondLst>
-                                  <p:childTnLst>
-                                    <p:set>
-                                      <p:cBhvr>
-                                        <p:cTn id="73" dur="1" fill="hold">
-                                          <p:stCondLst>
-                                            <p:cond delay="0"/>
-                                          </p:stCondLst>
-                                        </p:cTn>
-                                        <p:tgtEl>
-                                          <p:spTgt spid="30"/>
-                                        </p:tgtEl>
-                                        <p:attrNameLst>
-                                          <p:attrName>style.visibility</p:attrName>
-                                        </p:attrNameLst>
-                                      </p:cBhvr>
-                                      <p:to>
-                                        <p:strVal val="visible"/>
-                                      </p:to>
-                                    </p:set>
-                                    <p:animEffect transition="in" filter="fade">
-                                      <p:cBhvr>
-                                        <p:cTn id="74" dur="1000"/>
-                                        <p:tgtEl>
-                                          <p:spTgt spid="30"/>
-                                        </p:tgtEl>
-                                      </p:cBhvr>
-                                    </p:animEffect>
-                                    <p:anim calcmode="lin" valueType="num">
-                                      <p:cBhvr>
-                                        <p:cTn id="75" dur="1000" fill="hold"/>
-                                        <p:tgtEl>
-                                          <p:spTgt spid="30"/>
-                                        </p:tgtEl>
-                                        <p:attrNameLst>
-                                          <p:attrName>ppt_x</p:attrName>
-                                        </p:attrNameLst>
-                                      </p:cBhvr>
-                                      <p:tavLst>
-                                        <p:tav tm="0">
-                                          <p:val>
-                                            <p:strVal val="#ppt_x"/>
-                                          </p:val>
-                                        </p:tav>
-                                        <p:tav tm="100000">
-                                          <p:val>
-                                            <p:strVal val="#ppt_x"/>
-                                          </p:val>
-                                        </p:tav>
-                                      </p:tavLst>
-                                    </p:anim>
-                                    <p:anim calcmode="lin" valueType="num">
-                                      <p:cBhvr>
-                                        <p:cTn id="76" dur="1000" fill="hold"/>
-                                        <p:tgtEl>
-                                          <p:spTgt spid="30"/>
-                                        </p:tgtEl>
-                                        <p:attrNameLst>
-                                          <p:attrName>ppt_y</p:attrName>
-                                        </p:attrNameLst>
-                                      </p:cBhvr>
-                                      <p:tavLst>
-                                        <p:tav tm="0">
-                                          <p:val>
-                                            <p:strVal val="#ppt_y+.1"/>
-                                          </p:val>
-                                        </p:tav>
-                                        <p:tav tm="100000">
-                                          <p:val>
-                                            <p:strVal val="#ppt_y"/>
-                                          </p:val>
-                                        </p:tav>
-                                      </p:tavLst>
-                                    </p:anim>
-                                  </p:childTnLst>
-                                </p:cTn>
-                              </p:par>
-                            </p:childTnLst>
-                          </p:cTn>
-                        </p:par>
-                      </p:childTnLst>
-                    </p:cTn>
-                  </p:par>
-                </p:childTnLst>
-              </p:cTn>
-              <p:prevCondLst>
-                <p:cond evt="onPrev" delay="0">
-                  <p:tgtEl>
-                    <p:sldTgt/>
-                  </p:tgtEl>
-                </p:cond>
-              </p:prevCondLst>
-              <p:nextCondLst>
-                <p:cond evt="onNext" delay="0">
-                  <p:tgtEl>
-                    <p:sldTgt/>
-                  </p:tgtEl>
-                </p:cond>
-              </p:nextCondLst>
-            </p:seq>
-          </p:childTnLst>
-        </p:cTn>
-      </p:par>
-    </p:tnLst>
-  </p:timing>
-</p:sld>
-</file>
-
-<file path=ppt/slides/slide5.xml><?xml version="1.0" encoding="utf-8"?>
-<p:sld xmlns:a="http://schemas.openxmlformats.org/drawingml/2006/main" xmlns:r="http://schemas.openxmlformats.org/officeDocument/2006/relationships" xmlns:p="http://schemas.openxmlformats.org/presentationml/2006/main">
-  <p:cSld>
-    <p:bg>
-      <p:bgPr>
-        <a:solidFill>
-          <a:schemeClr val="accent1">
-            <a:lumMod val="20000"/>
-            <a:lumOff val="80000"/>
-          </a:schemeClr>
-        </a:solidFill>
-        <a:effectLst/>
-      </p:bgPr>
-    </p:bg>
-    <p:spTree>
-      <p:nvGrpSpPr>
-        <p:cNvPr id="1" name=""/>
-        <p:cNvGrpSpPr/>
-        <p:nvPr/>
-      </p:nvGrpSpPr>
-      <p:grpSpPr>
-        <a:xfrm>
-          <a:off x="0" y="0"/>
-          <a:ext cx="0" cy="0"/>
-          <a:chOff x="0" y="0"/>
-          <a:chExt cx="0" cy="0"/>
-        </a:xfrm>
-      </p:grpSpPr>
-      <p:sp>
-        <p:nvSpPr>
-          <p:cNvPr id="2" name="Title 1">
-            <a:extLst>
-              <a:ext uri="{FF2B5EF4-FFF2-40B4-BE49-F238E27FC236}">
-                <a16:creationId xmlns:a16="http://schemas.microsoft.com/office/drawing/2014/main" id="{35DDFD46-5DA4-4BDF-890B-90D74685E15C}"/>
-              </a:ext>
-            </a:extLst>
-          </p:cNvPr>
-          <p:cNvSpPr>
-            <a:spLocks noGrp="1"/>
-          </p:cNvSpPr>
-          <p:nvPr>
-            <p:ph type="title"/>
-          </p:nvPr>
-        </p:nvSpPr>
-        <p:spPr/>
-        <p:txBody>
-          <a:bodyPr/>
-          <a:lstStyle/>
-          <a:p>
-            <a:r>
-              <a:rPr lang="en-US" dirty="0"/>
-              <a:t>Hypothesis and Questions</a:t>
-            </a:r>
-          </a:p>
-        </p:txBody>
-      </p:sp>
-      <p:sp>
-        <p:nvSpPr>
-          <p:cNvPr id="3" name="Content Placeholder 2">
-            <a:extLst>
-              <a:ext uri="{FF2B5EF4-FFF2-40B4-BE49-F238E27FC236}">
-                <a16:creationId xmlns:a16="http://schemas.microsoft.com/office/drawing/2014/main" id="{A36FDB6E-93A5-4CD5-A08A-1E83BFA435E5}"/>
-              </a:ext>
-            </a:extLst>
-          </p:cNvPr>
-          <p:cNvSpPr>
-            <a:spLocks noGrp="1"/>
-          </p:cNvSpPr>
-          <p:nvPr>
-            <p:ph idx="1"/>
-          </p:nvPr>
-        </p:nvSpPr>
-        <p:spPr/>
-        <p:txBody>
-          <a:bodyPr>
-            <a:normAutofit/>
-          </a:bodyPr>
-          <a:lstStyle/>
-          <a:p>
-            <a:r>
-              <a:rPr lang="en-US" sz="2200" dirty="0"/>
-              <a:t>We believe access to electricity will positively effect employee productivity.</a:t>
-            </a:r>
-          </a:p>
-          <a:p>
-            <a:pPr marL="0" indent="0">
-              <a:buNone/>
-            </a:pPr>
-            <a:endParaRPr lang="en-US" sz="2200" dirty="0"/>
-          </a:p>
-          <a:p>
-            <a:r>
-              <a:rPr lang="en-US" sz="2200" dirty="0"/>
-              <a:t>We believe internet usage will positively effect employee productivity.</a:t>
-            </a:r>
-          </a:p>
-          <a:p>
-            <a:pPr marL="0" indent="0">
-              <a:buNone/>
-            </a:pPr>
-            <a:endParaRPr lang="en-US" sz="2200" dirty="0"/>
-          </a:p>
-          <a:p>
-            <a:r>
-              <a:rPr lang="en-US" sz="2200" dirty="0"/>
-              <a:t>We believe communication usage will positively effect employee productivity.</a:t>
-            </a:r>
-          </a:p>
-          <a:p>
-            <a:pPr marL="0" indent="0">
-              <a:buNone/>
-            </a:pPr>
-            <a:endParaRPr lang="en-US" sz="2200" dirty="0"/>
-          </a:p>
-          <a:p>
-            <a:r>
-              <a:rPr lang="en-US" sz="2200" dirty="0"/>
-              <a:t>What are the effects of different industry trends on employee productivity?</a:t>
-            </a:r>
-          </a:p>
-          <a:p>
-            <a:pPr marL="0" indent="0">
-              <a:buNone/>
-            </a:pPr>
-            <a:endParaRPr lang="en-US" sz="2200" dirty="0"/>
-          </a:p>
-          <a:p>
-            <a:r>
-              <a:rPr lang="en-US" sz="2200" dirty="0"/>
-              <a:t>What are the effects of employment type trends on employee productivity?</a:t>
-            </a:r>
-          </a:p>
-          <a:p>
-            <a:endParaRPr lang="en-US" dirty="0"/>
-          </a:p>
-        </p:txBody>
-      </p:sp>
-    </p:spTree>
-    <p:extLst>
-      <p:ext uri="{BB962C8B-B14F-4D97-AF65-F5344CB8AC3E}">
-        <p14:creationId xmlns:p14="http://schemas.microsoft.com/office/powerpoint/2010/main" val="252595854"/>
-      </p:ext>
-    </p:extLst>
-  </p:cSld>
-  <p:clrMapOvr>
-    <a:masterClrMapping/>
-  </p:clrMapOvr>
-  <p:timing>
-    <p:tnLst>
-      <p:par>
-        <p:cTn id="1" dur="indefinite" restart="never" nodeType="tmRoot">
-          <p:childTnLst>
-            <p:seq concurrent="1" nextAc="seek">
-              <p:cTn id="2" dur="indefinite" nodeType="mainSeq">
-                <p:childTnLst>
-                  <p:par>
-                    <p:cTn id="3" fill="hold">
-                      <p:stCondLst>
-                        <p:cond delay="indefinite"/>
-                      </p:stCondLst>
-                      <p:childTnLst>
-                        <p:par>
-                          <p:cTn id="4" fill="hold">
-                            <p:stCondLst>
-                              <p:cond delay="0"/>
-                            </p:stCondLst>
-                            <p:childTnLst>
-                              <p:par>
-                                <p:cTn id="5" presetID="1" presetClass="entr" presetSubtype="0" fill="hold" nodeType="clickEffect">
-                                  <p:stCondLst>
-                                    <p:cond delay="0"/>
-                                  </p:stCondLst>
-                                  <p:childTnLst>
-                                    <p:set>
-                                      <p:cBhvr>
-                                        <p:cTn id="6" dur="1" fill="hold">
-                                          <p:stCondLst>
-                                            <p:cond delay="0"/>
-                                          </p:stCondLst>
-                                        </p:cTn>
-                                        <p:tgtEl>
-                                          <p:spTgt spid="3">
-                                            <p:txEl>
-                                              <p:pRg st="2" end="2"/>
-                                            </p:txEl>
-                                          </p:spTgt>
-                                        </p:tgtEl>
-                                        <p:attrNameLst>
-                                          <p:attrName>style.visibility</p:attrName>
-                                        </p:attrNameLst>
-                                      </p:cBhvr>
-                                      <p:to>
-                                        <p:strVal val="visible"/>
-                                      </p:to>
-                                    </p:set>
-                                  </p:childTnLst>
-                                </p:cTn>
-                              </p:par>
-                            </p:childTnLst>
-                          </p:cTn>
-                        </p:par>
-                      </p:childTnLst>
-                    </p:cTn>
-                  </p:par>
-                  <p:par>
-                    <p:cTn id="7" fill="hold">
-                      <p:stCondLst>
-                        <p:cond delay="indefinite"/>
-                      </p:stCondLst>
-                      <p:childTnLst>
-                        <p:par>
-                          <p:cTn id="8" fill="hold">
-                            <p:stCondLst>
-                              <p:cond delay="0"/>
-                            </p:stCondLst>
-                            <p:childTnLst>
-                              <p:par>
-                                <p:cTn id="9" presetID="1" presetClass="entr" presetSubtype="0" fill="hold" nodeType="clickEffect">
-                                  <p:stCondLst>
-                                    <p:cond delay="0"/>
-                                  </p:stCondLst>
-                                  <p:childTnLst>
-                                    <p:set>
-                                      <p:cBhvr>
-                                        <p:cTn id="10" dur="1" fill="hold">
-                                          <p:stCondLst>
-                                            <p:cond delay="0"/>
-                                          </p:stCondLst>
-                                        </p:cTn>
-                                        <p:tgtEl>
-                                          <p:spTgt spid="3">
-                                            <p:txEl>
-                                              <p:pRg st="4" end="4"/>
-                                            </p:txEl>
-                                          </p:spTgt>
-                                        </p:tgtEl>
-                                        <p:attrNameLst>
-                                          <p:attrName>style.visibility</p:attrName>
-                                        </p:attrNameLst>
-                                      </p:cBhvr>
-                                      <p:to>
-                                        <p:strVal val="visible"/>
-                                      </p:to>
-                                    </p:set>
-                                  </p:childTnLst>
-                                </p:cTn>
-                              </p:par>
-                            </p:childTnLst>
-                          </p:cTn>
-                        </p:par>
-                      </p:childTnLst>
-                    </p:cTn>
-                  </p:par>
-                  <p:par>
-                    <p:cTn id="11" fill="hold">
-                      <p:stCondLst>
-                        <p:cond delay="indefinite"/>
-                      </p:stCondLst>
-                      <p:childTnLst>
-                        <p:par>
-                          <p:cTn id="12" fill="hold">
-                            <p:stCondLst>
-                              <p:cond delay="0"/>
-                            </p:stCondLst>
-                            <p:childTnLst>
-                              <p:par>
-                                <p:cTn id="13" presetID="1" presetClass="entr" presetSubtype="0" fill="hold" nodeType="clickEffect">
-                                  <p:stCondLst>
-                                    <p:cond delay="0"/>
-                                  </p:stCondLst>
-                                  <p:childTnLst>
-                                    <p:set>
-                                      <p:cBhvr>
-                                        <p:cTn id="14" dur="1" fill="hold">
-                                          <p:stCondLst>
-                                            <p:cond delay="0"/>
-                                          </p:stCondLst>
-                                        </p:cTn>
-                                        <p:tgtEl>
-                                          <p:spTgt spid="3">
-                                            <p:txEl>
-                                              <p:pRg st="6" end="6"/>
-                                            </p:txEl>
-                                          </p:spTgt>
-                                        </p:tgtEl>
-                                        <p:attrNameLst>
-                                          <p:attrName>style.visibility</p:attrName>
-                                        </p:attrNameLst>
-                                      </p:cBhvr>
-                                      <p:to>
-                                        <p:strVal val="visible"/>
-                                      </p:to>
-                                    </p:set>
-                                  </p:childTnLst>
-                                </p:cTn>
-                              </p:par>
-                            </p:childTnLst>
-                          </p:cTn>
-                        </p:par>
-                      </p:childTnLst>
-                    </p:cTn>
-                  </p:par>
-                  <p:par>
-                    <p:cTn id="15" fill="hold">
-                      <p:stCondLst>
-                        <p:cond delay="indefinite"/>
-                      </p:stCondLst>
-                      <p:childTnLst>
-                        <p:par>
-                          <p:cTn id="16" fill="hold">
-                            <p:stCondLst>
-                              <p:cond delay="0"/>
-                            </p:stCondLst>
-                            <p:childTnLst>
-                              <p:par>
-                                <p:cTn id="17" presetID="1" presetClass="entr" presetSubtype="0" fill="hold" nodeType="clickEffect">
-                                  <p:stCondLst>
-                                    <p:cond delay="0"/>
-                                  </p:stCondLst>
-                                  <p:childTnLst>
-                                    <p:set>
-                                      <p:cBhvr>
-                                        <p:cTn id="18" dur="1" fill="hold">
-                                          <p:stCondLst>
-                                            <p:cond delay="0"/>
-                                          </p:stCondLst>
-                                        </p:cTn>
-                                        <p:tgtEl>
-                                          <p:spTgt spid="3">
-                                            <p:txEl>
-                                              <p:pRg st="8" end="8"/>
-                                            </p:txEl>
-                                          </p:spTgt>
-                                        </p:tgtEl>
-                                        <p:attrNameLst>
-                                          <p:attrName>style.visibility</p:attrName>
-                                        </p:attrNameLst>
-                                      </p:cBhvr>
-                                      <p:to>
-                                        <p:strVal val="visible"/>
-                                      </p:to>
-                                    </p:set>
-                                  </p:childTnLst>
-                                </p:cTn>
-                              </p:par>
-                            </p:childTnLst>
-                          </p:cTn>
-                        </p:par>
-                      </p:childTnLst>
-                    </p:cTn>
-                  </p:par>
-                </p:childTnLst>
-              </p:cTn>
-              <p:prevCondLst>
-                <p:cond evt="onPrev" delay="0">
-                  <p:tgtEl>
-                    <p:sldTgt/>
-                  </p:tgtEl>
-                </p:cond>
-              </p:prevCondLst>
-              <p:nextCondLst>
-                <p:cond evt="onNext" delay="0">
-                  <p:tgtEl>
-                    <p:sldTgt/>
-                  </p:tgtEl>
-                </p:cond>
-              </p:nextCondLst>
-            </p:seq>
-          </p:childTnLst>
-        </p:cTn>
-      </p:par>
-    </p:tnLst>
-  </p:timing>
-</p:sld>
-</file>
-
-<file path=ppt/slides/slide6.xml><?xml version="1.0" encoding="utf-8"?>
-<p:sld xmlns:a="http://schemas.openxmlformats.org/drawingml/2006/main" xmlns:r="http://schemas.openxmlformats.org/officeDocument/2006/relationships" xmlns:p="http://schemas.openxmlformats.org/presentationml/2006/main">
-  <p:cSld>
-    <p:bg>
-      <p:bgPr>
-        <a:solidFill>
-          <a:schemeClr val="accent1">
-            <a:lumMod val="20000"/>
-            <a:lumOff val="80000"/>
-          </a:schemeClr>
-        </a:solidFill>
-        <a:effectLst/>
-      </p:bgPr>
-    </p:bg>
-    <p:spTree>
-      <p:nvGrpSpPr>
-        <p:cNvPr id="1" name=""/>
-        <p:cNvGrpSpPr/>
-        <p:nvPr/>
-      </p:nvGrpSpPr>
-      <p:grpSpPr>
-        <a:xfrm>
-          <a:off x="0" y="0"/>
-          <a:ext cx="0" cy="0"/>
-          <a:chOff x="0" y="0"/>
-          <a:chExt cx="0" cy="0"/>
-        </a:xfrm>
-      </p:grpSpPr>
-      <p:sp>
-        <p:nvSpPr>
-          <p:cNvPr id="2" name="Title 1">
-            <a:extLst>
-              <a:ext uri="{FF2B5EF4-FFF2-40B4-BE49-F238E27FC236}">
-                <a16:creationId xmlns:a16="http://schemas.microsoft.com/office/drawing/2014/main" id="{261C70CE-1AB8-4DF1-BB99-59EDC6F07A58}"/>
-              </a:ext>
-            </a:extLst>
-          </p:cNvPr>
-          <p:cNvSpPr>
-            <a:spLocks noGrp="1"/>
-          </p:cNvSpPr>
-          <p:nvPr>
-            <p:ph type="title"/>
-          </p:nvPr>
-        </p:nvSpPr>
-        <p:spPr>
-          <a:xfrm>
-            <a:off x="838200" y="361921"/>
-            <a:ext cx="10515600" cy="1325563"/>
-          </a:xfrm>
-        </p:spPr>
-        <p:txBody>
-          <a:bodyPr/>
-          <a:lstStyle/>
-          <a:p>
-            <a:r>
-              <a:rPr lang="en-US" dirty="0"/>
-              <a:t>Data</a:t>
-            </a:r>
-          </a:p>
-        </p:txBody>
-      </p:sp>
-      <p:sp>
-        <p:nvSpPr>
-          <p:cNvPr id="3" name="Content Placeholder 2">
-            <a:extLst>
-              <a:ext uri="{FF2B5EF4-FFF2-40B4-BE49-F238E27FC236}">
-                <a16:creationId xmlns:a16="http://schemas.microsoft.com/office/drawing/2014/main" id="{C2357EA5-6471-4ED1-93FE-A6B801CC489D}"/>
-              </a:ext>
-            </a:extLst>
-          </p:cNvPr>
-          <p:cNvSpPr>
-            <a:spLocks noGrp="1"/>
-          </p:cNvSpPr>
-          <p:nvPr>
-            <p:ph idx="1"/>
-          </p:nvPr>
-        </p:nvSpPr>
-        <p:spPr>
-          <a:xfrm>
-            <a:off x="489066" y="1825625"/>
-            <a:ext cx="7025640" cy="4351338"/>
-          </a:xfrm>
-        </p:spPr>
-        <p:txBody>
-          <a:bodyPr>
-            <a:normAutofit/>
-          </a:bodyPr>
-          <a:lstStyle/>
-          <a:p>
-            <a:r>
-              <a:rPr lang="en-US" sz="1800" dirty="0"/>
-              <a:t>20 different countries (10 developing, 10 developed)</a:t>
-            </a:r>
-          </a:p>
-          <a:p>
-            <a:r>
-              <a:rPr lang="en-US" sz="1800" dirty="0"/>
-              <a:t>15 year time frame (2000 – 2014)</a:t>
-            </a:r>
-          </a:p>
-          <a:p>
-            <a:r>
-              <a:rPr lang="en-US" sz="1800" dirty="0"/>
-              <a:t>300 Cases total</a:t>
-            </a:r>
-          </a:p>
-          <a:p>
-            <a:endParaRPr lang="en-US" sz="1800" dirty="0"/>
-          </a:p>
-          <a:p>
-            <a:endParaRPr lang="en-US" sz="1800" dirty="0"/>
-          </a:p>
-          <a:p>
-            <a:endParaRPr lang="en-US" sz="1800" dirty="0"/>
-          </a:p>
-          <a:p>
-            <a:endParaRPr lang="en-US" sz="1800" dirty="0"/>
-          </a:p>
-          <a:p>
-            <a:endParaRPr lang="en-US" sz="1800" dirty="0"/>
-          </a:p>
-          <a:p>
-            <a:endParaRPr lang="en-US" sz="1800" dirty="0"/>
-          </a:p>
-          <a:p>
-            <a:endParaRPr lang="en-US" sz="1800" dirty="0"/>
-          </a:p>
-          <a:p>
-            <a:endParaRPr lang="en-US" sz="1800" dirty="0"/>
-          </a:p>
-        </p:txBody>
-      </p:sp>
-      <p:sp>
-        <p:nvSpPr>
-          <p:cNvPr id="4" name="TextBox 3">
-            <a:extLst>
-              <a:ext uri="{FF2B5EF4-FFF2-40B4-BE49-F238E27FC236}">
-                <a16:creationId xmlns:a16="http://schemas.microsoft.com/office/drawing/2014/main" id="{F99F9CF5-34E2-474F-8784-8D3837959EBF}"/>
-              </a:ext>
-            </a:extLst>
-          </p:cNvPr>
-          <p:cNvSpPr txBox="1"/>
-          <p:nvPr/>
-        </p:nvSpPr>
-        <p:spPr>
-          <a:xfrm>
-            <a:off x="7514706" y="1056596"/>
-            <a:ext cx="4388189" cy="369332"/>
-          </a:xfrm>
-          <a:prstGeom prst="rect">
-            <a:avLst/>
-          </a:prstGeom>
-          <a:noFill/>
-        </p:spPr>
-        <p:txBody>
-          <a:bodyPr wrap="none" rtlCol="0">
-            <a:spAutoFit/>
-          </a:bodyPr>
-          <a:lstStyle/>
-          <a:p>
-            <a:r>
-              <a:rPr lang="en-US" dirty="0">
-                <a:hlinkClick r:id="rId2"/>
-              </a:rPr>
-              <a:t>https://databank.worldbank.org/source/jobs</a:t>
-            </a:r>
-            <a:endParaRPr lang="en-US" dirty="0"/>
-          </a:p>
-        </p:txBody>
-      </p:sp>
-      <p:pic>
-        <p:nvPicPr>
-          <p:cNvPr id="6" name="Picture 5">
-            <a:hlinkClick r:id="rId2"/>
-            <a:extLst>
-              <a:ext uri="{FF2B5EF4-FFF2-40B4-BE49-F238E27FC236}">
-                <a16:creationId xmlns:a16="http://schemas.microsoft.com/office/drawing/2014/main" id="{B19B68CA-2AF8-4E65-9257-E993230DB4EE}"/>
-              </a:ext>
-            </a:extLst>
-          </p:cNvPr>
-          <p:cNvPicPr>
-            <a:picLocks noChangeAspect="1"/>
-          </p:cNvPicPr>
-          <p:nvPr/>
-        </p:nvPicPr>
-        <p:blipFill>
-          <a:blip r:embed="rId3"/>
-          <a:stretch>
-            <a:fillRect/>
-          </a:stretch>
-        </p:blipFill>
-        <p:spPr>
-          <a:xfrm>
-            <a:off x="7514707" y="223780"/>
-            <a:ext cx="4388188" cy="793608"/>
-          </a:xfrm>
-          <a:prstGeom prst="rect">
-            <a:avLst/>
-          </a:prstGeom>
-        </p:spPr>
-      </p:pic>
-      <p:pic>
-        <p:nvPicPr>
-          <p:cNvPr id="8" name="Picture 7">
-            <a:extLst>
-              <a:ext uri="{FF2B5EF4-FFF2-40B4-BE49-F238E27FC236}">
-                <a16:creationId xmlns:a16="http://schemas.microsoft.com/office/drawing/2014/main" id="{7A1FDFA5-CB6A-4CAF-898D-B65F13A17132}"/>
-              </a:ext>
-            </a:extLst>
-          </p:cNvPr>
-          <p:cNvPicPr>
-            <a:picLocks noChangeAspect="1"/>
-          </p:cNvPicPr>
-          <p:nvPr/>
-        </p:nvPicPr>
-        <p:blipFill>
-          <a:blip r:embed="rId4"/>
-          <a:stretch>
-            <a:fillRect/>
-          </a:stretch>
-        </p:blipFill>
-        <p:spPr>
-          <a:xfrm>
-            <a:off x="838200" y="2963348"/>
-            <a:ext cx="7701548" cy="3806849"/>
-          </a:xfrm>
-          <a:prstGeom prst="rect">
-            <a:avLst/>
-          </a:prstGeom>
-        </p:spPr>
-      </p:pic>
-    </p:spTree>
-    <p:extLst>
-      <p:ext uri="{BB962C8B-B14F-4D97-AF65-F5344CB8AC3E}">
-        <p14:creationId xmlns:p14="http://schemas.microsoft.com/office/powerpoint/2010/main" val="1537457331"/>
-      </p:ext>
-    </p:extLst>
-  </p:cSld>
-  <p:clrMapOvr>
-    <a:masterClrMapping/>
-  </p:clrMapOvr>
-  <p:timing>
-    <p:tnLst>
-      <p:par>
-        <p:cTn id="1" dur="indefinite" restart="never" nodeType="tmRoot">
-          <p:childTnLst>
-            <p:seq concurrent="1" nextAc="seek">
-              <p:cTn id="2" dur="indefinite" nodeType="mainSeq">
-                <p:childTnLst>
-                  <p:par>
-                    <p:cTn id="3" fill="hold">
-                      <p:stCondLst>
-                        <p:cond delay="indefinite"/>
-                      </p:stCondLst>
-                      <p:childTnLst>
-                        <p:par>
-                          <p:cTn id="4" fill="hold">
-                            <p:stCondLst>
-                              <p:cond delay="0"/>
-                            </p:stCondLst>
-                            <p:childTnLst>
-                              <p:par>
-                                <p:cTn id="5" presetID="2" presetClass="entr" presetSubtype="4" fill="hold" grpId="0" nodeType="clickEffect">
-                                  <p:stCondLst>
-                                    <p:cond delay="0"/>
-                                  </p:stCondLst>
-                                  <p:childTnLst>
-                                    <p:set>
-                                      <p:cBhvr>
-                                        <p:cTn id="6" dur="1" fill="hold">
-                                          <p:stCondLst>
-                                            <p:cond delay="0"/>
-                                          </p:stCondLst>
-                                        </p:cTn>
-                                        <p:tgtEl>
-                                          <p:spTgt spid="3">
-                                            <p:txEl>
-                                              <p:pRg st="1" end="1"/>
-                                            </p:txEl>
-                                          </p:spTgt>
-                                        </p:tgtEl>
-                                        <p:attrNameLst>
-                                          <p:attrName>style.visibility</p:attrName>
-                                        </p:attrNameLst>
-                                      </p:cBhvr>
-                                      <p:to>
-                                        <p:strVal val="visible"/>
-                                      </p:to>
-                                    </p:set>
-                                    <p:anim calcmode="lin" valueType="num">
-                                      <p:cBhvr additive="base">
-                                        <p:cTn id="7" dur="500" fill="hold"/>
-                                        <p:tgtEl>
-                                          <p:spTgt spid="3">
-                                            <p:txEl>
-                                              <p:pRg st="1" end="1"/>
-                                            </p:txEl>
-                                          </p:spTgt>
-                                        </p:tgtEl>
-                                        <p:attrNameLst>
-                                          <p:attrName>ppt_x</p:attrName>
-                                        </p:attrNameLst>
-                                      </p:cBhvr>
-                                      <p:tavLst>
-                                        <p:tav tm="0">
-                                          <p:val>
-                                            <p:strVal val="#ppt_x"/>
-                                          </p:val>
-                                        </p:tav>
-                                        <p:tav tm="100000">
-                                          <p:val>
-                                            <p:strVal val="#ppt_x"/>
-                                          </p:val>
-                                        </p:tav>
-                                      </p:tavLst>
-                                    </p:anim>
-                                    <p:anim calcmode="lin" valueType="num">
-                                      <p:cBhvr additive="base">
-                                        <p:cTn id="8" dur="500" fill="hold"/>
-                                        <p:tgtEl>
-                                          <p:spTgt spid="3">
-                                            <p:txEl>
-                                              <p:pRg st="1" end="1"/>
-                                            </p:txEl>
-                                          </p:spTgt>
-                                        </p:tgtEl>
-                                        <p:attrNameLst>
-                                          <p:attrName>ppt_y</p:attrName>
-                                        </p:attrNameLst>
-                                      </p:cBhvr>
-                                      <p:tavLst>
-                                        <p:tav tm="0">
-                                          <p:val>
-                                            <p:strVal val="1+#ppt_h/2"/>
-                                          </p:val>
-                                        </p:tav>
-                                        <p:tav tm="100000">
-                                          <p:val>
-                                            <p:strVal val="#ppt_y"/>
-                                          </p:val>
-                                        </p:tav>
-                                      </p:tavLst>
-                                    </p:anim>
-                                  </p:childTnLst>
-                                </p:cTn>
-                              </p:par>
-                            </p:childTnLst>
-                          </p:cTn>
-                        </p:par>
-                      </p:childTnLst>
-                    </p:cTn>
-                  </p:par>
-                  <p:par>
-                    <p:cTn id="9" fill="hold">
-                      <p:stCondLst>
-                        <p:cond delay="indefinite"/>
-                      </p:stCondLst>
-                      <p:childTnLst>
-                        <p:par>
-                          <p:cTn id="10" fill="hold">
-                            <p:stCondLst>
-                              <p:cond delay="0"/>
-                            </p:stCondLst>
-                            <p:childTnLst>
-                              <p:par>
-                                <p:cTn id="11" presetID="2" presetClass="entr" presetSubtype="4" fill="hold" grpId="0" nodeType="clickEffect">
-                                  <p:stCondLst>
-                                    <p:cond delay="0"/>
-                                  </p:stCondLst>
-                                  <p:childTnLst>
-                                    <p:set>
-                                      <p:cBhvr>
-                                        <p:cTn id="12" dur="1" fill="hold">
-                                          <p:stCondLst>
-                                            <p:cond delay="0"/>
-                                          </p:stCondLst>
-                                        </p:cTn>
-                                        <p:tgtEl>
-                                          <p:spTgt spid="3">
-                                            <p:txEl>
-                                              <p:pRg st="2" end="2"/>
-                                            </p:txEl>
-                                          </p:spTgt>
-                                        </p:tgtEl>
-                                        <p:attrNameLst>
-                                          <p:attrName>style.visibility</p:attrName>
-                                        </p:attrNameLst>
-                                      </p:cBhvr>
-                                      <p:to>
-                                        <p:strVal val="visible"/>
-                                      </p:to>
-                                    </p:set>
-                                    <p:anim calcmode="lin" valueType="num">
-                                      <p:cBhvr additive="base">
-                                        <p:cTn id="13" dur="500" fill="hold"/>
-                                        <p:tgtEl>
-                                          <p:spTgt spid="3">
-                                            <p:txEl>
-                                              <p:pRg st="2" end="2"/>
-                                            </p:txEl>
-                                          </p:spTgt>
-                                        </p:tgtEl>
-                                        <p:attrNameLst>
-                                          <p:attrName>ppt_x</p:attrName>
-                                        </p:attrNameLst>
-                                      </p:cBhvr>
-                                      <p:tavLst>
-                                        <p:tav tm="0">
-                                          <p:val>
-                                            <p:strVal val="#ppt_x"/>
-                                          </p:val>
-                                        </p:tav>
-                                        <p:tav tm="100000">
-                                          <p:val>
-                                            <p:strVal val="#ppt_x"/>
-                                          </p:val>
-                                        </p:tav>
-                                      </p:tavLst>
-                                    </p:anim>
-                                    <p:anim calcmode="lin" valueType="num">
-                                      <p:cBhvr additive="base">
-                                        <p:cTn id="14" dur="500" fill="hold"/>
-                                        <p:tgtEl>
-                                          <p:spTgt spid="3">
-                                            <p:txEl>
-                                              <p:pRg st="2" end="2"/>
-                                            </p:txEl>
-                                          </p:spTgt>
-                                        </p:tgtEl>
-                                        <p:attrNameLst>
-                                          <p:attrName>ppt_y</p:attrName>
-                                        </p:attrNameLst>
-                                      </p:cBhvr>
-                                      <p:tavLst>
-                                        <p:tav tm="0">
-                                          <p:val>
-                                            <p:strVal val="1+#ppt_h/2"/>
-                                          </p:val>
-                                        </p:tav>
-                                        <p:tav tm="100000">
-                                          <p:val>
-                                            <p:strVal val="#ppt_y"/>
-                                          </p:val>
-                                        </p:tav>
-                                      </p:tavLst>
-                                    </p:anim>
-                                  </p:childTnLst>
-                                </p:cTn>
-                              </p:par>
-                            </p:childTnLst>
-                          </p:cTn>
-                        </p:par>
-                      </p:childTnLst>
-                    </p:cTn>
-                  </p:par>
-                  <p:par>
-                    <p:cTn id="15" fill="hold">
-                      <p:stCondLst>
-                        <p:cond delay="indefinite"/>
-                      </p:stCondLst>
-                      <p:childTnLst>
-                        <p:par>
-                          <p:cTn id="16" fill="hold">
-                            <p:stCondLst>
-                              <p:cond delay="0"/>
-                            </p:stCondLst>
-                            <p:childTnLst>
-                              <p:par>
-                                <p:cTn id="17" presetID="2" presetClass="entr" presetSubtype="4" fill="hold" nodeType="clickEffect">
-                                  <p:stCondLst>
-                                    <p:cond delay="0"/>
-                                  </p:stCondLst>
-                                  <p:childTnLst>
-                                    <p:set>
-                                      <p:cBhvr>
-                                        <p:cTn id="18" dur="1" fill="hold">
-                                          <p:stCondLst>
-                                            <p:cond delay="0"/>
-                                          </p:stCondLst>
-                                        </p:cTn>
-                                        <p:tgtEl>
-                                          <p:spTgt spid="8"/>
-                                        </p:tgtEl>
-                                        <p:attrNameLst>
-                                          <p:attrName>style.visibility</p:attrName>
-                                        </p:attrNameLst>
-                                      </p:cBhvr>
-                                      <p:to>
-                                        <p:strVal val="visible"/>
-                                      </p:to>
-                                    </p:set>
-                                    <p:anim calcmode="lin" valueType="num">
-                                      <p:cBhvr additive="base">
-                                        <p:cTn id="19" dur="500" fill="hold"/>
-                                        <p:tgtEl>
-                                          <p:spTgt spid="8"/>
-                                        </p:tgtEl>
-                                        <p:attrNameLst>
-                                          <p:attrName>ppt_x</p:attrName>
-                                        </p:attrNameLst>
-                                      </p:cBhvr>
-                                      <p:tavLst>
-                                        <p:tav tm="0">
-                                          <p:val>
-                                            <p:strVal val="#ppt_x"/>
-                                          </p:val>
-                                        </p:tav>
-                                        <p:tav tm="100000">
-                                          <p:val>
-                                            <p:strVal val="#ppt_x"/>
-                                          </p:val>
-                                        </p:tav>
-                                      </p:tavLst>
-                                    </p:anim>
-                                    <p:anim calcmode="lin" valueType="num">
-                                      <p:cBhvr additive="base">
-                                        <p:cTn id="20" dur="500" fill="hold"/>
-                                        <p:tgtEl>
-                                          <p:spTgt spid="8"/>
-                                        </p:tgtEl>
-                                        <p:attrNameLst>
-                                          <p:attrName>ppt_y</p:attrName>
-                                        </p:attrNameLst>
-                                      </p:cBhvr>
-                                      <p:tavLst>
-                                        <p:tav tm="0">
-                                          <p:val>
-                                            <p:strVal val="1+#ppt_h/2"/>
-                                          </p:val>
-                                        </p:tav>
-                                        <p:tav tm="100000">
-                                          <p:val>
-                                            <p:strVal val="#ppt_y"/>
-                                          </p:val>
-                                        </p:tav>
-                                      </p:tavLst>
-                                    </p:anim>
-                                  </p:childTnLst>
-                                </p:cTn>
-                              </p:par>
-                            </p:childTnLst>
-                          </p:cTn>
-                        </p:par>
-                      </p:childTnLst>
-                    </p:cTn>
-                  </p:par>
-                  <p:par>
-                    <p:cTn id="21" fill="hold">
-                      <p:stCondLst>
-                        <p:cond delay="indefinite"/>
-                      </p:stCondLst>
-                      <p:childTnLst>
-                        <p:par>
-                          <p:cTn id="22" fill="hold">
-                            <p:stCondLst>
-                              <p:cond delay="0"/>
-                            </p:stCondLst>
-                            <p:childTnLst>
-                              <p:par>
-                                <p:cTn id="23" presetID="10" presetClass="entr" presetSubtype="0" fill="hold" grpId="0" nodeType="clickEffect">
-                                  <p:stCondLst>
-                                    <p:cond delay="0"/>
-                                  </p:stCondLst>
-                                  <p:childTnLst>
-                                    <p:set>
-                                      <p:cBhvr>
-                                        <p:cTn id="24" dur="1" fill="hold">
-                                          <p:stCondLst>
-                                            <p:cond delay="0"/>
-                                          </p:stCondLst>
-                                        </p:cTn>
-                                        <p:tgtEl>
-                                          <p:spTgt spid="4"/>
-                                        </p:tgtEl>
-                                        <p:attrNameLst>
-                                          <p:attrName>style.visibility</p:attrName>
-                                        </p:attrNameLst>
-                                      </p:cBhvr>
-                                      <p:to>
-                                        <p:strVal val="visible"/>
-                                      </p:to>
-                                    </p:set>
-                                    <p:animEffect transition="in" filter="fade">
-                                      <p:cBhvr>
-                                        <p:cTn id="25" dur="500"/>
-                                        <p:tgtEl>
-                                          <p:spTgt spid="4"/>
-                                        </p:tgtEl>
-                                      </p:cBhvr>
-                                    </p:animEffect>
-                                  </p:childTnLst>
-                                </p:cTn>
-                              </p:par>
-                              <p:par>
-                                <p:cTn id="26" presetID="10" presetClass="entr" presetSubtype="0" fill="hold" nodeType="withEffect">
-                                  <p:stCondLst>
-                                    <p:cond delay="0"/>
-                                  </p:stCondLst>
-                                  <p:childTnLst>
-                                    <p:set>
-                                      <p:cBhvr>
-                                        <p:cTn id="27" dur="1" fill="hold">
-                                          <p:stCondLst>
-                                            <p:cond delay="0"/>
-                                          </p:stCondLst>
-                                        </p:cTn>
-                                        <p:tgtEl>
-                                          <p:spTgt spid="6"/>
-                                        </p:tgtEl>
-                                        <p:attrNameLst>
-                                          <p:attrName>style.visibility</p:attrName>
-                                        </p:attrNameLst>
-                                      </p:cBhvr>
-                                      <p:to>
-                                        <p:strVal val="visible"/>
-                                      </p:to>
-                                    </p:set>
-                                    <p:animEffect transition="in" filter="fade">
-                                      <p:cBhvr>
-                                        <p:cTn id="28" dur="500"/>
-                                        <p:tgtEl>
-                                          <p:spTgt spid="6"/>
-                                        </p:tgtEl>
-                                      </p:cBhvr>
-                                    </p:animEffect>
-                                  </p:childTnLst>
-                                </p:cTn>
-                              </p:par>
-                            </p:childTnLst>
-                          </p:cTn>
-                        </p:par>
-                      </p:childTnLst>
-                    </p:cTn>
-                  </p:par>
-                </p:childTnLst>
-              </p:cTn>
-              <p:prevCondLst>
-                <p:cond evt="onPrev" delay="0">
-                  <p:tgtEl>
-                    <p:sldTgt/>
-                  </p:tgtEl>
-                </p:cond>
-              </p:prevCondLst>
-              <p:nextCondLst>
-                <p:cond evt="onNext" delay="0">
-                  <p:tgtEl>
-                    <p:sldTgt/>
-                  </p:tgtEl>
-                </p:cond>
-              </p:nextCondLst>
-            </p:seq>
-          </p:childTnLst>
-        </p:cTn>
-      </p:par>
-    </p:tnLst>
-    <p:bldLst>
-      <p:bldP spid="3" grpId="0" uiExpand="1" build="p"/>
-      <p:bldP spid="4" grpId="0"/>
-    </p:bldLst>
-  </p:timing>
-</p:sld>
-</file>
-
-<file path=ppt/slides/slide7.xml><?xml version="1.0" encoding="utf-8"?>
-<p:sld xmlns:a="http://schemas.openxmlformats.org/drawingml/2006/main" xmlns:r="http://schemas.openxmlformats.org/officeDocument/2006/relationships" xmlns:p="http://schemas.openxmlformats.org/presentationml/2006/main">
-  <p:cSld>
-    <p:bg>
-      <p:bgPr>
-        <a:solidFill>
-          <a:schemeClr val="accent1">
-            <a:lumMod val="20000"/>
-            <a:lumOff val="80000"/>
-          </a:schemeClr>
-        </a:solidFill>
-        <a:effectLst/>
-      </p:bgPr>
-    </p:bg>
-    <p:spTree>
-      <p:nvGrpSpPr>
-        <p:cNvPr id="1" name=""/>
-        <p:cNvGrpSpPr/>
-        <p:nvPr/>
-      </p:nvGrpSpPr>
-      <p:grpSpPr>
-        <a:xfrm>
-          <a:off x="0" y="0"/>
-          <a:ext cx="0" cy="0"/>
-          <a:chOff x="0" y="0"/>
-          <a:chExt cx="0" cy="0"/>
-        </a:xfrm>
-      </p:grpSpPr>
-      <p:sp>
-        <p:nvSpPr>
-          <p:cNvPr id="2" name="Title 1">
-            <a:extLst>
-              <a:ext uri="{FF2B5EF4-FFF2-40B4-BE49-F238E27FC236}">
-                <a16:creationId xmlns:a16="http://schemas.microsoft.com/office/drawing/2014/main" id="{1EC1D579-CA72-4A7C-B0EA-12BEC8B00D3C}"/>
-              </a:ext>
-            </a:extLst>
-          </p:cNvPr>
-          <p:cNvSpPr>
-            <a:spLocks noGrp="1"/>
-          </p:cNvSpPr>
-          <p:nvPr>
-            <p:ph type="title"/>
-          </p:nvPr>
-        </p:nvSpPr>
-        <p:spPr/>
-        <p:txBody>
-          <a:bodyPr/>
-          <a:lstStyle/>
-          <a:p>
-            <a:r>
-              <a:rPr lang="en-US" dirty="0"/>
-              <a:t>Data Preparation (RL)</a:t>
-            </a:r>
-          </a:p>
-        </p:txBody>
-      </p:sp>
-      <p:sp>
-        <p:nvSpPr>
-          <p:cNvPr id="3" name="Content Placeholder 2">
-            <a:extLst>
-              <a:ext uri="{FF2B5EF4-FFF2-40B4-BE49-F238E27FC236}">
-                <a16:creationId xmlns:a16="http://schemas.microsoft.com/office/drawing/2014/main" id="{45E9BD75-F254-4107-8137-51CA5EC7B3EC}"/>
-              </a:ext>
-            </a:extLst>
-          </p:cNvPr>
-          <p:cNvSpPr>
-            <a:spLocks noGrp="1"/>
-          </p:cNvSpPr>
-          <p:nvPr>
-            <p:ph idx="1"/>
-          </p:nvPr>
-        </p:nvSpPr>
-        <p:spPr/>
-        <p:txBody>
-          <a:bodyPr/>
-          <a:lstStyle/>
-          <a:p>
-            <a:r>
-              <a:rPr lang="en-US" dirty="0"/>
-              <a:t>Selecting correct data from data set</a:t>
-            </a:r>
-          </a:p>
-          <a:p>
-            <a:r>
-              <a:rPr lang="en-US" dirty="0"/>
-              <a:t>World Bank provides data in a reversed format for easy analysis, so we will have to reformat the data using Python.</a:t>
-            </a:r>
-          </a:p>
-          <a:p>
-            <a:r>
-              <a:rPr lang="en-US" dirty="0"/>
-              <a:t>There are missing values that will need filled/estimated using Python.</a:t>
-            </a:r>
-          </a:p>
-          <a:p>
-            <a:endParaRPr lang="en-US" dirty="0"/>
-          </a:p>
-        </p:txBody>
-      </p:sp>
-    </p:spTree>
-    <p:extLst>
-      <p:ext uri="{BB962C8B-B14F-4D97-AF65-F5344CB8AC3E}">
-        <p14:creationId xmlns:p14="http://schemas.microsoft.com/office/powerpoint/2010/main" val="629741342"/>
-      </p:ext>
-    </p:extLst>
-  </p:cSld>
-  <p:clrMapOvr>
-    <a:masterClrMapping/>
-  </p:clrMapOvr>
-</p:sld>
-</file>
-
-<file path=ppt/slides/slide8.xml><?xml version="1.0" encoding="utf-8"?>
-<p:sld xmlns:a="http://schemas.openxmlformats.org/drawingml/2006/main" xmlns:r="http://schemas.openxmlformats.org/officeDocument/2006/relationships" xmlns:p="http://schemas.openxmlformats.org/presentationml/2006/main">
-  <p:cSld>
-    <p:bg>
-      <p:bgPr>
-        <a:solidFill>
-          <a:schemeClr val="accent1">
-            <a:lumMod val="20000"/>
-            <a:lumOff val="80000"/>
-          </a:schemeClr>
-        </a:solidFill>
-        <a:effectLst/>
-      </p:bgPr>
-    </p:bg>
-    <p:spTree>
-      <p:nvGrpSpPr>
-        <p:cNvPr id="1" name=""/>
-        <p:cNvGrpSpPr/>
-        <p:nvPr/>
-      </p:nvGrpSpPr>
-      <p:grpSpPr>
-        <a:xfrm>
-          <a:off x="0" y="0"/>
-          <a:ext cx="0" cy="0"/>
-          <a:chOff x="0" y="0"/>
-          <a:chExt cx="0" cy="0"/>
-        </a:xfrm>
-      </p:grpSpPr>
-      <p:sp>
-        <p:nvSpPr>
-          <p:cNvPr id="2" name="Title 1">
-            <a:extLst>
-              <a:ext uri="{FF2B5EF4-FFF2-40B4-BE49-F238E27FC236}">
-                <a16:creationId xmlns:a16="http://schemas.microsoft.com/office/drawing/2014/main" id="{55C8B139-E60E-4004-98E5-8B5A5802AF20}"/>
-              </a:ext>
-            </a:extLst>
-          </p:cNvPr>
-          <p:cNvSpPr>
-            <a:spLocks noGrp="1"/>
-          </p:cNvSpPr>
-          <p:nvPr>
-            <p:ph type="title"/>
-          </p:nvPr>
-        </p:nvSpPr>
-        <p:spPr>
-          <a:xfrm>
-            <a:off x="838200" y="86506"/>
-            <a:ext cx="10515600" cy="1325563"/>
-          </a:xfrm>
-        </p:spPr>
-        <p:txBody>
-          <a:bodyPr/>
-          <a:lstStyle/>
-          <a:p>
-            <a:r>
-              <a:rPr lang="en-US" dirty="0"/>
-              <a:t>Visual Analysis</a:t>
-            </a:r>
-          </a:p>
-        </p:txBody>
-      </p:sp>
-      <p:pic>
-        <p:nvPicPr>
-          <p:cNvPr id="4" name="Picture 3">
-            <a:extLst>
-              <a:ext uri="{FF2B5EF4-FFF2-40B4-BE49-F238E27FC236}">
-                <a16:creationId xmlns:a16="http://schemas.microsoft.com/office/drawing/2014/main" id="{643B2589-25AF-4BAC-8D47-3830FFE36877}"/>
-              </a:ext>
-            </a:extLst>
-          </p:cNvPr>
-          <p:cNvPicPr>
-            <a:picLocks noChangeAspect="1"/>
-          </p:cNvPicPr>
-          <p:nvPr/>
-        </p:nvPicPr>
-        <p:blipFill rotWithShape="1">
-          <a:blip r:embed="rId2"/>
-          <a:srcRect l="1927" t="1" r="5033" b="1556"/>
-          <a:stretch/>
-        </p:blipFill>
-        <p:spPr>
-          <a:xfrm>
-            <a:off x="612327" y="1144562"/>
-            <a:ext cx="4941717" cy="2903865"/>
-          </a:xfrm>
-          <a:prstGeom prst="rect">
-            <a:avLst/>
-          </a:prstGeom>
-        </p:spPr>
-      </p:pic>
-      <p:pic>
-        <p:nvPicPr>
-          <p:cNvPr id="5" name="Picture 4">
-            <a:extLst>
-              <a:ext uri="{FF2B5EF4-FFF2-40B4-BE49-F238E27FC236}">
-                <a16:creationId xmlns:a16="http://schemas.microsoft.com/office/drawing/2014/main" id="{AD5DC938-0EF4-45C5-8AD5-25110DE5F78B}"/>
-              </a:ext>
-            </a:extLst>
-          </p:cNvPr>
-          <p:cNvPicPr>
-            <a:picLocks noChangeAspect="1"/>
-          </p:cNvPicPr>
-          <p:nvPr/>
-        </p:nvPicPr>
-        <p:blipFill>
-          <a:blip r:embed="rId3"/>
-          <a:stretch>
-            <a:fillRect/>
-          </a:stretch>
-        </p:blipFill>
-        <p:spPr>
-          <a:xfrm>
-            <a:off x="1631509" y="4261582"/>
-            <a:ext cx="4642035" cy="2431753"/>
-          </a:xfrm>
-          <a:prstGeom prst="rect">
-            <a:avLst/>
-          </a:prstGeom>
-        </p:spPr>
-      </p:pic>
-      <p:pic>
-        <p:nvPicPr>
-          <p:cNvPr id="6" name="Picture 5">
-            <a:extLst>
-              <a:ext uri="{FF2B5EF4-FFF2-40B4-BE49-F238E27FC236}">
-                <a16:creationId xmlns:a16="http://schemas.microsoft.com/office/drawing/2014/main" id="{285AE5AC-6923-4DE8-A016-14AEC1A1DD9D}"/>
-              </a:ext>
-            </a:extLst>
-          </p:cNvPr>
-          <p:cNvPicPr>
-            <a:picLocks noChangeAspect="1"/>
-          </p:cNvPicPr>
-          <p:nvPr/>
-        </p:nvPicPr>
-        <p:blipFill>
-          <a:blip r:embed="rId4"/>
-          <a:stretch>
-            <a:fillRect/>
-          </a:stretch>
-        </p:blipFill>
-        <p:spPr>
-          <a:xfrm>
-            <a:off x="6993044" y="3789470"/>
-            <a:ext cx="4661234" cy="2903865"/>
-          </a:xfrm>
-          <a:prstGeom prst="rect">
-            <a:avLst/>
-          </a:prstGeom>
-        </p:spPr>
-      </p:pic>
-      <p:pic>
-        <p:nvPicPr>
-          <p:cNvPr id="7" name="Picture 6">
-            <a:extLst>
-              <a:ext uri="{FF2B5EF4-FFF2-40B4-BE49-F238E27FC236}">
-                <a16:creationId xmlns:a16="http://schemas.microsoft.com/office/drawing/2014/main" id="{42BAEAFB-66D8-48E3-B994-800C097E5A88}"/>
-              </a:ext>
-            </a:extLst>
-          </p:cNvPr>
-          <p:cNvPicPr>
-            <a:picLocks noChangeAspect="1"/>
-          </p:cNvPicPr>
-          <p:nvPr/>
-        </p:nvPicPr>
-        <p:blipFill>
-          <a:blip r:embed="rId5"/>
-          <a:stretch>
-            <a:fillRect/>
-          </a:stretch>
-        </p:blipFill>
-        <p:spPr>
-          <a:xfrm>
-            <a:off x="6037194" y="181314"/>
-            <a:ext cx="3583884" cy="3476286"/>
-          </a:xfrm>
-          <a:prstGeom prst="rect">
-            <a:avLst/>
-          </a:prstGeom>
-        </p:spPr>
-      </p:pic>
-      <p:pic>
-        <p:nvPicPr>
-          <p:cNvPr id="8" name="Picture 7">
-            <a:extLst>
-              <a:ext uri="{FF2B5EF4-FFF2-40B4-BE49-F238E27FC236}">
-                <a16:creationId xmlns:a16="http://schemas.microsoft.com/office/drawing/2014/main" id="{84724751-14E8-4B1C-874D-A993DC7D11AC}"/>
-              </a:ext>
-            </a:extLst>
-          </p:cNvPr>
-          <p:cNvPicPr>
-            <a:picLocks noChangeAspect="1"/>
-          </p:cNvPicPr>
-          <p:nvPr/>
-        </p:nvPicPr>
-        <p:blipFill rotWithShape="1">
-          <a:blip r:embed="rId6"/>
-          <a:srcRect l="30558" t="25208"/>
-          <a:stretch/>
-        </p:blipFill>
-        <p:spPr>
-          <a:xfrm>
-            <a:off x="10104228" y="1277656"/>
-            <a:ext cx="1538346" cy="1559169"/>
-          </a:xfrm>
-          <a:prstGeom prst="rect">
-            <a:avLst/>
-          </a:prstGeom>
-        </p:spPr>
-      </p:pic>
-    </p:spTree>
-    <p:extLst>
-      <p:ext uri="{BB962C8B-B14F-4D97-AF65-F5344CB8AC3E}">
-        <p14:creationId xmlns:p14="http://schemas.microsoft.com/office/powerpoint/2010/main" val="2015144307"/>
-      </p:ext>
-    </p:extLst>
-  </p:cSld>
-  <p:clrMapOvr>
-    <a:masterClrMapping/>
-  </p:clrMapOvr>
-  <p:timing>
-    <p:tnLst>
-      <p:par>
-        <p:cTn id="1" dur="indefinite" restart="never" nodeType="tmRoot">
-          <p:childTnLst>
-            <p:seq concurrent="1" nextAc="seek">
-              <p:cTn id="2" dur="indefinite" nodeType="mainSeq">
-                <p:childTnLst>
-                  <p:par>
-                    <p:cTn id="3" fill="hold">
-                      <p:stCondLst>
-                        <p:cond delay="indefinite"/>
-                      </p:stCondLst>
-                      <p:childTnLst>
-                        <p:par>
-                          <p:cTn id="4" fill="hold">
-                            <p:stCondLst>
-                              <p:cond delay="0"/>
-                            </p:stCondLst>
-                            <p:childTnLst>
-                              <p:par>
-                                <p:cTn id="5" presetID="10" presetClass="entr" presetSubtype="0" fill="hold" nodeType="clickEffect">
-                                  <p:stCondLst>
-                                    <p:cond delay="0"/>
-                                  </p:stCondLst>
-                                  <p:childTnLst>
-                                    <p:set>
-                                      <p:cBhvr>
-                                        <p:cTn id="6" dur="1" fill="hold">
-                                          <p:stCondLst>
-                                            <p:cond delay="0"/>
-                                          </p:stCondLst>
-                                        </p:cTn>
-                                        <p:tgtEl>
-                                          <p:spTgt spid="7"/>
-                                        </p:tgtEl>
-                                        <p:attrNameLst>
-                                          <p:attrName>style.visibility</p:attrName>
-                                        </p:attrNameLst>
-                                      </p:cBhvr>
-                                      <p:to>
-                                        <p:strVal val="visible"/>
-                                      </p:to>
-                                    </p:set>
-                                    <p:animEffect transition="in" filter="fade">
-                                      <p:cBhvr>
-                                        <p:cTn id="7" dur="500"/>
-                                        <p:tgtEl>
-                                          <p:spTgt spid="7"/>
-                                        </p:tgtEl>
-                                      </p:cBhvr>
-                                    </p:animEffect>
-                                  </p:childTnLst>
-                                </p:cTn>
-                              </p:par>
-                            </p:childTnLst>
-                          </p:cTn>
-                        </p:par>
-                      </p:childTnLst>
-                    </p:cTn>
-                  </p:par>
-                  <p:par>
-                    <p:cTn id="8" fill="hold">
-                      <p:stCondLst>
-                        <p:cond delay="indefinite"/>
-                      </p:stCondLst>
-                      <p:childTnLst>
-                        <p:par>
-                          <p:cTn id="9" fill="hold">
-                            <p:stCondLst>
-                              <p:cond delay="0"/>
-                            </p:stCondLst>
-                            <p:childTnLst>
-                              <p:par>
-                                <p:cTn id="10" presetID="10" presetClass="entr" presetSubtype="0" fill="hold" nodeType="clickEffect">
-                                  <p:stCondLst>
-                                    <p:cond delay="0"/>
-                                  </p:stCondLst>
-                                  <p:childTnLst>
-                                    <p:set>
-                                      <p:cBhvr>
-                                        <p:cTn id="11" dur="1" fill="hold">
-                                          <p:stCondLst>
-                                            <p:cond delay="0"/>
-                                          </p:stCondLst>
-                                        </p:cTn>
-                                        <p:tgtEl>
-                                          <p:spTgt spid="5"/>
-                                        </p:tgtEl>
-                                        <p:attrNameLst>
-                                          <p:attrName>style.visibility</p:attrName>
-                                        </p:attrNameLst>
-                                      </p:cBhvr>
-                                      <p:to>
-                                        <p:strVal val="visible"/>
-                                      </p:to>
-                                    </p:set>
-                                    <p:animEffect transition="in" filter="fade">
-                                      <p:cBhvr>
-                                        <p:cTn id="12" dur="500"/>
-                                        <p:tgtEl>
-                                          <p:spTgt spid="5"/>
-                                        </p:tgtEl>
-                                      </p:cBhvr>
-                                    </p:animEffect>
-                                  </p:childTnLst>
-                                </p:cTn>
-                              </p:par>
-                            </p:childTnLst>
-                          </p:cTn>
-                        </p:par>
-                      </p:childTnLst>
-                    </p:cTn>
-                  </p:par>
-                  <p:par>
-                    <p:cTn id="13" fill="hold">
-                      <p:stCondLst>
-                        <p:cond delay="indefinite"/>
-                      </p:stCondLst>
-                      <p:childTnLst>
-                        <p:par>
-                          <p:cTn id="14" fill="hold">
-                            <p:stCondLst>
-                              <p:cond delay="0"/>
-                            </p:stCondLst>
-                            <p:childTnLst>
-                              <p:par>
-                                <p:cTn id="15" presetID="10" presetClass="entr" presetSubtype="0" fill="hold" nodeType="clickEffect">
-                                  <p:stCondLst>
-                                    <p:cond delay="0"/>
-                                  </p:stCondLst>
-                                  <p:childTnLst>
-                                    <p:set>
-                                      <p:cBhvr>
-                                        <p:cTn id="16" dur="1" fill="hold">
-                                          <p:stCondLst>
-                                            <p:cond delay="0"/>
-                                          </p:stCondLst>
-                                        </p:cTn>
-                                        <p:tgtEl>
-                                          <p:spTgt spid="6"/>
-                                        </p:tgtEl>
-                                        <p:attrNameLst>
-                                          <p:attrName>style.visibility</p:attrName>
-                                        </p:attrNameLst>
-                                      </p:cBhvr>
-                                      <p:to>
-                                        <p:strVal val="visible"/>
-                                      </p:to>
-                                    </p:set>
-                                    <p:animEffect transition="in" filter="fade">
-                                      <p:cBhvr>
-                                        <p:cTn id="17" dur="500"/>
-                                        <p:tgtEl>
-                                          <p:spTgt spid="6"/>
-                                        </p:tgtEl>
-                                      </p:cBhvr>
-                                    </p:animEffect>
-                                  </p:childTnLst>
-                                </p:cTn>
-                              </p:par>
-                            </p:childTnLst>
-                          </p:cTn>
-                        </p:par>
-                      </p:childTnLst>
-                    </p:cTn>
-                  </p:par>
-                  <p:par>
-                    <p:cTn id="18" fill="hold">
-                      <p:stCondLst>
-                        <p:cond delay="indefinite"/>
-                      </p:stCondLst>
-                      <p:childTnLst>
-                        <p:par>
-                          <p:cTn id="19" fill="hold">
-                            <p:stCondLst>
-                              <p:cond delay="0"/>
-                            </p:stCondLst>
-                            <p:childTnLst>
-                              <p:par>
-                                <p:cTn id="20" presetID="10" presetClass="entr" presetSubtype="0" fill="hold" nodeType="clickEffect">
-                                  <p:stCondLst>
-                                    <p:cond delay="0"/>
-                                  </p:stCondLst>
-                                  <p:childTnLst>
-                                    <p:set>
-                                      <p:cBhvr>
-                                        <p:cTn id="21" dur="1" fill="hold">
-                                          <p:stCondLst>
-                                            <p:cond delay="0"/>
-                                          </p:stCondLst>
-                                        </p:cTn>
-                                        <p:tgtEl>
-                                          <p:spTgt spid="8"/>
-                                        </p:tgtEl>
-                                        <p:attrNameLst>
-                                          <p:attrName>style.visibility</p:attrName>
-                                        </p:attrNameLst>
-                                      </p:cBhvr>
-                                      <p:to>
-                                        <p:strVal val="visible"/>
-                                      </p:to>
-                                    </p:set>
-                                    <p:animEffect transition="in" filter="fade">
-                                      <p:cBhvr>
-                                        <p:cTn id="22" dur="500"/>
-                                        <p:tgtEl>
-                                          <p:spTgt spid="8"/>
-                                        </p:tgtEl>
-                                      </p:cBhvr>
-                                    </p:animEffect>
-                                  </p:childTnLst>
-                                </p:cTn>
-                              </p:par>
-                            </p:childTnLst>
-                          </p:cTn>
-                        </p:par>
-                      </p:childTnLst>
-                    </p:cTn>
-                  </p:par>
-                </p:childTnLst>
-              </p:cTn>
-              <p:prevCondLst>
-                <p:cond evt="onPrev" delay="0">
-                  <p:tgtEl>
-                    <p:sldTgt/>
-                  </p:tgtEl>
-                </p:cond>
-              </p:prevCondLst>
-              <p:nextCondLst>
-                <p:cond evt="onNext" delay="0">
-                  <p:tgtEl>
-                    <p:sldTgt/>
-                  </p:tgtEl>
-                </p:cond>
-              </p:nextCondLst>
-            </p:seq>
-          </p:childTnLst>
-        </p:cTn>
-      </p:par>
-    </p:tnLst>
-  </p:timing>
-</p:sld>
-</file>
-
-<file path=ppt/slides/slide9.xml><?xml version="1.0" encoding="utf-8"?>
 <p:sld xmlns:a="http://schemas.openxmlformats.org/drawingml/2006/main" xmlns:r="http://schemas.openxmlformats.org/officeDocument/2006/relationships" xmlns:p="http://schemas.openxmlformats.org/presentationml/2006/main">
   <p:cSld>
     <p:bg>
@@ -7771,6 +4203,5193 @@
 </p:sld>
 </file>
 
+<file path=ppt/slides/slide11.xml><?xml version="1.0" encoding="utf-8"?>
+<p:sld xmlns:a="http://schemas.openxmlformats.org/drawingml/2006/main" xmlns:r="http://schemas.openxmlformats.org/officeDocument/2006/relationships" xmlns:p="http://schemas.openxmlformats.org/presentationml/2006/main">
+  <p:cSld>
+    <p:bg>
+      <p:bgPr>
+        <a:solidFill>
+          <a:schemeClr val="accent1">
+            <a:lumMod val="20000"/>
+            <a:lumOff val="80000"/>
+          </a:schemeClr>
+        </a:solidFill>
+        <a:effectLst/>
+      </p:bgPr>
+    </p:bg>
+    <p:spTree>
+      <p:nvGrpSpPr>
+        <p:cNvPr id="1" name=""/>
+        <p:cNvGrpSpPr/>
+        <p:nvPr/>
+      </p:nvGrpSpPr>
+      <p:grpSpPr>
+        <a:xfrm>
+          <a:off x="0" y="0"/>
+          <a:ext cx="0" cy="0"/>
+          <a:chOff x="0" y="0"/>
+          <a:chExt cx="0" cy="0"/>
+        </a:xfrm>
+      </p:grpSpPr>
+      <p:sp>
+        <p:nvSpPr>
+          <p:cNvPr id="6" name="Title 5">
+            <a:extLst>
+              <a:ext uri="{FF2B5EF4-FFF2-40B4-BE49-F238E27FC236}">
+                <a16:creationId xmlns:a16="http://schemas.microsoft.com/office/drawing/2014/main" id="{3FE5BFE9-216A-4B5E-BD06-812754633B7E}"/>
+              </a:ext>
+            </a:extLst>
+          </p:cNvPr>
+          <p:cNvSpPr>
+            <a:spLocks noGrp="1"/>
+          </p:cNvSpPr>
+          <p:nvPr>
+            <p:ph type="title"/>
+          </p:nvPr>
+        </p:nvSpPr>
+        <p:spPr/>
+        <p:txBody>
+          <a:bodyPr/>
+          <a:lstStyle/>
+          <a:p>
+            <a:pPr algn="ctr"/>
+            <a:r>
+              <a:rPr lang="en-US" dirty="0"/>
+              <a:t>Thank You!</a:t>
+            </a:r>
+          </a:p>
+        </p:txBody>
+      </p:sp>
+    </p:spTree>
+    <p:extLst>
+      <p:ext uri="{BB962C8B-B14F-4D97-AF65-F5344CB8AC3E}">
+        <p14:creationId xmlns:p14="http://schemas.microsoft.com/office/powerpoint/2010/main" val="2723783663"/>
+      </p:ext>
+    </p:extLst>
+  </p:cSld>
+  <p:clrMapOvr>
+    <a:masterClrMapping/>
+  </p:clrMapOvr>
+</p:sld>
+</file>
+
+<file path=ppt/slides/slide2.xml><?xml version="1.0" encoding="utf-8"?>
+<p:sld xmlns:a="http://schemas.openxmlformats.org/drawingml/2006/main" xmlns:r="http://schemas.openxmlformats.org/officeDocument/2006/relationships" xmlns:p="http://schemas.openxmlformats.org/presentationml/2006/main">
+  <p:cSld>
+    <p:bg>
+      <p:bgPr>
+        <a:solidFill>
+          <a:schemeClr val="accent1">
+            <a:lumMod val="20000"/>
+            <a:lumOff val="80000"/>
+          </a:schemeClr>
+        </a:solidFill>
+        <a:effectLst/>
+      </p:bgPr>
+    </p:bg>
+    <p:spTree>
+      <p:nvGrpSpPr>
+        <p:cNvPr id="1" name=""/>
+        <p:cNvGrpSpPr/>
+        <p:nvPr/>
+      </p:nvGrpSpPr>
+      <p:grpSpPr>
+        <a:xfrm>
+          <a:off x="0" y="0"/>
+          <a:ext cx="0" cy="0"/>
+          <a:chOff x="0" y="0"/>
+          <a:chExt cx="0" cy="0"/>
+        </a:xfrm>
+      </p:grpSpPr>
+      <p:sp>
+        <p:nvSpPr>
+          <p:cNvPr id="2" name="Title 1">
+            <a:extLst>
+              <a:ext uri="{FF2B5EF4-FFF2-40B4-BE49-F238E27FC236}">
+                <a16:creationId xmlns:a16="http://schemas.microsoft.com/office/drawing/2014/main" id="{C9C6F9F8-4364-47A6-994D-0F1771690D95}"/>
+              </a:ext>
+            </a:extLst>
+          </p:cNvPr>
+          <p:cNvSpPr>
+            <a:spLocks noGrp="1"/>
+          </p:cNvSpPr>
+          <p:nvPr>
+            <p:ph type="title"/>
+          </p:nvPr>
+        </p:nvSpPr>
+        <p:spPr/>
+        <p:txBody>
+          <a:bodyPr/>
+          <a:lstStyle/>
+          <a:p>
+            <a:r>
+              <a:rPr lang="en-US" dirty="0"/>
+              <a:t>Introduction (RL)</a:t>
+            </a:r>
+          </a:p>
+        </p:txBody>
+      </p:sp>
+      <p:sp>
+        <p:nvSpPr>
+          <p:cNvPr id="3" name="Content Placeholder 2">
+            <a:extLst>
+              <a:ext uri="{FF2B5EF4-FFF2-40B4-BE49-F238E27FC236}">
+                <a16:creationId xmlns:a16="http://schemas.microsoft.com/office/drawing/2014/main" id="{0BEA2165-29D3-4EC1-BB7C-A56D98D9439C}"/>
+              </a:ext>
+            </a:extLst>
+          </p:cNvPr>
+          <p:cNvSpPr>
+            <a:spLocks noGrp="1"/>
+          </p:cNvSpPr>
+          <p:nvPr>
+            <p:ph idx="1"/>
+          </p:nvPr>
+        </p:nvSpPr>
+        <p:spPr/>
+        <p:txBody>
+          <a:bodyPr/>
+          <a:lstStyle/>
+          <a:p>
+            <a:r>
+              <a:rPr lang="en-US" dirty="0"/>
+              <a:t>We are interested in the factors that effect GDP per employee (productivity by employee) in both emerging and developing countries.</a:t>
+            </a:r>
+          </a:p>
+          <a:p>
+            <a:r>
+              <a:rPr lang="en-US" dirty="0"/>
+              <a:t>We both have an interest in economics. We thought this would be a fun dataset to work on.</a:t>
+            </a:r>
+          </a:p>
+        </p:txBody>
+      </p:sp>
+    </p:spTree>
+    <p:extLst>
+      <p:ext uri="{BB962C8B-B14F-4D97-AF65-F5344CB8AC3E}">
+        <p14:creationId xmlns:p14="http://schemas.microsoft.com/office/powerpoint/2010/main" val="1473613553"/>
+      </p:ext>
+    </p:extLst>
+  </p:cSld>
+  <p:clrMapOvr>
+    <a:masterClrMapping/>
+  </p:clrMapOvr>
+</p:sld>
+</file>
+
+<file path=ppt/slides/slide3.xml><?xml version="1.0" encoding="utf-8"?>
+<p:sld xmlns:a="http://schemas.openxmlformats.org/drawingml/2006/main" xmlns:r="http://schemas.openxmlformats.org/officeDocument/2006/relationships" xmlns:p="http://schemas.openxmlformats.org/presentationml/2006/main">
+  <p:cSld>
+    <p:bg>
+      <p:bgPr>
+        <a:solidFill>
+          <a:schemeClr val="accent1">
+            <a:lumMod val="20000"/>
+            <a:lumOff val="80000"/>
+          </a:schemeClr>
+        </a:solidFill>
+        <a:effectLst/>
+      </p:bgPr>
+    </p:bg>
+    <p:spTree>
+      <p:nvGrpSpPr>
+        <p:cNvPr id="1" name=""/>
+        <p:cNvGrpSpPr/>
+        <p:nvPr/>
+      </p:nvGrpSpPr>
+      <p:grpSpPr>
+        <a:xfrm>
+          <a:off x="0" y="0"/>
+          <a:ext cx="0" cy="0"/>
+          <a:chOff x="0" y="0"/>
+          <a:chExt cx="0" cy="0"/>
+        </a:xfrm>
+      </p:grpSpPr>
+      <p:sp>
+        <p:nvSpPr>
+          <p:cNvPr id="2" name="Title 1">
+            <a:extLst>
+              <a:ext uri="{FF2B5EF4-FFF2-40B4-BE49-F238E27FC236}">
+                <a16:creationId xmlns:a16="http://schemas.microsoft.com/office/drawing/2014/main" id="{C9C6F9F8-4364-47A6-994D-0F1771690D95}"/>
+              </a:ext>
+            </a:extLst>
+          </p:cNvPr>
+          <p:cNvSpPr>
+            <a:spLocks noGrp="1"/>
+          </p:cNvSpPr>
+          <p:nvPr>
+            <p:ph type="title"/>
+          </p:nvPr>
+        </p:nvSpPr>
+        <p:spPr/>
+        <p:txBody>
+          <a:bodyPr/>
+          <a:lstStyle/>
+          <a:p>
+            <a:r>
+              <a:rPr lang="en-US" dirty="0"/>
+              <a:t>Introduction (RL)</a:t>
+            </a:r>
+          </a:p>
+        </p:txBody>
+      </p:sp>
+      <p:sp>
+        <p:nvSpPr>
+          <p:cNvPr id="3" name="Content Placeholder 2">
+            <a:extLst>
+              <a:ext uri="{FF2B5EF4-FFF2-40B4-BE49-F238E27FC236}">
+                <a16:creationId xmlns:a16="http://schemas.microsoft.com/office/drawing/2014/main" id="{0BEA2165-29D3-4EC1-BB7C-A56D98D9439C}"/>
+              </a:ext>
+            </a:extLst>
+          </p:cNvPr>
+          <p:cNvSpPr>
+            <a:spLocks noGrp="1"/>
+          </p:cNvSpPr>
+          <p:nvPr>
+            <p:ph idx="1"/>
+          </p:nvPr>
+        </p:nvSpPr>
+        <p:spPr/>
+        <p:txBody>
+          <a:bodyPr/>
+          <a:lstStyle/>
+          <a:p>
+            <a:r>
+              <a:rPr lang="en-US" dirty="0"/>
+              <a:t>We want to find meaningful factors that effect employee productivity (GDP per employee) across countries.</a:t>
+            </a:r>
+          </a:p>
+        </p:txBody>
+      </p:sp>
+    </p:spTree>
+    <p:extLst>
+      <p:ext uri="{BB962C8B-B14F-4D97-AF65-F5344CB8AC3E}">
+        <p14:creationId xmlns:p14="http://schemas.microsoft.com/office/powerpoint/2010/main" val="4054092005"/>
+      </p:ext>
+    </p:extLst>
+  </p:cSld>
+  <p:clrMapOvr>
+    <a:masterClrMapping/>
+  </p:clrMapOvr>
+</p:sld>
+</file>
+
+<file path=ppt/slides/slide4.xml><?xml version="1.0" encoding="utf-8"?>
+<p:sld xmlns:a="http://schemas.openxmlformats.org/drawingml/2006/main" xmlns:r="http://schemas.openxmlformats.org/officeDocument/2006/relationships" xmlns:p="http://schemas.openxmlformats.org/presentationml/2006/main">
+  <p:cSld>
+    <p:bg>
+      <p:bgPr>
+        <a:solidFill>
+          <a:schemeClr val="accent1">
+            <a:lumMod val="20000"/>
+            <a:lumOff val="80000"/>
+          </a:schemeClr>
+        </a:solidFill>
+        <a:effectLst/>
+      </p:bgPr>
+    </p:bg>
+    <p:spTree>
+      <p:nvGrpSpPr>
+        <p:cNvPr id="1" name=""/>
+        <p:cNvGrpSpPr/>
+        <p:nvPr/>
+      </p:nvGrpSpPr>
+      <p:grpSpPr>
+        <a:xfrm>
+          <a:off x="0" y="0"/>
+          <a:ext cx="0" cy="0"/>
+          <a:chOff x="0" y="0"/>
+          <a:chExt cx="0" cy="0"/>
+        </a:xfrm>
+      </p:grpSpPr>
+      <p:pic>
+        <p:nvPicPr>
+          <p:cNvPr id="4" name="Content Placeholder 3">
+            <a:extLst>
+              <a:ext uri="{FF2B5EF4-FFF2-40B4-BE49-F238E27FC236}">
+                <a16:creationId xmlns:a16="http://schemas.microsoft.com/office/drawing/2014/main" id="{1D2ED242-10FD-4A2F-B986-7A7DB2A439C2}"/>
+              </a:ext>
+            </a:extLst>
+          </p:cNvPr>
+          <p:cNvPicPr>
+            <a:picLocks noGrp="1" noChangeAspect="1"/>
+          </p:cNvPicPr>
+          <p:nvPr>
+            <p:ph idx="1"/>
+          </p:nvPr>
+        </p:nvPicPr>
+        <p:blipFill rotWithShape="1">
+          <a:blip r:embed="rId2"/>
+          <a:srcRect l="2525" t="4606" r="2283" b="6652"/>
+          <a:stretch/>
+        </p:blipFill>
+        <p:spPr>
+          <a:xfrm>
+            <a:off x="3408630" y="2136913"/>
+            <a:ext cx="5227982" cy="2584174"/>
+          </a:xfrm>
+          <a:prstGeom prst="rect">
+            <a:avLst/>
+          </a:prstGeom>
+        </p:spPr>
+      </p:pic>
+      <p:pic>
+        <p:nvPicPr>
+          <p:cNvPr id="5" name="Picture 4">
+            <a:extLst>
+              <a:ext uri="{FF2B5EF4-FFF2-40B4-BE49-F238E27FC236}">
+                <a16:creationId xmlns:a16="http://schemas.microsoft.com/office/drawing/2014/main" id="{F876D170-BF23-474B-A998-03E46831DDC9}"/>
+              </a:ext>
+            </a:extLst>
+          </p:cNvPr>
+          <p:cNvPicPr>
+            <a:picLocks noChangeAspect="1"/>
+          </p:cNvPicPr>
+          <p:nvPr/>
+        </p:nvPicPr>
+        <p:blipFill>
+          <a:blip r:embed="rId3"/>
+          <a:stretch>
+            <a:fillRect/>
+          </a:stretch>
+        </p:blipFill>
+        <p:spPr>
+          <a:xfrm>
+            <a:off x="10264146" y="377420"/>
+            <a:ext cx="1410911" cy="1906825"/>
+          </a:xfrm>
+          <a:prstGeom prst="rect">
+            <a:avLst/>
+          </a:prstGeom>
+        </p:spPr>
+      </p:pic>
+      <p:pic>
+        <p:nvPicPr>
+          <p:cNvPr id="6" name="Picture 5">
+            <a:extLst>
+              <a:ext uri="{FF2B5EF4-FFF2-40B4-BE49-F238E27FC236}">
+                <a16:creationId xmlns:a16="http://schemas.microsoft.com/office/drawing/2014/main" id="{8C309C9F-951B-454B-94DD-3865F934F585}"/>
+              </a:ext>
+            </a:extLst>
+          </p:cNvPr>
+          <p:cNvPicPr>
+            <a:picLocks noChangeAspect="1"/>
+          </p:cNvPicPr>
+          <p:nvPr/>
+        </p:nvPicPr>
+        <p:blipFill>
+          <a:blip r:embed="rId4"/>
+          <a:stretch>
+            <a:fillRect/>
+          </a:stretch>
+        </p:blipFill>
+        <p:spPr>
+          <a:xfrm>
+            <a:off x="734322" y="3455715"/>
+            <a:ext cx="1247742" cy="1908312"/>
+          </a:xfrm>
+          <a:prstGeom prst="rect">
+            <a:avLst/>
+          </a:prstGeom>
+        </p:spPr>
+      </p:pic>
+      <p:pic>
+        <p:nvPicPr>
+          <p:cNvPr id="7" name="Picture 6">
+            <a:extLst>
+              <a:ext uri="{FF2B5EF4-FFF2-40B4-BE49-F238E27FC236}">
+                <a16:creationId xmlns:a16="http://schemas.microsoft.com/office/drawing/2014/main" id="{CEDB847F-CAED-4661-AD38-3D2A78BE0E2F}"/>
+              </a:ext>
+            </a:extLst>
+          </p:cNvPr>
+          <p:cNvPicPr>
+            <a:picLocks noChangeAspect="1"/>
+          </p:cNvPicPr>
+          <p:nvPr/>
+        </p:nvPicPr>
+        <p:blipFill>
+          <a:blip r:embed="rId5"/>
+          <a:stretch>
+            <a:fillRect/>
+          </a:stretch>
+        </p:blipFill>
+        <p:spPr>
+          <a:xfrm>
+            <a:off x="3016238" y="5155306"/>
+            <a:ext cx="2045588" cy="1426255"/>
+          </a:xfrm>
+          <a:prstGeom prst="rect">
+            <a:avLst/>
+          </a:prstGeom>
+        </p:spPr>
+      </p:pic>
+      <p:pic>
+        <p:nvPicPr>
+          <p:cNvPr id="8" name="Picture 7">
+            <a:extLst>
+              <a:ext uri="{FF2B5EF4-FFF2-40B4-BE49-F238E27FC236}">
+                <a16:creationId xmlns:a16="http://schemas.microsoft.com/office/drawing/2014/main" id="{87653F76-542A-4CB8-ACD4-130C0E5851CA}"/>
+              </a:ext>
+            </a:extLst>
+          </p:cNvPr>
+          <p:cNvPicPr>
+            <a:picLocks noChangeAspect="1"/>
+          </p:cNvPicPr>
+          <p:nvPr/>
+        </p:nvPicPr>
+        <p:blipFill>
+          <a:blip r:embed="rId6"/>
+          <a:stretch>
+            <a:fillRect/>
+          </a:stretch>
+        </p:blipFill>
+        <p:spPr>
+          <a:xfrm>
+            <a:off x="7428670" y="5100917"/>
+            <a:ext cx="1973451" cy="1620078"/>
+          </a:xfrm>
+          <a:prstGeom prst="rect">
+            <a:avLst/>
+          </a:prstGeom>
+        </p:spPr>
+      </p:pic>
+      <p:pic>
+        <p:nvPicPr>
+          <p:cNvPr id="9" name="Picture 8">
+            <a:extLst>
+              <a:ext uri="{FF2B5EF4-FFF2-40B4-BE49-F238E27FC236}">
+                <a16:creationId xmlns:a16="http://schemas.microsoft.com/office/drawing/2014/main" id="{4CD677AD-E36A-486E-85EE-845706959FF9}"/>
+              </a:ext>
+            </a:extLst>
+          </p:cNvPr>
+          <p:cNvPicPr>
+            <a:picLocks noChangeAspect="1"/>
+          </p:cNvPicPr>
+          <p:nvPr/>
+        </p:nvPicPr>
+        <p:blipFill>
+          <a:blip r:embed="rId7"/>
+          <a:stretch>
+            <a:fillRect/>
+          </a:stretch>
+        </p:blipFill>
+        <p:spPr>
+          <a:xfrm>
+            <a:off x="775360" y="276439"/>
+            <a:ext cx="2245829" cy="1721803"/>
+          </a:xfrm>
+          <a:prstGeom prst="rect">
+            <a:avLst/>
+          </a:prstGeom>
+        </p:spPr>
+      </p:pic>
+      <p:pic>
+        <p:nvPicPr>
+          <p:cNvPr id="10" name="Picture 9">
+            <a:extLst>
+              <a:ext uri="{FF2B5EF4-FFF2-40B4-BE49-F238E27FC236}">
+                <a16:creationId xmlns:a16="http://schemas.microsoft.com/office/drawing/2014/main" id="{5473DFF5-C4B7-4B8B-945B-1238434FBFAF}"/>
+              </a:ext>
+            </a:extLst>
+          </p:cNvPr>
+          <p:cNvPicPr>
+            <a:picLocks noChangeAspect="1"/>
+          </p:cNvPicPr>
+          <p:nvPr/>
+        </p:nvPicPr>
+        <p:blipFill>
+          <a:blip r:embed="rId8"/>
+          <a:stretch>
+            <a:fillRect/>
+          </a:stretch>
+        </p:blipFill>
+        <p:spPr>
+          <a:xfrm>
+            <a:off x="6390783" y="139148"/>
+            <a:ext cx="2245829" cy="1617935"/>
+          </a:xfrm>
+          <a:prstGeom prst="rect">
+            <a:avLst/>
+          </a:prstGeom>
+        </p:spPr>
+      </p:pic>
+      <p:cxnSp>
+        <p:nvCxnSpPr>
+          <p:cNvPr id="12" name="Straight Arrow Connector 11">
+            <a:extLst>
+              <a:ext uri="{FF2B5EF4-FFF2-40B4-BE49-F238E27FC236}">
+                <a16:creationId xmlns:a16="http://schemas.microsoft.com/office/drawing/2014/main" id="{2D83F6CD-CB53-41C3-B7A0-F5351186C2E0}"/>
+              </a:ext>
+            </a:extLst>
+          </p:cNvPr>
+          <p:cNvCxnSpPr/>
+          <p:nvPr/>
+        </p:nvCxnSpPr>
+        <p:spPr>
+          <a:xfrm>
+            <a:off x="3021189" y="1461052"/>
+            <a:ext cx="527081" cy="675861"/>
+          </a:xfrm>
+          <a:prstGeom prst="straightConnector1">
+            <a:avLst/>
+          </a:prstGeom>
+          <a:ln>
+            <a:tailEnd type="triangle"/>
+          </a:ln>
+        </p:spPr>
+        <p:style>
+          <a:lnRef idx="1">
+            <a:schemeClr val="accent1"/>
+          </a:lnRef>
+          <a:fillRef idx="0">
+            <a:schemeClr val="accent1"/>
+          </a:fillRef>
+          <a:effectRef idx="0">
+            <a:schemeClr val="accent1"/>
+          </a:effectRef>
+          <a:fontRef idx="minor">
+            <a:schemeClr val="tx1"/>
+          </a:fontRef>
+        </p:style>
+      </p:cxnSp>
+      <p:cxnSp>
+        <p:nvCxnSpPr>
+          <p:cNvPr id="13" name="Straight Arrow Connector 12">
+            <a:extLst>
+              <a:ext uri="{FF2B5EF4-FFF2-40B4-BE49-F238E27FC236}">
+                <a16:creationId xmlns:a16="http://schemas.microsoft.com/office/drawing/2014/main" id="{3D76C36A-D7E0-4082-A947-3F79C60EA01E}"/>
+              </a:ext>
+            </a:extLst>
+          </p:cNvPr>
+          <p:cNvCxnSpPr>
+            <a:cxnSpLocks/>
+          </p:cNvCxnSpPr>
+          <p:nvPr/>
+        </p:nvCxnSpPr>
+        <p:spPr>
+          <a:xfrm flipV="1">
+            <a:off x="2220830" y="4417321"/>
+            <a:ext cx="1063899" cy="254070"/>
+          </a:xfrm>
+          <a:prstGeom prst="straightConnector1">
+            <a:avLst/>
+          </a:prstGeom>
+          <a:ln>
+            <a:tailEnd type="triangle"/>
+          </a:ln>
+        </p:spPr>
+        <p:style>
+          <a:lnRef idx="1">
+            <a:schemeClr val="accent1"/>
+          </a:lnRef>
+          <a:fillRef idx="0">
+            <a:schemeClr val="accent1"/>
+          </a:fillRef>
+          <a:effectRef idx="0">
+            <a:schemeClr val="accent1"/>
+          </a:effectRef>
+          <a:fontRef idx="minor">
+            <a:schemeClr val="tx1"/>
+          </a:fontRef>
+        </p:style>
+      </p:cxnSp>
+      <p:cxnSp>
+        <p:nvCxnSpPr>
+          <p:cNvPr id="15" name="Straight Arrow Connector 14">
+            <a:extLst>
+              <a:ext uri="{FF2B5EF4-FFF2-40B4-BE49-F238E27FC236}">
+                <a16:creationId xmlns:a16="http://schemas.microsoft.com/office/drawing/2014/main" id="{A9D2223C-983E-4BA3-9B43-BE6313ECA44E}"/>
+              </a:ext>
+            </a:extLst>
+          </p:cNvPr>
+          <p:cNvCxnSpPr>
+            <a:cxnSpLocks/>
+          </p:cNvCxnSpPr>
+          <p:nvPr/>
+        </p:nvCxnSpPr>
+        <p:spPr>
+          <a:xfrm flipV="1">
+            <a:off x="4880113" y="4708663"/>
+            <a:ext cx="494488" cy="688285"/>
+          </a:xfrm>
+          <a:prstGeom prst="straightConnector1">
+            <a:avLst/>
+          </a:prstGeom>
+          <a:ln>
+            <a:tailEnd type="triangle"/>
+          </a:ln>
+        </p:spPr>
+        <p:style>
+          <a:lnRef idx="1">
+            <a:schemeClr val="accent1"/>
+          </a:lnRef>
+          <a:fillRef idx="0">
+            <a:schemeClr val="accent1"/>
+          </a:fillRef>
+          <a:effectRef idx="0">
+            <a:schemeClr val="accent1"/>
+          </a:effectRef>
+          <a:fontRef idx="minor">
+            <a:schemeClr val="tx1"/>
+          </a:fontRef>
+        </p:style>
+      </p:cxnSp>
+      <p:cxnSp>
+        <p:nvCxnSpPr>
+          <p:cNvPr id="17" name="Straight Arrow Connector 16">
+            <a:extLst>
+              <a:ext uri="{FF2B5EF4-FFF2-40B4-BE49-F238E27FC236}">
+                <a16:creationId xmlns:a16="http://schemas.microsoft.com/office/drawing/2014/main" id="{5AB144F9-8235-489D-9CED-1F6A7DAED3D8}"/>
+              </a:ext>
+            </a:extLst>
+          </p:cNvPr>
+          <p:cNvCxnSpPr>
+            <a:cxnSpLocks/>
+          </p:cNvCxnSpPr>
+          <p:nvPr/>
+        </p:nvCxnSpPr>
+        <p:spPr>
+          <a:xfrm flipH="1" flipV="1">
+            <a:off x="7007087" y="4799048"/>
+            <a:ext cx="220080" cy="860668"/>
+          </a:xfrm>
+          <a:prstGeom prst="straightConnector1">
+            <a:avLst/>
+          </a:prstGeom>
+          <a:ln>
+            <a:tailEnd type="triangle"/>
+          </a:ln>
+        </p:spPr>
+        <p:style>
+          <a:lnRef idx="1">
+            <a:schemeClr val="accent1"/>
+          </a:lnRef>
+          <a:fillRef idx="0">
+            <a:schemeClr val="accent1"/>
+          </a:fillRef>
+          <a:effectRef idx="0">
+            <a:schemeClr val="accent1"/>
+          </a:effectRef>
+          <a:fontRef idx="minor">
+            <a:schemeClr val="tx1"/>
+          </a:fontRef>
+        </p:style>
+      </p:cxnSp>
+      <p:cxnSp>
+        <p:nvCxnSpPr>
+          <p:cNvPr id="19" name="Straight Arrow Connector 18">
+            <a:extLst>
+              <a:ext uri="{FF2B5EF4-FFF2-40B4-BE49-F238E27FC236}">
+                <a16:creationId xmlns:a16="http://schemas.microsoft.com/office/drawing/2014/main" id="{78F04387-2101-496E-85C4-296D2FEFB6D7}"/>
+              </a:ext>
+            </a:extLst>
+          </p:cNvPr>
+          <p:cNvCxnSpPr>
+            <a:cxnSpLocks/>
+          </p:cNvCxnSpPr>
+          <p:nvPr/>
+        </p:nvCxnSpPr>
+        <p:spPr>
+          <a:xfrm flipH="1">
+            <a:off x="8636612" y="1904614"/>
+            <a:ext cx="1763005" cy="667409"/>
+          </a:xfrm>
+          <a:prstGeom prst="straightConnector1">
+            <a:avLst/>
+          </a:prstGeom>
+          <a:ln>
+            <a:tailEnd type="triangle"/>
+          </a:ln>
+        </p:spPr>
+        <p:style>
+          <a:lnRef idx="1">
+            <a:schemeClr val="accent1"/>
+          </a:lnRef>
+          <a:fillRef idx="0">
+            <a:schemeClr val="accent1"/>
+          </a:fillRef>
+          <a:effectRef idx="0">
+            <a:schemeClr val="accent1"/>
+          </a:effectRef>
+          <a:fontRef idx="minor">
+            <a:schemeClr val="tx1"/>
+          </a:fontRef>
+        </p:style>
+      </p:cxnSp>
+      <p:cxnSp>
+        <p:nvCxnSpPr>
+          <p:cNvPr id="21" name="Straight Arrow Connector 20">
+            <a:extLst>
+              <a:ext uri="{FF2B5EF4-FFF2-40B4-BE49-F238E27FC236}">
+                <a16:creationId xmlns:a16="http://schemas.microsoft.com/office/drawing/2014/main" id="{8EF3DB78-58B8-4CA0-A5BA-55195E975D73}"/>
+              </a:ext>
+            </a:extLst>
+          </p:cNvPr>
+          <p:cNvCxnSpPr>
+            <a:cxnSpLocks/>
+          </p:cNvCxnSpPr>
+          <p:nvPr/>
+        </p:nvCxnSpPr>
+        <p:spPr>
+          <a:xfrm flipH="1">
+            <a:off x="6510130" y="1330833"/>
+            <a:ext cx="208650" cy="602854"/>
+          </a:xfrm>
+          <a:prstGeom prst="straightConnector1">
+            <a:avLst/>
+          </a:prstGeom>
+          <a:ln>
+            <a:tailEnd type="triangle"/>
+          </a:ln>
+        </p:spPr>
+        <p:style>
+          <a:lnRef idx="1">
+            <a:schemeClr val="accent1"/>
+          </a:lnRef>
+          <a:fillRef idx="0">
+            <a:schemeClr val="accent1"/>
+          </a:fillRef>
+          <a:effectRef idx="0">
+            <a:schemeClr val="accent1"/>
+          </a:effectRef>
+          <a:fontRef idx="minor">
+            <a:schemeClr val="tx1"/>
+          </a:fontRef>
+        </p:style>
+      </p:cxnSp>
+      <p:pic>
+        <p:nvPicPr>
+          <p:cNvPr id="24" name="Picture 23">
+            <a:extLst>
+              <a:ext uri="{FF2B5EF4-FFF2-40B4-BE49-F238E27FC236}">
+                <a16:creationId xmlns:a16="http://schemas.microsoft.com/office/drawing/2014/main" id="{55526A4B-B45F-434D-B2E8-F38AC277D2B0}"/>
+              </a:ext>
+            </a:extLst>
+          </p:cNvPr>
+          <p:cNvPicPr>
+            <a:picLocks noChangeAspect="1"/>
+          </p:cNvPicPr>
+          <p:nvPr/>
+        </p:nvPicPr>
+        <p:blipFill>
+          <a:blip r:embed="rId9"/>
+          <a:stretch>
+            <a:fillRect/>
+          </a:stretch>
+        </p:blipFill>
+        <p:spPr>
+          <a:xfrm>
+            <a:off x="10264146" y="3474451"/>
+            <a:ext cx="1667708" cy="1922497"/>
+          </a:xfrm>
+          <a:prstGeom prst="rect">
+            <a:avLst/>
+          </a:prstGeom>
+        </p:spPr>
+      </p:pic>
+      <p:cxnSp>
+        <p:nvCxnSpPr>
+          <p:cNvPr id="30" name="Straight Arrow Connector 29">
+            <a:extLst>
+              <a:ext uri="{FF2B5EF4-FFF2-40B4-BE49-F238E27FC236}">
+                <a16:creationId xmlns:a16="http://schemas.microsoft.com/office/drawing/2014/main" id="{E4DB61C7-F3AF-4766-AD88-69268C026AFC}"/>
+              </a:ext>
+            </a:extLst>
+          </p:cNvPr>
+          <p:cNvCxnSpPr>
+            <a:cxnSpLocks/>
+          </p:cNvCxnSpPr>
+          <p:nvPr/>
+        </p:nvCxnSpPr>
+        <p:spPr>
+          <a:xfrm flipH="1" flipV="1">
+            <a:off x="8760514" y="3619262"/>
+            <a:ext cx="1639103" cy="666716"/>
+          </a:xfrm>
+          <a:prstGeom prst="straightConnector1">
+            <a:avLst/>
+          </a:prstGeom>
+          <a:ln>
+            <a:tailEnd type="triangle"/>
+          </a:ln>
+        </p:spPr>
+        <p:style>
+          <a:lnRef idx="1">
+            <a:schemeClr val="accent1"/>
+          </a:lnRef>
+          <a:fillRef idx="0">
+            <a:schemeClr val="accent1"/>
+          </a:fillRef>
+          <a:effectRef idx="0">
+            <a:schemeClr val="accent1"/>
+          </a:effectRef>
+          <a:fontRef idx="minor">
+            <a:schemeClr val="tx1"/>
+          </a:fontRef>
+        </p:style>
+      </p:cxnSp>
+    </p:spTree>
+    <p:extLst>
+      <p:ext uri="{BB962C8B-B14F-4D97-AF65-F5344CB8AC3E}">
+        <p14:creationId xmlns:p14="http://schemas.microsoft.com/office/powerpoint/2010/main" val="1940992010"/>
+      </p:ext>
+    </p:extLst>
+  </p:cSld>
+  <p:clrMapOvr>
+    <a:masterClrMapping/>
+  </p:clrMapOvr>
+  <p:timing>
+    <p:tnLst>
+      <p:par>
+        <p:cTn id="1" dur="indefinite" restart="never" nodeType="tmRoot">
+          <p:childTnLst>
+            <p:seq concurrent="1" nextAc="seek">
+              <p:cTn id="2" dur="indefinite" nodeType="mainSeq">
+                <p:childTnLst>
+                  <p:par>
+                    <p:cTn id="3" fill="hold">
+                      <p:stCondLst>
+                        <p:cond delay="indefinite"/>
+                      </p:stCondLst>
+                      <p:childTnLst>
+                        <p:par>
+                          <p:cTn id="4" fill="hold">
+                            <p:stCondLst>
+                              <p:cond delay="0"/>
+                            </p:stCondLst>
+                            <p:childTnLst>
+                              <p:par>
+                                <p:cTn id="5" presetID="42" presetClass="entr" presetSubtype="0" fill="hold" nodeType="clickEffect">
+                                  <p:stCondLst>
+                                    <p:cond delay="0"/>
+                                  </p:stCondLst>
+                                  <p:childTnLst>
+                                    <p:set>
+                                      <p:cBhvr>
+                                        <p:cTn id="6" dur="1" fill="hold">
+                                          <p:stCondLst>
+                                            <p:cond delay="0"/>
+                                          </p:stCondLst>
+                                        </p:cTn>
+                                        <p:tgtEl>
+                                          <p:spTgt spid="5"/>
+                                        </p:tgtEl>
+                                        <p:attrNameLst>
+                                          <p:attrName>style.visibility</p:attrName>
+                                        </p:attrNameLst>
+                                      </p:cBhvr>
+                                      <p:to>
+                                        <p:strVal val="visible"/>
+                                      </p:to>
+                                    </p:set>
+                                    <p:animEffect transition="in" filter="fade">
+                                      <p:cBhvr>
+                                        <p:cTn id="7" dur="1000"/>
+                                        <p:tgtEl>
+                                          <p:spTgt spid="5"/>
+                                        </p:tgtEl>
+                                      </p:cBhvr>
+                                    </p:animEffect>
+                                    <p:anim calcmode="lin" valueType="num">
+                                      <p:cBhvr>
+                                        <p:cTn id="8" dur="1000" fill="hold"/>
+                                        <p:tgtEl>
+                                          <p:spTgt spid="5"/>
+                                        </p:tgtEl>
+                                        <p:attrNameLst>
+                                          <p:attrName>ppt_x</p:attrName>
+                                        </p:attrNameLst>
+                                      </p:cBhvr>
+                                      <p:tavLst>
+                                        <p:tav tm="0">
+                                          <p:val>
+                                            <p:strVal val="#ppt_x"/>
+                                          </p:val>
+                                        </p:tav>
+                                        <p:tav tm="100000">
+                                          <p:val>
+                                            <p:strVal val="#ppt_x"/>
+                                          </p:val>
+                                        </p:tav>
+                                      </p:tavLst>
+                                    </p:anim>
+                                    <p:anim calcmode="lin" valueType="num">
+                                      <p:cBhvr>
+                                        <p:cTn id="9" dur="1000" fill="hold"/>
+                                        <p:tgtEl>
+                                          <p:spTgt spid="5"/>
+                                        </p:tgtEl>
+                                        <p:attrNameLst>
+                                          <p:attrName>ppt_y</p:attrName>
+                                        </p:attrNameLst>
+                                      </p:cBhvr>
+                                      <p:tavLst>
+                                        <p:tav tm="0">
+                                          <p:val>
+                                            <p:strVal val="#ppt_y+.1"/>
+                                          </p:val>
+                                        </p:tav>
+                                        <p:tav tm="100000">
+                                          <p:val>
+                                            <p:strVal val="#ppt_y"/>
+                                          </p:val>
+                                        </p:tav>
+                                      </p:tavLst>
+                                    </p:anim>
+                                  </p:childTnLst>
+                                </p:cTn>
+                              </p:par>
+                              <p:par>
+                                <p:cTn id="10" presetID="42" presetClass="entr" presetSubtype="0" fill="hold" nodeType="withEffect">
+                                  <p:stCondLst>
+                                    <p:cond delay="0"/>
+                                  </p:stCondLst>
+                                  <p:childTnLst>
+                                    <p:set>
+                                      <p:cBhvr>
+                                        <p:cTn id="11" dur="1" fill="hold">
+                                          <p:stCondLst>
+                                            <p:cond delay="0"/>
+                                          </p:stCondLst>
+                                        </p:cTn>
+                                        <p:tgtEl>
+                                          <p:spTgt spid="19"/>
+                                        </p:tgtEl>
+                                        <p:attrNameLst>
+                                          <p:attrName>style.visibility</p:attrName>
+                                        </p:attrNameLst>
+                                      </p:cBhvr>
+                                      <p:to>
+                                        <p:strVal val="visible"/>
+                                      </p:to>
+                                    </p:set>
+                                    <p:animEffect transition="in" filter="fade">
+                                      <p:cBhvr>
+                                        <p:cTn id="12" dur="1000"/>
+                                        <p:tgtEl>
+                                          <p:spTgt spid="19"/>
+                                        </p:tgtEl>
+                                      </p:cBhvr>
+                                    </p:animEffect>
+                                    <p:anim calcmode="lin" valueType="num">
+                                      <p:cBhvr>
+                                        <p:cTn id="13" dur="1000" fill="hold"/>
+                                        <p:tgtEl>
+                                          <p:spTgt spid="19"/>
+                                        </p:tgtEl>
+                                        <p:attrNameLst>
+                                          <p:attrName>ppt_x</p:attrName>
+                                        </p:attrNameLst>
+                                      </p:cBhvr>
+                                      <p:tavLst>
+                                        <p:tav tm="0">
+                                          <p:val>
+                                            <p:strVal val="#ppt_x"/>
+                                          </p:val>
+                                        </p:tav>
+                                        <p:tav tm="100000">
+                                          <p:val>
+                                            <p:strVal val="#ppt_x"/>
+                                          </p:val>
+                                        </p:tav>
+                                      </p:tavLst>
+                                    </p:anim>
+                                    <p:anim calcmode="lin" valueType="num">
+                                      <p:cBhvr>
+                                        <p:cTn id="14" dur="1000" fill="hold"/>
+                                        <p:tgtEl>
+                                          <p:spTgt spid="19"/>
+                                        </p:tgtEl>
+                                        <p:attrNameLst>
+                                          <p:attrName>ppt_y</p:attrName>
+                                        </p:attrNameLst>
+                                      </p:cBhvr>
+                                      <p:tavLst>
+                                        <p:tav tm="0">
+                                          <p:val>
+                                            <p:strVal val="#ppt_y+.1"/>
+                                          </p:val>
+                                        </p:tav>
+                                        <p:tav tm="100000">
+                                          <p:val>
+                                            <p:strVal val="#ppt_y"/>
+                                          </p:val>
+                                        </p:tav>
+                                      </p:tavLst>
+                                    </p:anim>
+                                  </p:childTnLst>
+                                </p:cTn>
+                              </p:par>
+                            </p:childTnLst>
+                          </p:cTn>
+                        </p:par>
+                      </p:childTnLst>
+                    </p:cTn>
+                  </p:par>
+                  <p:par>
+                    <p:cTn id="15" fill="hold">
+                      <p:stCondLst>
+                        <p:cond delay="indefinite"/>
+                      </p:stCondLst>
+                      <p:childTnLst>
+                        <p:par>
+                          <p:cTn id="16" fill="hold">
+                            <p:stCondLst>
+                              <p:cond delay="0"/>
+                            </p:stCondLst>
+                            <p:childTnLst>
+                              <p:par>
+                                <p:cTn id="17" presetID="42" presetClass="entr" presetSubtype="0" fill="hold" nodeType="clickEffect">
+                                  <p:stCondLst>
+                                    <p:cond delay="0"/>
+                                  </p:stCondLst>
+                                  <p:childTnLst>
+                                    <p:set>
+                                      <p:cBhvr>
+                                        <p:cTn id="18" dur="1" fill="hold">
+                                          <p:stCondLst>
+                                            <p:cond delay="0"/>
+                                          </p:stCondLst>
+                                        </p:cTn>
+                                        <p:tgtEl>
+                                          <p:spTgt spid="21"/>
+                                        </p:tgtEl>
+                                        <p:attrNameLst>
+                                          <p:attrName>style.visibility</p:attrName>
+                                        </p:attrNameLst>
+                                      </p:cBhvr>
+                                      <p:to>
+                                        <p:strVal val="visible"/>
+                                      </p:to>
+                                    </p:set>
+                                    <p:animEffect transition="in" filter="fade">
+                                      <p:cBhvr>
+                                        <p:cTn id="19" dur="1000"/>
+                                        <p:tgtEl>
+                                          <p:spTgt spid="21"/>
+                                        </p:tgtEl>
+                                      </p:cBhvr>
+                                    </p:animEffect>
+                                    <p:anim calcmode="lin" valueType="num">
+                                      <p:cBhvr>
+                                        <p:cTn id="20" dur="1000" fill="hold"/>
+                                        <p:tgtEl>
+                                          <p:spTgt spid="21"/>
+                                        </p:tgtEl>
+                                        <p:attrNameLst>
+                                          <p:attrName>ppt_x</p:attrName>
+                                        </p:attrNameLst>
+                                      </p:cBhvr>
+                                      <p:tavLst>
+                                        <p:tav tm="0">
+                                          <p:val>
+                                            <p:strVal val="#ppt_x"/>
+                                          </p:val>
+                                        </p:tav>
+                                        <p:tav tm="100000">
+                                          <p:val>
+                                            <p:strVal val="#ppt_x"/>
+                                          </p:val>
+                                        </p:tav>
+                                      </p:tavLst>
+                                    </p:anim>
+                                    <p:anim calcmode="lin" valueType="num">
+                                      <p:cBhvr>
+                                        <p:cTn id="21" dur="1000" fill="hold"/>
+                                        <p:tgtEl>
+                                          <p:spTgt spid="21"/>
+                                        </p:tgtEl>
+                                        <p:attrNameLst>
+                                          <p:attrName>ppt_y</p:attrName>
+                                        </p:attrNameLst>
+                                      </p:cBhvr>
+                                      <p:tavLst>
+                                        <p:tav tm="0">
+                                          <p:val>
+                                            <p:strVal val="#ppt_y+.1"/>
+                                          </p:val>
+                                        </p:tav>
+                                        <p:tav tm="100000">
+                                          <p:val>
+                                            <p:strVal val="#ppt_y"/>
+                                          </p:val>
+                                        </p:tav>
+                                      </p:tavLst>
+                                    </p:anim>
+                                  </p:childTnLst>
+                                </p:cTn>
+                              </p:par>
+                              <p:par>
+                                <p:cTn id="22" presetID="42" presetClass="entr" presetSubtype="0" fill="hold" nodeType="withEffect">
+                                  <p:stCondLst>
+                                    <p:cond delay="0"/>
+                                  </p:stCondLst>
+                                  <p:childTnLst>
+                                    <p:set>
+                                      <p:cBhvr>
+                                        <p:cTn id="23" dur="1" fill="hold">
+                                          <p:stCondLst>
+                                            <p:cond delay="0"/>
+                                          </p:stCondLst>
+                                        </p:cTn>
+                                        <p:tgtEl>
+                                          <p:spTgt spid="10"/>
+                                        </p:tgtEl>
+                                        <p:attrNameLst>
+                                          <p:attrName>style.visibility</p:attrName>
+                                        </p:attrNameLst>
+                                      </p:cBhvr>
+                                      <p:to>
+                                        <p:strVal val="visible"/>
+                                      </p:to>
+                                    </p:set>
+                                    <p:animEffect transition="in" filter="fade">
+                                      <p:cBhvr>
+                                        <p:cTn id="24" dur="1000"/>
+                                        <p:tgtEl>
+                                          <p:spTgt spid="10"/>
+                                        </p:tgtEl>
+                                      </p:cBhvr>
+                                    </p:animEffect>
+                                    <p:anim calcmode="lin" valueType="num">
+                                      <p:cBhvr>
+                                        <p:cTn id="25" dur="1000" fill="hold"/>
+                                        <p:tgtEl>
+                                          <p:spTgt spid="10"/>
+                                        </p:tgtEl>
+                                        <p:attrNameLst>
+                                          <p:attrName>ppt_x</p:attrName>
+                                        </p:attrNameLst>
+                                      </p:cBhvr>
+                                      <p:tavLst>
+                                        <p:tav tm="0">
+                                          <p:val>
+                                            <p:strVal val="#ppt_x"/>
+                                          </p:val>
+                                        </p:tav>
+                                        <p:tav tm="100000">
+                                          <p:val>
+                                            <p:strVal val="#ppt_x"/>
+                                          </p:val>
+                                        </p:tav>
+                                      </p:tavLst>
+                                    </p:anim>
+                                    <p:anim calcmode="lin" valueType="num">
+                                      <p:cBhvr>
+                                        <p:cTn id="26" dur="1000" fill="hold"/>
+                                        <p:tgtEl>
+                                          <p:spTgt spid="10"/>
+                                        </p:tgtEl>
+                                        <p:attrNameLst>
+                                          <p:attrName>ppt_y</p:attrName>
+                                        </p:attrNameLst>
+                                      </p:cBhvr>
+                                      <p:tavLst>
+                                        <p:tav tm="0">
+                                          <p:val>
+                                            <p:strVal val="#ppt_y+.1"/>
+                                          </p:val>
+                                        </p:tav>
+                                        <p:tav tm="100000">
+                                          <p:val>
+                                            <p:strVal val="#ppt_y"/>
+                                          </p:val>
+                                        </p:tav>
+                                      </p:tavLst>
+                                    </p:anim>
+                                  </p:childTnLst>
+                                </p:cTn>
+                              </p:par>
+                            </p:childTnLst>
+                          </p:cTn>
+                        </p:par>
+                      </p:childTnLst>
+                    </p:cTn>
+                  </p:par>
+                  <p:par>
+                    <p:cTn id="27" fill="hold">
+                      <p:stCondLst>
+                        <p:cond delay="indefinite"/>
+                      </p:stCondLst>
+                      <p:childTnLst>
+                        <p:par>
+                          <p:cTn id="28" fill="hold">
+                            <p:stCondLst>
+                              <p:cond delay="0"/>
+                            </p:stCondLst>
+                            <p:childTnLst>
+                              <p:par>
+                                <p:cTn id="29" presetID="42" presetClass="entr" presetSubtype="0" fill="hold" nodeType="clickEffect">
+                                  <p:stCondLst>
+                                    <p:cond delay="0"/>
+                                  </p:stCondLst>
+                                  <p:childTnLst>
+                                    <p:set>
+                                      <p:cBhvr>
+                                        <p:cTn id="30" dur="1" fill="hold">
+                                          <p:stCondLst>
+                                            <p:cond delay="0"/>
+                                          </p:stCondLst>
+                                        </p:cTn>
+                                        <p:tgtEl>
+                                          <p:spTgt spid="9"/>
+                                        </p:tgtEl>
+                                        <p:attrNameLst>
+                                          <p:attrName>style.visibility</p:attrName>
+                                        </p:attrNameLst>
+                                      </p:cBhvr>
+                                      <p:to>
+                                        <p:strVal val="visible"/>
+                                      </p:to>
+                                    </p:set>
+                                    <p:animEffect transition="in" filter="fade">
+                                      <p:cBhvr>
+                                        <p:cTn id="31" dur="1000"/>
+                                        <p:tgtEl>
+                                          <p:spTgt spid="9"/>
+                                        </p:tgtEl>
+                                      </p:cBhvr>
+                                    </p:animEffect>
+                                    <p:anim calcmode="lin" valueType="num">
+                                      <p:cBhvr>
+                                        <p:cTn id="32" dur="1000" fill="hold"/>
+                                        <p:tgtEl>
+                                          <p:spTgt spid="9"/>
+                                        </p:tgtEl>
+                                        <p:attrNameLst>
+                                          <p:attrName>ppt_x</p:attrName>
+                                        </p:attrNameLst>
+                                      </p:cBhvr>
+                                      <p:tavLst>
+                                        <p:tav tm="0">
+                                          <p:val>
+                                            <p:strVal val="#ppt_x"/>
+                                          </p:val>
+                                        </p:tav>
+                                        <p:tav tm="100000">
+                                          <p:val>
+                                            <p:strVal val="#ppt_x"/>
+                                          </p:val>
+                                        </p:tav>
+                                      </p:tavLst>
+                                    </p:anim>
+                                    <p:anim calcmode="lin" valueType="num">
+                                      <p:cBhvr>
+                                        <p:cTn id="33" dur="1000" fill="hold"/>
+                                        <p:tgtEl>
+                                          <p:spTgt spid="9"/>
+                                        </p:tgtEl>
+                                        <p:attrNameLst>
+                                          <p:attrName>ppt_y</p:attrName>
+                                        </p:attrNameLst>
+                                      </p:cBhvr>
+                                      <p:tavLst>
+                                        <p:tav tm="0">
+                                          <p:val>
+                                            <p:strVal val="#ppt_y+.1"/>
+                                          </p:val>
+                                        </p:tav>
+                                        <p:tav tm="100000">
+                                          <p:val>
+                                            <p:strVal val="#ppt_y"/>
+                                          </p:val>
+                                        </p:tav>
+                                      </p:tavLst>
+                                    </p:anim>
+                                  </p:childTnLst>
+                                </p:cTn>
+                              </p:par>
+                              <p:par>
+                                <p:cTn id="34" presetID="42" presetClass="entr" presetSubtype="0" fill="hold" nodeType="withEffect">
+                                  <p:stCondLst>
+                                    <p:cond delay="0"/>
+                                  </p:stCondLst>
+                                  <p:childTnLst>
+                                    <p:set>
+                                      <p:cBhvr>
+                                        <p:cTn id="35" dur="1" fill="hold">
+                                          <p:stCondLst>
+                                            <p:cond delay="0"/>
+                                          </p:stCondLst>
+                                        </p:cTn>
+                                        <p:tgtEl>
+                                          <p:spTgt spid="12"/>
+                                        </p:tgtEl>
+                                        <p:attrNameLst>
+                                          <p:attrName>style.visibility</p:attrName>
+                                        </p:attrNameLst>
+                                      </p:cBhvr>
+                                      <p:to>
+                                        <p:strVal val="visible"/>
+                                      </p:to>
+                                    </p:set>
+                                    <p:animEffect transition="in" filter="fade">
+                                      <p:cBhvr>
+                                        <p:cTn id="36" dur="1000"/>
+                                        <p:tgtEl>
+                                          <p:spTgt spid="12"/>
+                                        </p:tgtEl>
+                                      </p:cBhvr>
+                                    </p:animEffect>
+                                    <p:anim calcmode="lin" valueType="num">
+                                      <p:cBhvr>
+                                        <p:cTn id="37" dur="1000" fill="hold"/>
+                                        <p:tgtEl>
+                                          <p:spTgt spid="12"/>
+                                        </p:tgtEl>
+                                        <p:attrNameLst>
+                                          <p:attrName>ppt_x</p:attrName>
+                                        </p:attrNameLst>
+                                      </p:cBhvr>
+                                      <p:tavLst>
+                                        <p:tav tm="0">
+                                          <p:val>
+                                            <p:strVal val="#ppt_x"/>
+                                          </p:val>
+                                        </p:tav>
+                                        <p:tav tm="100000">
+                                          <p:val>
+                                            <p:strVal val="#ppt_x"/>
+                                          </p:val>
+                                        </p:tav>
+                                      </p:tavLst>
+                                    </p:anim>
+                                    <p:anim calcmode="lin" valueType="num">
+                                      <p:cBhvr>
+                                        <p:cTn id="38" dur="1000" fill="hold"/>
+                                        <p:tgtEl>
+                                          <p:spTgt spid="12"/>
+                                        </p:tgtEl>
+                                        <p:attrNameLst>
+                                          <p:attrName>ppt_y</p:attrName>
+                                        </p:attrNameLst>
+                                      </p:cBhvr>
+                                      <p:tavLst>
+                                        <p:tav tm="0">
+                                          <p:val>
+                                            <p:strVal val="#ppt_y+.1"/>
+                                          </p:val>
+                                        </p:tav>
+                                        <p:tav tm="100000">
+                                          <p:val>
+                                            <p:strVal val="#ppt_y"/>
+                                          </p:val>
+                                        </p:tav>
+                                      </p:tavLst>
+                                    </p:anim>
+                                  </p:childTnLst>
+                                </p:cTn>
+                              </p:par>
+                            </p:childTnLst>
+                          </p:cTn>
+                        </p:par>
+                      </p:childTnLst>
+                    </p:cTn>
+                  </p:par>
+                  <p:par>
+                    <p:cTn id="39" fill="hold">
+                      <p:stCondLst>
+                        <p:cond delay="indefinite"/>
+                      </p:stCondLst>
+                      <p:childTnLst>
+                        <p:par>
+                          <p:cTn id="40" fill="hold">
+                            <p:stCondLst>
+                              <p:cond delay="0"/>
+                            </p:stCondLst>
+                            <p:childTnLst>
+                              <p:par>
+                                <p:cTn id="41" presetID="42" presetClass="entr" presetSubtype="0" fill="hold" nodeType="clickEffect">
+                                  <p:stCondLst>
+                                    <p:cond delay="0"/>
+                                  </p:stCondLst>
+                                  <p:childTnLst>
+                                    <p:set>
+                                      <p:cBhvr>
+                                        <p:cTn id="42" dur="1" fill="hold">
+                                          <p:stCondLst>
+                                            <p:cond delay="0"/>
+                                          </p:stCondLst>
+                                        </p:cTn>
+                                        <p:tgtEl>
+                                          <p:spTgt spid="6"/>
+                                        </p:tgtEl>
+                                        <p:attrNameLst>
+                                          <p:attrName>style.visibility</p:attrName>
+                                        </p:attrNameLst>
+                                      </p:cBhvr>
+                                      <p:to>
+                                        <p:strVal val="visible"/>
+                                      </p:to>
+                                    </p:set>
+                                    <p:animEffect transition="in" filter="fade">
+                                      <p:cBhvr>
+                                        <p:cTn id="43" dur="1000"/>
+                                        <p:tgtEl>
+                                          <p:spTgt spid="6"/>
+                                        </p:tgtEl>
+                                      </p:cBhvr>
+                                    </p:animEffect>
+                                    <p:anim calcmode="lin" valueType="num">
+                                      <p:cBhvr>
+                                        <p:cTn id="44" dur="1000" fill="hold"/>
+                                        <p:tgtEl>
+                                          <p:spTgt spid="6"/>
+                                        </p:tgtEl>
+                                        <p:attrNameLst>
+                                          <p:attrName>ppt_x</p:attrName>
+                                        </p:attrNameLst>
+                                      </p:cBhvr>
+                                      <p:tavLst>
+                                        <p:tav tm="0">
+                                          <p:val>
+                                            <p:strVal val="#ppt_x"/>
+                                          </p:val>
+                                        </p:tav>
+                                        <p:tav tm="100000">
+                                          <p:val>
+                                            <p:strVal val="#ppt_x"/>
+                                          </p:val>
+                                        </p:tav>
+                                      </p:tavLst>
+                                    </p:anim>
+                                    <p:anim calcmode="lin" valueType="num">
+                                      <p:cBhvr>
+                                        <p:cTn id="45" dur="1000" fill="hold"/>
+                                        <p:tgtEl>
+                                          <p:spTgt spid="6"/>
+                                        </p:tgtEl>
+                                        <p:attrNameLst>
+                                          <p:attrName>ppt_y</p:attrName>
+                                        </p:attrNameLst>
+                                      </p:cBhvr>
+                                      <p:tavLst>
+                                        <p:tav tm="0">
+                                          <p:val>
+                                            <p:strVal val="#ppt_y+.1"/>
+                                          </p:val>
+                                        </p:tav>
+                                        <p:tav tm="100000">
+                                          <p:val>
+                                            <p:strVal val="#ppt_y"/>
+                                          </p:val>
+                                        </p:tav>
+                                      </p:tavLst>
+                                    </p:anim>
+                                  </p:childTnLst>
+                                </p:cTn>
+                              </p:par>
+                              <p:par>
+                                <p:cTn id="46" presetID="42" presetClass="entr" presetSubtype="0" fill="hold" nodeType="withEffect">
+                                  <p:stCondLst>
+                                    <p:cond delay="0"/>
+                                  </p:stCondLst>
+                                  <p:childTnLst>
+                                    <p:set>
+                                      <p:cBhvr>
+                                        <p:cTn id="47" dur="1" fill="hold">
+                                          <p:stCondLst>
+                                            <p:cond delay="0"/>
+                                          </p:stCondLst>
+                                        </p:cTn>
+                                        <p:tgtEl>
+                                          <p:spTgt spid="13"/>
+                                        </p:tgtEl>
+                                        <p:attrNameLst>
+                                          <p:attrName>style.visibility</p:attrName>
+                                        </p:attrNameLst>
+                                      </p:cBhvr>
+                                      <p:to>
+                                        <p:strVal val="visible"/>
+                                      </p:to>
+                                    </p:set>
+                                    <p:animEffect transition="in" filter="fade">
+                                      <p:cBhvr>
+                                        <p:cTn id="48" dur="1000"/>
+                                        <p:tgtEl>
+                                          <p:spTgt spid="13"/>
+                                        </p:tgtEl>
+                                      </p:cBhvr>
+                                    </p:animEffect>
+                                    <p:anim calcmode="lin" valueType="num">
+                                      <p:cBhvr>
+                                        <p:cTn id="49" dur="1000" fill="hold"/>
+                                        <p:tgtEl>
+                                          <p:spTgt spid="13"/>
+                                        </p:tgtEl>
+                                        <p:attrNameLst>
+                                          <p:attrName>ppt_x</p:attrName>
+                                        </p:attrNameLst>
+                                      </p:cBhvr>
+                                      <p:tavLst>
+                                        <p:tav tm="0">
+                                          <p:val>
+                                            <p:strVal val="#ppt_x"/>
+                                          </p:val>
+                                        </p:tav>
+                                        <p:tav tm="100000">
+                                          <p:val>
+                                            <p:strVal val="#ppt_x"/>
+                                          </p:val>
+                                        </p:tav>
+                                      </p:tavLst>
+                                    </p:anim>
+                                    <p:anim calcmode="lin" valueType="num">
+                                      <p:cBhvr>
+                                        <p:cTn id="50" dur="1000" fill="hold"/>
+                                        <p:tgtEl>
+                                          <p:spTgt spid="13"/>
+                                        </p:tgtEl>
+                                        <p:attrNameLst>
+                                          <p:attrName>ppt_y</p:attrName>
+                                        </p:attrNameLst>
+                                      </p:cBhvr>
+                                      <p:tavLst>
+                                        <p:tav tm="0">
+                                          <p:val>
+                                            <p:strVal val="#ppt_y+.1"/>
+                                          </p:val>
+                                        </p:tav>
+                                        <p:tav tm="100000">
+                                          <p:val>
+                                            <p:strVal val="#ppt_y"/>
+                                          </p:val>
+                                        </p:tav>
+                                      </p:tavLst>
+                                    </p:anim>
+                                  </p:childTnLst>
+                                </p:cTn>
+                              </p:par>
+                            </p:childTnLst>
+                          </p:cTn>
+                        </p:par>
+                      </p:childTnLst>
+                    </p:cTn>
+                  </p:par>
+                  <p:par>
+                    <p:cTn id="51" fill="hold">
+                      <p:stCondLst>
+                        <p:cond delay="indefinite"/>
+                      </p:stCondLst>
+                      <p:childTnLst>
+                        <p:par>
+                          <p:cTn id="52" fill="hold">
+                            <p:stCondLst>
+                              <p:cond delay="0"/>
+                            </p:stCondLst>
+                            <p:childTnLst>
+                              <p:par>
+                                <p:cTn id="53" presetID="42" presetClass="entr" presetSubtype="0" fill="hold" nodeType="clickEffect">
+                                  <p:stCondLst>
+                                    <p:cond delay="0"/>
+                                  </p:stCondLst>
+                                  <p:childTnLst>
+                                    <p:set>
+                                      <p:cBhvr>
+                                        <p:cTn id="54" dur="1" fill="hold">
+                                          <p:stCondLst>
+                                            <p:cond delay="0"/>
+                                          </p:stCondLst>
+                                        </p:cTn>
+                                        <p:tgtEl>
+                                          <p:spTgt spid="7"/>
+                                        </p:tgtEl>
+                                        <p:attrNameLst>
+                                          <p:attrName>style.visibility</p:attrName>
+                                        </p:attrNameLst>
+                                      </p:cBhvr>
+                                      <p:to>
+                                        <p:strVal val="visible"/>
+                                      </p:to>
+                                    </p:set>
+                                    <p:animEffect transition="in" filter="fade">
+                                      <p:cBhvr>
+                                        <p:cTn id="55" dur="1000"/>
+                                        <p:tgtEl>
+                                          <p:spTgt spid="7"/>
+                                        </p:tgtEl>
+                                      </p:cBhvr>
+                                    </p:animEffect>
+                                    <p:anim calcmode="lin" valueType="num">
+                                      <p:cBhvr>
+                                        <p:cTn id="56" dur="1000" fill="hold"/>
+                                        <p:tgtEl>
+                                          <p:spTgt spid="7"/>
+                                        </p:tgtEl>
+                                        <p:attrNameLst>
+                                          <p:attrName>ppt_x</p:attrName>
+                                        </p:attrNameLst>
+                                      </p:cBhvr>
+                                      <p:tavLst>
+                                        <p:tav tm="0">
+                                          <p:val>
+                                            <p:strVal val="#ppt_x"/>
+                                          </p:val>
+                                        </p:tav>
+                                        <p:tav tm="100000">
+                                          <p:val>
+                                            <p:strVal val="#ppt_x"/>
+                                          </p:val>
+                                        </p:tav>
+                                      </p:tavLst>
+                                    </p:anim>
+                                    <p:anim calcmode="lin" valueType="num">
+                                      <p:cBhvr>
+                                        <p:cTn id="57" dur="1000" fill="hold"/>
+                                        <p:tgtEl>
+                                          <p:spTgt spid="7"/>
+                                        </p:tgtEl>
+                                        <p:attrNameLst>
+                                          <p:attrName>ppt_y</p:attrName>
+                                        </p:attrNameLst>
+                                      </p:cBhvr>
+                                      <p:tavLst>
+                                        <p:tav tm="0">
+                                          <p:val>
+                                            <p:strVal val="#ppt_y+.1"/>
+                                          </p:val>
+                                        </p:tav>
+                                        <p:tav tm="100000">
+                                          <p:val>
+                                            <p:strVal val="#ppt_y"/>
+                                          </p:val>
+                                        </p:tav>
+                                      </p:tavLst>
+                                    </p:anim>
+                                  </p:childTnLst>
+                                </p:cTn>
+                              </p:par>
+                              <p:par>
+                                <p:cTn id="58" presetID="42" presetClass="entr" presetSubtype="0" fill="hold" nodeType="withEffect">
+                                  <p:stCondLst>
+                                    <p:cond delay="0"/>
+                                  </p:stCondLst>
+                                  <p:childTnLst>
+                                    <p:set>
+                                      <p:cBhvr>
+                                        <p:cTn id="59" dur="1" fill="hold">
+                                          <p:stCondLst>
+                                            <p:cond delay="0"/>
+                                          </p:stCondLst>
+                                        </p:cTn>
+                                        <p:tgtEl>
+                                          <p:spTgt spid="15"/>
+                                        </p:tgtEl>
+                                        <p:attrNameLst>
+                                          <p:attrName>style.visibility</p:attrName>
+                                        </p:attrNameLst>
+                                      </p:cBhvr>
+                                      <p:to>
+                                        <p:strVal val="visible"/>
+                                      </p:to>
+                                    </p:set>
+                                    <p:animEffect transition="in" filter="fade">
+                                      <p:cBhvr>
+                                        <p:cTn id="60" dur="1000"/>
+                                        <p:tgtEl>
+                                          <p:spTgt spid="15"/>
+                                        </p:tgtEl>
+                                      </p:cBhvr>
+                                    </p:animEffect>
+                                    <p:anim calcmode="lin" valueType="num">
+                                      <p:cBhvr>
+                                        <p:cTn id="61" dur="1000" fill="hold"/>
+                                        <p:tgtEl>
+                                          <p:spTgt spid="15"/>
+                                        </p:tgtEl>
+                                        <p:attrNameLst>
+                                          <p:attrName>ppt_x</p:attrName>
+                                        </p:attrNameLst>
+                                      </p:cBhvr>
+                                      <p:tavLst>
+                                        <p:tav tm="0">
+                                          <p:val>
+                                            <p:strVal val="#ppt_x"/>
+                                          </p:val>
+                                        </p:tav>
+                                        <p:tav tm="100000">
+                                          <p:val>
+                                            <p:strVal val="#ppt_x"/>
+                                          </p:val>
+                                        </p:tav>
+                                      </p:tavLst>
+                                    </p:anim>
+                                    <p:anim calcmode="lin" valueType="num">
+                                      <p:cBhvr>
+                                        <p:cTn id="62" dur="1000" fill="hold"/>
+                                        <p:tgtEl>
+                                          <p:spTgt spid="15"/>
+                                        </p:tgtEl>
+                                        <p:attrNameLst>
+                                          <p:attrName>ppt_y</p:attrName>
+                                        </p:attrNameLst>
+                                      </p:cBhvr>
+                                      <p:tavLst>
+                                        <p:tav tm="0">
+                                          <p:val>
+                                            <p:strVal val="#ppt_y+.1"/>
+                                          </p:val>
+                                        </p:tav>
+                                        <p:tav tm="100000">
+                                          <p:val>
+                                            <p:strVal val="#ppt_y"/>
+                                          </p:val>
+                                        </p:tav>
+                                      </p:tavLst>
+                                    </p:anim>
+                                  </p:childTnLst>
+                                </p:cTn>
+                              </p:par>
+                            </p:childTnLst>
+                          </p:cTn>
+                        </p:par>
+                      </p:childTnLst>
+                    </p:cTn>
+                  </p:par>
+                  <p:par>
+                    <p:cTn id="63" fill="hold">
+                      <p:stCondLst>
+                        <p:cond delay="indefinite"/>
+                      </p:stCondLst>
+                      <p:childTnLst>
+                        <p:par>
+                          <p:cTn id="64" fill="hold">
+                            <p:stCondLst>
+                              <p:cond delay="0"/>
+                            </p:stCondLst>
+                            <p:childTnLst>
+                              <p:par>
+                                <p:cTn id="65" presetID="42" presetClass="entr" presetSubtype="0" fill="hold" nodeType="clickEffect">
+                                  <p:stCondLst>
+                                    <p:cond delay="0"/>
+                                  </p:stCondLst>
+                                  <p:childTnLst>
+                                    <p:set>
+                                      <p:cBhvr>
+                                        <p:cTn id="66" dur="1" fill="hold">
+                                          <p:stCondLst>
+                                            <p:cond delay="0"/>
+                                          </p:stCondLst>
+                                        </p:cTn>
+                                        <p:tgtEl>
+                                          <p:spTgt spid="17"/>
+                                        </p:tgtEl>
+                                        <p:attrNameLst>
+                                          <p:attrName>style.visibility</p:attrName>
+                                        </p:attrNameLst>
+                                      </p:cBhvr>
+                                      <p:to>
+                                        <p:strVal val="visible"/>
+                                      </p:to>
+                                    </p:set>
+                                    <p:animEffect transition="in" filter="fade">
+                                      <p:cBhvr>
+                                        <p:cTn id="67" dur="1000"/>
+                                        <p:tgtEl>
+                                          <p:spTgt spid="17"/>
+                                        </p:tgtEl>
+                                      </p:cBhvr>
+                                    </p:animEffect>
+                                    <p:anim calcmode="lin" valueType="num">
+                                      <p:cBhvr>
+                                        <p:cTn id="68" dur="1000" fill="hold"/>
+                                        <p:tgtEl>
+                                          <p:spTgt spid="17"/>
+                                        </p:tgtEl>
+                                        <p:attrNameLst>
+                                          <p:attrName>ppt_x</p:attrName>
+                                        </p:attrNameLst>
+                                      </p:cBhvr>
+                                      <p:tavLst>
+                                        <p:tav tm="0">
+                                          <p:val>
+                                            <p:strVal val="#ppt_x"/>
+                                          </p:val>
+                                        </p:tav>
+                                        <p:tav tm="100000">
+                                          <p:val>
+                                            <p:strVal val="#ppt_x"/>
+                                          </p:val>
+                                        </p:tav>
+                                      </p:tavLst>
+                                    </p:anim>
+                                    <p:anim calcmode="lin" valueType="num">
+                                      <p:cBhvr>
+                                        <p:cTn id="69" dur="1000" fill="hold"/>
+                                        <p:tgtEl>
+                                          <p:spTgt spid="17"/>
+                                        </p:tgtEl>
+                                        <p:attrNameLst>
+                                          <p:attrName>ppt_y</p:attrName>
+                                        </p:attrNameLst>
+                                      </p:cBhvr>
+                                      <p:tavLst>
+                                        <p:tav tm="0">
+                                          <p:val>
+                                            <p:strVal val="#ppt_y+.1"/>
+                                          </p:val>
+                                        </p:tav>
+                                        <p:tav tm="100000">
+                                          <p:val>
+                                            <p:strVal val="#ppt_y"/>
+                                          </p:val>
+                                        </p:tav>
+                                      </p:tavLst>
+                                    </p:anim>
+                                  </p:childTnLst>
+                                </p:cTn>
+                              </p:par>
+                              <p:par>
+                                <p:cTn id="70" presetID="42" presetClass="entr" presetSubtype="0" fill="hold" nodeType="withEffect">
+                                  <p:stCondLst>
+                                    <p:cond delay="0"/>
+                                  </p:stCondLst>
+                                  <p:childTnLst>
+                                    <p:set>
+                                      <p:cBhvr>
+                                        <p:cTn id="71" dur="1" fill="hold">
+                                          <p:stCondLst>
+                                            <p:cond delay="0"/>
+                                          </p:stCondLst>
+                                        </p:cTn>
+                                        <p:tgtEl>
+                                          <p:spTgt spid="8"/>
+                                        </p:tgtEl>
+                                        <p:attrNameLst>
+                                          <p:attrName>style.visibility</p:attrName>
+                                        </p:attrNameLst>
+                                      </p:cBhvr>
+                                      <p:to>
+                                        <p:strVal val="visible"/>
+                                      </p:to>
+                                    </p:set>
+                                    <p:animEffect transition="in" filter="fade">
+                                      <p:cBhvr>
+                                        <p:cTn id="72" dur="1000"/>
+                                        <p:tgtEl>
+                                          <p:spTgt spid="8"/>
+                                        </p:tgtEl>
+                                      </p:cBhvr>
+                                    </p:animEffect>
+                                    <p:anim calcmode="lin" valueType="num">
+                                      <p:cBhvr>
+                                        <p:cTn id="73" dur="1000" fill="hold"/>
+                                        <p:tgtEl>
+                                          <p:spTgt spid="8"/>
+                                        </p:tgtEl>
+                                        <p:attrNameLst>
+                                          <p:attrName>ppt_x</p:attrName>
+                                        </p:attrNameLst>
+                                      </p:cBhvr>
+                                      <p:tavLst>
+                                        <p:tav tm="0">
+                                          <p:val>
+                                            <p:strVal val="#ppt_x"/>
+                                          </p:val>
+                                        </p:tav>
+                                        <p:tav tm="100000">
+                                          <p:val>
+                                            <p:strVal val="#ppt_x"/>
+                                          </p:val>
+                                        </p:tav>
+                                      </p:tavLst>
+                                    </p:anim>
+                                    <p:anim calcmode="lin" valueType="num">
+                                      <p:cBhvr>
+                                        <p:cTn id="74" dur="1000" fill="hold"/>
+                                        <p:tgtEl>
+                                          <p:spTgt spid="8"/>
+                                        </p:tgtEl>
+                                        <p:attrNameLst>
+                                          <p:attrName>ppt_y</p:attrName>
+                                        </p:attrNameLst>
+                                      </p:cBhvr>
+                                      <p:tavLst>
+                                        <p:tav tm="0">
+                                          <p:val>
+                                            <p:strVal val="#ppt_y+.1"/>
+                                          </p:val>
+                                        </p:tav>
+                                        <p:tav tm="100000">
+                                          <p:val>
+                                            <p:strVal val="#ppt_y"/>
+                                          </p:val>
+                                        </p:tav>
+                                      </p:tavLst>
+                                    </p:anim>
+                                  </p:childTnLst>
+                                </p:cTn>
+                              </p:par>
+                            </p:childTnLst>
+                          </p:cTn>
+                        </p:par>
+                      </p:childTnLst>
+                    </p:cTn>
+                  </p:par>
+                  <p:par>
+                    <p:cTn id="75" fill="hold">
+                      <p:stCondLst>
+                        <p:cond delay="indefinite"/>
+                      </p:stCondLst>
+                      <p:childTnLst>
+                        <p:par>
+                          <p:cTn id="76" fill="hold">
+                            <p:stCondLst>
+                              <p:cond delay="0"/>
+                            </p:stCondLst>
+                            <p:childTnLst>
+                              <p:par>
+                                <p:cTn id="77" presetID="42" presetClass="entr" presetSubtype="0" fill="hold" nodeType="clickEffect">
+                                  <p:stCondLst>
+                                    <p:cond delay="0"/>
+                                  </p:stCondLst>
+                                  <p:childTnLst>
+                                    <p:set>
+                                      <p:cBhvr>
+                                        <p:cTn id="78" dur="1" fill="hold">
+                                          <p:stCondLst>
+                                            <p:cond delay="0"/>
+                                          </p:stCondLst>
+                                        </p:cTn>
+                                        <p:tgtEl>
+                                          <p:spTgt spid="24"/>
+                                        </p:tgtEl>
+                                        <p:attrNameLst>
+                                          <p:attrName>style.visibility</p:attrName>
+                                        </p:attrNameLst>
+                                      </p:cBhvr>
+                                      <p:to>
+                                        <p:strVal val="visible"/>
+                                      </p:to>
+                                    </p:set>
+                                    <p:animEffect transition="in" filter="fade">
+                                      <p:cBhvr>
+                                        <p:cTn id="79" dur="1000"/>
+                                        <p:tgtEl>
+                                          <p:spTgt spid="24"/>
+                                        </p:tgtEl>
+                                      </p:cBhvr>
+                                    </p:animEffect>
+                                    <p:anim calcmode="lin" valueType="num">
+                                      <p:cBhvr>
+                                        <p:cTn id="80" dur="1000" fill="hold"/>
+                                        <p:tgtEl>
+                                          <p:spTgt spid="24"/>
+                                        </p:tgtEl>
+                                        <p:attrNameLst>
+                                          <p:attrName>ppt_x</p:attrName>
+                                        </p:attrNameLst>
+                                      </p:cBhvr>
+                                      <p:tavLst>
+                                        <p:tav tm="0">
+                                          <p:val>
+                                            <p:strVal val="#ppt_x"/>
+                                          </p:val>
+                                        </p:tav>
+                                        <p:tav tm="100000">
+                                          <p:val>
+                                            <p:strVal val="#ppt_x"/>
+                                          </p:val>
+                                        </p:tav>
+                                      </p:tavLst>
+                                    </p:anim>
+                                    <p:anim calcmode="lin" valueType="num">
+                                      <p:cBhvr>
+                                        <p:cTn id="81" dur="1000" fill="hold"/>
+                                        <p:tgtEl>
+                                          <p:spTgt spid="24"/>
+                                        </p:tgtEl>
+                                        <p:attrNameLst>
+                                          <p:attrName>ppt_y</p:attrName>
+                                        </p:attrNameLst>
+                                      </p:cBhvr>
+                                      <p:tavLst>
+                                        <p:tav tm="0">
+                                          <p:val>
+                                            <p:strVal val="#ppt_y+.1"/>
+                                          </p:val>
+                                        </p:tav>
+                                        <p:tav tm="100000">
+                                          <p:val>
+                                            <p:strVal val="#ppt_y"/>
+                                          </p:val>
+                                        </p:tav>
+                                      </p:tavLst>
+                                    </p:anim>
+                                  </p:childTnLst>
+                                </p:cTn>
+                              </p:par>
+                              <p:par>
+                                <p:cTn id="82" presetID="42" presetClass="entr" presetSubtype="0" fill="hold" nodeType="withEffect">
+                                  <p:stCondLst>
+                                    <p:cond delay="0"/>
+                                  </p:stCondLst>
+                                  <p:childTnLst>
+                                    <p:set>
+                                      <p:cBhvr>
+                                        <p:cTn id="83" dur="1" fill="hold">
+                                          <p:stCondLst>
+                                            <p:cond delay="0"/>
+                                          </p:stCondLst>
+                                        </p:cTn>
+                                        <p:tgtEl>
+                                          <p:spTgt spid="30"/>
+                                        </p:tgtEl>
+                                        <p:attrNameLst>
+                                          <p:attrName>style.visibility</p:attrName>
+                                        </p:attrNameLst>
+                                      </p:cBhvr>
+                                      <p:to>
+                                        <p:strVal val="visible"/>
+                                      </p:to>
+                                    </p:set>
+                                    <p:animEffect transition="in" filter="fade">
+                                      <p:cBhvr>
+                                        <p:cTn id="84" dur="1000"/>
+                                        <p:tgtEl>
+                                          <p:spTgt spid="30"/>
+                                        </p:tgtEl>
+                                      </p:cBhvr>
+                                    </p:animEffect>
+                                    <p:anim calcmode="lin" valueType="num">
+                                      <p:cBhvr>
+                                        <p:cTn id="85" dur="1000" fill="hold"/>
+                                        <p:tgtEl>
+                                          <p:spTgt spid="30"/>
+                                        </p:tgtEl>
+                                        <p:attrNameLst>
+                                          <p:attrName>ppt_x</p:attrName>
+                                        </p:attrNameLst>
+                                      </p:cBhvr>
+                                      <p:tavLst>
+                                        <p:tav tm="0">
+                                          <p:val>
+                                            <p:strVal val="#ppt_x"/>
+                                          </p:val>
+                                        </p:tav>
+                                        <p:tav tm="100000">
+                                          <p:val>
+                                            <p:strVal val="#ppt_x"/>
+                                          </p:val>
+                                        </p:tav>
+                                      </p:tavLst>
+                                    </p:anim>
+                                    <p:anim calcmode="lin" valueType="num">
+                                      <p:cBhvr>
+                                        <p:cTn id="86" dur="1000" fill="hold"/>
+                                        <p:tgtEl>
+                                          <p:spTgt spid="30"/>
+                                        </p:tgtEl>
+                                        <p:attrNameLst>
+                                          <p:attrName>ppt_y</p:attrName>
+                                        </p:attrNameLst>
+                                      </p:cBhvr>
+                                      <p:tavLst>
+                                        <p:tav tm="0">
+                                          <p:val>
+                                            <p:strVal val="#ppt_y+.1"/>
+                                          </p:val>
+                                        </p:tav>
+                                        <p:tav tm="100000">
+                                          <p:val>
+                                            <p:strVal val="#ppt_y"/>
+                                          </p:val>
+                                        </p:tav>
+                                      </p:tavLst>
+                                    </p:anim>
+                                  </p:childTnLst>
+                                </p:cTn>
+                              </p:par>
+                            </p:childTnLst>
+                          </p:cTn>
+                        </p:par>
+                      </p:childTnLst>
+                    </p:cTn>
+                  </p:par>
+                </p:childTnLst>
+              </p:cTn>
+              <p:prevCondLst>
+                <p:cond evt="onPrev" delay="0">
+                  <p:tgtEl>
+                    <p:sldTgt/>
+                  </p:tgtEl>
+                </p:cond>
+              </p:prevCondLst>
+              <p:nextCondLst>
+                <p:cond evt="onNext" delay="0">
+                  <p:tgtEl>
+                    <p:sldTgt/>
+                  </p:tgtEl>
+                </p:cond>
+              </p:nextCondLst>
+            </p:seq>
+          </p:childTnLst>
+        </p:cTn>
+      </p:par>
+    </p:tnLst>
+  </p:timing>
+</p:sld>
+</file>
+
+<file path=ppt/slides/slide5.xml><?xml version="1.0" encoding="utf-8"?>
+<p:sld xmlns:a="http://schemas.openxmlformats.org/drawingml/2006/main" xmlns:r="http://schemas.openxmlformats.org/officeDocument/2006/relationships" xmlns:p="http://schemas.openxmlformats.org/presentationml/2006/main">
+  <p:cSld>
+    <p:bg>
+      <p:bgPr>
+        <a:solidFill>
+          <a:schemeClr val="accent1">
+            <a:lumMod val="20000"/>
+            <a:lumOff val="80000"/>
+          </a:schemeClr>
+        </a:solidFill>
+        <a:effectLst/>
+      </p:bgPr>
+    </p:bg>
+    <p:spTree>
+      <p:nvGrpSpPr>
+        <p:cNvPr id="1" name=""/>
+        <p:cNvGrpSpPr/>
+        <p:nvPr/>
+      </p:nvGrpSpPr>
+      <p:grpSpPr>
+        <a:xfrm>
+          <a:off x="0" y="0"/>
+          <a:ext cx="0" cy="0"/>
+          <a:chOff x="0" y="0"/>
+          <a:chExt cx="0" cy="0"/>
+        </a:xfrm>
+      </p:grpSpPr>
+      <p:sp>
+        <p:nvSpPr>
+          <p:cNvPr id="2" name="Title 1">
+            <a:extLst>
+              <a:ext uri="{FF2B5EF4-FFF2-40B4-BE49-F238E27FC236}">
+                <a16:creationId xmlns:a16="http://schemas.microsoft.com/office/drawing/2014/main" id="{35DDFD46-5DA4-4BDF-890B-90D74685E15C}"/>
+              </a:ext>
+            </a:extLst>
+          </p:cNvPr>
+          <p:cNvSpPr>
+            <a:spLocks noGrp="1"/>
+          </p:cNvSpPr>
+          <p:nvPr>
+            <p:ph type="title"/>
+          </p:nvPr>
+        </p:nvSpPr>
+        <p:spPr/>
+        <p:txBody>
+          <a:bodyPr/>
+          <a:lstStyle/>
+          <a:p>
+            <a:r>
+              <a:rPr lang="en-US" dirty="0"/>
+              <a:t>Hypothesis and Questions</a:t>
+            </a:r>
+          </a:p>
+        </p:txBody>
+      </p:sp>
+      <p:sp>
+        <p:nvSpPr>
+          <p:cNvPr id="3" name="Content Placeholder 2">
+            <a:extLst>
+              <a:ext uri="{FF2B5EF4-FFF2-40B4-BE49-F238E27FC236}">
+                <a16:creationId xmlns:a16="http://schemas.microsoft.com/office/drawing/2014/main" id="{A36FDB6E-93A5-4CD5-A08A-1E83BFA435E5}"/>
+              </a:ext>
+            </a:extLst>
+          </p:cNvPr>
+          <p:cNvSpPr>
+            <a:spLocks noGrp="1"/>
+          </p:cNvSpPr>
+          <p:nvPr>
+            <p:ph idx="1"/>
+          </p:nvPr>
+        </p:nvSpPr>
+        <p:spPr/>
+        <p:txBody>
+          <a:bodyPr>
+            <a:normAutofit/>
+          </a:bodyPr>
+          <a:lstStyle/>
+          <a:p>
+            <a:r>
+              <a:rPr lang="en-US" sz="2200" dirty="0"/>
+              <a:t>We believe access to electricity will positively effect employee productivity.</a:t>
+            </a:r>
+          </a:p>
+          <a:p>
+            <a:pPr marL="0" indent="0">
+              <a:buNone/>
+            </a:pPr>
+            <a:endParaRPr lang="en-US" sz="2200" dirty="0"/>
+          </a:p>
+          <a:p>
+            <a:r>
+              <a:rPr lang="en-US" sz="2200" dirty="0"/>
+              <a:t>We believe internet usage will positively effect employee productivity.</a:t>
+            </a:r>
+          </a:p>
+          <a:p>
+            <a:pPr marL="0" indent="0">
+              <a:buNone/>
+            </a:pPr>
+            <a:endParaRPr lang="en-US" sz="2200" dirty="0"/>
+          </a:p>
+          <a:p>
+            <a:r>
+              <a:rPr lang="en-US" sz="2200" dirty="0"/>
+              <a:t>We believe communication usage will positively effect employee productivity.</a:t>
+            </a:r>
+          </a:p>
+          <a:p>
+            <a:pPr marL="0" indent="0">
+              <a:buNone/>
+            </a:pPr>
+            <a:endParaRPr lang="en-US" sz="2200" dirty="0"/>
+          </a:p>
+          <a:p>
+            <a:r>
+              <a:rPr lang="en-US" sz="2200" dirty="0"/>
+              <a:t>What are the effects of different industry trends on employee productivity?</a:t>
+            </a:r>
+          </a:p>
+          <a:p>
+            <a:pPr marL="0" indent="0">
+              <a:buNone/>
+            </a:pPr>
+            <a:endParaRPr lang="en-US" sz="2200" dirty="0"/>
+          </a:p>
+          <a:p>
+            <a:r>
+              <a:rPr lang="en-US" sz="2200" dirty="0"/>
+              <a:t>What are the effects of employment type trends on employee productivity?</a:t>
+            </a:r>
+          </a:p>
+          <a:p>
+            <a:endParaRPr lang="en-US" dirty="0"/>
+          </a:p>
+        </p:txBody>
+      </p:sp>
+    </p:spTree>
+    <p:extLst>
+      <p:ext uri="{BB962C8B-B14F-4D97-AF65-F5344CB8AC3E}">
+        <p14:creationId xmlns:p14="http://schemas.microsoft.com/office/powerpoint/2010/main" val="252595854"/>
+      </p:ext>
+    </p:extLst>
+  </p:cSld>
+  <p:clrMapOvr>
+    <a:masterClrMapping/>
+  </p:clrMapOvr>
+  <p:timing>
+    <p:tnLst>
+      <p:par>
+        <p:cTn id="1" dur="indefinite" restart="never" nodeType="tmRoot">
+          <p:childTnLst>
+            <p:seq concurrent="1" nextAc="seek">
+              <p:cTn id="2" dur="indefinite" nodeType="mainSeq">
+                <p:childTnLst>
+                  <p:par>
+                    <p:cTn id="3" fill="hold">
+                      <p:stCondLst>
+                        <p:cond delay="indefinite"/>
+                      </p:stCondLst>
+                      <p:childTnLst>
+                        <p:par>
+                          <p:cTn id="4" fill="hold">
+                            <p:stCondLst>
+                              <p:cond delay="0"/>
+                            </p:stCondLst>
+                            <p:childTnLst>
+                              <p:par>
+                                <p:cTn id="5" presetID="1" presetClass="entr" presetSubtype="0" fill="hold" nodeType="clickEffect">
+                                  <p:stCondLst>
+                                    <p:cond delay="0"/>
+                                  </p:stCondLst>
+                                  <p:childTnLst>
+                                    <p:set>
+                                      <p:cBhvr>
+                                        <p:cTn id="6" dur="1" fill="hold">
+                                          <p:stCondLst>
+                                            <p:cond delay="0"/>
+                                          </p:stCondLst>
+                                        </p:cTn>
+                                        <p:tgtEl>
+                                          <p:spTgt spid="3">
+                                            <p:txEl>
+                                              <p:pRg st="2" end="2"/>
+                                            </p:txEl>
+                                          </p:spTgt>
+                                        </p:tgtEl>
+                                        <p:attrNameLst>
+                                          <p:attrName>style.visibility</p:attrName>
+                                        </p:attrNameLst>
+                                      </p:cBhvr>
+                                      <p:to>
+                                        <p:strVal val="visible"/>
+                                      </p:to>
+                                    </p:set>
+                                  </p:childTnLst>
+                                </p:cTn>
+                              </p:par>
+                            </p:childTnLst>
+                          </p:cTn>
+                        </p:par>
+                      </p:childTnLst>
+                    </p:cTn>
+                  </p:par>
+                  <p:par>
+                    <p:cTn id="7" fill="hold">
+                      <p:stCondLst>
+                        <p:cond delay="indefinite"/>
+                      </p:stCondLst>
+                      <p:childTnLst>
+                        <p:par>
+                          <p:cTn id="8" fill="hold">
+                            <p:stCondLst>
+                              <p:cond delay="0"/>
+                            </p:stCondLst>
+                            <p:childTnLst>
+                              <p:par>
+                                <p:cTn id="9" presetID="1" presetClass="entr" presetSubtype="0" fill="hold" nodeType="clickEffect">
+                                  <p:stCondLst>
+                                    <p:cond delay="0"/>
+                                  </p:stCondLst>
+                                  <p:childTnLst>
+                                    <p:set>
+                                      <p:cBhvr>
+                                        <p:cTn id="10" dur="1" fill="hold">
+                                          <p:stCondLst>
+                                            <p:cond delay="0"/>
+                                          </p:stCondLst>
+                                        </p:cTn>
+                                        <p:tgtEl>
+                                          <p:spTgt spid="3">
+                                            <p:txEl>
+                                              <p:pRg st="4" end="4"/>
+                                            </p:txEl>
+                                          </p:spTgt>
+                                        </p:tgtEl>
+                                        <p:attrNameLst>
+                                          <p:attrName>style.visibility</p:attrName>
+                                        </p:attrNameLst>
+                                      </p:cBhvr>
+                                      <p:to>
+                                        <p:strVal val="visible"/>
+                                      </p:to>
+                                    </p:set>
+                                  </p:childTnLst>
+                                </p:cTn>
+                              </p:par>
+                            </p:childTnLst>
+                          </p:cTn>
+                        </p:par>
+                      </p:childTnLst>
+                    </p:cTn>
+                  </p:par>
+                  <p:par>
+                    <p:cTn id="11" fill="hold">
+                      <p:stCondLst>
+                        <p:cond delay="indefinite"/>
+                      </p:stCondLst>
+                      <p:childTnLst>
+                        <p:par>
+                          <p:cTn id="12" fill="hold">
+                            <p:stCondLst>
+                              <p:cond delay="0"/>
+                            </p:stCondLst>
+                            <p:childTnLst>
+                              <p:par>
+                                <p:cTn id="13" presetID="1" presetClass="entr" presetSubtype="0" fill="hold" nodeType="clickEffect">
+                                  <p:stCondLst>
+                                    <p:cond delay="0"/>
+                                  </p:stCondLst>
+                                  <p:childTnLst>
+                                    <p:set>
+                                      <p:cBhvr>
+                                        <p:cTn id="14" dur="1" fill="hold">
+                                          <p:stCondLst>
+                                            <p:cond delay="0"/>
+                                          </p:stCondLst>
+                                        </p:cTn>
+                                        <p:tgtEl>
+                                          <p:spTgt spid="3">
+                                            <p:txEl>
+                                              <p:pRg st="6" end="6"/>
+                                            </p:txEl>
+                                          </p:spTgt>
+                                        </p:tgtEl>
+                                        <p:attrNameLst>
+                                          <p:attrName>style.visibility</p:attrName>
+                                        </p:attrNameLst>
+                                      </p:cBhvr>
+                                      <p:to>
+                                        <p:strVal val="visible"/>
+                                      </p:to>
+                                    </p:set>
+                                  </p:childTnLst>
+                                </p:cTn>
+                              </p:par>
+                            </p:childTnLst>
+                          </p:cTn>
+                        </p:par>
+                      </p:childTnLst>
+                    </p:cTn>
+                  </p:par>
+                  <p:par>
+                    <p:cTn id="15" fill="hold">
+                      <p:stCondLst>
+                        <p:cond delay="indefinite"/>
+                      </p:stCondLst>
+                      <p:childTnLst>
+                        <p:par>
+                          <p:cTn id="16" fill="hold">
+                            <p:stCondLst>
+                              <p:cond delay="0"/>
+                            </p:stCondLst>
+                            <p:childTnLst>
+                              <p:par>
+                                <p:cTn id="17" presetID="1" presetClass="entr" presetSubtype="0" fill="hold" nodeType="clickEffect">
+                                  <p:stCondLst>
+                                    <p:cond delay="0"/>
+                                  </p:stCondLst>
+                                  <p:childTnLst>
+                                    <p:set>
+                                      <p:cBhvr>
+                                        <p:cTn id="18" dur="1" fill="hold">
+                                          <p:stCondLst>
+                                            <p:cond delay="0"/>
+                                          </p:stCondLst>
+                                        </p:cTn>
+                                        <p:tgtEl>
+                                          <p:spTgt spid="3">
+                                            <p:txEl>
+                                              <p:pRg st="8" end="8"/>
+                                            </p:txEl>
+                                          </p:spTgt>
+                                        </p:tgtEl>
+                                        <p:attrNameLst>
+                                          <p:attrName>style.visibility</p:attrName>
+                                        </p:attrNameLst>
+                                      </p:cBhvr>
+                                      <p:to>
+                                        <p:strVal val="visible"/>
+                                      </p:to>
+                                    </p:set>
+                                  </p:childTnLst>
+                                </p:cTn>
+                              </p:par>
+                            </p:childTnLst>
+                          </p:cTn>
+                        </p:par>
+                      </p:childTnLst>
+                    </p:cTn>
+                  </p:par>
+                </p:childTnLst>
+              </p:cTn>
+              <p:prevCondLst>
+                <p:cond evt="onPrev" delay="0">
+                  <p:tgtEl>
+                    <p:sldTgt/>
+                  </p:tgtEl>
+                </p:cond>
+              </p:prevCondLst>
+              <p:nextCondLst>
+                <p:cond evt="onNext" delay="0">
+                  <p:tgtEl>
+                    <p:sldTgt/>
+                  </p:tgtEl>
+                </p:cond>
+              </p:nextCondLst>
+            </p:seq>
+          </p:childTnLst>
+        </p:cTn>
+      </p:par>
+    </p:tnLst>
+  </p:timing>
+</p:sld>
+</file>
+
+<file path=ppt/slides/slide6.xml><?xml version="1.0" encoding="utf-8"?>
+<p:sld xmlns:a="http://schemas.openxmlformats.org/drawingml/2006/main" xmlns:r="http://schemas.openxmlformats.org/officeDocument/2006/relationships" xmlns:p="http://schemas.openxmlformats.org/presentationml/2006/main">
+  <p:cSld>
+    <p:bg>
+      <p:bgPr>
+        <a:solidFill>
+          <a:schemeClr val="accent1">
+            <a:lumMod val="20000"/>
+            <a:lumOff val="80000"/>
+          </a:schemeClr>
+        </a:solidFill>
+        <a:effectLst/>
+      </p:bgPr>
+    </p:bg>
+    <p:spTree>
+      <p:nvGrpSpPr>
+        <p:cNvPr id="1" name=""/>
+        <p:cNvGrpSpPr/>
+        <p:nvPr/>
+      </p:nvGrpSpPr>
+      <p:grpSpPr>
+        <a:xfrm>
+          <a:off x="0" y="0"/>
+          <a:ext cx="0" cy="0"/>
+          <a:chOff x="0" y="0"/>
+          <a:chExt cx="0" cy="0"/>
+        </a:xfrm>
+      </p:grpSpPr>
+      <p:sp>
+        <p:nvSpPr>
+          <p:cNvPr id="2" name="Title 1">
+            <a:extLst>
+              <a:ext uri="{FF2B5EF4-FFF2-40B4-BE49-F238E27FC236}">
+                <a16:creationId xmlns:a16="http://schemas.microsoft.com/office/drawing/2014/main" id="{261C70CE-1AB8-4DF1-BB99-59EDC6F07A58}"/>
+              </a:ext>
+            </a:extLst>
+          </p:cNvPr>
+          <p:cNvSpPr>
+            <a:spLocks noGrp="1"/>
+          </p:cNvSpPr>
+          <p:nvPr>
+            <p:ph type="title"/>
+          </p:nvPr>
+        </p:nvSpPr>
+        <p:spPr>
+          <a:xfrm>
+            <a:off x="838200" y="100365"/>
+            <a:ext cx="10515600" cy="1325563"/>
+          </a:xfrm>
+        </p:spPr>
+        <p:txBody>
+          <a:bodyPr/>
+          <a:lstStyle/>
+          <a:p>
+            <a:r>
+              <a:rPr lang="en-US" dirty="0"/>
+              <a:t>Data</a:t>
+            </a:r>
+          </a:p>
+        </p:txBody>
+      </p:sp>
+      <p:sp>
+        <p:nvSpPr>
+          <p:cNvPr id="3" name="Content Placeholder 2">
+            <a:extLst>
+              <a:ext uri="{FF2B5EF4-FFF2-40B4-BE49-F238E27FC236}">
+                <a16:creationId xmlns:a16="http://schemas.microsoft.com/office/drawing/2014/main" id="{C2357EA5-6471-4ED1-93FE-A6B801CC489D}"/>
+              </a:ext>
+            </a:extLst>
+          </p:cNvPr>
+          <p:cNvSpPr>
+            <a:spLocks noGrp="1"/>
+          </p:cNvSpPr>
+          <p:nvPr>
+            <p:ph idx="1"/>
+          </p:nvPr>
+        </p:nvSpPr>
+        <p:spPr>
+          <a:xfrm>
+            <a:off x="489066" y="1425928"/>
+            <a:ext cx="7025640" cy="4489479"/>
+          </a:xfrm>
+        </p:spPr>
+        <p:txBody>
+          <a:bodyPr>
+            <a:normAutofit/>
+          </a:bodyPr>
+          <a:lstStyle/>
+          <a:p>
+            <a:r>
+              <a:rPr lang="en-US" sz="2000" dirty="0"/>
+              <a:t>20 different countries (10 developing, 10 developed)</a:t>
+            </a:r>
+          </a:p>
+          <a:p>
+            <a:r>
+              <a:rPr lang="en-US" sz="2000" dirty="0"/>
+              <a:t>15 year time frame (2000 – 2014)</a:t>
+            </a:r>
+          </a:p>
+          <a:p>
+            <a:r>
+              <a:rPr lang="en-US" sz="2000" dirty="0"/>
+              <a:t>300 Cases total</a:t>
+            </a:r>
+          </a:p>
+          <a:p>
+            <a:endParaRPr lang="en-US" sz="1800" dirty="0"/>
+          </a:p>
+          <a:p>
+            <a:endParaRPr lang="en-US" sz="1800" dirty="0"/>
+          </a:p>
+          <a:p>
+            <a:endParaRPr lang="en-US" sz="1800" dirty="0"/>
+          </a:p>
+          <a:p>
+            <a:endParaRPr lang="en-US" sz="1800" dirty="0"/>
+          </a:p>
+          <a:p>
+            <a:endParaRPr lang="en-US" sz="1800" dirty="0"/>
+          </a:p>
+          <a:p>
+            <a:endParaRPr lang="en-US" sz="1800" dirty="0"/>
+          </a:p>
+          <a:p>
+            <a:endParaRPr lang="en-US" sz="1800" dirty="0"/>
+          </a:p>
+          <a:p>
+            <a:endParaRPr lang="en-US" sz="1800" dirty="0"/>
+          </a:p>
+        </p:txBody>
+      </p:sp>
+      <p:sp>
+        <p:nvSpPr>
+          <p:cNvPr id="4" name="TextBox 3">
+            <a:extLst>
+              <a:ext uri="{FF2B5EF4-FFF2-40B4-BE49-F238E27FC236}">
+                <a16:creationId xmlns:a16="http://schemas.microsoft.com/office/drawing/2014/main" id="{F99F9CF5-34E2-474F-8784-8D3837959EBF}"/>
+              </a:ext>
+            </a:extLst>
+          </p:cNvPr>
+          <p:cNvSpPr txBox="1"/>
+          <p:nvPr/>
+        </p:nvSpPr>
+        <p:spPr>
+          <a:xfrm>
+            <a:off x="7514706" y="1056596"/>
+            <a:ext cx="4388189" cy="369332"/>
+          </a:xfrm>
+          <a:prstGeom prst="rect">
+            <a:avLst/>
+          </a:prstGeom>
+          <a:noFill/>
+        </p:spPr>
+        <p:txBody>
+          <a:bodyPr wrap="none" rtlCol="0">
+            <a:spAutoFit/>
+          </a:bodyPr>
+          <a:lstStyle/>
+          <a:p>
+            <a:r>
+              <a:rPr lang="en-US" dirty="0">
+                <a:hlinkClick r:id="rId2"/>
+              </a:rPr>
+              <a:t>https://databank.worldbank.org/source/jobs</a:t>
+            </a:r>
+            <a:endParaRPr lang="en-US" dirty="0"/>
+          </a:p>
+        </p:txBody>
+      </p:sp>
+      <p:pic>
+        <p:nvPicPr>
+          <p:cNvPr id="6" name="Picture 5">
+            <a:hlinkClick r:id="rId2"/>
+            <a:extLst>
+              <a:ext uri="{FF2B5EF4-FFF2-40B4-BE49-F238E27FC236}">
+                <a16:creationId xmlns:a16="http://schemas.microsoft.com/office/drawing/2014/main" id="{B19B68CA-2AF8-4E65-9257-E993230DB4EE}"/>
+              </a:ext>
+            </a:extLst>
+          </p:cNvPr>
+          <p:cNvPicPr>
+            <a:picLocks noChangeAspect="1"/>
+          </p:cNvPicPr>
+          <p:nvPr/>
+        </p:nvPicPr>
+        <p:blipFill>
+          <a:blip r:embed="rId3"/>
+          <a:stretch>
+            <a:fillRect/>
+          </a:stretch>
+        </p:blipFill>
+        <p:spPr>
+          <a:xfrm>
+            <a:off x="7514707" y="223780"/>
+            <a:ext cx="4388188" cy="793608"/>
+          </a:xfrm>
+          <a:prstGeom prst="rect">
+            <a:avLst/>
+          </a:prstGeom>
+        </p:spPr>
+      </p:pic>
+      <p:pic>
+        <p:nvPicPr>
+          <p:cNvPr id="8" name="Picture 7">
+            <a:extLst>
+              <a:ext uri="{FF2B5EF4-FFF2-40B4-BE49-F238E27FC236}">
+                <a16:creationId xmlns:a16="http://schemas.microsoft.com/office/drawing/2014/main" id="{7A1FDFA5-CB6A-4CAF-898D-B65F13A17132}"/>
+              </a:ext>
+            </a:extLst>
+          </p:cNvPr>
+          <p:cNvPicPr>
+            <a:picLocks noChangeAspect="1"/>
+          </p:cNvPicPr>
+          <p:nvPr/>
+        </p:nvPicPr>
+        <p:blipFill>
+          <a:blip r:embed="rId4"/>
+          <a:stretch>
+            <a:fillRect/>
+          </a:stretch>
+        </p:blipFill>
+        <p:spPr>
+          <a:xfrm>
+            <a:off x="838200" y="2751491"/>
+            <a:ext cx="7701548" cy="3806849"/>
+          </a:xfrm>
+          <a:prstGeom prst="rect">
+            <a:avLst/>
+          </a:prstGeom>
+        </p:spPr>
+      </p:pic>
+    </p:spTree>
+    <p:extLst>
+      <p:ext uri="{BB962C8B-B14F-4D97-AF65-F5344CB8AC3E}">
+        <p14:creationId xmlns:p14="http://schemas.microsoft.com/office/powerpoint/2010/main" val="1537457331"/>
+      </p:ext>
+    </p:extLst>
+  </p:cSld>
+  <p:clrMapOvr>
+    <a:masterClrMapping/>
+  </p:clrMapOvr>
+  <p:timing>
+    <p:tnLst>
+      <p:par>
+        <p:cTn id="1" dur="indefinite" restart="never" nodeType="tmRoot">
+          <p:childTnLst>
+            <p:seq concurrent="1" nextAc="seek">
+              <p:cTn id="2" dur="indefinite" nodeType="mainSeq">
+                <p:childTnLst>
+                  <p:par>
+                    <p:cTn id="3" fill="hold">
+                      <p:stCondLst>
+                        <p:cond delay="indefinite"/>
+                      </p:stCondLst>
+                      <p:childTnLst>
+                        <p:par>
+                          <p:cTn id="4" fill="hold">
+                            <p:stCondLst>
+                              <p:cond delay="0"/>
+                            </p:stCondLst>
+                            <p:childTnLst>
+                              <p:par>
+                                <p:cTn id="5" presetID="2" presetClass="entr" presetSubtype="4" fill="hold" grpId="0" nodeType="clickEffect">
+                                  <p:stCondLst>
+                                    <p:cond delay="0"/>
+                                  </p:stCondLst>
+                                  <p:childTnLst>
+                                    <p:set>
+                                      <p:cBhvr>
+                                        <p:cTn id="6" dur="1" fill="hold">
+                                          <p:stCondLst>
+                                            <p:cond delay="0"/>
+                                          </p:stCondLst>
+                                        </p:cTn>
+                                        <p:tgtEl>
+                                          <p:spTgt spid="3">
+                                            <p:txEl>
+                                              <p:pRg st="1" end="1"/>
+                                            </p:txEl>
+                                          </p:spTgt>
+                                        </p:tgtEl>
+                                        <p:attrNameLst>
+                                          <p:attrName>style.visibility</p:attrName>
+                                        </p:attrNameLst>
+                                      </p:cBhvr>
+                                      <p:to>
+                                        <p:strVal val="visible"/>
+                                      </p:to>
+                                    </p:set>
+                                    <p:anim calcmode="lin" valueType="num">
+                                      <p:cBhvr additive="base">
+                                        <p:cTn id="7" dur="500" fill="hold"/>
+                                        <p:tgtEl>
+                                          <p:spTgt spid="3">
+                                            <p:txEl>
+                                              <p:pRg st="1" end="1"/>
+                                            </p:txEl>
+                                          </p:spTgt>
+                                        </p:tgtEl>
+                                        <p:attrNameLst>
+                                          <p:attrName>ppt_x</p:attrName>
+                                        </p:attrNameLst>
+                                      </p:cBhvr>
+                                      <p:tavLst>
+                                        <p:tav tm="0">
+                                          <p:val>
+                                            <p:strVal val="#ppt_x"/>
+                                          </p:val>
+                                        </p:tav>
+                                        <p:tav tm="100000">
+                                          <p:val>
+                                            <p:strVal val="#ppt_x"/>
+                                          </p:val>
+                                        </p:tav>
+                                      </p:tavLst>
+                                    </p:anim>
+                                    <p:anim calcmode="lin" valueType="num">
+                                      <p:cBhvr additive="base">
+                                        <p:cTn id="8" dur="500" fill="hold"/>
+                                        <p:tgtEl>
+                                          <p:spTgt spid="3">
+                                            <p:txEl>
+                                              <p:pRg st="1" end="1"/>
+                                            </p:txEl>
+                                          </p:spTgt>
+                                        </p:tgtEl>
+                                        <p:attrNameLst>
+                                          <p:attrName>ppt_y</p:attrName>
+                                        </p:attrNameLst>
+                                      </p:cBhvr>
+                                      <p:tavLst>
+                                        <p:tav tm="0">
+                                          <p:val>
+                                            <p:strVal val="1+#ppt_h/2"/>
+                                          </p:val>
+                                        </p:tav>
+                                        <p:tav tm="100000">
+                                          <p:val>
+                                            <p:strVal val="#ppt_y"/>
+                                          </p:val>
+                                        </p:tav>
+                                      </p:tavLst>
+                                    </p:anim>
+                                  </p:childTnLst>
+                                </p:cTn>
+                              </p:par>
+                            </p:childTnLst>
+                          </p:cTn>
+                        </p:par>
+                      </p:childTnLst>
+                    </p:cTn>
+                  </p:par>
+                  <p:par>
+                    <p:cTn id="9" fill="hold">
+                      <p:stCondLst>
+                        <p:cond delay="indefinite"/>
+                      </p:stCondLst>
+                      <p:childTnLst>
+                        <p:par>
+                          <p:cTn id="10" fill="hold">
+                            <p:stCondLst>
+                              <p:cond delay="0"/>
+                            </p:stCondLst>
+                            <p:childTnLst>
+                              <p:par>
+                                <p:cTn id="11" presetID="2" presetClass="entr" presetSubtype="4" fill="hold" grpId="0" nodeType="clickEffect">
+                                  <p:stCondLst>
+                                    <p:cond delay="0"/>
+                                  </p:stCondLst>
+                                  <p:childTnLst>
+                                    <p:set>
+                                      <p:cBhvr>
+                                        <p:cTn id="12" dur="1" fill="hold">
+                                          <p:stCondLst>
+                                            <p:cond delay="0"/>
+                                          </p:stCondLst>
+                                        </p:cTn>
+                                        <p:tgtEl>
+                                          <p:spTgt spid="3">
+                                            <p:txEl>
+                                              <p:pRg st="2" end="2"/>
+                                            </p:txEl>
+                                          </p:spTgt>
+                                        </p:tgtEl>
+                                        <p:attrNameLst>
+                                          <p:attrName>style.visibility</p:attrName>
+                                        </p:attrNameLst>
+                                      </p:cBhvr>
+                                      <p:to>
+                                        <p:strVal val="visible"/>
+                                      </p:to>
+                                    </p:set>
+                                    <p:anim calcmode="lin" valueType="num">
+                                      <p:cBhvr additive="base">
+                                        <p:cTn id="13" dur="500" fill="hold"/>
+                                        <p:tgtEl>
+                                          <p:spTgt spid="3">
+                                            <p:txEl>
+                                              <p:pRg st="2" end="2"/>
+                                            </p:txEl>
+                                          </p:spTgt>
+                                        </p:tgtEl>
+                                        <p:attrNameLst>
+                                          <p:attrName>ppt_x</p:attrName>
+                                        </p:attrNameLst>
+                                      </p:cBhvr>
+                                      <p:tavLst>
+                                        <p:tav tm="0">
+                                          <p:val>
+                                            <p:strVal val="#ppt_x"/>
+                                          </p:val>
+                                        </p:tav>
+                                        <p:tav tm="100000">
+                                          <p:val>
+                                            <p:strVal val="#ppt_x"/>
+                                          </p:val>
+                                        </p:tav>
+                                      </p:tavLst>
+                                    </p:anim>
+                                    <p:anim calcmode="lin" valueType="num">
+                                      <p:cBhvr additive="base">
+                                        <p:cTn id="14" dur="500" fill="hold"/>
+                                        <p:tgtEl>
+                                          <p:spTgt spid="3">
+                                            <p:txEl>
+                                              <p:pRg st="2" end="2"/>
+                                            </p:txEl>
+                                          </p:spTgt>
+                                        </p:tgtEl>
+                                        <p:attrNameLst>
+                                          <p:attrName>ppt_y</p:attrName>
+                                        </p:attrNameLst>
+                                      </p:cBhvr>
+                                      <p:tavLst>
+                                        <p:tav tm="0">
+                                          <p:val>
+                                            <p:strVal val="1+#ppt_h/2"/>
+                                          </p:val>
+                                        </p:tav>
+                                        <p:tav tm="100000">
+                                          <p:val>
+                                            <p:strVal val="#ppt_y"/>
+                                          </p:val>
+                                        </p:tav>
+                                      </p:tavLst>
+                                    </p:anim>
+                                  </p:childTnLst>
+                                </p:cTn>
+                              </p:par>
+                            </p:childTnLst>
+                          </p:cTn>
+                        </p:par>
+                      </p:childTnLst>
+                    </p:cTn>
+                  </p:par>
+                  <p:par>
+                    <p:cTn id="15" fill="hold">
+                      <p:stCondLst>
+                        <p:cond delay="indefinite"/>
+                      </p:stCondLst>
+                      <p:childTnLst>
+                        <p:par>
+                          <p:cTn id="16" fill="hold">
+                            <p:stCondLst>
+                              <p:cond delay="0"/>
+                            </p:stCondLst>
+                            <p:childTnLst>
+                              <p:par>
+                                <p:cTn id="17" presetID="2" presetClass="entr" presetSubtype="4" fill="hold" nodeType="clickEffect">
+                                  <p:stCondLst>
+                                    <p:cond delay="0"/>
+                                  </p:stCondLst>
+                                  <p:childTnLst>
+                                    <p:set>
+                                      <p:cBhvr>
+                                        <p:cTn id="18" dur="1" fill="hold">
+                                          <p:stCondLst>
+                                            <p:cond delay="0"/>
+                                          </p:stCondLst>
+                                        </p:cTn>
+                                        <p:tgtEl>
+                                          <p:spTgt spid="8"/>
+                                        </p:tgtEl>
+                                        <p:attrNameLst>
+                                          <p:attrName>style.visibility</p:attrName>
+                                        </p:attrNameLst>
+                                      </p:cBhvr>
+                                      <p:to>
+                                        <p:strVal val="visible"/>
+                                      </p:to>
+                                    </p:set>
+                                    <p:anim calcmode="lin" valueType="num">
+                                      <p:cBhvr additive="base">
+                                        <p:cTn id="19" dur="500" fill="hold"/>
+                                        <p:tgtEl>
+                                          <p:spTgt spid="8"/>
+                                        </p:tgtEl>
+                                        <p:attrNameLst>
+                                          <p:attrName>ppt_x</p:attrName>
+                                        </p:attrNameLst>
+                                      </p:cBhvr>
+                                      <p:tavLst>
+                                        <p:tav tm="0">
+                                          <p:val>
+                                            <p:strVal val="#ppt_x"/>
+                                          </p:val>
+                                        </p:tav>
+                                        <p:tav tm="100000">
+                                          <p:val>
+                                            <p:strVal val="#ppt_x"/>
+                                          </p:val>
+                                        </p:tav>
+                                      </p:tavLst>
+                                    </p:anim>
+                                    <p:anim calcmode="lin" valueType="num">
+                                      <p:cBhvr additive="base">
+                                        <p:cTn id="20" dur="500" fill="hold"/>
+                                        <p:tgtEl>
+                                          <p:spTgt spid="8"/>
+                                        </p:tgtEl>
+                                        <p:attrNameLst>
+                                          <p:attrName>ppt_y</p:attrName>
+                                        </p:attrNameLst>
+                                      </p:cBhvr>
+                                      <p:tavLst>
+                                        <p:tav tm="0">
+                                          <p:val>
+                                            <p:strVal val="1+#ppt_h/2"/>
+                                          </p:val>
+                                        </p:tav>
+                                        <p:tav tm="100000">
+                                          <p:val>
+                                            <p:strVal val="#ppt_y"/>
+                                          </p:val>
+                                        </p:tav>
+                                      </p:tavLst>
+                                    </p:anim>
+                                  </p:childTnLst>
+                                </p:cTn>
+                              </p:par>
+                            </p:childTnLst>
+                          </p:cTn>
+                        </p:par>
+                      </p:childTnLst>
+                    </p:cTn>
+                  </p:par>
+                  <p:par>
+                    <p:cTn id="21" fill="hold">
+                      <p:stCondLst>
+                        <p:cond delay="indefinite"/>
+                      </p:stCondLst>
+                      <p:childTnLst>
+                        <p:par>
+                          <p:cTn id="22" fill="hold">
+                            <p:stCondLst>
+                              <p:cond delay="0"/>
+                            </p:stCondLst>
+                            <p:childTnLst>
+                              <p:par>
+                                <p:cTn id="23" presetID="10" presetClass="entr" presetSubtype="0" fill="hold" grpId="0" nodeType="clickEffect">
+                                  <p:stCondLst>
+                                    <p:cond delay="0"/>
+                                  </p:stCondLst>
+                                  <p:childTnLst>
+                                    <p:set>
+                                      <p:cBhvr>
+                                        <p:cTn id="24" dur="1" fill="hold">
+                                          <p:stCondLst>
+                                            <p:cond delay="0"/>
+                                          </p:stCondLst>
+                                        </p:cTn>
+                                        <p:tgtEl>
+                                          <p:spTgt spid="4"/>
+                                        </p:tgtEl>
+                                        <p:attrNameLst>
+                                          <p:attrName>style.visibility</p:attrName>
+                                        </p:attrNameLst>
+                                      </p:cBhvr>
+                                      <p:to>
+                                        <p:strVal val="visible"/>
+                                      </p:to>
+                                    </p:set>
+                                    <p:animEffect transition="in" filter="fade">
+                                      <p:cBhvr>
+                                        <p:cTn id="25" dur="500"/>
+                                        <p:tgtEl>
+                                          <p:spTgt spid="4"/>
+                                        </p:tgtEl>
+                                      </p:cBhvr>
+                                    </p:animEffect>
+                                  </p:childTnLst>
+                                </p:cTn>
+                              </p:par>
+                              <p:par>
+                                <p:cTn id="26" presetID="10" presetClass="entr" presetSubtype="0" fill="hold" nodeType="withEffect">
+                                  <p:stCondLst>
+                                    <p:cond delay="0"/>
+                                  </p:stCondLst>
+                                  <p:childTnLst>
+                                    <p:set>
+                                      <p:cBhvr>
+                                        <p:cTn id="27" dur="1" fill="hold">
+                                          <p:stCondLst>
+                                            <p:cond delay="0"/>
+                                          </p:stCondLst>
+                                        </p:cTn>
+                                        <p:tgtEl>
+                                          <p:spTgt spid="6"/>
+                                        </p:tgtEl>
+                                        <p:attrNameLst>
+                                          <p:attrName>style.visibility</p:attrName>
+                                        </p:attrNameLst>
+                                      </p:cBhvr>
+                                      <p:to>
+                                        <p:strVal val="visible"/>
+                                      </p:to>
+                                    </p:set>
+                                    <p:animEffect transition="in" filter="fade">
+                                      <p:cBhvr>
+                                        <p:cTn id="28" dur="500"/>
+                                        <p:tgtEl>
+                                          <p:spTgt spid="6"/>
+                                        </p:tgtEl>
+                                      </p:cBhvr>
+                                    </p:animEffect>
+                                  </p:childTnLst>
+                                </p:cTn>
+                              </p:par>
+                            </p:childTnLst>
+                          </p:cTn>
+                        </p:par>
+                      </p:childTnLst>
+                    </p:cTn>
+                  </p:par>
+                </p:childTnLst>
+              </p:cTn>
+              <p:prevCondLst>
+                <p:cond evt="onPrev" delay="0">
+                  <p:tgtEl>
+                    <p:sldTgt/>
+                  </p:tgtEl>
+                </p:cond>
+              </p:prevCondLst>
+              <p:nextCondLst>
+                <p:cond evt="onNext" delay="0">
+                  <p:tgtEl>
+                    <p:sldTgt/>
+                  </p:tgtEl>
+                </p:cond>
+              </p:nextCondLst>
+            </p:seq>
+          </p:childTnLst>
+        </p:cTn>
+      </p:par>
+    </p:tnLst>
+    <p:bldLst>
+      <p:bldP spid="3" grpId="0" uiExpand="1" build="p"/>
+      <p:bldP spid="4" grpId="0"/>
+    </p:bldLst>
+  </p:timing>
+</p:sld>
+</file>
+
+<file path=ppt/slides/slide7.xml><?xml version="1.0" encoding="utf-8"?>
+<p:sld xmlns:a="http://schemas.openxmlformats.org/drawingml/2006/main" xmlns:r="http://schemas.openxmlformats.org/officeDocument/2006/relationships" xmlns:p="http://schemas.openxmlformats.org/presentationml/2006/main">
+  <p:cSld>
+    <p:bg>
+      <p:bgPr>
+        <a:solidFill>
+          <a:schemeClr val="accent1">
+            <a:lumMod val="20000"/>
+            <a:lumOff val="80000"/>
+          </a:schemeClr>
+        </a:solidFill>
+        <a:effectLst/>
+      </p:bgPr>
+    </p:bg>
+    <p:spTree>
+      <p:nvGrpSpPr>
+        <p:cNvPr id="1" name=""/>
+        <p:cNvGrpSpPr/>
+        <p:nvPr/>
+      </p:nvGrpSpPr>
+      <p:grpSpPr>
+        <a:xfrm>
+          <a:off x="0" y="0"/>
+          <a:ext cx="0" cy="0"/>
+          <a:chOff x="0" y="0"/>
+          <a:chExt cx="0" cy="0"/>
+        </a:xfrm>
+      </p:grpSpPr>
+      <p:sp>
+        <p:nvSpPr>
+          <p:cNvPr id="3" name="Content Placeholder 2">
+            <a:extLst>
+              <a:ext uri="{FF2B5EF4-FFF2-40B4-BE49-F238E27FC236}">
+                <a16:creationId xmlns:a16="http://schemas.microsoft.com/office/drawing/2014/main" id="{C2357EA5-6471-4ED1-93FE-A6B801CC489D}"/>
+              </a:ext>
+            </a:extLst>
+          </p:cNvPr>
+          <p:cNvSpPr>
+            <a:spLocks noGrp="1"/>
+          </p:cNvSpPr>
+          <p:nvPr>
+            <p:ph idx="1"/>
+          </p:nvPr>
+        </p:nvSpPr>
+        <p:spPr>
+          <a:xfrm>
+            <a:off x="489066" y="1425928"/>
+            <a:ext cx="7025640" cy="4489479"/>
+          </a:xfrm>
+        </p:spPr>
+        <p:txBody>
+          <a:bodyPr>
+            <a:normAutofit/>
+          </a:bodyPr>
+          <a:lstStyle/>
+          <a:p>
+            <a:endParaRPr lang="en-US" sz="1800" dirty="0"/>
+          </a:p>
+          <a:p>
+            <a:endParaRPr lang="en-US" sz="1800" dirty="0"/>
+          </a:p>
+          <a:p>
+            <a:endParaRPr lang="en-US" sz="1800" dirty="0"/>
+          </a:p>
+          <a:p>
+            <a:endParaRPr lang="en-US" sz="1800" dirty="0"/>
+          </a:p>
+          <a:p>
+            <a:endParaRPr lang="en-US" sz="1800" dirty="0"/>
+          </a:p>
+          <a:p>
+            <a:endParaRPr lang="en-US" sz="1800" dirty="0"/>
+          </a:p>
+          <a:p>
+            <a:endParaRPr lang="en-US" sz="1800" dirty="0"/>
+          </a:p>
+          <a:p>
+            <a:endParaRPr lang="en-US" sz="1800" dirty="0"/>
+          </a:p>
+        </p:txBody>
+      </p:sp>
+      <p:pic>
+        <p:nvPicPr>
+          <p:cNvPr id="5" name="Picture 4">
+            <a:extLst>
+              <a:ext uri="{FF2B5EF4-FFF2-40B4-BE49-F238E27FC236}">
+                <a16:creationId xmlns:a16="http://schemas.microsoft.com/office/drawing/2014/main" id="{753854E8-16BC-4A07-BCEC-C6C8CD73310A}"/>
+              </a:ext>
+            </a:extLst>
+          </p:cNvPr>
+          <p:cNvPicPr>
+            <a:picLocks noChangeAspect="1"/>
+          </p:cNvPicPr>
+          <p:nvPr/>
+        </p:nvPicPr>
+        <p:blipFill rotWithShape="1">
+          <a:blip r:embed="rId2"/>
+          <a:srcRect t="19710" b="22464"/>
+          <a:stretch/>
+        </p:blipFill>
+        <p:spPr>
+          <a:xfrm>
+            <a:off x="564874" y="1346940"/>
+            <a:ext cx="10788926" cy="4159210"/>
+          </a:xfrm>
+          <a:prstGeom prst="rect">
+            <a:avLst/>
+          </a:prstGeom>
+        </p:spPr>
+      </p:pic>
+      <p:sp>
+        <p:nvSpPr>
+          <p:cNvPr id="7" name="TextBox 6">
+            <a:extLst>
+              <a:ext uri="{FF2B5EF4-FFF2-40B4-BE49-F238E27FC236}">
+                <a16:creationId xmlns:a16="http://schemas.microsoft.com/office/drawing/2014/main" id="{8FAF1EB5-3AEE-4D2D-AF4C-514B9718EE38}"/>
+              </a:ext>
+            </a:extLst>
+          </p:cNvPr>
+          <p:cNvSpPr txBox="1"/>
+          <p:nvPr/>
+        </p:nvSpPr>
+        <p:spPr>
+          <a:xfrm>
+            <a:off x="4945011" y="258418"/>
+            <a:ext cx="2301977" cy="369332"/>
+          </a:xfrm>
+          <a:prstGeom prst="rect">
+            <a:avLst/>
+          </a:prstGeom>
+          <a:noFill/>
+        </p:spPr>
+        <p:txBody>
+          <a:bodyPr wrap="none" rtlCol="0">
+            <a:spAutoFit/>
+          </a:bodyPr>
+          <a:lstStyle/>
+          <a:p>
+            <a:r>
+              <a:rPr lang="en-US" dirty="0"/>
+              <a:t>Select the correct data</a:t>
+            </a:r>
+          </a:p>
+        </p:txBody>
+      </p:sp>
+      <p:cxnSp>
+        <p:nvCxnSpPr>
+          <p:cNvPr id="10" name="Straight Arrow Connector 9">
+            <a:extLst>
+              <a:ext uri="{FF2B5EF4-FFF2-40B4-BE49-F238E27FC236}">
+                <a16:creationId xmlns:a16="http://schemas.microsoft.com/office/drawing/2014/main" id="{F6AB9DC1-3E0E-40F3-9598-4412BF02CE34}"/>
+              </a:ext>
+            </a:extLst>
+          </p:cNvPr>
+          <p:cNvCxnSpPr>
+            <a:cxnSpLocks/>
+          </p:cNvCxnSpPr>
+          <p:nvPr/>
+        </p:nvCxnSpPr>
+        <p:spPr>
+          <a:xfrm flipH="1">
+            <a:off x="1510748" y="715617"/>
+            <a:ext cx="3434263" cy="2186609"/>
+          </a:xfrm>
+          <a:prstGeom prst="straightConnector1">
+            <a:avLst/>
+          </a:prstGeom>
+          <a:ln>
+            <a:tailEnd type="triangle"/>
+          </a:ln>
+        </p:spPr>
+        <p:style>
+          <a:lnRef idx="1">
+            <a:schemeClr val="accent1"/>
+          </a:lnRef>
+          <a:fillRef idx="0">
+            <a:schemeClr val="accent1"/>
+          </a:fillRef>
+          <a:effectRef idx="0">
+            <a:schemeClr val="accent1"/>
+          </a:effectRef>
+          <a:fontRef idx="minor">
+            <a:schemeClr val="tx1"/>
+          </a:fontRef>
+        </p:style>
+      </p:cxnSp>
+      <p:cxnSp>
+        <p:nvCxnSpPr>
+          <p:cNvPr id="12" name="Straight Arrow Connector 11">
+            <a:extLst>
+              <a:ext uri="{FF2B5EF4-FFF2-40B4-BE49-F238E27FC236}">
+                <a16:creationId xmlns:a16="http://schemas.microsoft.com/office/drawing/2014/main" id="{3D326999-F84A-47C1-A5A8-75712DA99411}"/>
+              </a:ext>
+            </a:extLst>
+          </p:cNvPr>
+          <p:cNvCxnSpPr>
+            <a:cxnSpLocks/>
+          </p:cNvCxnSpPr>
+          <p:nvPr/>
+        </p:nvCxnSpPr>
+        <p:spPr>
+          <a:xfrm flipH="1">
+            <a:off x="1391478" y="706738"/>
+            <a:ext cx="5655365" cy="2963929"/>
+          </a:xfrm>
+          <a:prstGeom prst="straightConnector1">
+            <a:avLst/>
+          </a:prstGeom>
+          <a:ln>
+            <a:tailEnd type="triangle"/>
+          </a:ln>
+        </p:spPr>
+        <p:style>
+          <a:lnRef idx="1">
+            <a:schemeClr val="accent1"/>
+          </a:lnRef>
+          <a:fillRef idx="0">
+            <a:schemeClr val="accent1"/>
+          </a:fillRef>
+          <a:effectRef idx="0">
+            <a:schemeClr val="accent1"/>
+          </a:effectRef>
+          <a:fontRef idx="minor">
+            <a:schemeClr val="tx1"/>
+          </a:fontRef>
+        </p:style>
+      </p:cxnSp>
+      <p:cxnSp>
+        <p:nvCxnSpPr>
+          <p:cNvPr id="15" name="Straight Arrow Connector 14">
+            <a:extLst>
+              <a:ext uri="{FF2B5EF4-FFF2-40B4-BE49-F238E27FC236}">
+                <a16:creationId xmlns:a16="http://schemas.microsoft.com/office/drawing/2014/main" id="{EEB28117-53AB-48ED-B409-8C09572C2370}"/>
+              </a:ext>
+            </a:extLst>
+          </p:cNvPr>
+          <p:cNvCxnSpPr>
+            <a:cxnSpLocks/>
+          </p:cNvCxnSpPr>
+          <p:nvPr/>
+        </p:nvCxnSpPr>
+        <p:spPr>
+          <a:xfrm flipH="1">
+            <a:off x="1510748" y="706737"/>
+            <a:ext cx="4326835" cy="2605023"/>
+          </a:xfrm>
+          <a:prstGeom prst="straightConnector1">
+            <a:avLst/>
+          </a:prstGeom>
+          <a:ln>
+            <a:tailEnd type="triangle"/>
+          </a:ln>
+        </p:spPr>
+        <p:style>
+          <a:lnRef idx="1">
+            <a:schemeClr val="accent1"/>
+          </a:lnRef>
+          <a:fillRef idx="0">
+            <a:schemeClr val="accent1"/>
+          </a:fillRef>
+          <a:effectRef idx="0">
+            <a:schemeClr val="accent1"/>
+          </a:effectRef>
+          <a:fontRef idx="minor">
+            <a:schemeClr val="tx1"/>
+          </a:fontRef>
+        </p:style>
+      </p:cxnSp>
+      <p:sp>
+        <p:nvSpPr>
+          <p:cNvPr id="18" name="TextBox 17">
+            <a:extLst>
+              <a:ext uri="{FF2B5EF4-FFF2-40B4-BE49-F238E27FC236}">
+                <a16:creationId xmlns:a16="http://schemas.microsoft.com/office/drawing/2014/main" id="{F1A81DB1-043E-48AD-B5D3-2083FFB87A39}"/>
+              </a:ext>
+            </a:extLst>
+          </p:cNvPr>
+          <p:cNvSpPr txBox="1"/>
+          <p:nvPr/>
+        </p:nvSpPr>
+        <p:spPr>
+          <a:xfrm>
+            <a:off x="4808348" y="5961686"/>
+            <a:ext cx="2281971" cy="369332"/>
+          </a:xfrm>
+          <a:prstGeom prst="rect">
+            <a:avLst/>
+          </a:prstGeom>
+          <a:noFill/>
+        </p:spPr>
+        <p:txBody>
+          <a:bodyPr wrap="none" rtlCol="0">
+            <a:spAutoFit/>
+          </a:bodyPr>
+          <a:lstStyle/>
+          <a:p>
+            <a:r>
+              <a:rPr lang="en-US" dirty="0"/>
+              <a:t>Downloading the Data</a:t>
+            </a:r>
+          </a:p>
+        </p:txBody>
+      </p:sp>
+      <p:cxnSp>
+        <p:nvCxnSpPr>
+          <p:cNvPr id="20" name="Straight Arrow Connector 19">
+            <a:extLst>
+              <a:ext uri="{FF2B5EF4-FFF2-40B4-BE49-F238E27FC236}">
+                <a16:creationId xmlns:a16="http://schemas.microsoft.com/office/drawing/2014/main" id="{2FCB5EEF-57F8-4310-9FBE-63C4FA5C0346}"/>
+              </a:ext>
+            </a:extLst>
+          </p:cNvPr>
+          <p:cNvCxnSpPr>
+            <a:cxnSpLocks/>
+          </p:cNvCxnSpPr>
+          <p:nvPr/>
+        </p:nvCxnSpPr>
+        <p:spPr>
+          <a:xfrm flipV="1">
+            <a:off x="6947452" y="1709530"/>
+            <a:ext cx="3359426" cy="4205877"/>
+          </a:xfrm>
+          <a:prstGeom prst="straightConnector1">
+            <a:avLst/>
+          </a:prstGeom>
+          <a:ln>
+            <a:tailEnd type="triangle"/>
+          </a:ln>
+        </p:spPr>
+        <p:style>
+          <a:lnRef idx="1">
+            <a:schemeClr val="accent1"/>
+          </a:lnRef>
+          <a:fillRef idx="0">
+            <a:schemeClr val="accent1"/>
+          </a:fillRef>
+          <a:effectRef idx="0">
+            <a:schemeClr val="accent1"/>
+          </a:effectRef>
+          <a:fontRef idx="minor">
+            <a:schemeClr val="tx1"/>
+          </a:fontRef>
+        </p:style>
+      </p:cxnSp>
+    </p:spTree>
+    <p:extLst>
+      <p:ext uri="{BB962C8B-B14F-4D97-AF65-F5344CB8AC3E}">
+        <p14:creationId xmlns:p14="http://schemas.microsoft.com/office/powerpoint/2010/main" val="3906770538"/>
+      </p:ext>
+    </p:extLst>
+  </p:cSld>
+  <p:clrMapOvr>
+    <a:masterClrMapping/>
+  </p:clrMapOvr>
+  <p:timing>
+    <p:tnLst>
+      <p:par>
+        <p:cTn id="1" dur="indefinite" restart="never" nodeType="tmRoot">
+          <p:childTnLst>
+            <p:seq concurrent="1" nextAc="seek">
+              <p:cTn id="2" dur="indefinite" nodeType="mainSeq">
+                <p:childTnLst>
+                  <p:par>
+                    <p:cTn id="3" fill="hold">
+                      <p:stCondLst>
+                        <p:cond delay="indefinite"/>
+                      </p:stCondLst>
+                      <p:childTnLst>
+                        <p:par>
+                          <p:cTn id="4" fill="hold">
+                            <p:stCondLst>
+                              <p:cond delay="0"/>
+                            </p:stCondLst>
+                            <p:childTnLst>
+                              <p:par>
+                                <p:cTn id="5" presetID="2" presetClass="entr" presetSubtype="4" fill="hold" grpId="0" nodeType="clickEffect">
+                                  <p:stCondLst>
+                                    <p:cond delay="0"/>
+                                  </p:stCondLst>
+                                  <p:childTnLst>
+                                    <p:set>
+                                      <p:cBhvr>
+                                        <p:cTn id="6" dur="1" fill="hold">
+                                          <p:stCondLst>
+                                            <p:cond delay="0"/>
+                                          </p:stCondLst>
+                                        </p:cTn>
+                                        <p:tgtEl>
+                                          <p:spTgt spid="7"/>
+                                        </p:tgtEl>
+                                        <p:attrNameLst>
+                                          <p:attrName>style.visibility</p:attrName>
+                                        </p:attrNameLst>
+                                      </p:cBhvr>
+                                      <p:to>
+                                        <p:strVal val="visible"/>
+                                      </p:to>
+                                    </p:set>
+                                    <p:anim calcmode="lin" valueType="num">
+                                      <p:cBhvr additive="base">
+                                        <p:cTn id="7" dur="500" fill="hold"/>
+                                        <p:tgtEl>
+                                          <p:spTgt spid="7"/>
+                                        </p:tgtEl>
+                                        <p:attrNameLst>
+                                          <p:attrName>ppt_x</p:attrName>
+                                        </p:attrNameLst>
+                                      </p:cBhvr>
+                                      <p:tavLst>
+                                        <p:tav tm="0">
+                                          <p:val>
+                                            <p:strVal val="#ppt_x"/>
+                                          </p:val>
+                                        </p:tav>
+                                        <p:tav tm="100000">
+                                          <p:val>
+                                            <p:strVal val="#ppt_x"/>
+                                          </p:val>
+                                        </p:tav>
+                                      </p:tavLst>
+                                    </p:anim>
+                                    <p:anim calcmode="lin" valueType="num">
+                                      <p:cBhvr additive="base">
+                                        <p:cTn id="8" dur="500" fill="hold"/>
+                                        <p:tgtEl>
+                                          <p:spTgt spid="7"/>
+                                        </p:tgtEl>
+                                        <p:attrNameLst>
+                                          <p:attrName>ppt_y</p:attrName>
+                                        </p:attrNameLst>
+                                      </p:cBhvr>
+                                      <p:tavLst>
+                                        <p:tav tm="0">
+                                          <p:val>
+                                            <p:strVal val="1+#ppt_h/2"/>
+                                          </p:val>
+                                        </p:tav>
+                                        <p:tav tm="100000">
+                                          <p:val>
+                                            <p:strVal val="#ppt_y"/>
+                                          </p:val>
+                                        </p:tav>
+                                      </p:tavLst>
+                                    </p:anim>
+                                  </p:childTnLst>
+                                </p:cTn>
+                              </p:par>
+                              <p:par>
+                                <p:cTn id="9" presetID="2" presetClass="entr" presetSubtype="4" fill="hold" nodeType="withEffect">
+                                  <p:stCondLst>
+                                    <p:cond delay="0"/>
+                                  </p:stCondLst>
+                                  <p:childTnLst>
+                                    <p:set>
+                                      <p:cBhvr>
+                                        <p:cTn id="10" dur="1" fill="hold">
+                                          <p:stCondLst>
+                                            <p:cond delay="0"/>
+                                          </p:stCondLst>
+                                        </p:cTn>
+                                        <p:tgtEl>
+                                          <p:spTgt spid="10"/>
+                                        </p:tgtEl>
+                                        <p:attrNameLst>
+                                          <p:attrName>style.visibility</p:attrName>
+                                        </p:attrNameLst>
+                                      </p:cBhvr>
+                                      <p:to>
+                                        <p:strVal val="visible"/>
+                                      </p:to>
+                                    </p:set>
+                                    <p:anim calcmode="lin" valueType="num">
+                                      <p:cBhvr additive="base">
+                                        <p:cTn id="11" dur="500" fill="hold"/>
+                                        <p:tgtEl>
+                                          <p:spTgt spid="10"/>
+                                        </p:tgtEl>
+                                        <p:attrNameLst>
+                                          <p:attrName>ppt_x</p:attrName>
+                                        </p:attrNameLst>
+                                      </p:cBhvr>
+                                      <p:tavLst>
+                                        <p:tav tm="0">
+                                          <p:val>
+                                            <p:strVal val="#ppt_x"/>
+                                          </p:val>
+                                        </p:tav>
+                                        <p:tav tm="100000">
+                                          <p:val>
+                                            <p:strVal val="#ppt_x"/>
+                                          </p:val>
+                                        </p:tav>
+                                      </p:tavLst>
+                                    </p:anim>
+                                    <p:anim calcmode="lin" valueType="num">
+                                      <p:cBhvr additive="base">
+                                        <p:cTn id="12" dur="500" fill="hold"/>
+                                        <p:tgtEl>
+                                          <p:spTgt spid="10"/>
+                                        </p:tgtEl>
+                                        <p:attrNameLst>
+                                          <p:attrName>ppt_y</p:attrName>
+                                        </p:attrNameLst>
+                                      </p:cBhvr>
+                                      <p:tavLst>
+                                        <p:tav tm="0">
+                                          <p:val>
+                                            <p:strVal val="1+#ppt_h/2"/>
+                                          </p:val>
+                                        </p:tav>
+                                        <p:tav tm="100000">
+                                          <p:val>
+                                            <p:strVal val="#ppt_y"/>
+                                          </p:val>
+                                        </p:tav>
+                                      </p:tavLst>
+                                    </p:anim>
+                                  </p:childTnLst>
+                                </p:cTn>
+                              </p:par>
+                              <p:par>
+                                <p:cTn id="13" presetID="2" presetClass="entr" presetSubtype="4" fill="hold" nodeType="withEffect">
+                                  <p:stCondLst>
+                                    <p:cond delay="0"/>
+                                  </p:stCondLst>
+                                  <p:childTnLst>
+                                    <p:set>
+                                      <p:cBhvr>
+                                        <p:cTn id="14" dur="1" fill="hold">
+                                          <p:stCondLst>
+                                            <p:cond delay="0"/>
+                                          </p:stCondLst>
+                                        </p:cTn>
+                                        <p:tgtEl>
+                                          <p:spTgt spid="15"/>
+                                        </p:tgtEl>
+                                        <p:attrNameLst>
+                                          <p:attrName>style.visibility</p:attrName>
+                                        </p:attrNameLst>
+                                      </p:cBhvr>
+                                      <p:to>
+                                        <p:strVal val="visible"/>
+                                      </p:to>
+                                    </p:set>
+                                    <p:anim calcmode="lin" valueType="num">
+                                      <p:cBhvr additive="base">
+                                        <p:cTn id="15" dur="500" fill="hold"/>
+                                        <p:tgtEl>
+                                          <p:spTgt spid="15"/>
+                                        </p:tgtEl>
+                                        <p:attrNameLst>
+                                          <p:attrName>ppt_x</p:attrName>
+                                        </p:attrNameLst>
+                                      </p:cBhvr>
+                                      <p:tavLst>
+                                        <p:tav tm="0">
+                                          <p:val>
+                                            <p:strVal val="#ppt_x"/>
+                                          </p:val>
+                                        </p:tav>
+                                        <p:tav tm="100000">
+                                          <p:val>
+                                            <p:strVal val="#ppt_x"/>
+                                          </p:val>
+                                        </p:tav>
+                                      </p:tavLst>
+                                    </p:anim>
+                                    <p:anim calcmode="lin" valueType="num">
+                                      <p:cBhvr additive="base">
+                                        <p:cTn id="16" dur="500" fill="hold"/>
+                                        <p:tgtEl>
+                                          <p:spTgt spid="15"/>
+                                        </p:tgtEl>
+                                        <p:attrNameLst>
+                                          <p:attrName>ppt_y</p:attrName>
+                                        </p:attrNameLst>
+                                      </p:cBhvr>
+                                      <p:tavLst>
+                                        <p:tav tm="0">
+                                          <p:val>
+                                            <p:strVal val="1+#ppt_h/2"/>
+                                          </p:val>
+                                        </p:tav>
+                                        <p:tav tm="100000">
+                                          <p:val>
+                                            <p:strVal val="#ppt_y"/>
+                                          </p:val>
+                                        </p:tav>
+                                      </p:tavLst>
+                                    </p:anim>
+                                  </p:childTnLst>
+                                </p:cTn>
+                              </p:par>
+                              <p:par>
+                                <p:cTn id="17" presetID="2" presetClass="entr" presetSubtype="4" fill="hold" nodeType="withEffect">
+                                  <p:stCondLst>
+                                    <p:cond delay="0"/>
+                                  </p:stCondLst>
+                                  <p:childTnLst>
+                                    <p:set>
+                                      <p:cBhvr>
+                                        <p:cTn id="18" dur="1" fill="hold">
+                                          <p:stCondLst>
+                                            <p:cond delay="0"/>
+                                          </p:stCondLst>
+                                        </p:cTn>
+                                        <p:tgtEl>
+                                          <p:spTgt spid="12"/>
+                                        </p:tgtEl>
+                                        <p:attrNameLst>
+                                          <p:attrName>style.visibility</p:attrName>
+                                        </p:attrNameLst>
+                                      </p:cBhvr>
+                                      <p:to>
+                                        <p:strVal val="visible"/>
+                                      </p:to>
+                                    </p:set>
+                                    <p:anim calcmode="lin" valueType="num">
+                                      <p:cBhvr additive="base">
+                                        <p:cTn id="19" dur="500" fill="hold"/>
+                                        <p:tgtEl>
+                                          <p:spTgt spid="12"/>
+                                        </p:tgtEl>
+                                        <p:attrNameLst>
+                                          <p:attrName>ppt_x</p:attrName>
+                                        </p:attrNameLst>
+                                      </p:cBhvr>
+                                      <p:tavLst>
+                                        <p:tav tm="0">
+                                          <p:val>
+                                            <p:strVal val="#ppt_x"/>
+                                          </p:val>
+                                        </p:tav>
+                                        <p:tav tm="100000">
+                                          <p:val>
+                                            <p:strVal val="#ppt_x"/>
+                                          </p:val>
+                                        </p:tav>
+                                      </p:tavLst>
+                                    </p:anim>
+                                    <p:anim calcmode="lin" valueType="num">
+                                      <p:cBhvr additive="base">
+                                        <p:cTn id="20" dur="500" fill="hold"/>
+                                        <p:tgtEl>
+                                          <p:spTgt spid="12"/>
+                                        </p:tgtEl>
+                                        <p:attrNameLst>
+                                          <p:attrName>ppt_y</p:attrName>
+                                        </p:attrNameLst>
+                                      </p:cBhvr>
+                                      <p:tavLst>
+                                        <p:tav tm="0">
+                                          <p:val>
+                                            <p:strVal val="1+#ppt_h/2"/>
+                                          </p:val>
+                                        </p:tav>
+                                        <p:tav tm="100000">
+                                          <p:val>
+                                            <p:strVal val="#ppt_y"/>
+                                          </p:val>
+                                        </p:tav>
+                                      </p:tavLst>
+                                    </p:anim>
+                                  </p:childTnLst>
+                                </p:cTn>
+                              </p:par>
+                            </p:childTnLst>
+                          </p:cTn>
+                        </p:par>
+                      </p:childTnLst>
+                    </p:cTn>
+                  </p:par>
+                  <p:par>
+                    <p:cTn id="21" fill="hold">
+                      <p:stCondLst>
+                        <p:cond delay="indefinite"/>
+                      </p:stCondLst>
+                      <p:childTnLst>
+                        <p:par>
+                          <p:cTn id="22" fill="hold">
+                            <p:stCondLst>
+                              <p:cond delay="0"/>
+                            </p:stCondLst>
+                            <p:childTnLst>
+                              <p:par>
+                                <p:cTn id="23" presetID="2" presetClass="entr" presetSubtype="4" fill="hold" nodeType="clickEffect">
+                                  <p:stCondLst>
+                                    <p:cond delay="0"/>
+                                  </p:stCondLst>
+                                  <p:childTnLst>
+                                    <p:set>
+                                      <p:cBhvr>
+                                        <p:cTn id="24" dur="1" fill="hold">
+                                          <p:stCondLst>
+                                            <p:cond delay="0"/>
+                                          </p:stCondLst>
+                                        </p:cTn>
+                                        <p:tgtEl>
+                                          <p:spTgt spid="20"/>
+                                        </p:tgtEl>
+                                        <p:attrNameLst>
+                                          <p:attrName>style.visibility</p:attrName>
+                                        </p:attrNameLst>
+                                      </p:cBhvr>
+                                      <p:to>
+                                        <p:strVal val="visible"/>
+                                      </p:to>
+                                    </p:set>
+                                    <p:anim calcmode="lin" valueType="num">
+                                      <p:cBhvr additive="base">
+                                        <p:cTn id="25" dur="500" fill="hold"/>
+                                        <p:tgtEl>
+                                          <p:spTgt spid="20"/>
+                                        </p:tgtEl>
+                                        <p:attrNameLst>
+                                          <p:attrName>ppt_x</p:attrName>
+                                        </p:attrNameLst>
+                                      </p:cBhvr>
+                                      <p:tavLst>
+                                        <p:tav tm="0">
+                                          <p:val>
+                                            <p:strVal val="#ppt_x"/>
+                                          </p:val>
+                                        </p:tav>
+                                        <p:tav tm="100000">
+                                          <p:val>
+                                            <p:strVal val="#ppt_x"/>
+                                          </p:val>
+                                        </p:tav>
+                                      </p:tavLst>
+                                    </p:anim>
+                                    <p:anim calcmode="lin" valueType="num">
+                                      <p:cBhvr additive="base">
+                                        <p:cTn id="26" dur="500" fill="hold"/>
+                                        <p:tgtEl>
+                                          <p:spTgt spid="20"/>
+                                        </p:tgtEl>
+                                        <p:attrNameLst>
+                                          <p:attrName>ppt_y</p:attrName>
+                                        </p:attrNameLst>
+                                      </p:cBhvr>
+                                      <p:tavLst>
+                                        <p:tav tm="0">
+                                          <p:val>
+                                            <p:strVal val="1+#ppt_h/2"/>
+                                          </p:val>
+                                        </p:tav>
+                                        <p:tav tm="100000">
+                                          <p:val>
+                                            <p:strVal val="#ppt_y"/>
+                                          </p:val>
+                                        </p:tav>
+                                      </p:tavLst>
+                                    </p:anim>
+                                  </p:childTnLst>
+                                </p:cTn>
+                              </p:par>
+                              <p:par>
+                                <p:cTn id="27" presetID="2" presetClass="entr" presetSubtype="4" fill="hold" grpId="0" nodeType="withEffect">
+                                  <p:stCondLst>
+                                    <p:cond delay="0"/>
+                                  </p:stCondLst>
+                                  <p:childTnLst>
+                                    <p:set>
+                                      <p:cBhvr>
+                                        <p:cTn id="28" dur="1" fill="hold">
+                                          <p:stCondLst>
+                                            <p:cond delay="0"/>
+                                          </p:stCondLst>
+                                        </p:cTn>
+                                        <p:tgtEl>
+                                          <p:spTgt spid="18"/>
+                                        </p:tgtEl>
+                                        <p:attrNameLst>
+                                          <p:attrName>style.visibility</p:attrName>
+                                        </p:attrNameLst>
+                                      </p:cBhvr>
+                                      <p:to>
+                                        <p:strVal val="visible"/>
+                                      </p:to>
+                                    </p:set>
+                                    <p:anim calcmode="lin" valueType="num">
+                                      <p:cBhvr additive="base">
+                                        <p:cTn id="29" dur="500" fill="hold"/>
+                                        <p:tgtEl>
+                                          <p:spTgt spid="18"/>
+                                        </p:tgtEl>
+                                        <p:attrNameLst>
+                                          <p:attrName>ppt_x</p:attrName>
+                                        </p:attrNameLst>
+                                      </p:cBhvr>
+                                      <p:tavLst>
+                                        <p:tav tm="0">
+                                          <p:val>
+                                            <p:strVal val="#ppt_x"/>
+                                          </p:val>
+                                        </p:tav>
+                                        <p:tav tm="100000">
+                                          <p:val>
+                                            <p:strVal val="#ppt_x"/>
+                                          </p:val>
+                                        </p:tav>
+                                      </p:tavLst>
+                                    </p:anim>
+                                    <p:anim calcmode="lin" valueType="num">
+                                      <p:cBhvr additive="base">
+                                        <p:cTn id="30" dur="500" fill="hold"/>
+                                        <p:tgtEl>
+                                          <p:spTgt spid="18"/>
+                                        </p:tgtEl>
+                                        <p:attrNameLst>
+                                          <p:attrName>ppt_y</p:attrName>
+                                        </p:attrNameLst>
+                                      </p:cBhvr>
+                                      <p:tavLst>
+                                        <p:tav tm="0">
+                                          <p:val>
+                                            <p:strVal val="1+#ppt_h/2"/>
+                                          </p:val>
+                                        </p:tav>
+                                        <p:tav tm="100000">
+                                          <p:val>
+                                            <p:strVal val="#ppt_y"/>
+                                          </p:val>
+                                        </p:tav>
+                                      </p:tavLst>
+                                    </p:anim>
+                                  </p:childTnLst>
+                                </p:cTn>
+                              </p:par>
+                            </p:childTnLst>
+                          </p:cTn>
+                        </p:par>
+                      </p:childTnLst>
+                    </p:cTn>
+                  </p:par>
+                </p:childTnLst>
+              </p:cTn>
+              <p:prevCondLst>
+                <p:cond evt="onPrev" delay="0">
+                  <p:tgtEl>
+                    <p:sldTgt/>
+                  </p:tgtEl>
+                </p:cond>
+              </p:prevCondLst>
+              <p:nextCondLst>
+                <p:cond evt="onNext" delay="0">
+                  <p:tgtEl>
+                    <p:sldTgt/>
+                  </p:tgtEl>
+                </p:cond>
+              </p:nextCondLst>
+            </p:seq>
+          </p:childTnLst>
+        </p:cTn>
+      </p:par>
+    </p:tnLst>
+    <p:bldLst>
+      <p:bldP spid="7" grpId="0"/>
+      <p:bldP spid="18" grpId="0"/>
+    </p:bldLst>
+  </p:timing>
+</p:sld>
+</file>
+
+<file path=ppt/slides/slide8.xml><?xml version="1.0" encoding="utf-8"?>
+<p:sld xmlns:a="http://schemas.openxmlformats.org/drawingml/2006/main" xmlns:r="http://schemas.openxmlformats.org/officeDocument/2006/relationships" xmlns:p="http://schemas.openxmlformats.org/presentationml/2006/main">
+  <p:cSld>
+    <p:bg>
+      <p:bgPr>
+        <a:solidFill>
+          <a:schemeClr val="accent1">
+            <a:lumMod val="20000"/>
+            <a:lumOff val="80000"/>
+          </a:schemeClr>
+        </a:solidFill>
+        <a:effectLst/>
+      </p:bgPr>
+    </p:bg>
+    <p:spTree>
+      <p:nvGrpSpPr>
+        <p:cNvPr id="1" name=""/>
+        <p:cNvGrpSpPr/>
+        <p:nvPr/>
+      </p:nvGrpSpPr>
+      <p:grpSpPr>
+        <a:xfrm>
+          <a:off x="0" y="0"/>
+          <a:ext cx="0" cy="0"/>
+          <a:chOff x="0" y="0"/>
+          <a:chExt cx="0" cy="0"/>
+        </a:xfrm>
+      </p:grpSpPr>
+      <p:pic>
+        <p:nvPicPr>
+          <p:cNvPr id="4" name="Content Placeholder 3">
+            <a:extLst>
+              <a:ext uri="{FF2B5EF4-FFF2-40B4-BE49-F238E27FC236}">
+                <a16:creationId xmlns:a16="http://schemas.microsoft.com/office/drawing/2014/main" id="{B35D9DD9-D031-4463-BB57-F37740CE9FDE}"/>
+              </a:ext>
+            </a:extLst>
+          </p:cNvPr>
+          <p:cNvPicPr>
+            <a:picLocks noGrp="1" noChangeAspect="1"/>
+          </p:cNvPicPr>
+          <p:nvPr>
+            <p:ph idx="1"/>
+          </p:nvPr>
+        </p:nvPicPr>
+        <p:blipFill rotWithShape="1">
+          <a:blip r:embed="rId2"/>
+          <a:srcRect r="14166" b="27568"/>
+          <a:stretch/>
+        </p:blipFill>
+        <p:spPr>
+          <a:xfrm>
+            <a:off x="158986" y="2136913"/>
+            <a:ext cx="5095461" cy="2807965"/>
+          </a:xfrm>
+          <a:prstGeom prst="rect">
+            <a:avLst/>
+          </a:prstGeom>
+        </p:spPr>
+      </p:pic>
+      <p:pic>
+        <p:nvPicPr>
+          <p:cNvPr id="5" name="Picture 4">
+            <a:extLst>
+              <a:ext uri="{FF2B5EF4-FFF2-40B4-BE49-F238E27FC236}">
+                <a16:creationId xmlns:a16="http://schemas.microsoft.com/office/drawing/2014/main" id="{8339C82E-2B3B-4BDC-BFAF-C06386574813}"/>
+              </a:ext>
+            </a:extLst>
+          </p:cNvPr>
+          <p:cNvPicPr>
+            <a:picLocks noChangeAspect="1"/>
+          </p:cNvPicPr>
+          <p:nvPr/>
+        </p:nvPicPr>
+        <p:blipFill rotWithShape="1">
+          <a:blip r:embed="rId3"/>
+          <a:srcRect r="16649"/>
+          <a:stretch/>
+        </p:blipFill>
+        <p:spPr>
+          <a:xfrm>
+            <a:off x="6435951" y="2136913"/>
+            <a:ext cx="5597063" cy="2807965"/>
+          </a:xfrm>
+          <a:prstGeom prst="rect">
+            <a:avLst/>
+          </a:prstGeom>
+        </p:spPr>
+      </p:pic>
+      <p:cxnSp>
+        <p:nvCxnSpPr>
+          <p:cNvPr id="7" name="Straight Arrow Connector 6">
+            <a:extLst>
+              <a:ext uri="{FF2B5EF4-FFF2-40B4-BE49-F238E27FC236}">
+                <a16:creationId xmlns:a16="http://schemas.microsoft.com/office/drawing/2014/main" id="{A6141202-2583-4E8D-B2B2-BCF189416FFC}"/>
+              </a:ext>
+            </a:extLst>
+          </p:cNvPr>
+          <p:cNvCxnSpPr>
+            <a:cxnSpLocks/>
+          </p:cNvCxnSpPr>
+          <p:nvPr/>
+        </p:nvCxnSpPr>
+        <p:spPr>
+          <a:xfrm>
+            <a:off x="6539948" y="864704"/>
+            <a:ext cx="3747052" cy="765312"/>
+          </a:xfrm>
+          <a:prstGeom prst="straightConnector1">
+            <a:avLst/>
+          </a:prstGeom>
+          <a:ln>
+            <a:tailEnd type="triangle"/>
+          </a:ln>
+        </p:spPr>
+        <p:style>
+          <a:lnRef idx="1">
+            <a:schemeClr val="accent1"/>
+          </a:lnRef>
+          <a:fillRef idx="0">
+            <a:schemeClr val="accent1"/>
+          </a:fillRef>
+          <a:effectRef idx="0">
+            <a:schemeClr val="accent1"/>
+          </a:effectRef>
+          <a:fontRef idx="minor">
+            <a:schemeClr val="tx1"/>
+          </a:fontRef>
+        </p:style>
+      </p:cxnSp>
+      <p:sp>
+        <p:nvSpPr>
+          <p:cNvPr id="12" name="Right Brace 11">
+            <a:extLst>
+              <a:ext uri="{FF2B5EF4-FFF2-40B4-BE49-F238E27FC236}">
+                <a16:creationId xmlns:a16="http://schemas.microsoft.com/office/drawing/2014/main" id="{B6F2F746-BA51-4391-9DB9-9FD89D4C04C4}"/>
+              </a:ext>
+            </a:extLst>
+          </p:cNvPr>
+          <p:cNvSpPr/>
+          <p:nvPr/>
+        </p:nvSpPr>
+        <p:spPr>
+          <a:xfrm rot="16200000">
+            <a:off x="3414220" y="298201"/>
+            <a:ext cx="350843" cy="3329611"/>
+          </a:xfrm>
+          <a:prstGeom prst="rightBrace">
+            <a:avLst/>
+          </a:prstGeom>
+        </p:spPr>
+        <p:style>
+          <a:lnRef idx="1">
+            <a:schemeClr val="accent1"/>
+          </a:lnRef>
+          <a:fillRef idx="0">
+            <a:schemeClr val="accent1"/>
+          </a:fillRef>
+          <a:effectRef idx="0">
+            <a:schemeClr val="accent1"/>
+          </a:effectRef>
+          <a:fontRef idx="minor">
+            <a:schemeClr val="tx1"/>
+          </a:fontRef>
+        </p:style>
+        <p:txBody>
+          <a:bodyPr rtlCol="0" anchor="ctr"/>
+          <a:lstStyle/>
+          <a:p>
+            <a:pPr algn="ctr"/>
+            <a:endParaRPr lang="en-US"/>
+          </a:p>
+        </p:txBody>
+      </p:sp>
+      <p:sp>
+        <p:nvSpPr>
+          <p:cNvPr id="14" name="Right Brace 13">
+            <a:extLst>
+              <a:ext uri="{FF2B5EF4-FFF2-40B4-BE49-F238E27FC236}">
+                <a16:creationId xmlns:a16="http://schemas.microsoft.com/office/drawing/2014/main" id="{6E8EFAA4-86F6-4F99-9074-28E8915F212A}"/>
+              </a:ext>
+            </a:extLst>
+          </p:cNvPr>
+          <p:cNvSpPr/>
+          <p:nvPr/>
+        </p:nvSpPr>
+        <p:spPr>
+          <a:xfrm rot="16200000">
+            <a:off x="10192787" y="296686"/>
+            <a:ext cx="350843" cy="3329611"/>
+          </a:xfrm>
+          <a:prstGeom prst="rightBrace">
+            <a:avLst/>
+          </a:prstGeom>
+        </p:spPr>
+        <p:style>
+          <a:lnRef idx="1">
+            <a:schemeClr val="accent1"/>
+          </a:lnRef>
+          <a:fillRef idx="0">
+            <a:schemeClr val="accent1"/>
+          </a:fillRef>
+          <a:effectRef idx="0">
+            <a:schemeClr val="accent1"/>
+          </a:effectRef>
+          <a:fontRef idx="minor">
+            <a:schemeClr val="tx1"/>
+          </a:fontRef>
+        </p:style>
+        <p:txBody>
+          <a:bodyPr rtlCol="0" anchor="ctr"/>
+          <a:lstStyle/>
+          <a:p>
+            <a:pPr algn="ctr"/>
+            <a:endParaRPr lang="en-US"/>
+          </a:p>
+        </p:txBody>
+      </p:sp>
+      <p:cxnSp>
+        <p:nvCxnSpPr>
+          <p:cNvPr id="15" name="Straight Arrow Connector 14">
+            <a:extLst>
+              <a:ext uri="{FF2B5EF4-FFF2-40B4-BE49-F238E27FC236}">
+                <a16:creationId xmlns:a16="http://schemas.microsoft.com/office/drawing/2014/main" id="{5E19DA7E-8627-4F40-8F07-EA7406B952DE}"/>
+              </a:ext>
+            </a:extLst>
+          </p:cNvPr>
+          <p:cNvCxnSpPr>
+            <a:cxnSpLocks/>
+          </p:cNvCxnSpPr>
+          <p:nvPr/>
+        </p:nvCxnSpPr>
+        <p:spPr>
+          <a:xfrm flipH="1">
+            <a:off x="3589641" y="864704"/>
+            <a:ext cx="1664807" cy="765312"/>
+          </a:xfrm>
+          <a:prstGeom prst="straightConnector1">
+            <a:avLst/>
+          </a:prstGeom>
+          <a:ln>
+            <a:tailEnd type="triangle"/>
+          </a:ln>
+        </p:spPr>
+        <p:style>
+          <a:lnRef idx="1">
+            <a:schemeClr val="accent1"/>
+          </a:lnRef>
+          <a:fillRef idx="0">
+            <a:schemeClr val="accent1"/>
+          </a:fillRef>
+          <a:effectRef idx="0">
+            <a:schemeClr val="accent1"/>
+          </a:effectRef>
+          <a:fontRef idx="minor">
+            <a:schemeClr val="tx1"/>
+          </a:fontRef>
+        </p:style>
+      </p:cxnSp>
+      <p:sp>
+        <p:nvSpPr>
+          <p:cNvPr id="18" name="TextBox 17">
+            <a:extLst>
+              <a:ext uri="{FF2B5EF4-FFF2-40B4-BE49-F238E27FC236}">
+                <a16:creationId xmlns:a16="http://schemas.microsoft.com/office/drawing/2014/main" id="{FE81E9AA-6451-41DA-98C2-56680C232D60}"/>
+              </a:ext>
+            </a:extLst>
+          </p:cNvPr>
+          <p:cNvSpPr txBox="1"/>
+          <p:nvPr/>
+        </p:nvSpPr>
+        <p:spPr>
+          <a:xfrm>
+            <a:off x="5387009" y="387625"/>
+            <a:ext cx="1152939" cy="646331"/>
+          </a:xfrm>
+          <a:prstGeom prst="rect">
+            <a:avLst/>
+          </a:prstGeom>
+          <a:noFill/>
+        </p:spPr>
+        <p:txBody>
+          <a:bodyPr wrap="square" rtlCol="0">
+            <a:spAutoFit/>
+          </a:bodyPr>
+          <a:lstStyle/>
+          <a:p>
+            <a:r>
+              <a:rPr lang="en-US" dirty="0"/>
+              <a:t>Format Headings</a:t>
+            </a:r>
+          </a:p>
+        </p:txBody>
+      </p:sp>
+      <p:sp>
+        <p:nvSpPr>
+          <p:cNvPr id="19" name="Rectangle 18">
+            <a:extLst>
+              <a:ext uri="{FF2B5EF4-FFF2-40B4-BE49-F238E27FC236}">
+                <a16:creationId xmlns:a16="http://schemas.microsoft.com/office/drawing/2014/main" id="{E3AF388E-04A1-436E-A2A2-7E456F334CEA}"/>
+              </a:ext>
+            </a:extLst>
+          </p:cNvPr>
+          <p:cNvSpPr/>
+          <p:nvPr/>
+        </p:nvSpPr>
+        <p:spPr>
+          <a:xfrm>
+            <a:off x="9134061" y="3150704"/>
+            <a:ext cx="775252" cy="278296"/>
+          </a:xfrm>
+          <a:prstGeom prst="rect">
+            <a:avLst/>
+          </a:prstGeom>
+          <a:noFill/>
+          <a:ln w="28575">
+            <a:solidFill>
+              <a:srgbClr val="FF0000"/>
+            </a:solidFill>
+          </a:ln>
+        </p:spPr>
+        <p:style>
+          <a:lnRef idx="2">
+            <a:schemeClr val="accent1">
+              <a:shade val="50000"/>
+            </a:schemeClr>
+          </a:lnRef>
+          <a:fillRef idx="1">
+            <a:schemeClr val="accent1"/>
+          </a:fillRef>
+          <a:effectRef idx="0">
+            <a:schemeClr val="accent1"/>
+          </a:effectRef>
+          <a:fontRef idx="minor">
+            <a:schemeClr val="lt1"/>
+          </a:fontRef>
+        </p:style>
+        <p:txBody>
+          <a:bodyPr rtlCol="0" anchor="ctr"/>
+          <a:lstStyle/>
+          <a:p>
+            <a:pPr algn="ctr"/>
+            <a:endParaRPr lang="en-US"/>
+          </a:p>
+        </p:txBody>
+      </p:sp>
+      <p:cxnSp>
+        <p:nvCxnSpPr>
+          <p:cNvPr id="21" name="Straight Arrow Connector 20">
+            <a:extLst>
+              <a:ext uri="{FF2B5EF4-FFF2-40B4-BE49-F238E27FC236}">
+                <a16:creationId xmlns:a16="http://schemas.microsoft.com/office/drawing/2014/main" id="{1D32008D-FC3D-4427-86B6-4D1DA85C58F1}"/>
+              </a:ext>
+            </a:extLst>
+          </p:cNvPr>
+          <p:cNvCxnSpPr>
+            <a:cxnSpLocks/>
+          </p:cNvCxnSpPr>
+          <p:nvPr/>
+        </p:nvCxnSpPr>
+        <p:spPr>
+          <a:xfrm flipH="1" flipV="1">
+            <a:off x="9541565" y="3523261"/>
+            <a:ext cx="655983" cy="1893565"/>
+          </a:xfrm>
+          <a:prstGeom prst="straightConnector1">
+            <a:avLst/>
+          </a:prstGeom>
+          <a:ln>
+            <a:tailEnd type="triangle"/>
+          </a:ln>
+        </p:spPr>
+        <p:style>
+          <a:lnRef idx="1">
+            <a:schemeClr val="accent1"/>
+          </a:lnRef>
+          <a:fillRef idx="0">
+            <a:schemeClr val="accent1"/>
+          </a:fillRef>
+          <a:effectRef idx="0">
+            <a:schemeClr val="accent1"/>
+          </a:effectRef>
+          <a:fontRef idx="minor">
+            <a:schemeClr val="tx1"/>
+          </a:fontRef>
+        </p:style>
+      </p:cxnSp>
+      <p:sp>
+        <p:nvSpPr>
+          <p:cNvPr id="23" name="TextBox 22">
+            <a:extLst>
+              <a:ext uri="{FF2B5EF4-FFF2-40B4-BE49-F238E27FC236}">
+                <a16:creationId xmlns:a16="http://schemas.microsoft.com/office/drawing/2014/main" id="{7DB93005-0C52-4063-A29E-3FBCE989797D}"/>
+              </a:ext>
+            </a:extLst>
+          </p:cNvPr>
+          <p:cNvSpPr txBox="1"/>
+          <p:nvPr/>
+        </p:nvSpPr>
+        <p:spPr>
+          <a:xfrm>
+            <a:off x="9750287" y="5416826"/>
+            <a:ext cx="1527982" cy="369332"/>
+          </a:xfrm>
+          <a:prstGeom prst="rect">
+            <a:avLst/>
+          </a:prstGeom>
+          <a:noFill/>
+        </p:spPr>
+        <p:txBody>
+          <a:bodyPr wrap="none" rtlCol="0">
+            <a:spAutoFit/>
+          </a:bodyPr>
+          <a:lstStyle/>
+          <a:p>
+            <a:r>
+              <a:rPr lang="en-US" dirty="0"/>
+              <a:t>Fill N/A Values</a:t>
+            </a:r>
+          </a:p>
+        </p:txBody>
+      </p:sp>
+      <p:cxnSp>
+        <p:nvCxnSpPr>
+          <p:cNvPr id="25" name="Connector: Elbow 24">
+            <a:extLst>
+              <a:ext uri="{FF2B5EF4-FFF2-40B4-BE49-F238E27FC236}">
+                <a16:creationId xmlns:a16="http://schemas.microsoft.com/office/drawing/2014/main" id="{ECBF5909-D5D8-4F42-AB76-3F895CCCF9F9}"/>
+              </a:ext>
+            </a:extLst>
+          </p:cNvPr>
+          <p:cNvCxnSpPr/>
+          <p:nvPr/>
+        </p:nvCxnSpPr>
+        <p:spPr>
+          <a:xfrm>
+            <a:off x="5387009" y="3250096"/>
+            <a:ext cx="914400" cy="914400"/>
+          </a:xfrm>
+          <a:prstGeom prst="bentConnector3">
+            <a:avLst/>
+          </a:prstGeom>
+          <a:ln>
+            <a:headEnd type="triangle"/>
+            <a:tailEnd type="triangle"/>
+          </a:ln>
+        </p:spPr>
+        <p:style>
+          <a:lnRef idx="1">
+            <a:schemeClr val="accent1"/>
+          </a:lnRef>
+          <a:fillRef idx="0">
+            <a:schemeClr val="accent1"/>
+          </a:fillRef>
+          <a:effectRef idx="0">
+            <a:schemeClr val="accent1"/>
+          </a:effectRef>
+          <a:fontRef idx="minor">
+            <a:schemeClr val="tx1"/>
+          </a:fontRef>
+        </p:style>
+      </p:cxnSp>
+      <p:sp>
+        <p:nvSpPr>
+          <p:cNvPr id="26" name="TextBox 25">
+            <a:extLst>
+              <a:ext uri="{FF2B5EF4-FFF2-40B4-BE49-F238E27FC236}">
+                <a16:creationId xmlns:a16="http://schemas.microsoft.com/office/drawing/2014/main" id="{62153EB9-F4D5-41B9-8DCA-642C94A32FE9}"/>
+              </a:ext>
+            </a:extLst>
+          </p:cNvPr>
+          <p:cNvSpPr txBox="1"/>
+          <p:nvPr/>
+        </p:nvSpPr>
+        <p:spPr>
+          <a:xfrm>
+            <a:off x="5348592" y="3428999"/>
+            <a:ext cx="991233" cy="646331"/>
+          </a:xfrm>
+          <a:prstGeom prst="rect">
+            <a:avLst/>
+          </a:prstGeom>
+          <a:solidFill>
+            <a:schemeClr val="accent1">
+              <a:lumMod val="20000"/>
+              <a:lumOff val="80000"/>
+            </a:schemeClr>
+          </a:solidFill>
+        </p:spPr>
+        <p:txBody>
+          <a:bodyPr wrap="none" rtlCol="0">
+            <a:spAutoFit/>
+          </a:bodyPr>
+          <a:lstStyle/>
+          <a:p>
+            <a:r>
+              <a:rPr lang="en-US" dirty="0"/>
+              <a:t>Merge </a:t>
+            </a:r>
+          </a:p>
+          <a:p>
+            <a:r>
+              <a:rPr lang="en-US" dirty="0"/>
+              <a:t>Datasets</a:t>
+            </a:r>
+          </a:p>
+        </p:txBody>
+      </p:sp>
+      <p:pic>
+        <p:nvPicPr>
+          <p:cNvPr id="28" name="Picture 27">
+            <a:extLst>
+              <a:ext uri="{FF2B5EF4-FFF2-40B4-BE49-F238E27FC236}">
+                <a16:creationId xmlns:a16="http://schemas.microsoft.com/office/drawing/2014/main" id="{55E3F4F9-3C70-42B7-9512-E02DE5712CCD}"/>
+              </a:ext>
+            </a:extLst>
+          </p:cNvPr>
+          <p:cNvPicPr>
+            <a:picLocks noChangeAspect="1"/>
+          </p:cNvPicPr>
+          <p:nvPr/>
+        </p:nvPicPr>
+        <p:blipFill>
+          <a:blip r:embed="rId4"/>
+          <a:stretch>
+            <a:fillRect/>
+          </a:stretch>
+        </p:blipFill>
+        <p:spPr>
+          <a:xfrm>
+            <a:off x="766563" y="5416826"/>
+            <a:ext cx="1227889" cy="1179871"/>
+          </a:xfrm>
+          <a:prstGeom prst="rect">
+            <a:avLst/>
+          </a:prstGeom>
+        </p:spPr>
+      </p:pic>
+      <p:pic>
+        <p:nvPicPr>
+          <p:cNvPr id="29" name="Picture 28">
+            <a:extLst>
+              <a:ext uri="{FF2B5EF4-FFF2-40B4-BE49-F238E27FC236}">
+                <a16:creationId xmlns:a16="http://schemas.microsoft.com/office/drawing/2014/main" id="{53E71C05-E956-4A2E-B9B2-A2C7F0EDE686}"/>
+              </a:ext>
+            </a:extLst>
+          </p:cNvPr>
+          <p:cNvPicPr>
+            <a:picLocks noChangeAspect="1"/>
+          </p:cNvPicPr>
+          <p:nvPr/>
+        </p:nvPicPr>
+        <p:blipFill>
+          <a:blip r:embed="rId5"/>
+          <a:stretch>
+            <a:fillRect/>
+          </a:stretch>
+        </p:blipFill>
+        <p:spPr>
+          <a:xfrm>
+            <a:off x="3199194" y="5416826"/>
+            <a:ext cx="1282469" cy="1179871"/>
+          </a:xfrm>
+          <a:prstGeom prst="rect">
+            <a:avLst/>
+          </a:prstGeom>
+        </p:spPr>
+      </p:pic>
+      <p:pic>
+        <p:nvPicPr>
+          <p:cNvPr id="30" name="Picture 29">
+            <a:extLst>
+              <a:ext uri="{FF2B5EF4-FFF2-40B4-BE49-F238E27FC236}">
+                <a16:creationId xmlns:a16="http://schemas.microsoft.com/office/drawing/2014/main" id="{0297136D-0C41-469E-B3B6-278B1C52B63A}"/>
+              </a:ext>
+            </a:extLst>
+          </p:cNvPr>
+          <p:cNvPicPr>
+            <a:picLocks noChangeAspect="1"/>
+          </p:cNvPicPr>
+          <p:nvPr/>
+        </p:nvPicPr>
+        <p:blipFill>
+          <a:blip r:embed="rId6"/>
+          <a:stretch>
+            <a:fillRect/>
+          </a:stretch>
+        </p:blipFill>
+        <p:spPr>
+          <a:xfrm>
+            <a:off x="5691321" y="5416826"/>
+            <a:ext cx="1152939" cy="1208117"/>
+          </a:xfrm>
+          <a:prstGeom prst="rect">
+            <a:avLst/>
+          </a:prstGeom>
+        </p:spPr>
+      </p:pic>
+      <p:cxnSp>
+        <p:nvCxnSpPr>
+          <p:cNvPr id="32" name="Straight Arrow Connector 31">
+            <a:extLst>
+              <a:ext uri="{FF2B5EF4-FFF2-40B4-BE49-F238E27FC236}">
+                <a16:creationId xmlns:a16="http://schemas.microsoft.com/office/drawing/2014/main" id="{A149047B-A761-4772-B800-DC402532AF6D}"/>
+              </a:ext>
+            </a:extLst>
+          </p:cNvPr>
+          <p:cNvCxnSpPr>
+            <a:cxnSpLocks/>
+          </p:cNvCxnSpPr>
+          <p:nvPr/>
+        </p:nvCxnSpPr>
+        <p:spPr>
+          <a:xfrm>
+            <a:off x="2109019" y="6002594"/>
+            <a:ext cx="884997" cy="0"/>
+          </a:xfrm>
+          <a:prstGeom prst="straightConnector1">
+            <a:avLst/>
+          </a:prstGeom>
+          <a:ln>
+            <a:tailEnd type="triangle"/>
+          </a:ln>
+        </p:spPr>
+        <p:style>
+          <a:lnRef idx="1">
+            <a:schemeClr val="accent1"/>
+          </a:lnRef>
+          <a:fillRef idx="0">
+            <a:schemeClr val="accent1"/>
+          </a:fillRef>
+          <a:effectRef idx="0">
+            <a:schemeClr val="accent1"/>
+          </a:effectRef>
+          <a:fontRef idx="minor">
+            <a:schemeClr val="tx1"/>
+          </a:fontRef>
+        </p:style>
+      </p:cxnSp>
+      <p:cxnSp>
+        <p:nvCxnSpPr>
+          <p:cNvPr id="34" name="Straight Arrow Connector 33">
+            <a:extLst>
+              <a:ext uri="{FF2B5EF4-FFF2-40B4-BE49-F238E27FC236}">
+                <a16:creationId xmlns:a16="http://schemas.microsoft.com/office/drawing/2014/main" id="{CE8021C5-D34C-4995-AA58-99F798F55676}"/>
+              </a:ext>
+            </a:extLst>
+          </p:cNvPr>
+          <p:cNvCxnSpPr>
+            <a:cxnSpLocks/>
+          </p:cNvCxnSpPr>
+          <p:nvPr/>
+        </p:nvCxnSpPr>
+        <p:spPr>
+          <a:xfrm>
+            <a:off x="4621161" y="6002594"/>
+            <a:ext cx="884997" cy="0"/>
+          </a:xfrm>
+          <a:prstGeom prst="straightConnector1">
+            <a:avLst/>
+          </a:prstGeom>
+          <a:ln>
+            <a:tailEnd type="triangle"/>
+          </a:ln>
+        </p:spPr>
+        <p:style>
+          <a:lnRef idx="1">
+            <a:schemeClr val="accent1"/>
+          </a:lnRef>
+          <a:fillRef idx="0">
+            <a:schemeClr val="accent1"/>
+          </a:fillRef>
+          <a:effectRef idx="0">
+            <a:schemeClr val="accent1"/>
+          </a:effectRef>
+          <a:fontRef idx="minor">
+            <a:schemeClr val="tx1"/>
+          </a:fontRef>
+        </p:style>
+      </p:cxnSp>
+    </p:spTree>
+    <p:extLst>
+      <p:ext uri="{BB962C8B-B14F-4D97-AF65-F5344CB8AC3E}">
+        <p14:creationId xmlns:p14="http://schemas.microsoft.com/office/powerpoint/2010/main" val="3825657064"/>
+      </p:ext>
+    </p:extLst>
+  </p:cSld>
+  <p:clrMapOvr>
+    <a:masterClrMapping/>
+  </p:clrMapOvr>
+</p:sld>
+</file>
+
+<file path=ppt/slides/slide9.xml><?xml version="1.0" encoding="utf-8"?>
+<p:sld xmlns:a="http://schemas.openxmlformats.org/drawingml/2006/main" xmlns:r="http://schemas.openxmlformats.org/officeDocument/2006/relationships" xmlns:p="http://schemas.openxmlformats.org/presentationml/2006/main">
+  <p:cSld>
+    <p:bg>
+      <p:bgPr>
+        <a:solidFill>
+          <a:schemeClr val="accent1">
+            <a:lumMod val="20000"/>
+            <a:lumOff val="80000"/>
+          </a:schemeClr>
+        </a:solidFill>
+        <a:effectLst/>
+      </p:bgPr>
+    </p:bg>
+    <p:spTree>
+      <p:nvGrpSpPr>
+        <p:cNvPr id="1" name=""/>
+        <p:cNvGrpSpPr/>
+        <p:nvPr/>
+      </p:nvGrpSpPr>
+      <p:grpSpPr>
+        <a:xfrm>
+          <a:off x="0" y="0"/>
+          <a:ext cx="0" cy="0"/>
+          <a:chOff x="0" y="0"/>
+          <a:chExt cx="0" cy="0"/>
+        </a:xfrm>
+      </p:grpSpPr>
+      <p:sp>
+        <p:nvSpPr>
+          <p:cNvPr id="2" name="Title 1">
+            <a:extLst>
+              <a:ext uri="{FF2B5EF4-FFF2-40B4-BE49-F238E27FC236}">
+                <a16:creationId xmlns:a16="http://schemas.microsoft.com/office/drawing/2014/main" id="{55C8B139-E60E-4004-98E5-8B5A5802AF20}"/>
+              </a:ext>
+            </a:extLst>
+          </p:cNvPr>
+          <p:cNvSpPr>
+            <a:spLocks noGrp="1"/>
+          </p:cNvSpPr>
+          <p:nvPr>
+            <p:ph type="title"/>
+          </p:nvPr>
+        </p:nvSpPr>
+        <p:spPr>
+          <a:xfrm>
+            <a:off x="838200" y="86506"/>
+            <a:ext cx="10515600" cy="1325563"/>
+          </a:xfrm>
+        </p:spPr>
+        <p:txBody>
+          <a:bodyPr/>
+          <a:lstStyle/>
+          <a:p>
+            <a:r>
+              <a:rPr lang="en-US" dirty="0"/>
+              <a:t>Visual Analysis</a:t>
+            </a:r>
+          </a:p>
+        </p:txBody>
+      </p:sp>
+      <p:pic>
+        <p:nvPicPr>
+          <p:cNvPr id="4" name="Picture 3">
+            <a:extLst>
+              <a:ext uri="{FF2B5EF4-FFF2-40B4-BE49-F238E27FC236}">
+                <a16:creationId xmlns:a16="http://schemas.microsoft.com/office/drawing/2014/main" id="{643B2589-25AF-4BAC-8D47-3830FFE36877}"/>
+              </a:ext>
+            </a:extLst>
+          </p:cNvPr>
+          <p:cNvPicPr>
+            <a:picLocks noChangeAspect="1"/>
+          </p:cNvPicPr>
+          <p:nvPr/>
+        </p:nvPicPr>
+        <p:blipFill rotWithShape="1">
+          <a:blip r:embed="rId2"/>
+          <a:srcRect l="1927" t="1" r="5033" b="1556"/>
+          <a:stretch/>
+        </p:blipFill>
+        <p:spPr>
+          <a:xfrm>
+            <a:off x="612327" y="1144562"/>
+            <a:ext cx="4941717" cy="2903865"/>
+          </a:xfrm>
+          <a:prstGeom prst="rect">
+            <a:avLst/>
+          </a:prstGeom>
+        </p:spPr>
+      </p:pic>
+      <p:pic>
+        <p:nvPicPr>
+          <p:cNvPr id="5" name="Picture 4">
+            <a:extLst>
+              <a:ext uri="{FF2B5EF4-FFF2-40B4-BE49-F238E27FC236}">
+                <a16:creationId xmlns:a16="http://schemas.microsoft.com/office/drawing/2014/main" id="{AD5DC938-0EF4-45C5-8AD5-25110DE5F78B}"/>
+              </a:ext>
+            </a:extLst>
+          </p:cNvPr>
+          <p:cNvPicPr>
+            <a:picLocks noChangeAspect="1"/>
+          </p:cNvPicPr>
+          <p:nvPr/>
+        </p:nvPicPr>
+        <p:blipFill>
+          <a:blip r:embed="rId3"/>
+          <a:stretch>
+            <a:fillRect/>
+          </a:stretch>
+        </p:blipFill>
+        <p:spPr>
+          <a:xfrm>
+            <a:off x="1631509" y="4261582"/>
+            <a:ext cx="4642035" cy="2431753"/>
+          </a:xfrm>
+          <a:prstGeom prst="rect">
+            <a:avLst/>
+          </a:prstGeom>
+        </p:spPr>
+      </p:pic>
+      <p:pic>
+        <p:nvPicPr>
+          <p:cNvPr id="6" name="Picture 5">
+            <a:extLst>
+              <a:ext uri="{FF2B5EF4-FFF2-40B4-BE49-F238E27FC236}">
+                <a16:creationId xmlns:a16="http://schemas.microsoft.com/office/drawing/2014/main" id="{285AE5AC-6923-4DE8-A016-14AEC1A1DD9D}"/>
+              </a:ext>
+            </a:extLst>
+          </p:cNvPr>
+          <p:cNvPicPr>
+            <a:picLocks noChangeAspect="1"/>
+          </p:cNvPicPr>
+          <p:nvPr/>
+        </p:nvPicPr>
+        <p:blipFill>
+          <a:blip r:embed="rId4"/>
+          <a:stretch>
+            <a:fillRect/>
+          </a:stretch>
+        </p:blipFill>
+        <p:spPr>
+          <a:xfrm>
+            <a:off x="6993044" y="3789470"/>
+            <a:ext cx="4661234" cy="2903865"/>
+          </a:xfrm>
+          <a:prstGeom prst="rect">
+            <a:avLst/>
+          </a:prstGeom>
+        </p:spPr>
+      </p:pic>
+      <p:pic>
+        <p:nvPicPr>
+          <p:cNvPr id="7" name="Picture 6">
+            <a:extLst>
+              <a:ext uri="{FF2B5EF4-FFF2-40B4-BE49-F238E27FC236}">
+                <a16:creationId xmlns:a16="http://schemas.microsoft.com/office/drawing/2014/main" id="{42BAEAFB-66D8-48E3-B994-800C097E5A88}"/>
+              </a:ext>
+            </a:extLst>
+          </p:cNvPr>
+          <p:cNvPicPr>
+            <a:picLocks noChangeAspect="1"/>
+          </p:cNvPicPr>
+          <p:nvPr/>
+        </p:nvPicPr>
+        <p:blipFill>
+          <a:blip r:embed="rId5"/>
+          <a:stretch>
+            <a:fillRect/>
+          </a:stretch>
+        </p:blipFill>
+        <p:spPr>
+          <a:xfrm>
+            <a:off x="6037194" y="181314"/>
+            <a:ext cx="3583884" cy="3476286"/>
+          </a:xfrm>
+          <a:prstGeom prst="rect">
+            <a:avLst/>
+          </a:prstGeom>
+        </p:spPr>
+      </p:pic>
+      <p:pic>
+        <p:nvPicPr>
+          <p:cNvPr id="8" name="Picture 7">
+            <a:extLst>
+              <a:ext uri="{FF2B5EF4-FFF2-40B4-BE49-F238E27FC236}">
+                <a16:creationId xmlns:a16="http://schemas.microsoft.com/office/drawing/2014/main" id="{84724751-14E8-4B1C-874D-A993DC7D11AC}"/>
+              </a:ext>
+            </a:extLst>
+          </p:cNvPr>
+          <p:cNvPicPr>
+            <a:picLocks noChangeAspect="1"/>
+          </p:cNvPicPr>
+          <p:nvPr/>
+        </p:nvPicPr>
+        <p:blipFill rotWithShape="1">
+          <a:blip r:embed="rId6"/>
+          <a:srcRect l="30558" t="25208"/>
+          <a:stretch/>
+        </p:blipFill>
+        <p:spPr>
+          <a:xfrm>
+            <a:off x="10104228" y="1277656"/>
+            <a:ext cx="1538346" cy="1559169"/>
+          </a:xfrm>
+          <a:prstGeom prst="rect">
+            <a:avLst/>
+          </a:prstGeom>
+        </p:spPr>
+      </p:pic>
+    </p:spTree>
+    <p:extLst>
+      <p:ext uri="{BB962C8B-B14F-4D97-AF65-F5344CB8AC3E}">
+        <p14:creationId xmlns:p14="http://schemas.microsoft.com/office/powerpoint/2010/main" val="2015144307"/>
+      </p:ext>
+    </p:extLst>
+  </p:cSld>
+  <p:clrMapOvr>
+    <a:masterClrMapping/>
+  </p:clrMapOvr>
+  <p:timing>
+    <p:tnLst>
+      <p:par>
+        <p:cTn id="1" dur="indefinite" restart="never" nodeType="tmRoot">
+          <p:childTnLst>
+            <p:seq concurrent="1" nextAc="seek">
+              <p:cTn id="2" dur="indefinite" nodeType="mainSeq">
+                <p:childTnLst>
+                  <p:par>
+                    <p:cTn id="3" fill="hold">
+                      <p:stCondLst>
+                        <p:cond delay="indefinite"/>
+                      </p:stCondLst>
+                      <p:childTnLst>
+                        <p:par>
+                          <p:cTn id="4" fill="hold">
+                            <p:stCondLst>
+                              <p:cond delay="0"/>
+                            </p:stCondLst>
+                            <p:childTnLst>
+                              <p:par>
+                                <p:cTn id="5" presetID="10" presetClass="entr" presetSubtype="0" fill="hold" nodeType="clickEffect">
+                                  <p:stCondLst>
+                                    <p:cond delay="0"/>
+                                  </p:stCondLst>
+                                  <p:childTnLst>
+                                    <p:set>
+                                      <p:cBhvr>
+                                        <p:cTn id="6" dur="1" fill="hold">
+                                          <p:stCondLst>
+                                            <p:cond delay="0"/>
+                                          </p:stCondLst>
+                                        </p:cTn>
+                                        <p:tgtEl>
+                                          <p:spTgt spid="7"/>
+                                        </p:tgtEl>
+                                        <p:attrNameLst>
+                                          <p:attrName>style.visibility</p:attrName>
+                                        </p:attrNameLst>
+                                      </p:cBhvr>
+                                      <p:to>
+                                        <p:strVal val="visible"/>
+                                      </p:to>
+                                    </p:set>
+                                    <p:animEffect transition="in" filter="fade">
+                                      <p:cBhvr>
+                                        <p:cTn id="7" dur="500"/>
+                                        <p:tgtEl>
+                                          <p:spTgt spid="7"/>
+                                        </p:tgtEl>
+                                      </p:cBhvr>
+                                    </p:animEffect>
+                                  </p:childTnLst>
+                                </p:cTn>
+                              </p:par>
+                            </p:childTnLst>
+                          </p:cTn>
+                        </p:par>
+                      </p:childTnLst>
+                    </p:cTn>
+                  </p:par>
+                  <p:par>
+                    <p:cTn id="8" fill="hold">
+                      <p:stCondLst>
+                        <p:cond delay="indefinite"/>
+                      </p:stCondLst>
+                      <p:childTnLst>
+                        <p:par>
+                          <p:cTn id="9" fill="hold">
+                            <p:stCondLst>
+                              <p:cond delay="0"/>
+                            </p:stCondLst>
+                            <p:childTnLst>
+                              <p:par>
+                                <p:cTn id="10" presetID="10" presetClass="entr" presetSubtype="0" fill="hold" nodeType="clickEffect">
+                                  <p:stCondLst>
+                                    <p:cond delay="0"/>
+                                  </p:stCondLst>
+                                  <p:childTnLst>
+                                    <p:set>
+                                      <p:cBhvr>
+                                        <p:cTn id="11" dur="1" fill="hold">
+                                          <p:stCondLst>
+                                            <p:cond delay="0"/>
+                                          </p:stCondLst>
+                                        </p:cTn>
+                                        <p:tgtEl>
+                                          <p:spTgt spid="5"/>
+                                        </p:tgtEl>
+                                        <p:attrNameLst>
+                                          <p:attrName>style.visibility</p:attrName>
+                                        </p:attrNameLst>
+                                      </p:cBhvr>
+                                      <p:to>
+                                        <p:strVal val="visible"/>
+                                      </p:to>
+                                    </p:set>
+                                    <p:animEffect transition="in" filter="fade">
+                                      <p:cBhvr>
+                                        <p:cTn id="12" dur="500"/>
+                                        <p:tgtEl>
+                                          <p:spTgt spid="5"/>
+                                        </p:tgtEl>
+                                      </p:cBhvr>
+                                    </p:animEffect>
+                                  </p:childTnLst>
+                                </p:cTn>
+                              </p:par>
+                            </p:childTnLst>
+                          </p:cTn>
+                        </p:par>
+                      </p:childTnLst>
+                    </p:cTn>
+                  </p:par>
+                  <p:par>
+                    <p:cTn id="13" fill="hold">
+                      <p:stCondLst>
+                        <p:cond delay="indefinite"/>
+                      </p:stCondLst>
+                      <p:childTnLst>
+                        <p:par>
+                          <p:cTn id="14" fill="hold">
+                            <p:stCondLst>
+                              <p:cond delay="0"/>
+                            </p:stCondLst>
+                            <p:childTnLst>
+                              <p:par>
+                                <p:cTn id="15" presetID="10" presetClass="entr" presetSubtype="0" fill="hold" nodeType="clickEffect">
+                                  <p:stCondLst>
+                                    <p:cond delay="0"/>
+                                  </p:stCondLst>
+                                  <p:childTnLst>
+                                    <p:set>
+                                      <p:cBhvr>
+                                        <p:cTn id="16" dur="1" fill="hold">
+                                          <p:stCondLst>
+                                            <p:cond delay="0"/>
+                                          </p:stCondLst>
+                                        </p:cTn>
+                                        <p:tgtEl>
+                                          <p:spTgt spid="6"/>
+                                        </p:tgtEl>
+                                        <p:attrNameLst>
+                                          <p:attrName>style.visibility</p:attrName>
+                                        </p:attrNameLst>
+                                      </p:cBhvr>
+                                      <p:to>
+                                        <p:strVal val="visible"/>
+                                      </p:to>
+                                    </p:set>
+                                    <p:animEffect transition="in" filter="fade">
+                                      <p:cBhvr>
+                                        <p:cTn id="17" dur="500"/>
+                                        <p:tgtEl>
+                                          <p:spTgt spid="6"/>
+                                        </p:tgtEl>
+                                      </p:cBhvr>
+                                    </p:animEffect>
+                                  </p:childTnLst>
+                                </p:cTn>
+                              </p:par>
+                            </p:childTnLst>
+                          </p:cTn>
+                        </p:par>
+                      </p:childTnLst>
+                    </p:cTn>
+                  </p:par>
+                  <p:par>
+                    <p:cTn id="18" fill="hold">
+                      <p:stCondLst>
+                        <p:cond delay="indefinite"/>
+                      </p:stCondLst>
+                      <p:childTnLst>
+                        <p:par>
+                          <p:cTn id="19" fill="hold">
+                            <p:stCondLst>
+                              <p:cond delay="0"/>
+                            </p:stCondLst>
+                            <p:childTnLst>
+                              <p:par>
+                                <p:cTn id="20" presetID="10" presetClass="entr" presetSubtype="0" fill="hold" nodeType="clickEffect">
+                                  <p:stCondLst>
+                                    <p:cond delay="0"/>
+                                  </p:stCondLst>
+                                  <p:childTnLst>
+                                    <p:set>
+                                      <p:cBhvr>
+                                        <p:cTn id="21" dur="1" fill="hold">
+                                          <p:stCondLst>
+                                            <p:cond delay="0"/>
+                                          </p:stCondLst>
+                                        </p:cTn>
+                                        <p:tgtEl>
+                                          <p:spTgt spid="8"/>
+                                        </p:tgtEl>
+                                        <p:attrNameLst>
+                                          <p:attrName>style.visibility</p:attrName>
+                                        </p:attrNameLst>
+                                      </p:cBhvr>
+                                      <p:to>
+                                        <p:strVal val="visible"/>
+                                      </p:to>
+                                    </p:set>
+                                    <p:animEffect transition="in" filter="fade">
+                                      <p:cBhvr>
+                                        <p:cTn id="22" dur="500"/>
+                                        <p:tgtEl>
+                                          <p:spTgt spid="8"/>
+                                        </p:tgtEl>
+                                      </p:cBhvr>
+                                    </p:animEffect>
+                                  </p:childTnLst>
+                                </p:cTn>
+                              </p:par>
+                            </p:childTnLst>
+                          </p:cTn>
+                        </p:par>
+                      </p:childTnLst>
+                    </p:cTn>
+                  </p:par>
+                </p:childTnLst>
+              </p:cTn>
+              <p:prevCondLst>
+                <p:cond evt="onPrev" delay="0">
+                  <p:tgtEl>
+                    <p:sldTgt/>
+                  </p:tgtEl>
+                </p:cond>
+              </p:prevCondLst>
+              <p:nextCondLst>
+                <p:cond evt="onNext" delay="0">
+                  <p:tgtEl>
+                    <p:sldTgt/>
+                  </p:tgtEl>
+                </p:cond>
+              </p:nextCondLst>
+            </p:seq>
+          </p:childTnLst>
+        </p:cTn>
+      </p:par>
+    </p:tnLst>
+  </p:timing>
+</p:sld>
+</file>
+
 <file path=ppt/theme/theme1.xml><?xml version="1.0" encoding="utf-8"?>
 <a:theme xmlns:a="http://schemas.openxmlformats.org/drawingml/2006/main" name="Office Theme">
   <a:themeElements>
